--- a/Documents/JobZoom Presentation - Copy.pptx
+++ b/Documents/JobZoom Presentation - Copy.pptx
@@ -5,38 +5,40 @@
     <p:sldMasterId id="2147483694" r:id="rId1"/>
   </p:sldMasterIdLst>
   <p:notesMasterIdLst>
-    <p:notesMasterId r:id="rId28"/>
+    <p:notesMasterId r:id="rId30"/>
   </p:notesMasterIdLst>
   <p:handoutMasterIdLst>
-    <p:handoutMasterId r:id="rId29"/>
+    <p:handoutMasterId r:id="rId31"/>
   </p:handoutMasterIdLst>
   <p:sldIdLst>
     <p:sldId id="256" r:id="rId2"/>
     <p:sldId id="257" r:id="rId3"/>
     <p:sldId id="258" r:id="rId4"/>
     <p:sldId id="259" r:id="rId5"/>
-    <p:sldId id="261" r:id="rId6"/>
-    <p:sldId id="262" r:id="rId7"/>
-    <p:sldId id="263" r:id="rId8"/>
-    <p:sldId id="280" r:id="rId9"/>
-    <p:sldId id="265" r:id="rId10"/>
-    <p:sldId id="281" r:id="rId11"/>
-    <p:sldId id="266" r:id="rId12"/>
-    <p:sldId id="282" r:id="rId13"/>
-    <p:sldId id="267" r:id="rId14"/>
-    <p:sldId id="268" r:id="rId15"/>
-    <p:sldId id="269" r:id="rId16"/>
-    <p:sldId id="264" r:id="rId17"/>
-    <p:sldId id="270" r:id="rId18"/>
-    <p:sldId id="271" r:id="rId19"/>
-    <p:sldId id="272" r:id="rId20"/>
-    <p:sldId id="273" r:id="rId21"/>
-    <p:sldId id="274" r:id="rId22"/>
-    <p:sldId id="275" r:id="rId23"/>
-    <p:sldId id="279" r:id="rId24"/>
-    <p:sldId id="276" r:id="rId25"/>
-    <p:sldId id="277" r:id="rId26"/>
-    <p:sldId id="278" r:id="rId27"/>
+    <p:sldId id="284" r:id="rId6"/>
+    <p:sldId id="283" r:id="rId7"/>
+    <p:sldId id="261" r:id="rId8"/>
+    <p:sldId id="262" r:id="rId9"/>
+    <p:sldId id="263" r:id="rId10"/>
+    <p:sldId id="280" r:id="rId11"/>
+    <p:sldId id="285" r:id="rId12"/>
+    <p:sldId id="265" r:id="rId13"/>
+    <p:sldId id="266" r:id="rId14"/>
+    <p:sldId id="282" r:id="rId15"/>
+    <p:sldId id="267" r:id="rId16"/>
+    <p:sldId id="268" r:id="rId17"/>
+    <p:sldId id="269" r:id="rId18"/>
+    <p:sldId id="264" r:id="rId19"/>
+    <p:sldId id="270" r:id="rId20"/>
+    <p:sldId id="271" r:id="rId21"/>
+    <p:sldId id="272" r:id="rId22"/>
+    <p:sldId id="273" r:id="rId23"/>
+    <p:sldId id="274" r:id="rId24"/>
+    <p:sldId id="275" r:id="rId25"/>
+    <p:sldId id="279" r:id="rId26"/>
+    <p:sldId id="276" r:id="rId27"/>
+    <p:sldId id="277" r:id="rId28"/>
+    <p:sldId id="278" r:id="rId29"/>
   </p:sldIdLst>
   <p:sldSz cx="9144000" cy="6858000" type="screen4x3"/>
   <p:notesSz cx="6858000" cy="9144000"/>
@@ -4701,7 +4703,7 @@
           <a:p>
             <a:fld id="{303156EA-FEF9-40C4-8452-A54742E06326}" type="datetimeFigureOut">
               <a:rPr lang="vi-VN" smtClean="0"/>
-              <a:t>05/01/2012</a:t>
+              <a:t>06/01/2012</a:t>
             </a:fld>
             <a:endParaRPr lang="vi-VN"/>
           </a:p>
@@ -4868,7 +4870,7 @@
             <a:fld id="{2447E72A-D913-4DC2-9E0A-E520CE8FCC86}" type="datetimeFigureOut">
               <a:rPr lang="en-US" smtClean="0"/>
               <a:pPr/>
-              <a:t>1/5/2012</a:t>
+              <a:t>1/6/2012</a:t>
             </a:fld>
             <a:endParaRPr lang="en-US"/>
           </a:p>
@@ -5167,7 +5169,12 @@
             <p:ph type="sldImg"/>
           </p:nvPr>
         </p:nvSpPr>
-        <p:spPr/>
+        <p:spPr>
+          <a:xfrm>
+            <a:off x="1143000" y="685800"/>
+            <a:ext cx="4572000" cy="3429000"/>
+          </a:xfrm>
+        </p:spPr>
       </p:sp>
       <p:sp>
         <p:nvSpPr>
@@ -5225,7 +5232,12 @@
             <p:ph type="sldImg"/>
           </p:nvPr>
         </p:nvSpPr>
-        <p:spPr/>
+        <p:spPr>
+          <a:xfrm>
+            <a:off x="1143000" y="685800"/>
+            <a:ext cx="4572000" cy="3429000"/>
+          </a:xfrm>
+        </p:spPr>
       </p:sp>
       <p:sp>
         <p:nvSpPr>
@@ -6005,7 +6017,7 @@
             <a:pPr algn="ctr"/>
             <a:fld id="{DB3AC4FF-7527-473D-9116-A78ACDB7B002}" type="datetime8">
               <a:rPr lang="en-US" smtClean="0"/>
-              <a:t>1/5/2012 2:28 PM</a:t>
+              <a:t>1/6/2012 3:01 AM</a:t>
             </a:fld>
             <a:endParaRPr lang="en-US" sz="2000" dirty="0">
               <a:solidFill>
@@ -6027,7 +6039,7 @@
         </p:nvSpPr>
         <p:spPr>
           <a:xfrm>
-            <a:off x="2085393" y="236538"/>
+            <a:off x="2085393" y="236539"/>
             <a:ext cx="5867400" cy="365125"/>
           </a:xfrm>
         </p:spPr>
@@ -6221,7 +6233,7 @@
                   <a:schemeClr val="tx2"/>
                 </a:solidFill>
               </a:rPr>
-              <a:t>1/5/2012 2:28 PM</a:t>
+              <a:t>1/6/2012 3:01 AM</a:t>
             </a:fld>
             <a:endParaRPr lang="en-US"/>
           </a:p>
@@ -6318,7 +6330,7 @@
         </p:nvSpPr>
         <p:spPr>
           <a:xfrm>
-            <a:off x="6553200" y="609600"/>
+            <a:off x="6553200" y="609601"/>
             <a:ext cx="2057400" cy="5516563"/>
           </a:xfrm>
         </p:spPr>
@@ -6346,7 +6358,7 @@
         </p:nvSpPr>
         <p:spPr>
           <a:xfrm>
-            <a:off x="457200" y="609600"/>
+            <a:off x="457200" y="609601"/>
             <a:ext cx="5562600" cy="5516564"/>
           </a:xfrm>
         </p:spPr>
@@ -6403,7 +6415,7 @@
         </p:nvSpPr>
         <p:spPr>
           <a:xfrm>
-            <a:off x="6553200" y="6248402"/>
+            <a:off x="6553200" y="6248403"/>
             <a:ext cx="2209800" cy="365125"/>
           </a:xfrm>
         </p:spPr>
@@ -6417,7 +6429,7 @@
                   <a:schemeClr val="tx2"/>
                 </a:solidFill>
               </a:rPr>
-              <a:t>1/5/2012 2:28 PM</a:t>
+              <a:t>1/6/2012 3:01 AM</a:t>
             </a:fld>
             <a:endParaRPr lang="en-US" dirty="0"/>
           </a:p>
@@ -6435,7 +6447,7 @@
         </p:nvSpPr>
         <p:spPr>
           <a:xfrm>
-            <a:off x="457201" y="6248207"/>
+            <a:off x="457203" y="6248208"/>
             <a:ext cx="5573483" cy="365125"/>
           </a:xfrm>
         </p:spPr>
@@ -6659,7 +6671,7 @@
         </p:blipFill>
         <p:spPr bwMode="auto">
           <a:xfrm>
-            <a:off x="7092280" y="4293096"/>
+            <a:off x="7092282" y="4293096"/>
             <a:ext cx="2407941" cy="2527000"/>
           </a:xfrm>
           <a:prstGeom prst="rect">
@@ -6719,7 +6731,7 @@
           <a:p>
             <a:fld id="{ACFA9F14-9E1D-4A50-9760-EADEBCF8875A}" type="datetime8">
               <a:rPr lang="en-US" smtClean="0"/>
-              <a:t>1/5/2012 2:28 PM</a:t>
+              <a:t>1/6/2012 3:01 AM</a:t>
             </a:fld>
             <a:endParaRPr lang="en-US" dirty="0"/>
           </a:p>
@@ -6874,7 +6886,7 @@
         </p:nvSpPr>
         <p:spPr>
           <a:xfrm>
-            <a:off x="1371600" y="2743200"/>
+            <a:off x="1371602" y="2743201"/>
             <a:ext cx="7123113" cy="1673225"/>
           </a:xfrm>
         </p:spPr>
@@ -7135,7 +7147,7 @@
           <a:p>
             <a:fld id="{67583CB6-BCF9-42D4-BCDC-9094FDF08539}" type="datetime8">
               <a:rPr lang="en-US" smtClean="0"/>
-              <a:t>1/5/2012 2:28 PM</a:t>
+              <a:t>1/6/2012 3:01 AM</a:t>
             </a:fld>
             <a:endParaRPr lang="en-US"/>
           </a:p>
@@ -7153,7 +7165,7 @@
         </p:nvSpPr>
         <p:spPr>
           <a:xfrm>
-            <a:off x="0" y="1752600"/>
+            <a:off x="0" y="1752601"/>
             <a:ext cx="1295400" cy="701676"/>
           </a:xfrm>
         </p:spPr>
@@ -7390,7 +7402,7 @@
           <a:p>
             <a:fld id="{F3B0C4B6-2525-4AE6-B3C3-55AC237D96E5}" type="datetime8">
               <a:rPr lang="en-US" smtClean="0"/>
-              <a:t>1/5/2012 2:28 PM</a:t>
+              <a:t>1/6/2012 3:01 AM</a:t>
             </a:fld>
             <a:endParaRPr lang="en-US"/>
           </a:p>
@@ -7485,7 +7497,7 @@
         <p:spPr>
           <a:xfrm>
             <a:off x="533400" y="273050"/>
-            <a:ext cx="8153400" cy="869950"/>
+            <a:ext cx="8153400" cy="869951"/>
           </a:xfrm>
         </p:spPr>
         <p:txBody>
@@ -7635,7 +7647,7 @@
           <a:p>
             <a:fld id="{B0884233-0FCF-49FD-96DF-1DAAE5FB8E5F}" type="datetime8">
               <a:rPr lang="en-US" smtClean="0"/>
-              <a:t>1/5/2012 2:28 PM</a:t>
+              <a:t>1/6/2012 3:01 AM</a:t>
             </a:fld>
             <a:endParaRPr lang="en-US"/>
           </a:p>
@@ -7832,7 +7844,7 @@
           <a:p>
             <a:fld id="{925A36DC-A6B9-49A0-8592-C10893892C73}" type="datetime8">
               <a:rPr lang="en-US" smtClean="0"/>
-              <a:t>1/5/2012 2:28 PM</a:t>
+              <a:t>1/6/2012 3:01 AM</a:t>
             </a:fld>
             <a:endParaRPr lang="en-US"/>
           </a:p>
@@ -7935,7 +7947,7 @@
           <a:p>
             <a:fld id="{9D46CA07-655C-445C-9C09-8E6C2DF4CEC3}" type="datetime8">
               <a:rPr lang="en-US" smtClean="0"/>
-              <a:t>1/5/2012 2:28 PM</a:t>
+              <a:t>1/6/2012 3:01 AM</a:t>
             </a:fld>
             <a:endParaRPr lang="en-US"/>
           </a:p>
@@ -8046,7 +8058,7 @@
         <p:spPr>
           <a:xfrm>
             <a:off x="609600" y="273050"/>
-            <a:ext cx="8077200" cy="869950"/>
+            <a:ext cx="8077200" cy="869951"/>
           </a:xfrm>
         </p:spPr>
         <p:txBody>
@@ -8083,7 +8095,7 @@
           <a:p>
             <a:fld id="{F2D3B79E-6498-490A-A85A-E8302493EBB7}" type="datetime8">
               <a:rPr lang="en-US" smtClean="0"/>
-              <a:t>1/5/2012 2:28 PM</a:t>
+              <a:t>1/6/2012 3:01 AM</a:t>
             </a:fld>
             <a:endParaRPr lang="en-US"/>
           </a:p>
@@ -8217,7 +8229,7 @@
         </p:blipFill>
         <p:spPr>
           <a:xfrm>
-            <a:off x="612648" y="1755648"/>
+            <a:off x="612650" y="1755648"/>
             <a:ext cx="1615307" cy="1688453"/>
           </a:xfrm>
           <a:prstGeom prst="rect">
@@ -8557,7 +8569,7 @@
           <a:p>
             <a:fld id="{D73C48E5-5E3A-4FFD-8978-6ECFCE87ADA1}" type="datetime8">
               <a:rPr lang="en-US" smtClean="0"/>
-              <a:t>1/5/2012 2:28 PM</a:t>
+              <a:t>1/6/2012 3:01 AM</a:t>
             </a:fld>
             <a:endParaRPr lang="en-US"/>
           </a:p>
@@ -8576,7 +8588,7 @@
         <p:spPr>
           <a:xfrm>
             <a:off x="0" y="4667249"/>
-            <a:ext cx="1447800" cy="663578"/>
+            <a:ext cx="1447800" cy="663579"/>
           </a:xfrm>
         </p:spPr>
         <p:txBody>
@@ -8609,7 +8621,7 @@
         </p:nvSpPr>
         <p:spPr>
           <a:xfrm>
-            <a:off x="1600200" y="6248206"/>
+            <a:off x="1600200" y="6248207"/>
             <a:ext cx="4572000" cy="365125"/>
           </a:xfrm>
         </p:spPr>
@@ -8840,7 +8852,7 @@
                   <a:schemeClr val="tx2"/>
                 </a:solidFill>
               </a:rPr>
-              <a:t>1/5/2012 2:28 PM</a:t>
+              <a:t>1/6/2012 3:01 AM</a:t>
             </a:fld>
             <a:endParaRPr lang="en-US" sz="1400" dirty="0">
               <a:solidFill>
@@ -8862,7 +8874,7 @@
         </p:nvSpPr>
         <p:spPr>
           <a:xfrm>
-            <a:off x="609600" y="6248206"/>
+            <a:off x="609602" y="6248207"/>
             <a:ext cx="5421083" cy="365125"/>
           </a:xfrm>
           <a:prstGeom prst="rect">
@@ -9044,7 +9056,7 @@
         </p:nvSpPr>
         <p:spPr>
           <a:xfrm>
-            <a:off x="0" y="1272222"/>
+            <a:off x="0" y="1272223"/>
             <a:ext cx="533400" cy="244476"/>
           </a:xfrm>
           <a:prstGeom prst="rect">
@@ -9484,7 +9496,7 @@
         <p:spPr bwMode="auto">
           <a:xfrm>
             <a:off x="9784" y="-27384"/>
-            <a:ext cx="9179902" cy="6058926"/>
+            <a:ext cx="9179902" cy="6058927"/>
           </a:xfrm>
           <a:prstGeom prst="rect">
             <a:avLst/>
@@ -9736,7 +9748,7 @@
         </p:blipFill>
         <p:spPr>
           <a:xfrm>
-            <a:off x="323527" y="305062"/>
+            <a:off x="323529" y="305063"/>
             <a:ext cx="2520281" cy="1157237"/>
           </a:xfrm>
           <a:prstGeom prst="rect">
@@ -9754,7 +9766,7 @@
         </p:nvSpPr>
         <p:spPr>
           <a:xfrm>
-            <a:off x="2339752" y="6031542"/>
+            <a:off x="2339752" y="6031543"/>
             <a:ext cx="4806752" cy="692696"/>
           </a:xfrm>
           <a:prstGeom prst="rect">
@@ -10208,7 +10220,7 @@
       </p:grpSpPr>
       <p:sp>
         <p:nvSpPr>
-          <p:cNvPr id="2" name="Title 1"/>
+          <p:cNvPr id="5" name="Title 4"/>
           <p:cNvSpPr>
             <a:spLocks noGrp="1"/>
           </p:cNvSpPr>
@@ -10224,16 +10236,16 @@
           <a:lstStyle/>
           <a:p>
             <a:r>
-              <a:rPr lang="en-US" sz="3600" dirty="0" smtClean="0"/>
-              <a:t>Similarity</a:t>
-            </a:r>
-            <a:endParaRPr lang="vi-VN" sz="3600" dirty="0"/>
+              <a:rPr lang="en-US" sz="4000" smtClean="0"/>
+              <a:t>Tag</a:t>
+            </a:r>
+            <a:endParaRPr lang="vi-VN" sz="4000" dirty="0"/>
           </a:p>
         </p:txBody>
       </p:sp>
       <p:sp>
         <p:nvSpPr>
-          <p:cNvPr id="3" name="Slide Number Placeholder 2"/>
+          <p:cNvPr id="4" name="Slide Number Placeholder 3"/>
           <p:cNvSpPr>
             <a:spLocks noGrp="1"/>
           </p:cNvSpPr>
@@ -10248,12 +10260,13 @@
           </a:bodyPr>
           <a:lstStyle/>
           <a:p>
+            <a:pPr algn="ctr"/>
             <a:fld id="{1AD93096-5B34-4342-9326-69289CEAE4C2}" type="slidenum">
               <a:rPr lang="en-US" smtClean="0"/>
-              <a:pPr/>
+              <a:pPr algn="ctr"/>
               <a:t>10</a:t>
             </a:fld>
-            <a:endParaRPr lang="en-US" dirty="0">
+            <a:endParaRPr lang="en-US" sz="2400" dirty="0">
               <a:solidFill>
                 <a:srgbClr val="FFFFFF"/>
               </a:solidFill>
@@ -10261,32 +10274,10 @@
           </a:p>
         </p:txBody>
       </p:sp>
-      <p:pic>
-        <p:nvPicPr>
-          <p:cNvPr id="8" name="Picture 7"/>
-          <p:cNvPicPr/>
-          <p:nvPr/>
-        </p:nvPicPr>
-        <p:blipFill>
-          <a:blip r:embed="rId2"/>
-          <a:stretch>
-            <a:fillRect/>
-          </a:stretch>
-        </p:blipFill>
-        <p:spPr>
-          <a:xfrm>
-            <a:off x="1835696" y="2140019"/>
-            <a:ext cx="5112568" cy="2585125"/>
-          </a:xfrm>
-          <a:prstGeom prst="rect">
-            <a:avLst/>
-          </a:prstGeom>
-        </p:spPr>
-      </p:pic>
     </p:spTree>
     <p:extLst>
       <p:ext uri="{BB962C8B-B14F-4D97-AF65-F5344CB8AC3E}">
-        <p14:creationId xmlns:p14="http://schemas.microsoft.com/office/powerpoint/2010/main" val="4028886652"/>
+        <p14:creationId xmlns:p14="http://schemas.microsoft.com/office/powerpoint/2010/main" val="3162985393"/>
       </p:ext>
     </p:extLst>
   </p:cSld>
@@ -10322,6 +10313,242 @@
       </p:grpSpPr>
       <p:sp>
         <p:nvSpPr>
+          <p:cNvPr id="5" name="Title 4"/>
+          <p:cNvSpPr>
+            <a:spLocks noGrp="1"/>
+          </p:cNvSpPr>
+          <p:nvPr>
+            <p:ph type="title"/>
+          </p:nvPr>
+        </p:nvSpPr>
+        <p:spPr/>
+        <p:txBody>
+          <a:bodyPr>
+            <a:normAutofit/>
+          </a:bodyPr>
+          <a:lstStyle/>
+          <a:p>
+            <a:r>
+              <a:rPr lang="en-US" sz="4000" smtClean="0"/>
+              <a:t>taxonomy</a:t>
+            </a:r>
+            <a:endParaRPr lang="vi-VN" sz="4000" dirty="0"/>
+          </a:p>
+        </p:txBody>
+      </p:sp>
+      <p:sp>
+        <p:nvSpPr>
+          <p:cNvPr id="4" name="Slide Number Placeholder 3"/>
+          <p:cNvSpPr>
+            <a:spLocks noGrp="1"/>
+          </p:cNvSpPr>
+          <p:nvPr>
+            <p:ph type="sldNum" sz="quarter" idx="12"/>
+          </p:nvPr>
+        </p:nvSpPr>
+        <p:spPr/>
+        <p:txBody>
+          <a:bodyPr>
+            <a:normAutofit fontScale="85000" lnSpcReduction="20000"/>
+          </a:bodyPr>
+          <a:lstStyle/>
+          <a:p>
+            <a:pPr algn="ctr"/>
+            <a:fld id="{1AD93096-5B34-4342-9326-69289CEAE4C2}" type="slidenum">
+              <a:rPr lang="en-US" smtClean="0"/>
+              <a:pPr algn="ctr"/>
+              <a:t>11</a:t>
+            </a:fld>
+            <a:endParaRPr lang="en-US" sz="2400" dirty="0">
+              <a:solidFill>
+                <a:srgbClr val="FFFFFF"/>
+              </a:solidFill>
+            </a:endParaRPr>
+          </a:p>
+        </p:txBody>
+      </p:sp>
+      <p:pic>
+        <p:nvPicPr>
+          <p:cNvPr id="87" name="Picture 2"/>
+          <p:cNvPicPr>
+            <a:picLocks noChangeAspect="1" noChangeArrowheads="1"/>
+          </p:cNvPicPr>
+          <p:nvPr/>
+        </p:nvPicPr>
+        <p:blipFill>
+          <a:blip r:embed="rId2">
+            <a:extLst>
+              <a:ext uri="{28A0092B-C50C-407E-A947-70E740481C1C}">
+                <a14:useLocalDpi xmlns:a14="http://schemas.microsoft.com/office/drawing/2010/main" val="0"/>
+              </a:ext>
+            </a:extLst>
+          </a:blip>
+          <a:srcRect/>
+          <a:stretch>
+            <a:fillRect/>
+          </a:stretch>
+        </p:blipFill>
+        <p:spPr bwMode="auto">
+          <a:xfrm>
+            <a:off x="611560" y="2204865"/>
+            <a:ext cx="8028384" cy="3380372"/>
+          </a:xfrm>
+          <a:prstGeom prst="rect">
+            <a:avLst/>
+          </a:prstGeom>
+          <a:noFill/>
+          <a:ln>
+            <a:noFill/>
+          </a:ln>
+          <a:effectLst/>
+          <a:extLst>
+            <a:ext uri="{909E8E84-426E-40DD-AFC4-6F175D3DCCD1}">
+              <a14:hiddenFill xmlns:a14="http://schemas.microsoft.com/office/drawing/2010/main">
+                <a:solidFill>
+                  <a:schemeClr val="accent1"/>
+                </a:solidFill>
+              </a14:hiddenFill>
+            </a:ext>
+            <a:ext uri="{91240B29-F687-4F45-9708-019B960494DF}">
+              <a14:hiddenLine xmlns:a14="http://schemas.microsoft.com/office/drawing/2010/main" w="9525">
+                <a:solidFill>
+                  <a:schemeClr val="tx1"/>
+                </a:solidFill>
+                <a:miter lim="800000"/>
+                <a:headEnd/>
+                <a:tailEnd/>
+              </a14:hiddenLine>
+            </a:ext>
+            <a:ext uri="{AF507438-7753-43E0-B8FC-AC1667EBCBE1}">
+              <a14:hiddenEffects xmlns:a14="http://schemas.microsoft.com/office/drawing/2010/main">
+                <a:effectLst>
+                  <a:outerShdw dist="35921" dir="2700000" algn="ctr" rotWithShape="0">
+                    <a:schemeClr val="bg2"/>
+                  </a:outerShdw>
+                </a:effectLst>
+              </a14:hiddenEffects>
+            </a:ext>
+          </a:extLst>
+        </p:spPr>
+      </p:pic>
+    </p:spTree>
+    <p:extLst>
+      <p:ext uri="{BB962C8B-B14F-4D97-AF65-F5344CB8AC3E}">
+        <p14:creationId xmlns:p14="http://schemas.microsoft.com/office/powerpoint/2010/main" val="578477616"/>
+      </p:ext>
+    </p:extLst>
+  </p:cSld>
+  <p:clrMapOvr>
+    <a:masterClrMapping/>
+  </p:clrMapOvr>
+  <p:timing>
+    <p:tnLst>
+      <p:par>
+        <p:cTn id="1" dur="indefinite" restart="never" nodeType="tmRoot">
+          <p:childTnLst>
+            <p:seq concurrent="1" nextAc="seek">
+              <p:cTn id="2" dur="indefinite" nodeType="mainSeq">
+                <p:childTnLst>
+                  <p:par>
+                    <p:cTn id="3" fill="hold">
+                      <p:stCondLst>
+                        <p:cond delay="indefinite"/>
+                        <p:cond evt="onBegin" delay="0">
+                          <p:tn val="2"/>
+                        </p:cond>
+                      </p:stCondLst>
+                      <p:childTnLst>
+                        <p:par>
+                          <p:cTn id="4" fill="hold">
+                            <p:stCondLst>
+                              <p:cond delay="0"/>
+                            </p:stCondLst>
+                            <p:childTnLst>
+                              <p:par>
+                                <p:cTn id="5" presetID="10" presetClass="entr" presetSubtype="0" fill="hold" nodeType="withEffect">
+                                  <p:stCondLst>
+                                    <p:cond delay="0"/>
+                                  </p:stCondLst>
+                                  <p:childTnLst>
+                                    <p:set>
+                                      <p:cBhvr>
+                                        <p:cTn id="6" dur="1" fill="hold">
+                                          <p:stCondLst>
+                                            <p:cond delay="0"/>
+                                          </p:stCondLst>
+                                        </p:cTn>
+                                        <p:tgtEl>
+                                          <p:spTgt spid="87"/>
+                                        </p:tgtEl>
+                                        <p:attrNameLst>
+                                          <p:attrName>style.visibility</p:attrName>
+                                        </p:attrNameLst>
+                                      </p:cBhvr>
+                                      <p:to>
+                                        <p:strVal val="visible"/>
+                                      </p:to>
+                                    </p:set>
+                                    <p:animEffect transition="in" filter="fade">
+                                      <p:cBhvr>
+                                        <p:cTn id="7" dur="500"/>
+                                        <p:tgtEl>
+                                          <p:spTgt spid="87"/>
+                                        </p:tgtEl>
+                                      </p:cBhvr>
+                                    </p:animEffect>
+                                  </p:childTnLst>
+                                </p:cTn>
+                              </p:par>
+                            </p:childTnLst>
+                          </p:cTn>
+                        </p:par>
+                      </p:childTnLst>
+                    </p:cTn>
+                  </p:par>
+                </p:childTnLst>
+              </p:cTn>
+              <p:prevCondLst>
+                <p:cond evt="onPrev" delay="0">
+                  <p:tgtEl>
+                    <p:sldTgt/>
+                  </p:tgtEl>
+                </p:cond>
+              </p:prevCondLst>
+              <p:nextCondLst>
+                <p:cond evt="onNext" delay="0">
+                  <p:tgtEl>
+                    <p:sldTgt/>
+                  </p:tgtEl>
+                </p:cond>
+              </p:nextCondLst>
+            </p:seq>
+          </p:childTnLst>
+        </p:cTn>
+      </p:par>
+    </p:tnLst>
+  </p:timing>
+</p:sld>
+</file>
+
+<file path=ppt/slides/slide12.xml><?xml version="1.0" encoding="utf-8"?>
+<p:sld xmlns:a="http://schemas.openxmlformats.org/drawingml/2006/main" xmlns:r="http://schemas.openxmlformats.org/officeDocument/2006/relationships" xmlns:p="http://schemas.openxmlformats.org/presentationml/2006/main">
+  <p:cSld>
+    <p:spTree>
+      <p:nvGrpSpPr>
+        <p:cNvPr id="1" name=""/>
+        <p:cNvGrpSpPr/>
+        <p:nvPr/>
+      </p:nvGrpSpPr>
+      <p:grpSpPr>
+        <a:xfrm>
+          <a:off x="0" y="0"/>
+          <a:ext cx="0" cy="0"/>
+          <a:chOff x="0" y="0"/>
+          <a:chExt cx="0" cy="0"/>
+        </a:xfrm>
+      </p:grpSpPr>
+      <p:sp>
+        <p:nvSpPr>
           <p:cNvPr id="2" name="Title 1"/>
           <p:cNvSpPr>
             <a:spLocks noGrp="1"/>
@@ -10332,30 +10559,44 @@
         </p:nvSpPr>
         <p:spPr/>
         <p:txBody>
-          <a:bodyPr/>
+          <a:bodyPr>
+            <a:normAutofit/>
+          </a:bodyPr>
           <a:lstStyle/>
           <a:p>
             <a:r>
-              <a:rPr lang="en-US" dirty="0" err="1" smtClean="0"/>
-              <a:t>Cây</a:t>
-            </a:r>
-            <a:r>
-              <a:rPr lang="en-US" dirty="0" smtClean="0"/>
+              <a:rPr lang="en-US" sz="3600" dirty="0" err="1" smtClean="0"/>
+              <a:t>Giải</a:t>
+            </a:r>
+            <a:r>
+              <a:rPr lang="en-US" sz="3600" dirty="0" smtClean="0"/>
               <a:t> </a:t>
             </a:r>
             <a:r>
-              <a:rPr lang="en-US" dirty="0" err="1" smtClean="0"/>
-              <a:t>quyết</a:t>
-            </a:r>
-            <a:r>
-              <a:rPr lang="en-US" dirty="0" smtClean="0"/>
+              <a:rPr lang="en-US" sz="3600" dirty="0" err="1" smtClean="0"/>
+              <a:t>pháp</a:t>
+            </a:r>
+            <a:r>
+              <a:rPr lang="en-US" sz="3600" dirty="0" smtClean="0"/>
+              <a:t> so </a:t>
+            </a:r>
+            <a:r>
+              <a:rPr lang="en-US" sz="3600" dirty="0" err="1" smtClean="0"/>
+              <a:t>khớp</a:t>
+            </a:r>
+            <a:r>
+              <a:rPr lang="en-US" sz="3600" dirty="0" smtClean="0"/>
               <a:t> </a:t>
             </a:r>
             <a:r>
-              <a:rPr lang="en-US" dirty="0" err="1" smtClean="0"/>
-              <a:t>định</a:t>
-            </a:r>
-            <a:endParaRPr lang="vi-VN" dirty="0"/>
+              <a:rPr lang="en-US" sz="3600" dirty="0" err="1" smtClean="0"/>
+              <a:t>thông</a:t>
+            </a:r>
+            <a:r>
+              <a:rPr lang="en-US" sz="3600" dirty="0" smtClean="0"/>
+              <a:t> tin</a:t>
+            </a:r>
+            <a:endParaRPr lang="vi-VN" sz="3600" dirty="0"/>
           </a:p>
         </p:txBody>
       </p:sp>
@@ -10379,7 +10620,260 @@
             <a:fld id="{1AD93096-5B34-4342-9326-69289CEAE4C2}" type="slidenum">
               <a:rPr lang="en-US" smtClean="0"/>
               <a:pPr/>
-              <a:t>11</a:t>
+              <a:t>12</a:t>
+            </a:fld>
+            <a:endParaRPr lang="en-US" dirty="0">
+              <a:solidFill>
+                <a:srgbClr val="FFFFFF"/>
+              </a:solidFill>
+            </a:endParaRPr>
+          </a:p>
+        </p:txBody>
+      </p:sp>
+      <p:pic>
+        <p:nvPicPr>
+          <p:cNvPr id="1026" name="Picture 2"/>
+          <p:cNvPicPr>
+            <a:picLocks noGrp="1" noChangeAspect="1" noChangeArrowheads="1"/>
+          </p:cNvPicPr>
+          <p:nvPr>
+            <p:ph sz="quarter" idx="1"/>
+          </p:nvPr>
+        </p:nvPicPr>
+        <p:blipFill>
+          <a:blip r:embed="rId2">
+            <a:extLst>
+              <a:ext uri="{28A0092B-C50C-407E-A947-70E740481C1C}">
+                <a14:useLocalDpi xmlns:a14="http://schemas.microsoft.com/office/drawing/2010/main" val="0"/>
+              </a:ext>
+            </a:extLst>
+          </a:blip>
+          <a:srcRect/>
+          <a:stretch>
+            <a:fillRect/>
+          </a:stretch>
+        </p:blipFill>
+        <p:spPr bwMode="auto">
+          <a:xfrm>
+            <a:off x="2123730" y="1668112"/>
+            <a:ext cx="4833393" cy="5189888"/>
+          </a:xfrm>
+          <a:prstGeom prst="rect">
+            <a:avLst/>
+          </a:prstGeom>
+          <a:noFill/>
+          <a:ln>
+            <a:noFill/>
+          </a:ln>
+          <a:effectLst/>
+          <a:extLst>
+            <a:ext uri="{909E8E84-426E-40DD-AFC4-6F175D3DCCD1}">
+              <a14:hiddenFill xmlns:a14="http://schemas.microsoft.com/office/drawing/2010/main">
+                <a:solidFill>
+                  <a:schemeClr val="accent1"/>
+                </a:solidFill>
+              </a14:hiddenFill>
+            </a:ext>
+            <a:ext uri="{91240B29-F687-4F45-9708-019B960494DF}">
+              <a14:hiddenLine xmlns:a14="http://schemas.microsoft.com/office/drawing/2010/main" w="9525">
+                <a:solidFill>
+                  <a:schemeClr val="tx1"/>
+                </a:solidFill>
+                <a:miter lim="800000"/>
+                <a:headEnd/>
+                <a:tailEnd/>
+              </a14:hiddenLine>
+            </a:ext>
+            <a:ext uri="{AF507438-7753-43E0-B8FC-AC1667EBCBE1}">
+              <a14:hiddenEffects xmlns:a14="http://schemas.microsoft.com/office/drawing/2010/main">
+                <a:effectLst>
+                  <a:outerShdw dist="35921" dir="2700000" algn="ctr" rotWithShape="0">
+                    <a:schemeClr val="bg2"/>
+                  </a:outerShdw>
+                </a:effectLst>
+              </a14:hiddenEffects>
+            </a:ext>
+          </a:extLst>
+        </p:spPr>
+      </p:pic>
+    </p:spTree>
+    <p:extLst>
+      <p:ext uri="{BB962C8B-B14F-4D97-AF65-F5344CB8AC3E}">
+        <p14:creationId xmlns:p14="http://schemas.microsoft.com/office/powerpoint/2010/main" val="1169248967"/>
+      </p:ext>
+    </p:extLst>
+  </p:cSld>
+  <p:clrMapOvr>
+    <a:masterClrMapping/>
+  </p:clrMapOvr>
+  <p:timing>
+    <p:tnLst>
+      <p:par>
+        <p:cTn id="1" dur="indefinite" restart="never" nodeType="tmRoot">
+          <p:childTnLst>
+            <p:seq concurrent="1" nextAc="seek">
+              <p:cTn id="2" dur="indefinite" nodeType="mainSeq">
+                <p:childTnLst>
+                  <p:par>
+                    <p:cTn id="3" fill="hold">
+                      <p:stCondLst>
+                        <p:cond delay="indefinite"/>
+                        <p:cond evt="onBegin" delay="0">
+                          <p:tn val="2"/>
+                        </p:cond>
+                      </p:stCondLst>
+                      <p:childTnLst>
+                        <p:par>
+                          <p:cTn id="4" fill="hold">
+                            <p:stCondLst>
+                              <p:cond delay="0"/>
+                            </p:stCondLst>
+                            <p:childTnLst>
+                              <p:par>
+                                <p:cTn id="5" presetID="10" presetClass="entr" presetSubtype="0" fill="hold" nodeType="withEffect">
+                                  <p:stCondLst>
+                                    <p:cond delay="0"/>
+                                  </p:stCondLst>
+                                  <p:childTnLst>
+                                    <p:set>
+                                      <p:cBhvr>
+                                        <p:cTn id="6" dur="1" fill="hold">
+                                          <p:stCondLst>
+                                            <p:cond delay="0"/>
+                                          </p:stCondLst>
+                                        </p:cTn>
+                                        <p:tgtEl>
+                                          <p:spTgt spid="1026"/>
+                                        </p:tgtEl>
+                                        <p:attrNameLst>
+                                          <p:attrName>style.visibility</p:attrName>
+                                        </p:attrNameLst>
+                                      </p:cBhvr>
+                                      <p:to>
+                                        <p:strVal val="visible"/>
+                                      </p:to>
+                                    </p:set>
+                                    <p:animEffect transition="in" filter="fade">
+                                      <p:cBhvr>
+                                        <p:cTn id="7" dur="500"/>
+                                        <p:tgtEl>
+                                          <p:spTgt spid="1026"/>
+                                        </p:tgtEl>
+                                      </p:cBhvr>
+                                    </p:animEffect>
+                                  </p:childTnLst>
+                                </p:cTn>
+                              </p:par>
+                            </p:childTnLst>
+                          </p:cTn>
+                        </p:par>
+                      </p:childTnLst>
+                    </p:cTn>
+                  </p:par>
+                </p:childTnLst>
+              </p:cTn>
+              <p:prevCondLst>
+                <p:cond evt="onPrev" delay="0">
+                  <p:tgtEl>
+                    <p:sldTgt/>
+                  </p:tgtEl>
+                </p:cond>
+              </p:prevCondLst>
+              <p:nextCondLst>
+                <p:cond evt="onNext" delay="0">
+                  <p:tgtEl>
+                    <p:sldTgt/>
+                  </p:tgtEl>
+                </p:cond>
+              </p:nextCondLst>
+            </p:seq>
+          </p:childTnLst>
+        </p:cTn>
+      </p:par>
+    </p:tnLst>
+  </p:timing>
+</p:sld>
+</file>
+
+<file path=ppt/slides/slide13.xml><?xml version="1.0" encoding="utf-8"?>
+<p:sld xmlns:a="http://schemas.openxmlformats.org/drawingml/2006/main" xmlns:r="http://schemas.openxmlformats.org/officeDocument/2006/relationships" xmlns:p="http://schemas.openxmlformats.org/presentationml/2006/main">
+  <p:cSld>
+    <p:spTree>
+      <p:nvGrpSpPr>
+        <p:cNvPr id="1" name=""/>
+        <p:cNvGrpSpPr/>
+        <p:nvPr/>
+      </p:nvGrpSpPr>
+      <p:grpSpPr>
+        <a:xfrm>
+          <a:off x="0" y="0"/>
+          <a:ext cx="0" cy="0"/>
+          <a:chOff x="0" y="0"/>
+          <a:chExt cx="0" cy="0"/>
+        </a:xfrm>
+      </p:grpSpPr>
+      <p:sp>
+        <p:nvSpPr>
+          <p:cNvPr id="2" name="Title 1"/>
+          <p:cNvSpPr>
+            <a:spLocks noGrp="1"/>
+          </p:cNvSpPr>
+          <p:nvPr>
+            <p:ph type="title"/>
+          </p:nvPr>
+        </p:nvSpPr>
+        <p:spPr/>
+        <p:txBody>
+          <a:bodyPr>
+            <a:normAutofit/>
+          </a:bodyPr>
+          <a:lstStyle/>
+          <a:p>
+            <a:r>
+              <a:rPr lang="en-US" dirty="0" err="1" smtClean="0"/>
+              <a:t>Cây</a:t>
+            </a:r>
+            <a:r>
+              <a:rPr lang="en-US" dirty="0" smtClean="0"/>
+              <a:t> </a:t>
+            </a:r>
+            <a:r>
+              <a:rPr lang="en-US" dirty="0" err="1" smtClean="0"/>
+              <a:t>quyết</a:t>
+            </a:r>
+            <a:r>
+              <a:rPr lang="en-US" dirty="0" smtClean="0"/>
+              <a:t> </a:t>
+            </a:r>
+            <a:r>
+              <a:rPr lang="en-US" dirty="0" err="1" smtClean="0"/>
+              <a:t>định</a:t>
+            </a:r>
+            <a:endParaRPr lang="vi-VN" dirty="0"/>
+          </a:p>
+        </p:txBody>
+      </p:sp>
+      <p:sp>
+        <p:nvSpPr>
+          <p:cNvPr id="3" name="Slide Number Placeholder 2"/>
+          <p:cNvSpPr>
+            <a:spLocks noGrp="1"/>
+          </p:cNvSpPr>
+          <p:nvPr>
+            <p:ph type="sldNum" sz="quarter" idx="12"/>
+          </p:nvPr>
+        </p:nvSpPr>
+        <p:spPr/>
+        <p:txBody>
+          <a:bodyPr>
+            <a:normAutofit fontScale="85000" lnSpcReduction="20000"/>
+          </a:bodyPr>
+          <a:lstStyle/>
+          <a:p>
+            <a:fld id="{1AD93096-5B34-4342-9326-69289CEAE4C2}" type="slidenum">
+              <a:rPr lang="en-US" smtClean="0"/>
+              <a:pPr/>
+              <a:t>13</a:t>
             </a:fld>
             <a:endParaRPr lang="en-US" dirty="0">
               <a:solidFill>
@@ -10412,7 +10906,7 @@
         </p:blipFill>
         <p:spPr bwMode="auto">
           <a:xfrm>
-            <a:off x="2195736" y="2060848"/>
+            <a:off x="2195738" y="2060848"/>
             <a:ext cx="5071823" cy="3528392"/>
           </a:xfrm>
           <a:prstGeom prst="rect">
@@ -10473,7 +10967,7 @@
 </p:sld>
 </file>
 
-<file path=ppt/slides/slide12.xml><?xml version="1.0" encoding="utf-8"?>
+<file path=ppt/slides/slide14.xml><?xml version="1.0" encoding="utf-8"?>
 <p:sld xmlns:a="http://schemas.openxmlformats.org/drawingml/2006/main" xmlns:r="http://schemas.openxmlformats.org/officeDocument/2006/relationships" xmlns:p="http://schemas.openxmlformats.org/presentationml/2006/main">
   <p:cSld>
     <p:spTree>
@@ -10566,7 +11060,9 @@
         </p:nvSpPr>
         <p:spPr/>
         <p:txBody>
-          <a:bodyPr/>
+          <a:bodyPr>
+            <a:normAutofit/>
+          </a:bodyPr>
           <a:lstStyle/>
           <a:p>
             <a:r>
@@ -10613,7 +11109,7 @@
             <a:fld id="{1AD93096-5B34-4342-9326-69289CEAE4C2}" type="slidenum">
               <a:rPr lang="en-US" smtClean="0"/>
               <a:pPr/>
-              <a:t>12</a:t>
+              <a:t>14</a:t>
             </a:fld>
             <a:endParaRPr lang="en-US" dirty="0">
               <a:solidFill>
@@ -10676,7 +11172,7 @@
         </p:blipFill>
         <p:spPr bwMode="auto">
           <a:xfrm>
-            <a:off x="985431" y="1912672"/>
+            <a:off x="985433" y="1912672"/>
             <a:ext cx="994281" cy="1362029"/>
           </a:xfrm>
           <a:prstGeom prst="rect">
@@ -10702,7 +11198,7 @@
         </p:nvSpPr>
         <p:spPr>
           <a:xfrm>
-            <a:off x="3214648" y="3434239"/>
+            <a:off x="3214648" y="3434238"/>
             <a:ext cx="2412840" cy="369332"/>
           </a:xfrm>
           <a:prstGeom prst="rect">
@@ -10747,7 +11243,7 @@
         </p:blipFill>
         <p:spPr bwMode="auto">
           <a:xfrm>
-            <a:off x="3923928" y="1912671"/>
+            <a:off x="3923930" y="1912672"/>
             <a:ext cx="994281" cy="1362029"/>
           </a:xfrm>
           <a:prstGeom prst="rect">
@@ -10773,7 +11269,7 @@
         </p:nvSpPr>
         <p:spPr>
           <a:xfrm>
-            <a:off x="6366549" y="3434239"/>
+            <a:off x="6366551" y="3434238"/>
             <a:ext cx="2013693" cy="369332"/>
           </a:xfrm>
           <a:prstGeom prst="rect">
@@ -10818,7 +11314,7 @@
         </p:blipFill>
         <p:spPr bwMode="auto">
           <a:xfrm>
-            <a:off x="6876256" y="1912670"/>
+            <a:off x="6876258" y="1912671"/>
             <a:ext cx="994281" cy="1362029"/>
           </a:xfrm>
           <a:prstGeom prst="rect">
@@ -10844,7 +11340,7 @@
         </p:nvSpPr>
         <p:spPr>
           <a:xfrm>
-            <a:off x="2123728" y="2593684"/>
+            <a:off x="2123728" y="2593685"/>
             <a:ext cx="1656184" cy="331260"/>
           </a:xfrm>
           <a:prstGeom prst="rightArrow">
@@ -10884,7 +11380,7 @@
         </p:nvSpPr>
         <p:spPr>
           <a:xfrm>
-            <a:off x="5076056" y="2580769"/>
+            <a:off x="5076056" y="2580770"/>
             <a:ext cx="1656184" cy="331260"/>
           </a:xfrm>
           <a:prstGeom prst="rightArrow">
@@ -10983,7 +11479,7 @@
         </p:blipFill>
         <p:spPr bwMode="auto">
           <a:xfrm>
-            <a:off x="1896733" y="5013176"/>
+            <a:off x="1896735" y="5013176"/>
             <a:ext cx="5316537" cy="1127125"/>
           </a:xfrm>
           <a:prstGeom prst="rect">
@@ -11856,7 +12352,7 @@
 </p:sld>
 </file>
 
-<file path=ppt/slides/slide13.xml><?xml version="1.0" encoding="utf-8"?>
+<file path=ppt/slides/slide15.xml><?xml version="1.0" encoding="utf-8"?>
 <p:sld xmlns:a="http://schemas.openxmlformats.org/drawingml/2006/main" xmlns:r="http://schemas.openxmlformats.org/officeDocument/2006/relationships" xmlns:p="http://schemas.openxmlformats.org/presentationml/2006/main">
   <p:cSld>
     <p:spTree>
@@ -11885,7 +12381,9 @@
         </p:nvSpPr>
         <p:spPr/>
         <p:txBody>
-          <a:bodyPr/>
+          <a:bodyPr>
+            <a:normAutofit/>
+          </a:bodyPr>
           <a:lstStyle/>
           <a:p>
             <a:r>
@@ -11940,7 +12438,7 @@
             <a:fld id="{1AD93096-5B34-4342-9326-69289CEAE4C2}" type="slidenum">
               <a:rPr lang="en-US" smtClean="0"/>
               <a:pPr/>
-              <a:t>13</a:t>
+              <a:t>15</a:t>
             </a:fld>
             <a:endParaRPr lang="en-US" dirty="0">
               <a:solidFill>
@@ -12057,7 +12555,7 @@
 </p:sld>
 </file>
 
-<file path=ppt/slides/slide14.xml><?xml version="1.0" encoding="utf-8"?>
+<file path=ppt/slides/slide16.xml><?xml version="1.0" encoding="utf-8"?>
 <p:sld xmlns:a="http://schemas.openxmlformats.org/drawingml/2006/main" xmlns:r="http://schemas.openxmlformats.org/officeDocument/2006/relationships" xmlns:p="http://schemas.openxmlformats.org/presentationml/2006/main">
   <p:cSld>
     <p:spTree>
@@ -12086,7 +12584,9 @@
         </p:nvSpPr>
         <p:spPr/>
         <p:txBody>
-          <a:bodyPr/>
+          <a:bodyPr>
+            <a:normAutofit/>
+          </a:bodyPr>
           <a:lstStyle/>
           <a:p>
             <a:pPr marL="0" indent="0"/>
@@ -12266,7 +12766,9 @@
         </p:nvSpPr>
         <p:spPr/>
         <p:txBody>
-          <a:bodyPr/>
+          <a:bodyPr>
+            <a:normAutofit/>
+          </a:bodyPr>
           <a:lstStyle/>
           <a:p>
             <a:r>
@@ -12301,7 +12803,7 @@
             <a:fld id="{1AD93096-5B34-4342-9326-69289CEAE4C2}" type="slidenum">
               <a:rPr lang="en-US" smtClean="0"/>
               <a:pPr/>
-              <a:t>14</a:t>
+              <a:t>16</a:t>
             </a:fld>
             <a:endParaRPr lang="en-US" dirty="0">
               <a:solidFill>
@@ -12341,7 +12843,7 @@
         </p:blipFill>
         <p:spPr bwMode="auto">
           <a:xfrm>
-            <a:off x="6156176" y="476672"/>
+            <a:off x="6156176" y="476673"/>
             <a:ext cx="2448272" cy="1420460"/>
           </a:xfrm>
           <a:prstGeom prst="rect">
@@ -12390,7 +12892,7 @@
         </p:blipFill>
         <p:spPr bwMode="auto">
           <a:xfrm>
-            <a:off x="1410072" y="4287564"/>
+            <a:off x="1410072" y="4287565"/>
             <a:ext cx="3810000" cy="2542084"/>
           </a:xfrm>
           <a:prstGeom prst="rect">
@@ -12428,7 +12930,7 @@
 </p:sld>
 </file>
 
-<file path=ppt/slides/slide15.xml><?xml version="1.0" encoding="utf-8"?>
+<file path=ppt/slides/slide17.xml><?xml version="1.0" encoding="utf-8"?>
 <p:sld xmlns:a="http://schemas.openxmlformats.org/drawingml/2006/main" xmlns:r="http://schemas.openxmlformats.org/officeDocument/2006/relationships" xmlns:p="http://schemas.openxmlformats.org/presentationml/2006/main">
   <p:cSld>
     <p:spTree>
@@ -12457,7 +12959,9 @@
         </p:nvSpPr>
         <p:spPr/>
         <p:txBody>
-          <a:bodyPr/>
+          <a:bodyPr>
+            <a:normAutofit/>
+          </a:bodyPr>
           <a:lstStyle/>
           <a:p>
             <a:r>
@@ -12512,7 +13016,7 @@
             <a:fld id="{1AD93096-5B34-4342-9326-69289CEAE4C2}" type="slidenum">
               <a:rPr lang="en-US" smtClean="0"/>
               <a:pPr/>
-              <a:t>15</a:t>
+              <a:t>17</a:t>
             </a:fld>
             <a:endParaRPr lang="en-US" dirty="0">
               <a:solidFill>
@@ -12548,7 +13052,7 @@
         <p:spPr bwMode="auto">
           <a:xfrm rot="5400000">
             <a:off x="1972783" y="-337513"/>
-            <a:ext cx="5183922" cy="9031716"/>
+            <a:ext cx="5183923" cy="9031716"/>
           </a:xfrm>
           <a:prstGeom prst="rect">
             <a:avLst/>
@@ -12608,7 +13112,7 @@
 </p:sld>
 </file>
 
-<file path=ppt/slides/slide16.xml><?xml version="1.0" encoding="utf-8"?>
+<file path=ppt/slides/slide18.xml><?xml version="1.0" encoding="utf-8"?>
 <p:sld xmlns:a="http://schemas.openxmlformats.org/drawingml/2006/main" xmlns:r="http://schemas.openxmlformats.org/officeDocument/2006/relationships" xmlns:p="http://schemas.openxmlformats.org/presentationml/2006/main">
   <p:cSld>
     <p:spTree>
@@ -12671,7 +13175,7 @@
             <a:fld id="{1AD93096-5B34-4342-9326-69289CEAE4C2}" type="slidenum">
               <a:rPr lang="en-US" smtClean="0"/>
               <a:pPr algn="ctr"/>
-              <a:t>16</a:t>
+              <a:t>18</a:t>
             </a:fld>
             <a:endParaRPr lang="en-US" sz="2400" dirty="0">
               <a:solidFill>
@@ -12702,7 +13206,7 @@
         </p:blipFill>
         <p:spPr bwMode="auto">
           <a:xfrm>
-            <a:off x="251520" y="4249554"/>
+            <a:off x="251520" y="4249556"/>
             <a:ext cx="4561790" cy="2697945"/>
           </a:xfrm>
           <a:prstGeom prst="rect">
@@ -12761,7 +13265,7 @@
 </p:sld>
 </file>
 
-<file path=ppt/slides/slide17.xml><?xml version="1.0" encoding="utf-8"?>
+<file path=ppt/slides/slide19.xml><?xml version="1.0" encoding="utf-8"?>
 <p:sld xmlns:a="http://schemas.openxmlformats.org/drawingml/2006/main" xmlns:r="http://schemas.openxmlformats.org/officeDocument/2006/relationships" xmlns:p="http://schemas.openxmlformats.org/presentationml/2006/main">
   <p:cSld>
     <p:spTree>
@@ -12867,7 +13371,7 @@
             <a:fld id="{1AD93096-5B34-4342-9326-69289CEAE4C2}" type="slidenum">
               <a:rPr lang="en-US" smtClean="0"/>
               <a:pPr/>
-              <a:t>17</a:t>
+              <a:t>19</a:t>
             </a:fld>
             <a:endParaRPr lang="en-US" dirty="0">
               <a:solidFill>
@@ -12903,7 +13407,7 @@
         <p:spPr bwMode="auto">
           <a:xfrm>
             <a:off x="611560" y="1578130"/>
-            <a:ext cx="8136904" cy="5279870"/>
+            <a:ext cx="8136904" cy="5279871"/>
           </a:xfrm>
           <a:prstGeom prst="rect">
             <a:avLst/>
@@ -12965,7 +13469,7 @@
         </p:blipFill>
         <p:spPr>
           <a:xfrm>
-            <a:off x="1618548" y="4997538"/>
+            <a:off x="1618548" y="4997539"/>
             <a:ext cx="721204" cy="721204"/>
           </a:xfrm>
           <a:prstGeom prst="rect">
@@ -12977,415 +13481,6 @@
     <p:extLst>
       <p:ext uri="{BB962C8B-B14F-4D97-AF65-F5344CB8AC3E}">
         <p14:creationId xmlns:p14="http://schemas.microsoft.com/office/powerpoint/2010/main" val="3149494895"/>
-      </p:ext>
-    </p:extLst>
-  </p:cSld>
-  <p:clrMapOvr>
-    <a:masterClrMapping/>
-  </p:clrMapOvr>
-  <p:timing>
-    <p:tnLst>
-      <p:par>
-        <p:cTn id="1" dur="indefinite" restart="never" nodeType="tmRoot"/>
-      </p:par>
-    </p:tnLst>
-  </p:timing>
-</p:sld>
-</file>
-
-<file path=ppt/slides/slide18.xml><?xml version="1.0" encoding="utf-8"?>
-<p:sld xmlns:a="http://schemas.openxmlformats.org/drawingml/2006/main" xmlns:r="http://schemas.openxmlformats.org/officeDocument/2006/relationships" xmlns:p="http://schemas.openxmlformats.org/presentationml/2006/main">
-  <p:cSld>
-    <p:spTree>
-      <p:nvGrpSpPr>
-        <p:cNvPr id="1" name=""/>
-        <p:cNvGrpSpPr/>
-        <p:nvPr/>
-      </p:nvGrpSpPr>
-      <p:grpSpPr>
-        <a:xfrm>
-          <a:off x="0" y="0"/>
-          <a:ext cx="0" cy="0"/>
-          <a:chOff x="0" y="0"/>
-          <a:chExt cx="0" cy="0"/>
-        </a:xfrm>
-      </p:grpSpPr>
-      <p:sp>
-        <p:nvSpPr>
-          <p:cNvPr id="2" name="Title 1"/>
-          <p:cNvSpPr>
-            <a:spLocks noGrp="1"/>
-          </p:cNvSpPr>
-          <p:nvPr>
-            <p:ph type="title"/>
-          </p:nvPr>
-        </p:nvSpPr>
-        <p:spPr/>
-        <p:txBody>
-          <a:bodyPr>
-            <a:noAutofit/>
-          </a:bodyPr>
-          <a:lstStyle/>
-          <a:p>
-            <a:r>
-              <a:rPr lang="en-US" sz="2800" dirty="0" err="1" smtClean="0"/>
-              <a:t>Hệ</a:t>
-            </a:r>
-            <a:r>
-              <a:rPr lang="en-US" sz="2800" dirty="0" smtClean="0"/>
-              <a:t> </a:t>
-            </a:r>
-            <a:r>
-              <a:rPr lang="en-US" sz="2800" dirty="0" err="1" smtClean="0"/>
-              <a:t>thống</a:t>
-            </a:r>
-            <a:r>
-              <a:rPr lang="en-US" sz="2800" dirty="0" smtClean="0"/>
-              <a:t> so </a:t>
-            </a:r>
-            <a:r>
-              <a:rPr lang="en-US" sz="2800" dirty="0" err="1" smtClean="0"/>
-              <a:t>khớp</a:t>
-            </a:r>
-            <a:r>
-              <a:rPr lang="en-US" sz="2800" dirty="0" smtClean="0"/>
-              <a:t> – matching tool</a:t>
-            </a:r>
-            <a:endParaRPr lang="vi-VN" sz="2800" dirty="0"/>
-          </a:p>
-        </p:txBody>
-      </p:sp>
-      <p:sp>
-        <p:nvSpPr>
-          <p:cNvPr id="3" name="Slide Number Placeholder 2"/>
-          <p:cNvSpPr>
-            <a:spLocks noGrp="1"/>
-          </p:cNvSpPr>
-          <p:nvPr>
-            <p:ph type="sldNum" sz="quarter" idx="12"/>
-          </p:nvPr>
-        </p:nvSpPr>
-        <p:spPr/>
-        <p:txBody>
-          <a:bodyPr>
-            <a:normAutofit fontScale="85000" lnSpcReduction="20000"/>
-          </a:bodyPr>
-          <a:lstStyle/>
-          <a:p>
-            <a:fld id="{1AD93096-5B34-4342-9326-69289CEAE4C2}" type="slidenum">
-              <a:rPr lang="en-US" smtClean="0"/>
-              <a:pPr/>
-              <a:t>18</a:t>
-            </a:fld>
-            <a:endParaRPr lang="en-US" dirty="0">
-              <a:solidFill>
-                <a:srgbClr val="FFFFFF"/>
-              </a:solidFill>
-            </a:endParaRPr>
-          </a:p>
-        </p:txBody>
-      </p:sp>
-      <p:sp>
-        <p:nvSpPr>
-          <p:cNvPr id="5" name="Rectangle 2"/>
-          <p:cNvSpPr>
-            <a:spLocks noChangeArrowheads="1"/>
-          </p:cNvSpPr>
-          <p:nvPr/>
-        </p:nvSpPr>
-        <p:spPr bwMode="auto">
-          <a:xfrm>
-            <a:off x="0" y="0"/>
-            <a:ext cx="9144000" cy="0"/>
-          </a:xfrm>
-          <a:prstGeom prst="rect">
-            <a:avLst/>
-          </a:prstGeom>
-          <a:noFill/>
-          <a:ln>
-            <a:noFill/>
-          </a:ln>
-          <a:effectLst/>
-          <a:extLst>
-            <a:ext uri="{909E8E84-426E-40DD-AFC4-6F175D3DCCD1}">
-              <a14:hiddenFill xmlns:a14="http://schemas.microsoft.com/office/drawing/2010/main">
-                <a:solidFill>
-                  <a:schemeClr val="accent1"/>
-                </a:solidFill>
-              </a14:hiddenFill>
-            </a:ext>
-            <a:ext uri="{91240B29-F687-4F45-9708-019B960494DF}">
-              <a14:hiddenLine xmlns:a14="http://schemas.microsoft.com/office/drawing/2010/main" w="9525">
-                <a:solidFill>
-                  <a:schemeClr val="tx1"/>
-                </a:solidFill>
-                <a:miter lim="800000"/>
-                <a:headEnd/>
-                <a:tailEnd/>
-              </a14:hiddenLine>
-            </a:ext>
-            <a:ext uri="{AF507438-7753-43E0-B8FC-AC1667EBCBE1}">
-              <a14:hiddenEffects xmlns:a14="http://schemas.microsoft.com/office/drawing/2010/main">
-                <a:effectLst>
-                  <a:outerShdw dist="35921" dir="2700000" algn="ctr" rotWithShape="0">
-                    <a:schemeClr val="bg2"/>
-                  </a:outerShdw>
-                </a:effectLst>
-              </a14:hiddenEffects>
-            </a:ext>
-          </a:extLst>
-        </p:spPr>
-        <p:txBody>
-          <a:bodyPr vert="horz" wrap="none" lIns="91440" tIns="45720" rIns="91440" bIns="45720" numCol="1" anchor="ctr" anchorCtr="0" compatLnSpc="1">
-            <a:prstTxWarp prst="textNoShape">
-              <a:avLst/>
-            </a:prstTxWarp>
-            <a:spAutoFit/>
-          </a:bodyPr>
-          <a:lstStyle/>
-          <a:p>
-            <a:endParaRPr lang="vi-VN"/>
-          </a:p>
-        </p:txBody>
-      </p:sp>
-      <p:graphicFrame>
-        <p:nvGraphicFramePr>
-          <p:cNvPr id="6" name="Object 5"/>
-          <p:cNvGraphicFramePr>
-            <a:graphicFrameLocks noChangeAspect="1"/>
-          </p:cNvGraphicFramePr>
-          <p:nvPr>
-            <p:extLst>
-              <p:ext uri="{D42A27DB-BD31-4B8C-83A1-F6EECF244321}">
-                <p14:modId xmlns:p14="http://schemas.microsoft.com/office/powerpoint/2010/main" val="76506455"/>
-              </p:ext>
-            </p:extLst>
-          </p:nvPr>
-        </p:nvGraphicFramePr>
-        <p:xfrm>
-          <a:off x="2276475" y="1657350"/>
-          <a:ext cx="4591050" cy="5200650"/>
-        </p:xfrm>
-        <a:graphic>
-          <a:graphicData uri="http://schemas.openxmlformats.org/presentationml/2006/ole">
-            <mc:AlternateContent xmlns:mc="http://schemas.openxmlformats.org/markup-compatibility/2006">
-              <mc:Choice xmlns:v="urn:schemas-microsoft-com:vml" Requires="v">
-                <p:oleObj spid="_x0000_s2053" name="Visio" r:id="rId3" imgW="5596684" imgH="6352347" progId="Visio.Drawing.11">
-                  <p:embed/>
-                </p:oleObj>
-              </mc:Choice>
-              <mc:Fallback>
-                <p:oleObj name="Visio" r:id="rId3" imgW="5596684" imgH="6352347" progId="Visio.Drawing.11">
-                  <p:embed/>
-                  <p:pic>
-                    <p:nvPicPr>
-                      <p:cNvPr id="0" name="Object 1"/>
-                      <p:cNvPicPr>
-                        <a:picLocks noChangeAspect="1" noChangeArrowheads="1"/>
-                      </p:cNvPicPr>
-                      <p:nvPr/>
-                    </p:nvPicPr>
-                    <p:blipFill>
-                      <a:blip r:embed="rId4">
-                        <a:extLst>
-                          <a:ext uri="{28A0092B-C50C-407E-A947-70E740481C1C}">
-                            <a14:useLocalDpi xmlns:a14="http://schemas.microsoft.com/office/drawing/2010/main" val="0"/>
-                          </a:ext>
-                        </a:extLst>
-                      </a:blip>
-                      <a:srcRect/>
-                      <a:stretch>
-                        <a:fillRect/>
-                      </a:stretch>
-                    </p:blipFill>
-                    <p:spPr bwMode="auto">
-                      <a:xfrm>
-                        <a:off x="2276475" y="1657350"/>
-                        <a:ext cx="4591050" cy="5200650"/>
-                      </a:xfrm>
-                      <a:prstGeom prst="rect">
-                        <a:avLst/>
-                      </a:prstGeom>
-                      <a:noFill/>
-                      <a:extLst>
-                        <a:ext uri="{909E8E84-426E-40DD-AFC4-6F175D3DCCD1}">
-                          <a14:hiddenFill xmlns:a14="http://schemas.microsoft.com/office/drawing/2010/main">
-                            <a:solidFill>
-                              <a:srgbClr val="FFFFFF"/>
-                            </a:solidFill>
-                          </a14:hiddenFill>
-                        </a:ext>
-                      </a:extLst>
-                    </p:spPr>
-                  </p:pic>
-                </p:oleObj>
-              </mc:Fallback>
-            </mc:AlternateContent>
-          </a:graphicData>
-        </a:graphic>
-      </p:graphicFrame>
-    </p:spTree>
-    <p:extLst>
-      <p:ext uri="{BB962C8B-B14F-4D97-AF65-F5344CB8AC3E}">
-        <p14:creationId xmlns:p14="http://schemas.microsoft.com/office/powerpoint/2010/main" val="3939877510"/>
-      </p:ext>
-    </p:extLst>
-  </p:cSld>
-  <p:clrMapOvr>
-    <a:masterClrMapping/>
-  </p:clrMapOvr>
-  <p:timing>
-    <p:tnLst>
-      <p:par>
-        <p:cTn id="1" dur="indefinite" restart="never" nodeType="tmRoot"/>
-      </p:par>
-    </p:tnLst>
-  </p:timing>
-</p:sld>
-</file>
-
-<file path=ppt/slides/slide19.xml><?xml version="1.0" encoding="utf-8"?>
-<p:sld xmlns:a="http://schemas.openxmlformats.org/drawingml/2006/main" xmlns:r="http://schemas.openxmlformats.org/officeDocument/2006/relationships" xmlns:p="http://schemas.openxmlformats.org/presentationml/2006/main">
-  <p:cSld>
-    <p:spTree>
-      <p:nvGrpSpPr>
-        <p:cNvPr id="1" name=""/>
-        <p:cNvGrpSpPr/>
-        <p:nvPr/>
-      </p:nvGrpSpPr>
-      <p:grpSpPr>
-        <a:xfrm>
-          <a:off x="0" y="0"/>
-          <a:ext cx="0" cy="0"/>
-          <a:chOff x="0" y="0"/>
-          <a:chExt cx="0" cy="0"/>
-        </a:xfrm>
-      </p:grpSpPr>
-      <p:sp>
-        <p:nvSpPr>
-          <p:cNvPr id="2" name="Title 1"/>
-          <p:cNvSpPr>
-            <a:spLocks noGrp="1"/>
-          </p:cNvSpPr>
-          <p:nvPr>
-            <p:ph type="title"/>
-          </p:nvPr>
-        </p:nvSpPr>
-        <p:spPr/>
-        <p:txBody>
-          <a:bodyPr>
-            <a:normAutofit/>
-          </a:bodyPr>
-          <a:lstStyle/>
-          <a:p>
-            <a:r>
-              <a:rPr lang="en-US" sz="4000" dirty="0" smtClean="0"/>
-              <a:t>Data mining engine</a:t>
-            </a:r>
-            <a:endParaRPr lang="vi-VN" sz="4000" dirty="0"/>
-          </a:p>
-        </p:txBody>
-      </p:sp>
-      <p:sp>
-        <p:nvSpPr>
-          <p:cNvPr id="3" name="Slide Number Placeholder 2"/>
-          <p:cNvSpPr>
-            <a:spLocks noGrp="1"/>
-          </p:cNvSpPr>
-          <p:nvPr>
-            <p:ph type="sldNum" sz="quarter" idx="12"/>
-          </p:nvPr>
-        </p:nvSpPr>
-        <p:spPr/>
-        <p:txBody>
-          <a:bodyPr>
-            <a:normAutofit fontScale="85000" lnSpcReduction="20000"/>
-          </a:bodyPr>
-          <a:lstStyle/>
-          <a:p>
-            <a:fld id="{1AD93096-5B34-4342-9326-69289CEAE4C2}" type="slidenum">
-              <a:rPr lang="en-US" smtClean="0"/>
-              <a:pPr/>
-              <a:t>19</a:t>
-            </a:fld>
-            <a:endParaRPr lang="en-US" dirty="0">
-              <a:solidFill>
-                <a:srgbClr val="FFFFFF"/>
-              </a:solidFill>
-            </a:endParaRPr>
-          </a:p>
-        </p:txBody>
-      </p:sp>
-      <p:pic>
-        <p:nvPicPr>
-          <p:cNvPr id="5122" name="Picture 2"/>
-          <p:cNvPicPr>
-            <a:picLocks noGrp="1" noChangeAspect="1" noChangeArrowheads="1"/>
-          </p:cNvPicPr>
-          <p:nvPr>
-            <p:ph sz="quarter" idx="1"/>
-          </p:nvPr>
-        </p:nvPicPr>
-        <p:blipFill>
-          <a:blip r:embed="rId2">
-            <a:extLst>
-              <a:ext uri="{28A0092B-C50C-407E-A947-70E740481C1C}">
-                <a14:useLocalDpi xmlns:a14="http://schemas.microsoft.com/office/drawing/2010/main" val="0"/>
-              </a:ext>
-            </a:extLst>
-          </a:blip>
-          <a:srcRect/>
-          <a:stretch>
-            <a:fillRect/>
-          </a:stretch>
-        </p:blipFill>
-        <p:spPr bwMode="auto">
-          <a:xfrm>
-            <a:off x="1763688" y="1628800"/>
-            <a:ext cx="5184576" cy="4985168"/>
-          </a:xfrm>
-          <a:prstGeom prst="rect">
-            <a:avLst/>
-          </a:prstGeom>
-          <a:noFill/>
-          <a:ln>
-            <a:noFill/>
-          </a:ln>
-          <a:effectLst/>
-          <a:extLst>
-            <a:ext uri="{909E8E84-426E-40DD-AFC4-6F175D3DCCD1}">
-              <a14:hiddenFill xmlns:a14="http://schemas.microsoft.com/office/drawing/2010/main">
-                <a:solidFill>
-                  <a:schemeClr val="accent1"/>
-                </a:solidFill>
-              </a14:hiddenFill>
-            </a:ext>
-            <a:ext uri="{91240B29-F687-4F45-9708-019B960494DF}">
-              <a14:hiddenLine xmlns:a14="http://schemas.microsoft.com/office/drawing/2010/main" w="9525">
-                <a:solidFill>
-                  <a:schemeClr val="tx1"/>
-                </a:solidFill>
-                <a:miter lim="800000"/>
-                <a:headEnd/>
-                <a:tailEnd/>
-              </a14:hiddenLine>
-            </a:ext>
-            <a:ext uri="{AF507438-7753-43E0-B8FC-AC1667EBCBE1}">
-              <a14:hiddenEffects xmlns:a14="http://schemas.microsoft.com/office/drawing/2010/main">
-                <a:effectLst>
-                  <a:outerShdw dist="35921" dir="2700000" algn="ctr" rotWithShape="0">
-                    <a:schemeClr val="bg2"/>
-                  </a:outerShdw>
-                </a:effectLst>
-              </a14:hiddenEffects>
-            </a:ext>
-          </a:extLst>
-        </p:spPr>
-      </p:pic>
-    </p:spTree>
-    <p:extLst>
-      <p:ext uri="{BB962C8B-B14F-4D97-AF65-F5344CB8AC3E}">
-        <p14:creationId xmlns:p14="http://schemas.microsoft.com/office/powerpoint/2010/main" val="2360626904"/>
       </p:ext>
     </p:extLst>
   </p:cSld>
@@ -13513,6 +13608,7 @@
         <p:spPr/>
         <p:txBody>
           <a:bodyPr>
+            <a:normAutofit/>
             <a:scene3d>
               <a:camera prst="orthographicFront">
                 <a:rot lat="0" lon="0" rev="0"/>
@@ -13715,26 +13811,7 @@
       </p:grpSpPr>
       <p:sp>
         <p:nvSpPr>
-          <p:cNvPr id="5" name="Text Placeholder 4"/>
-          <p:cNvSpPr>
-            <a:spLocks noGrp="1"/>
-          </p:cNvSpPr>
-          <p:nvPr>
-            <p:ph type="body" idx="1"/>
-          </p:nvPr>
-        </p:nvSpPr>
-        <p:spPr/>
-        <p:txBody>
-          <a:bodyPr/>
-          <a:lstStyle/>
-          <a:p>
-            <a:endParaRPr lang="vi-VN" dirty="0"/>
-          </a:p>
-        </p:txBody>
-      </p:sp>
-      <p:sp>
-        <p:nvSpPr>
-          <p:cNvPr id="4" name="Title 3"/>
+          <p:cNvPr id="2" name="Title 1"/>
           <p:cNvSpPr>
             <a:spLocks noGrp="1"/>
           </p:cNvSpPr>
@@ -13744,22 +13821,36 @@
         </p:nvSpPr>
         <p:spPr/>
         <p:txBody>
-          <a:bodyPr/>
+          <a:bodyPr>
+            <a:noAutofit/>
+          </a:bodyPr>
           <a:lstStyle/>
           <a:p>
             <a:r>
-              <a:rPr lang="en-US" dirty="0" err="1" smtClean="0"/>
-              <a:t>Kết</a:t>
-            </a:r>
-            <a:r>
-              <a:rPr lang="en-US" dirty="0" smtClean="0"/>
+              <a:rPr lang="en-US" sz="2800" dirty="0" err="1" smtClean="0"/>
+              <a:t>Hệ</a:t>
+            </a:r>
+            <a:r>
+              <a:rPr lang="en-US" sz="2800" dirty="0" smtClean="0"/>
               <a:t> </a:t>
             </a:r>
             <a:r>
-              <a:rPr lang="en-US" dirty="0" err="1" smtClean="0"/>
-              <a:t>luận</a:t>
-            </a:r>
-            <a:endParaRPr lang="vi-VN" dirty="0"/>
+              <a:rPr lang="en-US" sz="2800" dirty="0" err="1" smtClean="0"/>
+              <a:t>thống</a:t>
+            </a:r>
+            <a:r>
+              <a:rPr lang="en-US" sz="2800" dirty="0" smtClean="0"/>
+              <a:t> so </a:t>
+            </a:r>
+            <a:r>
+              <a:rPr lang="en-US" sz="2800" dirty="0" err="1" smtClean="0"/>
+              <a:t>khớp</a:t>
+            </a:r>
+            <a:r>
+              <a:rPr lang="en-US" sz="2800" dirty="0" smtClean="0"/>
+              <a:t> – matching tool</a:t>
+            </a:r>
+            <a:endParaRPr lang="vi-VN" sz="2800" dirty="0"/>
           </a:p>
         </p:txBody>
       </p:sp>
@@ -13770,13 +13861,13 @@
             <a:spLocks noGrp="1"/>
           </p:cNvSpPr>
           <p:nvPr>
-            <p:ph type="sldNum" sz="quarter" idx="11"/>
+            <p:ph type="sldNum" sz="quarter" idx="12"/>
           </p:nvPr>
         </p:nvSpPr>
         <p:spPr/>
         <p:txBody>
           <a:bodyPr>
-            <a:normAutofit/>
+            <a:normAutofit fontScale="85000" lnSpcReduction="20000"/>
           </a:bodyPr>
           <a:lstStyle/>
           <a:p>
@@ -13793,51 +13884,149 @@
           </a:p>
         </p:txBody>
       </p:sp>
-      <p:pic>
-        <p:nvPicPr>
-          <p:cNvPr id="7" name="Picture 4" descr="http://www.google.com.vn/url?source=imglanding&amp;ct=img&amp;q=http://blog.cachinko.com/blog/wp-content/uploads/2011/01/21-networking-300x300.jpg&amp;sa=X&amp;ei=ynX9TqGeKYfUmAWc-Zi6Ag&amp;ved=0CAsQ8wc4Kw&amp;usg=AFQjCNGJnaVVfiNiB9JXRymc0aBCRk8K6A"/>
-          <p:cNvPicPr>
-            <a:picLocks noChangeAspect="1" noChangeArrowheads="1"/>
-          </p:cNvPicPr>
+      <p:sp>
+        <p:nvSpPr>
+          <p:cNvPr id="5" name="Rectangle 2"/>
+          <p:cNvSpPr>
+            <a:spLocks noChangeArrowheads="1"/>
+          </p:cNvSpPr>
           <p:nvPr/>
-        </p:nvPicPr>
-        <p:blipFill>
-          <a:blip r:embed="rId2">
-            <a:extLst>
-              <a:ext uri="{28A0092B-C50C-407E-A947-70E740481C1C}">
-                <a14:useLocalDpi xmlns:a14="http://schemas.microsoft.com/office/drawing/2010/main" val="0"/>
-              </a:ext>
-            </a:extLst>
-          </a:blip>
-          <a:srcRect/>
-          <a:stretch>
-            <a:fillRect/>
-          </a:stretch>
-        </p:blipFill>
+        </p:nvSpPr>
         <p:spPr bwMode="auto">
           <a:xfrm>
-            <a:off x="4716016" y="2609293"/>
-            <a:ext cx="4132075" cy="4132075"/>
+            <a:off x="1" y="-184667"/>
+            <a:ext cx="184731" cy="369332"/>
           </a:xfrm>
           <a:prstGeom prst="rect">
             <a:avLst/>
           </a:prstGeom>
           <a:noFill/>
+          <a:ln>
+            <a:noFill/>
+          </a:ln>
+          <a:effectLst/>
           <a:extLst>
             <a:ext uri="{909E8E84-426E-40DD-AFC4-6F175D3DCCD1}">
               <a14:hiddenFill xmlns:a14="http://schemas.microsoft.com/office/drawing/2010/main">
                 <a:solidFill>
-                  <a:srgbClr val="FFFFFF"/>
+                  <a:schemeClr val="accent1"/>
                 </a:solidFill>
               </a14:hiddenFill>
             </a:ext>
+            <a:ext uri="{91240B29-F687-4F45-9708-019B960494DF}">
+              <a14:hiddenLine xmlns:a14="http://schemas.microsoft.com/office/drawing/2010/main" w="9525">
+                <a:solidFill>
+                  <a:schemeClr val="tx1"/>
+                </a:solidFill>
+                <a:miter lim="800000"/>
+                <a:headEnd/>
+                <a:tailEnd/>
+              </a14:hiddenLine>
+            </a:ext>
+            <a:ext uri="{AF507438-7753-43E0-B8FC-AC1667EBCBE1}">
+              <a14:hiddenEffects xmlns:a14="http://schemas.microsoft.com/office/drawing/2010/main">
+                <a:effectLst>
+                  <a:outerShdw dist="35921" dir="2700000" algn="ctr" rotWithShape="0">
+                    <a:schemeClr val="bg2"/>
+                  </a:outerShdw>
+                </a:effectLst>
+              </a14:hiddenEffects>
+            </a:ext>
           </a:extLst>
         </p:spPr>
-      </p:pic>
+        <p:txBody>
+          <a:bodyPr vert="horz" wrap="none" lIns="91440" tIns="45720" rIns="91440" bIns="45720" numCol="1" anchor="ctr" anchorCtr="0" compatLnSpc="1">
+            <a:prstTxWarp prst="textNoShape">
+              <a:avLst/>
+            </a:prstTxWarp>
+            <a:spAutoFit/>
+          </a:bodyPr>
+          <a:lstStyle/>
+          <a:p>
+            <a:endParaRPr lang="vi-VN"/>
+          </a:p>
+        </p:txBody>
+      </p:sp>
+      <p:graphicFrame>
+        <p:nvGraphicFramePr>
+          <p:cNvPr id="6" name="Object 5"/>
+          <p:cNvGraphicFramePr>
+            <a:graphicFrameLocks noChangeAspect="1"/>
+          </p:cNvGraphicFramePr>
+          <p:nvPr>
+            <p:extLst>
+              <p:ext uri="{D42A27DB-BD31-4B8C-83A1-F6EECF244321}">
+                <p14:modId xmlns:p14="http://schemas.microsoft.com/office/powerpoint/2010/main" val="76506455"/>
+              </p:ext>
+            </p:extLst>
+          </p:nvPr>
+        </p:nvGraphicFramePr>
+        <p:xfrm>
+          <a:off x="2276475" y="1657349"/>
+          <a:ext cx="4591050" cy="5200651"/>
+        </p:xfrm>
+        <a:graphic>
+          <a:graphicData uri="http://schemas.openxmlformats.org/presentationml/2006/ole">
+            <mc:AlternateContent xmlns:mc="http://schemas.openxmlformats.org/markup-compatibility/2006">
+              <mc:Choice xmlns:v="urn:schemas-microsoft-com:vml" Requires="v">
+                <p:oleObj spid="_x0000_s2061" name="Visio" r:id="rId3" imgW="5596684" imgH="6352347" progId="Visio.Drawing.11">
+                  <p:embed/>
+                </p:oleObj>
+              </mc:Choice>
+              <mc:Fallback>
+                <p:oleObj name="Visio" r:id="rId3" imgW="5596684" imgH="6352347" progId="Visio.Drawing.11">
+                  <p:embed/>
+                  <p:pic>
+                    <p:nvPicPr>
+                      <p:cNvPr id="0" name="Object 1"/>
+                      <p:cNvPicPr>
+                        <a:picLocks noChangeAspect="1" noChangeArrowheads="1"/>
+                      </p:cNvPicPr>
+                      <p:nvPr/>
+                    </p:nvPicPr>
+                    <p:blipFill>
+                      <a:blip r:embed="rId4">
+                        <a:extLst>
+                          <a:ext uri="{28A0092B-C50C-407E-A947-70E740481C1C}">
+                            <a14:useLocalDpi xmlns:a14="http://schemas.microsoft.com/office/drawing/2010/main" val="0"/>
+                          </a:ext>
+                        </a:extLst>
+                      </a:blip>
+                      <a:srcRect/>
+                      <a:stretch>
+                        <a:fillRect/>
+                      </a:stretch>
+                    </p:blipFill>
+                    <p:spPr bwMode="auto">
+                      <a:xfrm>
+                        <a:off x="2276475" y="1657349"/>
+                        <a:ext cx="4591050" cy="5200651"/>
+                      </a:xfrm>
+                      <a:prstGeom prst="rect">
+                        <a:avLst/>
+                      </a:prstGeom>
+                      <a:noFill/>
+                      <a:extLst>
+                        <a:ext uri="{909E8E84-426E-40DD-AFC4-6F175D3DCCD1}">
+                          <a14:hiddenFill xmlns:a14="http://schemas.microsoft.com/office/drawing/2010/main">
+                            <a:solidFill>
+                              <a:srgbClr val="FFFFFF"/>
+                            </a:solidFill>
+                          </a14:hiddenFill>
+                        </a:ext>
+                      </a:extLst>
+                    </p:spPr>
+                  </p:pic>
+                </p:oleObj>
+              </mc:Fallback>
+            </mc:AlternateContent>
+          </a:graphicData>
+        </a:graphic>
+      </p:graphicFrame>
     </p:spTree>
     <p:extLst>
       <p:ext uri="{BB962C8B-B14F-4D97-AF65-F5344CB8AC3E}">
-        <p14:creationId xmlns:p14="http://schemas.microsoft.com/office/powerpoint/2010/main" val="1500730890"/>
+        <p14:creationId xmlns:p14="http://schemas.microsoft.com/office/powerpoint/2010/main" val="3939877510"/>
       </p:ext>
     </p:extLst>
   </p:cSld>
@@ -13883,14 +14072,16 @@
         </p:nvSpPr>
         <p:spPr/>
         <p:txBody>
-          <a:bodyPr/>
+          <a:bodyPr>
+            <a:normAutofit/>
+          </a:bodyPr>
           <a:lstStyle/>
           <a:p>
             <a:r>
-              <a:rPr lang="en-US" dirty="0" smtClean="0"/>
-              <a:t>KẾT QUẢ ĐẠT ĐƯỢC</a:t>
-            </a:r>
-            <a:endParaRPr lang="vi-VN" dirty="0"/>
+              <a:rPr lang="en-US" sz="4000" dirty="0" smtClean="0"/>
+              <a:t>Data mining engine</a:t>
+            </a:r>
+            <a:endParaRPr lang="vi-VN" sz="4000" dirty="0"/>
           </a:p>
         </p:txBody>
       </p:sp>
@@ -13924,29 +14115,76 @@
           </a:p>
         </p:txBody>
       </p:sp>
-      <p:sp>
-        <p:nvSpPr>
-          <p:cNvPr id="4" name="Content Placeholder 3"/>
-          <p:cNvSpPr>
-            <a:spLocks noGrp="1"/>
-          </p:cNvSpPr>
+      <p:pic>
+        <p:nvPicPr>
+          <p:cNvPr id="5122" name="Picture 2"/>
+          <p:cNvPicPr>
+            <a:picLocks noGrp="1" noChangeAspect="1" noChangeArrowheads="1"/>
+          </p:cNvPicPr>
           <p:nvPr>
             <p:ph sz="quarter" idx="1"/>
           </p:nvPr>
-        </p:nvSpPr>
-        <p:spPr/>
-        <p:txBody>
-          <a:bodyPr/>
-          <a:lstStyle/>
-          <a:p>
-            <a:endParaRPr lang="vi-VN"/>
-          </a:p>
-        </p:txBody>
-      </p:sp>
+        </p:nvPicPr>
+        <p:blipFill>
+          <a:blip r:embed="rId2">
+            <a:extLst>
+              <a:ext uri="{28A0092B-C50C-407E-A947-70E740481C1C}">
+                <a14:useLocalDpi xmlns:a14="http://schemas.microsoft.com/office/drawing/2010/main" val="0"/>
+              </a:ext>
+            </a:extLst>
+          </a:blip>
+          <a:srcRect/>
+          <a:stretch>
+            <a:fillRect/>
+          </a:stretch>
+        </p:blipFill>
+        <p:spPr bwMode="auto">
+          <a:xfrm>
+            <a:off x="1763688" y="1628800"/>
+            <a:ext cx="5184576" cy="4985168"/>
+          </a:xfrm>
+          <a:prstGeom prst="rect">
+            <a:avLst/>
+          </a:prstGeom>
+          <a:noFill/>
+          <a:ln>
+            <a:noFill/>
+          </a:ln>
+          <a:effectLst/>
+          <a:extLst>
+            <a:ext uri="{909E8E84-426E-40DD-AFC4-6F175D3DCCD1}">
+              <a14:hiddenFill xmlns:a14="http://schemas.microsoft.com/office/drawing/2010/main">
+                <a:solidFill>
+                  <a:schemeClr val="accent1"/>
+                </a:solidFill>
+              </a14:hiddenFill>
+            </a:ext>
+            <a:ext uri="{91240B29-F687-4F45-9708-019B960494DF}">
+              <a14:hiddenLine xmlns:a14="http://schemas.microsoft.com/office/drawing/2010/main" w="9525">
+                <a:solidFill>
+                  <a:schemeClr val="tx1"/>
+                </a:solidFill>
+                <a:miter lim="800000"/>
+                <a:headEnd/>
+                <a:tailEnd/>
+              </a14:hiddenLine>
+            </a:ext>
+            <a:ext uri="{AF507438-7753-43E0-B8FC-AC1667EBCBE1}">
+              <a14:hiddenEffects xmlns:a14="http://schemas.microsoft.com/office/drawing/2010/main">
+                <a:effectLst>
+                  <a:outerShdw dist="35921" dir="2700000" algn="ctr" rotWithShape="0">
+                    <a:schemeClr val="bg2"/>
+                  </a:outerShdw>
+                </a:effectLst>
+              </a14:hiddenEffects>
+            </a:ext>
+          </a:extLst>
+        </p:spPr>
+      </p:pic>
     </p:spTree>
     <p:extLst>
       <p:ext uri="{BB962C8B-B14F-4D97-AF65-F5344CB8AC3E}">
-        <p14:creationId xmlns:p14="http://schemas.microsoft.com/office/powerpoint/2010/main" val="3067536780"/>
+        <p14:creationId xmlns:p14="http://schemas.microsoft.com/office/powerpoint/2010/main" val="2360626904"/>
       </p:ext>
     </p:extLst>
   </p:cSld>
@@ -13982,7 +14220,26 @@
       </p:grpSpPr>
       <p:sp>
         <p:nvSpPr>
-          <p:cNvPr id="2" name="Title 1"/>
+          <p:cNvPr id="5" name="Text Placeholder 4"/>
+          <p:cNvSpPr>
+            <a:spLocks noGrp="1"/>
+          </p:cNvSpPr>
+          <p:nvPr>
+            <p:ph type="body" idx="1"/>
+          </p:nvPr>
+        </p:nvSpPr>
+        <p:spPr/>
+        <p:txBody>
+          <a:bodyPr/>
+          <a:lstStyle/>
+          <a:p>
+            <a:endParaRPr lang="vi-VN" dirty="0"/>
+          </a:p>
+        </p:txBody>
+      </p:sp>
+      <p:sp>
+        <p:nvSpPr>
+          <p:cNvPr id="4" name="Title 3"/>
           <p:cNvSpPr>
             <a:spLocks noGrp="1"/>
           </p:cNvSpPr>
@@ -13992,12 +14249,22 @@
         </p:nvSpPr>
         <p:spPr/>
         <p:txBody>
-          <a:bodyPr/>
+          <a:bodyPr>
+            <a:normAutofit/>
+          </a:bodyPr>
           <a:lstStyle/>
           <a:p>
             <a:r>
-              <a:rPr lang="en-US" smtClean="0"/>
-              <a:t>Đánh giá</a:t>
+              <a:rPr lang="en-US" dirty="0" err="1" smtClean="0"/>
+              <a:t>Kết</a:t>
+            </a:r>
+            <a:r>
+              <a:rPr lang="en-US" dirty="0" smtClean="0"/>
+              <a:t> </a:t>
+            </a:r>
+            <a:r>
+              <a:rPr lang="en-US" dirty="0" err="1" smtClean="0"/>
+              <a:t>luận</a:t>
             </a:r>
             <a:endParaRPr lang="vi-VN" dirty="0"/>
           </a:p>
@@ -14010,13 +14277,13 @@
             <a:spLocks noGrp="1"/>
           </p:cNvSpPr>
           <p:nvPr>
-            <p:ph type="sldNum" sz="quarter" idx="12"/>
+            <p:ph type="sldNum" sz="quarter" idx="11"/>
           </p:nvPr>
         </p:nvSpPr>
         <p:spPr/>
         <p:txBody>
           <a:bodyPr>
-            <a:normAutofit fontScale="85000" lnSpcReduction="20000"/>
+            <a:normAutofit/>
           </a:bodyPr>
           <a:lstStyle/>
           <a:p>
@@ -14025,33 +14292,59 @@
               <a:pPr/>
               <a:t>22</a:t>
             </a:fld>
-            <a:endParaRPr lang="en-US" dirty="0"/>
+            <a:endParaRPr lang="en-US" dirty="0">
+              <a:solidFill>
+                <a:srgbClr val="FFFFFF"/>
+              </a:solidFill>
+            </a:endParaRPr>
           </a:p>
         </p:txBody>
       </p:sp>
-      <p:sp>
-        <p:nvSpPr>
-          <p:cNvPr id="6" name="Content Placeholder 5"/>
-          <p:cNvSpPr>
-            <a:spLocks noGrp="1"/>
-          </p:cNvSpPr>
-          <p:nvPr>
-            <p:ph sz="quarter" idx="1"/>
-          </p:nvPr>
-        </p:nvSpPr>
-        <p:spPr/>
-        <p:txBody>
-          <a:bodyPr/>
-          <a:lstStyle/>
-          <a:p>
-            <a:endParaRPr lang="vi-VN"/>
-          </a:p>
-        </p:txBody>
-      </p:sp>
+      <p:pic>
+        <p:nvPicPr>
+          <p:cNvPr id="7" name="Picture 4" descr="http://www.google.com.vn/url?source=imglanding&amp;ct=img&amp;q=http://blog.cachinko.com/blog/wp-content/uploads/2011/01/21-networking-300x300.jpg&amp;sa=X&amp;ei=ynX9TqGeKYfUmAWc-Zi6Ag&amp;ved=0CAsQ8wc4Kw&amp;usg=AFQjCNGJnaVVfiNiB9JXRymc0aBCRk8K6A"/>
+          <p:cNvPicPr>
+            <a:picLocks noChangeAspect="1" noChangeArrowheads="1"/>
+          </p:cNvPicPr>
+          <p:nvPr/>
+        </p:nvPicPr>
+        <p:blipFill>
+          <a:blip r:embed="rId2">
+            <a:extLst>
+              <a:ext uri="{28A0092B-C50C-407E-A947-70E740481C1C}">
+                <a14:useLocalDpi xmlns:a14="http://schemas.microsoft.com/office/drawing/2010/main" val="0"/>
+              </a:ext>
+            </a:extLst>
+          </a:blip>
+          <a:srcRect/>
+          <a:stretch>
+            <a:fillRect/>
+          </a:stretch>
+        </p:blipFill>
+        <p:spPr bwMode="auto">
+          <a:xfrm>
+            <a:off x="4716018" y="2609293"/>
+            <a:ext cx="4132075" cy="4132075"/>
+          </a:xfrm>
+          <a:prstGeom prst="rect">
+            <a:avLst/>
+          </a:prstGeom>
+          <a:noFill/>
+          <a:extLst>
+            <a:ext uri="{909E8E84-426E-40DD-AFC4-6F175D3DCCD1}">
+              <a14:hiddenFill xmlns:a14="http://schemas.microsoft.com/office/drawing/2010/main">
+                <a:solidFill>
+                  <a:srgbClr val="FFFFFF"/>
+                </a:solidFill>
+              </a14:hiddenFill>
+            </a:ext>
+          </a:extLst>
+        </p:spPr>
+      </p:pic>
     </p:spTree>
     <p:extLst>
       <p:ext uri="{BB962C8B-B14F-4D97-AF65-F5344CB8AC3E}">
-        <p14:creationId xmlns:p14="http://schemas.microsoft.com/office/powerpoint/2010/main" val="2449681135"/>
+        <p14:creationId xmlns:p14="http://schemas.microsoft.com/office/powerpoint/2010/main" val="1500730890"/>
       </p:ext>
     </p:extLst>
   </p:cSld>
@@ -14097,28 +14390,14 @@
         </p:nvSpPr>
         <p:spPr/>
         <p:txBody>
-          <a:bodyPr/>
+          <a:bodyPr>
+            <a:normAutofit/>
+          </a:bodyPr>
           <a:lstStyle/>
           <a:p>
             <a:r>
-              <a:rPr lang="en-US" dirty="0" err="1" smtClean="0"/>
-              <a:t>Những</a:t>
-            </a:r>
-            <a:r>
               <a:rPr lang="en-US" dirty="0" smtClean="0"/>
-              <a:t> </a:t>
-            </a:r>
-            <a:r>
-              <a:rPr lang="en-US" dirty="0" err="1" smtClean="0"/>
-              <a:t>hạn</a:t>
-            </a:r>
-            <a:r>
-              <a:rPr lang="en-US" dirty="0" smtClean="0"/>
-              <a:t> </a:t>
-            </a:r>
-            <a:r>
-              <a:rPr lang="en-US" dirty="0" err="1" smtClean="0"/>
-              <a:t>chế</a:t>
+              <a:t>KẾT QUẢ ĐẠT ĐƯỢC</a:t>
             </a:r>
             <a:endParaRPr lang="vi-VN" dirty="0"/>
           </a:p>
@@ -14176,7 +14455,7 @@
     </p:spTree>
     <p:extLst>
       <p:ext uri="{BB962C8B-B14F-4D97-AF65-F5344CB8AC3E}">
-        <p14:creationId xmlns:p14="http://schemas.microsoft.com/office/powerpoint/2010/main" val="1913792255"/>
+        <p14:creationId xmlns:p14="http://schemas.microsoft.com/office/powerpoint/2010/main" val="3067536780"/>
       </p:ext>
     </p:extLst>
   </p:cSld>
@@ -14212,26 +14491,7 @@
       </p:grpSpPr>
       <p:sp>
         <p:nvSpPr>
-          <p:cNvPr id="5" name="Text Placeholder 4"/>
-          <p:cNvSpPr>
-            <a:spLocks noGrp="1"/>
-          </p:cNvSpPr>
-          <p:nvPr>
-            <p:ph type="body" idx="1"/>
-          </p:nvPr>
-        </p:nvSpPr>
-        <p:spPr/>
-        <p:txBody>
-          <a:bodyPr/>
-          <a:lstStyle/>
-          <a:p>
-            <a:endParaRPr lang="vi-VN"/>
-          </a:p>
-        </p:txBody>
-      </p:sp>
-      <p:sp>
-        <p:nvSpPr>
-          <p:cNvPr id="4" name="Title 3"/>
+          <p:cNvPr id="2" name="Title 1"/>
           <p:cNvSpPr>
             <a:spLocks noGrp="1"/>
           </p:cNvSpPr>
@@ -14241,12 +14501,14 @@
         </p:nvSpPr>
         <p:spPr/>
         <p:txBody>
-          <a:bodyPr/>
+          <a:bodyPr>
+            <a:normAutofit/>
+          </a:bodyPr>
           <a:lstStyle/>
           <a:p>
             <a:r>
-              <a:rPr lang="en-US" dirty="0" smtClean="0"/>
-              <a:t>DEMONSTRATION</a:t>
+              <a:rPr lang="en-US" smtClean="0"/>
+              <a:t>Đánh giá</a:t>
             </a:r>
             <a:endParaRPr lang="vi-VN" dirty="0"/>
           </a:p>
@@ -14259,13 +14521,13 @@
             <a:spLocks noGrp="1"/>
           </p:cNvSpPr>
           <p:nvPr>
-            <p:ph type="sldNum" sz="quarter" idx="11"/>
+            <p:ph type="sldNum" sz="quarter" idx="12"/>
           </p:nvPr>
         </p:nvSpPr>
         <p:spPr/>
         <p:txBody>
           <a:bodyPr>
-            <a:normAutofit/>
+            <a:normAutofit fontScale="85000" lnSpcReduction="20000"/>
           </a:bodyPr>
           <a:lstStyle/>
           <a:p>
@@ -14274,18 +14536,33 @@
               <a:pPr/>
               <a:t>24</a:t>
             </a:fld>
-            <a:endParaRPr lang="en-US" dirty="0">
-              <a:solidFill>
-                <a:srgbClr val="FFFFFF"/>
-              </a:solidFill>
-            </a:endParaRPr>
+            <a:endParaRPr lang="en-US" dirty="0"/>
+          </a:p>
+        </p:txBody>
+      </p:sp>
+      <p:sp>
+        <p:nvSpPr>
+          <p:cNvPr id="6" name="Content Placeholder 5"/>
+          <p:cNvSpPr>
+            <a:spLocks noGrp="1"/>
+          </p:cNvSpPr>
+          <p:nvPr>
+            <p:ph sz="quarter" idx="1"/>
+          </p:nvPr>
+        </p:nvSpPr>
+        <p:spPr/>
+        <p:txBody>
+          <a:bodyPr/>
+          <a:lstStyle/>
+          <a:p>
+            <a:endParaRPr lang="vi-VN"/>
           </a:p>
         </p:txBody>
       </p:sp>
     </p:spTree>
     <p:extLst>
       <p:ext uri="{BB962C8B-B14F-4D97-AF65-F5344CB8AC3E}">
-        <p14:creationId xmlns:p14="http://schemas.microsoft.com/office/powerpoint/2010/main" val="1870866790"/>
+        <p14:creationId xmlns:p14="http://schemas.microsoft.com/office/powerpoint/2010/main" val="2449681135"/>
       </p:ext>
     </p:extLst>
   </p:cSld>
@@ -14321,26 +14598,7 @@
       </p:grpSpPr>
       <p:sp>
         <p:nvSpPr>
-          <p:cNvPr id="5" name="Text Placeholder 4"/>
-          <p:cNvSpPr>
-            <a:spLocks noGrp="1"/>
-          </p:cNvSpPr>
-          <p:nvPr>
-            <p:ph type="body" idx="1"/>
-          </p:nvPr>
-        </p:nvSpPr>
-        <p:spPr/>
-        <p:txBody>
-          <a:bodyPr/>
-          <a:lstStyle/>
-          <a:p>
-            <a:endParaRPr lang="vi-VN"/>
-          </a:p>
-        </p:txBody>
-      </p:sp>
-      <p:sp>
-        <p:nvSpPr>
-          <p:cNvPr id="4" name="Title 3"/>
+          <p:cNvPr id="2" name="Title 1"/>
           <p:cNvSpPr>
             <a:spLocks noGrp="1"/>
           </p:cNvSpPr>
@@ -14350,12 +14608,30 @@
         </p:nvSpPr>
         <p:spPr/>
         <p:txBody>
-          <a:bodyPr/>
+          <a:bodyPr>
+            <a:normAutofit/>
+          </a:bodyPr>
           <a:lstStyle/>
           <a:p>
             <a:r>
+              <a:rPr lang="en-US" dirty="0" err="1" smtClean="0"/>
+              <a:t>Những</a:t>
+            </a:r>
+            <a:r>
               <a:rPr lang="en-US" dirty="0" smtClean="0"/>
-              <a:t>Q &amp; A</a:t>
+              <a:t> </a:t>
+            </a:r>
+            <a:r>
+              <a:rPr lang="en-US" dirty="0" err="1" smtClean="0"/>
+              <a:t>hạn</a:t>
+            </a:r>
+            <a:r>
+              <a:rPr lang="en-US" dirty="0" smtClean="0"/>
+              <a:t> </a:t>
+            </a:r>
+            <a:r>
+              <a:rPr lang="en-US" dirty="0" err="1" smtClean="0"/>
+              <a:t>chế</a:t>
             </a:r>
             <a:endParaRPr lang="vi-VN" dirty="0"/>
           </a:p>
@@ -14368,13 +14644,13 @@
             <a:spLocks noGrp="1"/>
           </p:cNvSpPr>
           <p:nvPr>
-            <p:ph type="sldNum" sz="quarter" idx="11"/>
+            <p:ph type="sldNum" sz="quarter" idx="12"/>
           </p:nvPr>
         </p:nvSpPr>
         <p:spPr/>
         <p:txBody>
           <a:bodyPr>
-            <a:normAutofit/>
+            <a:normAutofit fontScale="85000" lnSpcReduction="20000"/>
           </a:bodyPr>
           <a:lstStyle/>
           <a:p>
@@ -14391,10 +14667,29 @@
           </a:p>
         </p:txBody>
       </p:sp>
+      <p:sp>
+        <p:nvSpPr>
+          <p:cNvPr id="4" name="Content Placeholder 3"/>
+          <p:cNvSpPr>
+            <a:spLocks noGrp="1"/>
+          </p:cNvSpPr>
+          <p:nvPr>
+            <p:ph sz="quarter" idx="1"/>
+          </p:nvPr>
+        </p:nvSpPr>
+        <p:spPr/>
+        <p:txBody>
+          <a:bodyPr/>
+          <a:lstStyle/>
+          <a:p>
+            <a:endParaRPr lang="vi-VN"/>
+          </a:p>
+        </p:txBody>
+      </p:sp>
     </p:spTree>
     <p:extLst>
       <p:ext uri="{BB962C8B-B14F-4D97-AF65-F5344CB8AC3E}">
-        <p14:creationId xmlns:p14="http://schemas.microsoft.com/office/powerpoint/2010/main" val="2443692379"/>
+        <p14:creationId xmlns:p14="http://schemas.microsoft.com/office/powerpoint/2010/main" val="1913792255"/>
       </p:ext>
     </p:extLst>
   </p:cSld>
@@ -14430,6 +14725,228 @@
       </p:grpSpPr>
       <p:sp>
         <p:nvSpPr>
+          <p:cNvPr id="5" name="Text Placeholder 4"/>
+          <p:cNvSpPr>
+            <a:spLocks noGrp="1"/>
+          </p:cNvSpPr>
+          <p:nvPr>
+            <p:ph type="body" idx="1"/>
+          </p:nvPr>
+        </p:nvSpPr>
+        <p:spPr/>
+        <p:txBody>
+          <a:bodyPr/>
+          <a:lstStyle/>
+          <a:p>
+            <a:endParaRPr lang="vi-VN"/>
+          </a:p>
+        </p:txBody>
+      </p:sp>
+      <p:sp>
+        <p:nvSpPr>
+          <p:cNvPr id="4" name="Title 3"/>
+          <p:cNvSpPr>
+            <a:spLocks noGrp="1"/>
+          </p:cNvSpPr>
+          <p:nvPr>
+            <p:ph type="title"/>
+          </p:nvPr>
+        </p:nvSpPr>
+        <p:spPr/>
+        <p:txBody>
+          <a:bodyPr>
+            <a:normAutofit/>
+          </a:bodyPr>
+          <a:lstStyle/>
+          <a:p>
+            <a:r>
+              <a:rPr lang="en-US" dirty="0" smtClean="0"/>
+              <a:t>DEMONSTRATION</a:t>
+            </a:r>
+            <a:endParaRPr lang="vi-VN" dirty="0"/>
+          </a:p>
+        </p:txBody>
+      </p:sp>
+      <p:sp>
+        <p:nvSpPr>
+          <p:cNvPr id="3" name="Slide Number Placeholder 2"/>
+          <p:cNvSpPr>
+            <a:spLocks noGrp="1"/>
+          </p:cNvSpPr>
+          <p:nvPr>
+            <p:ph type="sldNum" sz="quarter" idx="11"/>
+          </p:nvPr>
+        </p:nvSpPr>
+        <p:spPr/>
+        <p:txBody>
+          <a:bodyPr>
+            <a:normAutofit/>
+          </a:bodyPr>
+          <a:lstStyle/>
+          <a:p>
+            <a:fld id="{1AD93096-5B34-4342-9326-69289CEAE4C2}" type="slidenum">
+              <a:rPr lang="en-US" smtClean="0"/>
+              <a:pPr/>
+              <a:t>26</a:t>
+            </a:fld>
+            <a:endParaRPr lang="en-US" dirty="0">
+              <a:solidFill>
+                <a:srgbClr val="FFFFFF"/>
+              </a:solidFill>
+            </a:endParaRPr>
+          </a:p>
+        </p:txBody>
+      </p:sp>
+    </p:spTree>
+    <p:extLst>
+      <p:ext uri="{BB962C8B-B14F-4D97-AF65-F5344CB8AC3E}">
+        <p14:creationId xmlns:p14="http://schemas.microsoft.com/office/powerpoint/2010/main" val="1870866790"/>
+      </p:ext>
+    </p:extLst>
+  </p:cSld>
+  <p:clrMapOvr>
+    <a:masterClrMapping/>
+  </p:clrMapOvr>
+  <p:timing>
+    <p:tnLst>
+      <p:par>
+        <p:cTn id="1" dur="indefinite" restart="never" nodeType="tmRoot"/>
+      </p:par>
+    </p:tnLst>
+  </p:timing>
+</p:sld>
+</file>
+
+<file path=ppt/slides/slide27.xml><?xml version="1.0" encoding="utf-8"?>
+<p:sld xmlns:a="http://schemas.openxmlformats.org/drawingml/2006/main" xmlns:r="http://schemas.openxmlformats.org/officeDocument/2006/relationships" xmlns:p="http://schemas.openxmlformats.org/presentationml/2006/main">
+  <p:cSld>
+    <p:spTree>
+      <p:nvGrpSpPr>
+        <p:cNvPr id="1" name=""/>
+        <p:cNvGrpSpPr/>
+        <p:nvPr/>
+      </p:nvGrpSpPr>
+      <p:grpSpPr>
+        <a:xfrm>
+          <a:off x="0" y="0"/>
+          <a:ext cx="0" cy="0"/>
+          <a:chOff x="0" y="0"/>
+          <a:chExt cx="0" cy="0"/>
+        </a:xfrm>
+      </p:grpSpPr>
+      <p:sp>
+        <p:nvSpPr>
+          <p:cNvPr id="5" name="Text Placeholder 4"/>
+          <p:cNvSpPr>
+            <a:spLocks noGrp="1"/>
+          </p:cNvSpPr>
+          <p:nvPr>
+            <p:ph type="body" idx="1"/>
+          </p:nvPr>
+        </p:nvSpPr>
+        <p:spPr/>
+        <p:txBody>
+          <a:bodyPr/>
+          <a:lstStyle/>
+          <a:p>
+            <a:endParaRPr lang="vi-VN"/>
+          </a:p>
+        </p:txBody>
+      </p:sp>
+      <p:sp>
+        <p:nvSpPr>
+          <p:cNvPr id="4" name="Title 3"/>
+          <p:cNvSpPr>
+            <a:spLocks noGrp="1"/>
+          </p:cNvSpPr>
+          <p:nvPr>
+            <p:ph type="title"/>
+          </p:nvPr>
+        </p:nvSpPr>
+        <p:spPr/>
+        <p:txBody>
+          <a:bodyPr>
+            <a:normAutofit/>
+          </a:bodyPr>
+          <a:lstStyle/>
+          <a:p>
+            <a:r>
+              <a:rPr lang="en-US" dirty="0" smtClean="0"/>
+              <a:t>Q &amp; A</a:t>
+            </a:r>
+            <a:endParaRPr lang="vi-VN" dirty="0"/>
+          </a:p>
+        </p:txBody>
+      </p:sp>
+      <p:sp>
+        <p:nvSpPr>
+          <p:cNvPr id="3" name="Slide Number Placeholder 2"/>
+          <p:cNvSpPr>
+            <a:spLocks noGrp="1"/>
+          </p:cNvSpPr>
+          <p:nvPr>
+            <p:ph type="sldNum" sz="quarter" idx="11"/>
+          </p:nvPr>
+        </p:nvSpPr>
+        <p:spPr/>
+        <p:txBody>
+          <a:bodyPr>
+            <a:normAutofit/>
+          </a:bodyPr>
+          <a:lstStyle/>
+          <a:p>
+            <a:fld id="{1AD93096-5B34-4342-9326-69289CEAE4C2}" type="slidenum">
+              <a:rPr lang="en-US" smtClean="0"/>
+              <a:pPr/>
+              <a:t>27</a:t>
+            </a:fld>
+            <a:endParaRPr lang="en-US" dirty="0">
+              <a:solidFill>
+                <a:srgbClr val="FFFFFF"/>
+              </a:solidFill>
+            </a:endParaRPr>
+          </a:p>
+        </p:txBody>
+      </p:sp>
+    </p:spTree>
+    <p:extLst>
+      <p:ext uri="{BB962C8B-B14F-4D97-AF65-F5344CB8AC3E}">
+        <p14:creationId xmlns:p14="http://schemas.microsoft.com/office/powerpoint/2010/main" val="2443692379"/>
+      </p:ext>
+    </p:extLst>
+  </p:cSld>
+  <p:clrMapOvr>
+    <a:masterClrMapping/>
+  </p:clrMapOvr>
+  <p:timing>
+    <p:tnLst>
+      <p:par>
+        <p:cTn id="1" dur="indefinite" restart="never" nodeType="tmRoot"/>
+      </p:par>
+    </p:tnLst>
+  </p:timing>
+</p:sld>
+</file>
+
+<file path=ppt/slides/slide28.xml><?xml version="1.0" encoding="utf-8"?>
+<p:sld xmlns:a="http://schemas.openxmlformats.org/drawingml/2006/main" xmlns:r="http://schemas.openxmlformats.org/officeDocument/2006/relationships" xmlns:p="http://schemas.openxmlformats.org/presentationml/2006/main">
+  <p:cSld>
+    <p:spTree>
+      <p:nvGrpSpPr>
+        <p:cNvPr id="1" name=""/>
+        <p:cNvGrpSpPr/>
+        <p:nvPr/>
+      </p:nvGrpSpPr>
+      <p:grpSpPr>
+        <a:xfrm>
+          <a:off x="0" y="0"/>
+          <a:ext cx="0" cy="0"/>
+          <a:chOff x="0" y="0"/>
+          <a:chExt cx="0" cy="0"/>
+        </a:xfrm>
+      </p:grpSpPr>
+      <p:sp>
+        <p:nvSpPr>
           <p:cNvPr id="8" name="Text Placeholder 7"/>
           <p:cNvSpPr>
             <a:spLocks noGrp="1"/>
@@ -14497,7 +15014,7 @@
             <a:fld id="{1AD93096-5B34-4342-9326-69289CEAE4C2}" type="slidenum">
               <a:rPr lang="en-US" smtClean="0"/>
               <a:pPr/>
-              <a:t>26</a:t>
+              <a:t>28</a:t>
             </a:fld>
             <a:endParaRPr lang="en-US" dirty="0">
               <a:solidFill>
@@ -14712,7 +15229,7 @@
         </p:blipFill>
         <p:spPr bwMode="auto">
           <a:xfrm>
-            <a:off x="683568" y="3866795"/>
+            <a:off x="683568" y="3866797"/>
             <a:ext cx="3312368" cy="2659863"/>
           </a:xfrm>
           <a:prstGeom prst="rect">
@@ -14753,7 +15270,7 @@
         </p:blipFill>
         <p:spPr bwMode="auto">
           <a:xfrm>
-            <a:off x="4788024" y="2764113"/>
+            <a:off x="4788024" y="2764114"/>
             <a:ext cx="4067944" cy="3806700"/>
           </a:xfrm>
           <a:prstGeom prst="rect">
@@ -14927,16 +15444,36 @@
         </p:nvSpPr>
         <p:spPr/>
         <p:txBody>
-          <a:bodyPr/>
+          <a:bodyPr>
+            <a:normAutofit fontScale="92500" lnSpcReduction="10000"/>
+          </a:bodyPr>
           <a:lstStyle/>
           <a:p>
             <a:r>
+              <a:rPr lang="en-US" smtClean="0">
+                <a:hlinkClick r:id="rId2" action="ppaction://hlinksldjump"/>
+              </a:rPr>
+              <a:t>Phần mềm nghiệp vụ về tìm kiếm và so khớp thông tin (bán hàng, tìm bạn, tìm việc…)</a:t>
+            </a:r>
+            <a:endParaRPr lang="en-US" smtClean="0"/>
+          </a:p>
+          <a:p>
+            <a:r>
+              <a:rPr lang="en-US" smtClean="0">
+                <a:hlinkClick r:id="rId3" action="ppaction://hlinksldjump"/>
+              </a:rPr>
+              <a:t>Tổ chức và lưu trữ thông tin đa dạng</a:t>
+            </a:r>
+            <a:endParaRPr lang="en-US" dirty="0" smtClean="0"/>
+          </a:p>
+          <a:p>
+            <a:r>
               <a:rPr lang="en-US" dirty="0" err="1"/>
-              <a:t>V</a:t>
+              <a:t>P</a:t>
             </a:r>
             <a:r>
               <a:rPr lang="en-US" dirty="0" err="1" smtClean="0"/>
-              <a:t>iệc</a:t>
+              <a:t>hụ</a:t>
             </a:r>
             <a:r>
               <a:rPr lang="en-US" dirty="0" smtClean="0"/>
@@ -14944,7 +15481,7 @@
             </a:r>
             <a:r>
               <a:rPr lang="en-US" dirty="0" err="1"/>
-              <a:t>tổ</a:t>
+              <a:t>thuộc</a:t>
             </a:r>
             <a:r>
               <a:rPr lang="en-US" dirty="0"/>
@@ -14952,7 +15489,7 @@
             </a:r>
             <a:r>
               <a:rPr lang="en-US" dirty="0" err="1"/>
-              <a:t>chức</a:t>
+              <a:t>vào</a:t>
             </a:r>
             <a:r>
               <a:rPr lang="en-US" dirty="0"/>
@@ -14960,7 +15497,7 @@
             </a:r>
             <a:r>
               <a:rPr lang="en-US" dirty="0" err="1"/>
-              <a:t>và</a:t>
+              <a:t>đặc</a:t>
             </a:r>
             <a:r>
               <a:rPr lang="en-US" dirty="0"/>
@@ -14968,7 +15505,7 @@
             </a:r>
             <a:r>
               <a:rPr lang="en-US" dirty="0" err="1"/>
-              <a:t>lưu</a:t>
+              <a:t>thù</a:t>
             </a:r>
             <a:r>
               <a:rPr lang="en-US" dirty="0"/>
@@ -14976,7 +15513,7 @@
             </a:r>
             <a:r>
               <a:rPr lang="en-US" dirty="0" err="1"/>
-              <a:t>trữ</a:t>
+              <a:t>của</a:t>
             </a:r>
             <a:r>
               <a:rPr lang="en-US" dirty="0"/>
@@ -14984,6 +15521,22 @@
             </a:r>
             <a:r>
               <a:rPr lang="en-US" dirty="0" err="1"/>
+              <a:t>đối</a:t>
+            </a:r>
+            <a:r>
+              <a:rPr lang="en-US" dirty="0"/>
+              <a:t> </a:t>
+            </a:r>
+            <a:r>
+              <a:rPr lang="en-US" dirty="0" err="1"/>
+              <a:t>tượng</a:t>
+            </a:r>
+            <a:r>
+              <a:rPr lang="en-US" dirty="0"/>
+              <a:t> </a:t>
+            </a:r>
+            <a:r>
+              <a:rPr lang="en-US" dirty="0" err="1"/>
               <a:t>thông</a:t>
             </a:r>
             <a:r>
@@ -14992,7 +15545,7 @@
             </a:r>
             <a:r>
               <a:rPr lang="en-US" dirty="0" err="1" smtClean="0"/>
-              <a:t>đa</a:t>
+              <a:t>và</a:t>
             </a:r>
             <a:r>
               <a:rPr lang="en-US" dirty="0" smtClean="0"/>
@@ -15000,30 +15553,15 @@
             </a:r>
             <a:r>
               <a:rPr lang="en-US" dirty="0" err="1"/>
-              <a:t>dạng</a:t>
+              <a:t>chiến</a:t>
             </a:r>
             <a:r>
               <a:rPr lang="en-US" dirty="0"/>
               <a:t> </a:t>
             </a:r>
-            <a:endParaRPr lang="en-US" dirty="0" smtClean="0"/>
-          </a:p>
-          <a:p>
             <a:r>
               <a:rPr lang="en-US" dirty="0" err="1"/>
-              <a:t>P</a:t>
-            </a:r>
-            <a:r>
-              <a:rPr lang="en-US" dirty="0" err="1" smtClean="0"/>
-              <a:t>hụ</a:t>
-            </a:r>
-            <a:r>
-              <a:rPr lang="en-US" dirty="0" smtClean="0"/>
-              <a:t> </a:t>
-            </a:r>
-            <a:r>
-              <a:rPr lang="en-US" dirty="0" err="1"/>
-              <a:t>thuộc</a:t>
+              <a:t>lược</a:t>
             </a:r>
             <a:r>
               <a:rPr lang="en-US" dirty="0"/>
@@ -15031,7 +15569,7 @@
             </a:r>
             <a:r>
               <a:rPr lang="en-US" dirty="0" err="1"/>
-              <a:t>vào</a:t>
+              <a:t>của</a:t>
             </a:r>
             <a:r>
               <a:rPr lang="en-US" dirty="0"/>
@@ -15039,7 +15577,7 @@
             </a:r>
             <a:r>
               <a:rPr lang="en-US" dirty="0" err="1"/>
-              <a:t>đặc</a:t>
+              <a:t>nhà</a:t>
             </a:r>
             <a:r>
               <a:rPr lang="en-US" dirty="0"/>
@@ -15047,7 +15585,7 @@
             </a:r>
             <a:r>
               <a:rPr lang="en-US" dirty="0" err="1"/>
-              <a:t>thù</a:t>
+              <a:t>phát</a:t>
             </a:r>
             <a:r>
               <a:rPr lang="en-US" dirty="0"/>
@@ -15055,7 +15593,7 @@
             </a:r>
             <a:r>
               <a:rPr lang="en-US" dirty="0" err="1"/>
-              <a:t>của</a:t>
+              <a:t>triển</a:t>
             </a:r>
             <a:r>
               <a:rPr lang="en-US" dirty="0"/>
@@ -15063,15 +15601,37 @@
             </a:r>
             <a:r>
               <a:rPr lang="en-US" dirty="0" err="1"/>
-              <a:t>đối</a:t>
+              <a:t>phần</a:t>
             </a:r>
             <a:r>
               <a:rPr lang="en-US" dirty="0"/>
               <a:t> </a:t>
             </a:r>
             <a:r>
+              <a:rPr lang="en-US" err="1"/>
+              <a:t>mềm</a:t>
+            </a:r>
+            <a:r>
+              <a:rPr lang="en-US" smtClean="0"/>
+              <a:t>.</a:t>
+            </a:r>
+            <a:endParaRPr lang="en-US" u="sng" smtClean="0"/>
+          </a:p>
+          <a:p>
+            <a:endParaRPr lang="en-US" u="sng"/>
+          </a:p>
+          <a:p>
+            <a:pPr>
+              <a:buFont typeface="Symbol"/>
+              <a:buChar char="Þ"/>
+            </a:pPr>
+            <a:r>
+              <a:rPr lang="en-US" smtClean="0"/>
+              <a:t>Làm </a:t>
+            </a:r>
+            <a:r>
               <a:rPr lang="en-US" dirty="0" err="1"/>
-              <a:t>tượng</a:t>
+              <a:t>thế</a:t>
             </a:r>
             <a:r>
               <a:rPr lang="en-US" dirty="0"/>
@@ -15079,23 +15639,7 @@
             </a:r>
             <a:r>
               <a:rPr lang="en-US" dirty="0" err="1"/>
-              <a:t>thông</a:t>
-            </a:r>
-            <a:r>
-              <a:rPr lang="en-US" dirty="0"/>
-              <a:t> tin </a:t>
-            </a:r>
-            <a:r>
-              <a:rPr lang="en-US" dirty="0" err="1" smtClean="0"/>
-              <a:t>và</a:t>
-            </a:r>
-            <a:r>
-              <a:rPr lang="en-US" dirty="0" smtClean="0"/>
-              <a:t> </a:t>
-            </a:r>
-            <a:r>
-              <a:rPr lang="en-US" dirty="0" err="1"/>
-              <a:t>chiến</a:t>
+              <a:t>nào</a:t>
             </a:r>
             <a:r>
               <a:rPr lang="en-US" dirty="0"/>
@@ -15103,7 +15647,7 @@
             </a:r>
             <a:r>
               <a:rPr lang="en-US" dirty="0" err="1"/>
-              <a:t>lược</a:t>
+              <a:t>thiết</a:t>
             </a:r>
             <a:r>
               <a:rPr lang="en-US" dirty="0"/>
@@ -15111,314 +15655,65 @@
             </a:r>
             <a:r>
               <a:rPr lang="en-US" dirty="0" err="1"/>
-              <a:t>của</a:t>
+              <a:t>kế</a:t>
             </a:r>
             <a:r>
               <a:rPr lang="en-US" dirty="0"/>
               <a:t> </a:t>
             </a:r>
             <a:r>
-              <a:rPr lang="en-US" dirty="0" err="1"/>
-              <a:t>nhà</a:t>
-            </a:r>
-            <a:r>
-              <a:rPr lang="en-US" dirty="0"/>
+              <a:rPr lang="en-US" err="1"/>
+              <a:t>một</a:t>
+            </a:r>
+            <a:r>
+              <a:rPr lang="en-US"/>
               <a:t> </a:t>
             </a:r>
             <a:r>
-              <a:rPr lang="en-US" dirty="0" err="1"/>
-              <a:t>phát</a:t>
-            </a:r>
-            <a:r>
-              <a:rPr lang="en-US" dirty="0"/>
+              <a:rPr lang="en-US" b="1" smtClean="0"/>
+              <a:t>kiến trúc phần mềm</a:t>
+            </a:r>
+            <a:r>
+              <a:rPr lang="en-US" smtClean="0"/>
               <a:t> </a:t>
             </a:r>
             <a:r>
-              <a:rPr lang="en-US" dirty="0" err="1"/>
-              <a:t>triển</a:t>
-            </a:r>
-            <a:r>
-              <a:rPr lang="en-US" dirty="0"/>
-              <a:t> </a:t>
-            </a:r>
-            <a:r>
-              <a:rPr lang="en-US" dirty="0" err="1"/>
-              <a:t>phần</a:t>
-            </a:r>
-            <a:r>
-              <a:rPr lang="en-US" dirty="0"/>
-              <a:t> </a:t>
-            </a:r>
-            <a:r>
-              <a:rPr lang="en-US" dirty="0" err="1"/>
-              <a:t>mềm</a:t>
-            </a:r>
-            <a:r>
-              <a:rPr lang="en-US" dirty="0"/>
-              <a:t>. </a:t>
-            </a:r>
-            <a:endParaRPr lang="en-US" dirty="0" smtClean="0"/>
-          </a:p>
-          <a:p>
-            <a:endParaRPr lang="en-US" dirty="0"/>
-          </a:p>
-          <a:p>
-            <a:pPr marL="0" indent="0">
-              <a:buNone/>
-            </a:pPr>
-            <a:r>
-              <a:rPr lang="en-US" dirty="0"/>
-              <a:t> </a:t>
-            </a:r>
-            <a:r>
-              <a:rPr lang="en-US" dirty="0" smtClean="0"/>
-              <a:t>   </a:t>
-            </a:r>
-            <a:r>
-              <a:rPr lang="en-US" dirty="0" err="1" smtClean="0"/>
-              <a:t>Làm</a:t>
-            </a:r>
-            <a:r>
-              <a:rPr lang="en-US" dirty="0" smtClean="0"/>
-              <a:t> </a:t>
-            </a:r>
-            <a:r>
-              <a:rPr lang="en-US" dirty="0" err="1"/>
-              <a:t>thế</a:t>
-            </a:r>
-            <a:r>
-              <a:rPr lang="en-US" dirty="0"/>
-              <a:t> </a:t>
-            </a:r>
-            <a:r>
-              <a:rPr lang="en-US" dirty="0" err="1"/>
-              <a:t>nào</a:t>
-            </a:r>
-            <a:r>
-              <a:rPr lang="en-US" dirty="0"/>
-              <a:t> </a:t>
-            </a:r>
-            <a:r>
-              <a:rPr lang="en-US" dirty="0" err="1"/>
-              <a:t>thiết</a:t>
-            </a:r>
-            <a:r>
-              <a:rPr lang="en-US" dirty="0"/>
-              <a:t> </a:t>
-            </a:r>
-            <a:r>
-              <a:rPr lang="en-US" dirty="0" err="1"/>
-              <a:t>kế</a:t>
-            </a:r>
-            <a:r>
-              <a:rPr lang="en-US" dirty="0"/>
-              <a:t> </a:t>
-            </a:r>
-            <a:r>
-              <a:rPr lang="en-US" dirty="0" err="1"/>
-              <a:t>một</a:t>
-            </a:r>
-            <a:r>
-              <a:rPr lang="en-US" dirty="0"/>
-              <a:t> </a:t>
-            </a:r>
-            <a:r>
-              <a:rPr lang="en-US" i="1" dirty="0" err="1"/>
-              <a:t>kiến</a:t>
-            </a:r>
-            <a:r>
-              <a:rPr lang="en-US" i="1" dirty="0"/>
-              <a:t> </a:t>
-            </a:r>
-            <a:r>
-              <a:rPr lang="en-US" i="1" dirty="0" err="1"/>
-              <a:t>trúc</a:t>
-            </a:r>
-            <a:r>
-              <a:rPr lang="en-US" i="1" dirty="0"/>
-              <a:t> </a:t>
-            </a:r>
-            <a:r>
-              <a:rPr lang="en-US" i="1" dirty="0" err="1"/>
-              <a:t>phần</a:t>
-            </a:r>
-            <a:r>
-              <a:rPr lang="en-US" i="1" dirty="0"/>
-              <a:t> </a:t>
-            </a:r>
-            <a:r>
-              <a:rPr lang="en-US" i="1" dirty="0" err="1"/>
-              <a:t>mềm</a:t>
-            </a:r>
-            <a:r>
-              <a:rPr lang="en-US" i="1" dirty="0"/>
-              <a:t> </a:t>
-            </a:r>
-            <a:r>
-              <a:rPr lang="en-US" dirty="0" err="1"/>
-              <a:t>dùng</a:t>
-            </a:r>
-            <a:r>
-              <a:rPr lang="en-US" dirty="0"/>
-              <a:t> </a:t>
-            </a:r>
-            <a:r>
-              <a:rPr lang="en-US" dirty="0" err="1"/>
+              <a:rPr lang="en-US" b="1" smtClean="0"/>
               <a:t>chung</a:t>
             </a:r>
             <a:r>
-              <a:rPr lang="en-US" dirty="0"/>
-              <a:t> </a:t>
-            </a:r>
-            <a:r>
-              <a:rPr lang="en-US" dirty="0" err="1"/>
-              <a:t>có</a:t>
-            </a:r>
-            <a:r>
-              <a:rPr lang="en-US" dirty="0"/>
-              <a:t> </a:t>
-            </a:r>
-            <a:r>
-              <a:rPr lang="en-US" dirty="0" err="1"/>
-              <a:t>thể</a:t>
-            </a:r>
-            <a:r>
-              <a:rPr lang="en-US" dirty="0"/>
-              <a:t> </a:t>
-            </a:r>
-            <a:r>
-              <a:rPr lang="en-US" dirty="0" err="1"/>
-              <a:t>đáp</a:t>
-            </a:r>
-            <a:r>
-              <a:rPr lang="en-US" dirty="0"/>
-              <a:t> </a:t>
-            </a:r>
-            <a:r>
-              <a:rPr lang="en-US" dirty="0" err="1"/>
-              <a:t>ứng</a:t>
-            </a:r>
-            <a:r>
-              <a:rPr lang="en-US" dirty="0"/>
-              <a:t> </a:t>
-            </a:r>
-            <a:r>
-              <a:rPr lang="en-US" dirty="0" err="1"/>
-              <a:t>khả</a:t>
-            </a:r>
-            <a:r>
-              <a:rPr lang="en-US" dirty="0"/>
-              <a:t> </a:t>
-            </a:r>
-            <a:r>
-              <a:rPr lang="en-US" dirty="0" err="1"/>
-              <a:t>năng</a:t>
-            </a:r>
-            <a:r>
-              <a:rPr lang="en-US" dirty="0"/>
-              <a:t> </a:t>
-            </a:r>
-            <a:r>
-              <a:rPr lang="en-US" dirty="0" err="1"/>
-              <a:t>tổ</a:t>
-            </a:r>
-            <a:r>
-              <a:rPr lang="en-US" dirty="0"/>
-              <a:t> </a:t>
-            </a:r>
-            <a:r>
-              <a:rPr lang="en-US" dirty="0" err="1"/>
-              <a:t>chức</a:t>
-            </a:r>
-            <a:r>
-              <a:rPr lang="en-US" dirty="0"/>
-              <a:t> </a:t>
-            </a:r>
-            <a:r>
-              <a:rPr lang="en-US" dirty="0" err="1"/>
-              <a:t>thông</a:t>
-            </a:r>
-            <a:r>
-              <a:rPr lang="en-US" dirty="0"/>
-              <a:t> tin </a:t>
-            </a:r>
-            <a:r>
-              <a:rPr lang="en-US" dirty="0" err="1"/>
-              <a:t>một</a:t>
-            </a:r>
-            <a:r>
-              <a:rPr lang="en-US" dirty="0"/>
-              <a:t> </a:t>
-            </a:r>
-            <a:r>
-              <a:rPr lang="en-US" dirty="0" err="1"/>
-              <a:t>cách</a:t>
-            </a:r>
-            <a:r>
-              <a:rPr lang="en-US" dirty="0"/>
-              <a:t> </a:t>
-            </a:r>
-            <a:r>
-              <a:rPr lang="en-US" i="1" dirty="0" err="1"/>
-              <a:t>linh</a:t>
-            </a:r>
-            <a:r>
-              <a:rPr lang="en-US" i="1" dirty="0"/>
-              <a:t> </a:t>
-            </a:r>
-            <a:r>
-              <a:rPr lang="en-US" i="1" dirty="0" err="1" smtClean="0"/>
-              <a:t>hoạt</a:t>
-            </a:r>
-            <a:r>
-              <a:rPr lang="en-US" i="1" dirty="0" smtClean="0"/>
-              <a:t> </a:t>
-            </a:r>
-            <a:r>
-              <a:rPr lang="en-US" dirty="0" smtClean="0"/>
-              <a:t>?</a:t>
-            </a:r>
-            <a:endParaRPr lang="en-US" dirty="0"/>
-          </a:p>
-        </p:txBody>
-      </p:sp>
-      <p:sp>
-        <p:nvSpPr>
-          <p:cNvPr id="3" name="Right Arrow 2"/>
-          <p:cNvSpPr/>
-          <p:nvPr/>
-        </p:nvSpPr>
-        <p:spPr>
-          <a:xfrm>
-            <a:off x="554066" y="3762426"/>
-            <a:ext cx="504056" cy="327309"/>
-          </a:xfrm>
-          <a:prstGeom prst="rightArrow">
-            <a:avLst/>
-          </a:prstGeom>
-        </p:spPr>
-        <p:style>
-          <a:lnRef idx="2">
-            <a:schemeClr val="accent1">
-              <a:shade val="50000"/>
-            </a:schemeClr>
-          </a:lnRef>
-          <a:fillRef idx="1">
-            <a:schemeClr val="accent1"/>
-          </a:fillRef>
-          <a:effectRef idx="0">
-            <a:schemeClr val="accent1"/>
-          </a:effectRef>
-          <a:fontRef idx="minor">
-            <a:schemeClr val="lt1"/>
-          </a:fontRef>
-        </p:style>
-        <p:txBody>
-          <a:bodyPr rtlCol="0" anchor="ctr"/>
-          <a:lstStyle/>
-          <a:p>
-            <a:pPr algn="ctr"/>
-            <a:endParaRPr lang="en-US"/>
+              <a:rPr lang="en-US" smtClean="0"/>
+              <a:t> c</a:t>
+            </a:r>
+            <a:r>
+              <a:rPr lang="en-US" smtClean="0"/>
+              <a:t>ó thể </a:t>
+            </a:r>
+            <a:r>
+              <a:rPr lang="en-US" i="1" smtClean="0">
+                <a:solidFill>
+                  <a:srgbClr val="FFC000"/>
+                </a:solidFill>
+              </a:rPr>
+              <a:t>áp dụng linh hoạt </a:t>
+            </a:r>
+            <a:r>
+              <a:rPr lang="en-US" smtClean="0"/>
+              <a:t>cho nhiều sản phầm phần mềm đáp ứng nghiệp vụ </a:t>
+            </a:r>
+            <a:r>
+              <a:rPr lang="en-US" i="1" smtClean="0">
+                <a:solidFill>
+                  <a:srgbClr val="FFC000"/>
+                </a:solidFill>
+              </a:rPr>
+              <a:t>tìm kiếm và so khớp thông tin</a:t>
+            </a:r>
+            <a:endParaRPr lang="en-US" i="1" dirty="0">
+              <a:solidFill>
+                <a:srgbClr val="FFC000"/>
+              </a:solidFill>
+            </a:endParaRPr>
           </a:p>
         </p:txBody>
       </p:sp>
@@ -15474,39 +15769,7 @@
           <a:bodyPr/>
           <a:lstStyle/>
           <a:p>
-            <a:r>
-              <a:rPr lang="en-US" dirty="0" err="1" smtClean="0"/>
-              <a:t>Bài</a:t>
-            </a:r>
-            <a:r>
-              <a:rPr lang="en-US" dirty="0" smtClean="0"/>
-              <a:t> </a:t>
-            </a:r>
-            <a:r>
-              <a:rPr lang="en-US" dirty="0" err="1" smtClean="0"/>
-              <a:t>toán</a:t>
-            </a:r>
-            <a:r>
-              <a:rPr lang="en-US" dirty="0" smtClean="0"/>
-              <a:t> </a:t>
-            </a:r>
-            <a:r>
-              <a:rPr lang="en-US" dirty="0" err="1" smtClean="0"/>
-              <a:t>kiến</a:t>
-            </a:r>
-            <a:r>
-              <a:rPr lang="en-US" dirty="0" smtClean="0"/>
-              <a:t> </a:t>
-            </a:r>
-            <a:r>
-              <a:rPr lang="en-US" dirty="0" err="1" smtClean="0"/>
-              <a:t>trúc</a:t>
-            </a:r>
-            <a:r>
-              <a:rPr lang="en-US" dirty="0" smtClean="0"/>
-              <a:t> #2</a:t>
-            </a:r>
-            <a:endParaRPr lang="vi-VN" dirty="0"/>
+            <a:endParaRPr lang="en-US"/>
           </a:p>
         </p:txBody>
       </p:sp>
@@ -15531,6 +15794,250 @@
               <a:rPr lang="en-US" smtClean="0"/>
               <a:pPr/>
               <a:t>5</a:t>
+            </a:fld>
+            <a:endParaRPr lang="en-US" dirty="0">
+              <a:solidFill>
+                <a:srgbClr val="FFFFFF"/>
+              </a:solidFill>
+            </a:endParaRPr>
+          </a:p>
+        </p:txBody>
+      </p:sp>
+      <p:sp>
+        <p:nvSpPr>
+          <p:cNvPr id="4" name="Content Placeholder 3"/>
+          <p:cNvSpPr>
+            <a:spLocks noGrp="1"/>
+          </p:cNvSpPr>
+          <p:nvPr>
+            <p:ph sz="quarter" idx="1"/>
+          </p:nvPr>
+        </p:nvSpPr>
+        <p:spPr/>
+        <p:txBody>
+          <a:bodyPr/>
+          <a:lstStyle/>
+          <a:p>
+            <a:endParaRPr lang="en-US"/>
+          </a:p>
+        </p:txBody>
+      </p:sp>
+    </p:spTree>
+    <p:extLst>
+      <p:ext uri="{BB962C8B-B14F-4D97-AF65-F5344CB8AC3E}">
+        <p14:creationId xmlns:p14="http://schemas.microsoft.com/office/powerpoint/2010/main" val="1041764533"/>
+      </p:ext>
+    </p:extLst>
+  </p:cSld>
+  <p:clrMapOvr>
+    <a:masterClrMapping/>
+  </p:clrMapOvr>
+  <p:timing>
+    <p:tnLst>
+      <p:par>
+        <p:cTn id="1" dur="indefinite" restart="never" nodeType="tmRoot"/>
+      </p:par>
+    </p:tnLst>
+  </p:timing>
+</p:sld>
+</file>
+
+<file path=ppt/slides/slide6.xml><?xml version="1.0" encoding="utf-8"?>
+<p:sld xmlns:a="http://schemas.openxmlformats.org/drawingml/2006/main" xmlns:r="http://schemas.openxmlformats.org/officeDocument/2006/relationships" xmlns:p="http://schemas.openxmlformats.org/presentationml/2006/main">
+  <p:cSld>
+    <p:spTree>
+      <p:nvGrpSpPr>
+        <p:cNvPr id="1" name=""/>
+        <p:cNvGrpSpPr/>
+        <p:nvPr/>
+      </p:nvGrpSpPr>
+      <p:grpSpPr>
+        <a:xfrm>
+          <a:off x="0" y="0"/>
+          <a:ext cx="0" cy="0"/>
+          <a:chOff x="0" y="0"/>
+          <a:chExt cx="0" cy="0"/>
+        </a:xfrm>
+      </p:grpSpPr>
+      <p:sp>
+        <p:nvSpPr>
+          <p:cNvPr id="2" name="Title 1"/>
+          <p:cNvSpPr>
+            <a:spLocks noGrp="1"/>
+          </p:cNvSpPr>
+          <p:nvPr>
+            <p:ph type="title"/>
+          </p:nvPr>
+        </p:nvSpPr>
+        <p:spPr/>
+        <p:txBody>
+          <a:bodyPr/>
+          <a:lstStyle/>
+          <a:p>
+            <a:endParaRPr lang="en-US"/>
+          </a:p>
+        </p:txBody>
+      </p:sp>
+      <p:sp>
+        <p:nvSpPr>
+          <p:cNvPr id="3" name="Slide Number Placeholder 2"/>
+          <p:cNvSpPr>
+            <a:spLocks noGrp="1"/>
+          </p:cNvSpPr>
+          <p:nvPr>
+            <p:ph type="sldNum" sz="quarter" idx="12"/>
+          </p:nvPr>
+        </p:nvSpPr>
+        <p:spPr/>
+        <p:txBody>
+          <a:bodyPr>
+            <a:normAutofit fontScale="85000" lnSpcReduction="20000"/>
+          </a:bodyPr>
+          <a:lstStyle/>
+          <a:p>
+            <a:fld id="{1AD93096-5B34-4342-9326-69289CEAE4C2}" type="slidenum">
+              <a:rPr lang="en-US" smtClean="0"/>
+              <a:pPr/>
+              <a:t>6</a:t>
+            </a:fld>
+            <a:endParaRPr lang="en-US" dirty="0">
+              <a:solidFill>
+                <a:srgbClr val="FFFFFF"/>
+              </a:solidFill>
+            </a:endParaRPr>
+          </a:p>
+        </p:txBody>
+      </p:sp>
+      <p:sp>
+        <p:nvSpPr>
+          <p:cNvPr id="4" name="Content Placeholder 3"/>
+          <p:cNvSpPr>
+            <a:spLocks noGrp="1"/>
+          </p:cNvSpPr>
+          <p:nvPr>
+            <p:ph sz="quarter" idx="1"/>
+          </p:nvPr>
+        </p:nvSpPr>
+        <p:spPr/>
+        <p:txBody>
+          <a:bodyPr/>
+          <a:lstStyle/>
+          <a:p>
+            <a:endParaRPr lang="en-US"/>
+          </a:p>
+        </p:txBody>
+      </p:sp>
+    </p:spTree>
+    <p:extLst>
+      <p:ext uri="{BB962C8B-B14F-4D97-AF65-F5344CB8AC3E}">
+        <p14:creationId xmlns:p14="http://schemas.microsoft.com/office/powerpoint/2010/main" val="3438816456"/>
+      </p:ext>
+    </p:extLst>
+  </p:cSld>
+  <p:clrMapOvr>
+    <a:masterClrMapping/>
+  </p:clrMapOvr>
+  <p:timing>
+    <p:tnLst>
+      <p:par>
+        <p:cTn id="1" dur="indefinite" restart="never" nodeType="tmRoot"/>
+      </p:par>
+    </p:tnLst>
+  </p:timing>
+</p:sld>
+</file>
+
+<file path=ppt/slides/slide7.xml><?xml version="1.0" encoding="utf-8"?>
+<p:sld xmlns:a="http://schemas.openxmlformats.org/drawingml/2006/main" xmlns:r="http://schemas.openxmlformats.org/officeDocument/2006/relationships" xmlns:p="http://schemas.openxmlformats.org/presentationml/2006/main">
+  <p:cSld>
+    <p:spTree>
+      <p:nvGrpSpPr>
+        <p:cNvPr id="1" name=""/>
+        <p:cNvGrpSpPr/>
+        <p:nvPr/>
+      </p:nvGrpSpPr>
+      <p:grpSpPr>
+        <a:xfrm>
+          <a:off x="0" y="0"/>
+          <a:ext cx="0" cy="0"/>
+          <a:chOff x="0" y="0"/>
+          <a:chExt cx="0" cy="0"/>
+        </a:xfrm>
+      </p:grpSpPr>
+      <p:sp>
+        <p:nvSpPr>
+          <p:cNvPr id="2" name="Title 1"/>
+          <p:cNvSpPr>
+            <a:spLocks noGrp="1"/>
+          </p:cNvSpPr>
+          <p:nvPr>
+            <p:ph type="title"/>
+          </p:nvPr>
+        </p:nvSpPr>
+        <p:spPr/>
+        <p:txBody>
+          <a:bodyPr>
+            <a:normAutofit/>
+          </a:bodyPr>
+          <a:lstStyle/>
+          <a:p>
+            <a:r>
+              <a:rPr lang="en-US" dirty="0" err="1" smtClean="0"/>
+              <a:t>Bài</a:t>
+            </a:r>
+            <a:r>
+              <a:rPr lang="en-US" dirty="0" smtClean="0"/>
+              <a:t> </a:t>
+            </a:r>
+            <a:r>
+              <a:rPr lang="en-US" dirty="0" err="1" smtClean="0"/>
+              <a:t>toán</a:t>
+            </a:r>
+            <a:r>
+              <a:rPr lang="en-US" dirty="0" smtClean="0"/>
+              <a:t> </a:t>
+            </a:r>
+            <a:r>
+              <a:rPr lang="en-US" dirty="0" err="1" smtClean="0"/>
+              <a:t>kiến</a:t>
+            </a:r>
+            <a:r>
+              <a:rPr lang="en-US" dirty="0" smtClean="0"/>
+              <a:t> </a:t>
+            </a:r>
+            <a:r>
+              <a:rPr lang="en-US" dirty="0" err="1" smtClean="0"/>
+              <a:t>trúc</a:t>
+            </a:r>
+            <a:r>
+              <a:rPr lang="en-US" dirty="0" smtClean="0"/>
+              <a:t> #2</a:t>
+            </a:r>
+            <a:endParaRPr lang="vi-VN" dirty="0"/>
+          </a:p>
+        </p:txBody>
+      </p:sp>
+      <p:sp>
+        <p:nvSpPr>
+          <p:cNvPr id="3" name="Slide Number Placeholder 2"/>
+          <p:cNvSpPr>
+            <a:spLocks noGrp="1"/>
+          </p:cNvSpPr>
+          <p:nvPr>
+            <p:ph type="sldNum" sz="quarter" idx="12"/>
+          </p:nvPr>
+        </p:nvSpPr>
+        <p:spPr/>
+        <p:txBody>
+          <a:bodyPr>
+            <a:normAutofit fontScale="85000" lnSpcReduction="20000"/>
+          </a:bodyPr>
+          <a:lstStyle/>
+          <a:p>
+            <a:fld id="{1AD93096-5B34-4342-9326-69289CEAE4C2}" type="slidenum">
+              <a:rPr lang="en-US" smtClean="0"/>
+              <a:pPr/>
+              <a:t>7</a:t>
             </a:fld>
             <a:endParaRPr lang="en-US" dirty="0">
               <a:solidFill>
@@ -15666,7 +16173,7 @@
         </p:blipFill>
         <p:spPr bwMode="auto">
           <a:xfrm>
-            <a:off x="2699792" y="3429000"/>
+            <a:off x="2699792" y="3429001"/>
             <a:ext cx="3888432" cy="2341132"/>
           </a:xfrm>
           <a:prstGeom prst="rect">
@@ -15727,7 +16234,7 @@
 </p:sld>
 </file>
 
-<file path=ppt/slides/slide6.xml><?xml version="1.0" encoding="utf-8"?>
+<file path=ppt/slides/slide8.xml><?xml version="1.0" encoding="utf-8"?>
 <p:sld xmlns:a="http://schemas.openxmlformats.org/drawingml/2006/main" xmlns:r="http://schemas.openxmlformats.org/officeDocument/2006/relationships" xmlns:p="http://schemas.openxmlformats.org/presentationml/2006/main">
   <p:cSld>
     <p:spTree>
@@ -15756,7 +16263,9 @@
         </p:nvSpPr>
         <p:spPr/>
         <p:txBody>
-          <a:bodyPr/>
+          <a:bodyPr>
+            <a:normAutofit/>
+          </a:bodyPr>
           <a:lstStyle/>
           <a:p>
             <a:r>
@@ -15815,7 +16324,7 @@
             <a:fld id="{1AD93096-5B34-4342-9326-69289CEAE4C2}" type="slidenum">
               <a:rPr lang="en-US" smtClean="0"/>
               <a:pPr/>
-              <a:t>6</a:t>
+              <a:t>8</a:t>
             </a:fld>
             <a:endParaRPr lang="en-US" dirty="0">
               <a:solidFill>
@@ -15979,7 +16488,7 @@
         </p:blipFill>
         <p:spPr bwMode="auto">
           <a:xfrm>
-            <a:off x="0" y="4293096"/>
+            <a:off x="0" y="4293097"/>
             <a:ext cx="2987976" cy="2569659"/>
           </a:xfrm>
           <a:prstGeom prst="rect">
@@ -16043,8 +16552,8 @@
         </p:blipFill>
         <p:spPr bwMode="auto">
           <a:xfrm>
-            <a:off x="3995936" y="2740830"/>
-            <a:ext cx="3744417" cy="2808314"/>
+            <a:off x="3995938" y="2740829"/>
+            <a:ext cx="3744417" cy="2808315"/>
           </a:xfrm>
           <a:prstGeom prst="rect">
             <a:avLst/>
@@ -16081,7 +16590,7 @@
 </p:sld>
 </file>
 
-<file path=ppt/slides/slide7.xml><?xml version="1.0" encoding="utf-8"?>
+<file path=ppt/slides/slide9.xml><?xml version="1.0" encoding="utf-8"?>
 <p:sld xmlns:a="http://schemas.openxmlformats.org/drawingml/2006/main" xmlns:r="http://schemas.openxmlformats.org/officeDocument/2006/relationships" xmlns:p="http://schemas.openxmlformats.org/presentationml/2006/main">
   <p:cSld>
     <p:spTree>
@@ -16129,7 +16638,9 @@
         </p:nvSpPr>
         <p:spPr/>
         <p:txBody>
-          <a:bodyPr/>
+          <a:bodyPr>
+            <a:normAutofit/>
+          </a:bodyPr>
           <a:lstStyle/>
           <a:p>
             <a:r>
@@ -16160,7 +16671,7 @@
             <a:fld id="{1AD93096-5B34-4342-9326-69289CEAE4C2}" type="slidenum">
               <a:rPr lang="en-US" smtClean="0"/>
               <a:pPr/>
-              <a:t>7</a:t>
+              <a:t>9</a:t>
             </a:fld>
             <a:endParaRPr lang="en-US" dirty="0">
               <a:solidFill>
@@ -16193,7 +16704,7 @@
         </p:blipFill>
         <p:spPr bwMode="auto">
           <a:xfrm>
-            <a:off x="14515" y="2579418"/>
+            <a:off x="14517" y="2579419"/>
             <a:ext cx="9114971" cy="4293096"/>
           </a:xfrm>
           <a:prstGeom prst="rect">
@@ -16215,523 +16726,6 @@
     <p:extLst>
       <p:ext uri="{BB962C8B-B14F-4D97-AF65-F5344CB8AC3E}">
         <p14:creationId xmlns:p14="http://schemas.microsoft.com/office/powerpoint/2010/main" val="1789735374"/>
-      </p:ext>
-    </p:extLst>
-  </p:cSld>
-  <p:clrMapOvr>
-    <a:masterClrMapping/>
-  </p:clrMapOvr>
-  <p:timing>
-    <p:tnLst>
-      <p:par>
-        <p:cTn id="1" dur="indefinite" restart="never" nodeType="tmRoot">
-          <p:childTnLst>
-            <p:seq concurrent="1" nextAc="seek">
-              <p:cTn id="2" dur="indefinite" nodeType="mainSeq">
-                <p:childTnLst>
-                  <p:par>
-                    <p:cTn id="3" fill="hold">
-                      <p:stCondLst>
-                        <p:cond delay="indefinite"/>
-                        <p:cond evt="onBegin" delay="0">
-                          <p:tn val="2"/>
-                        </p:cond>
-                      </p:stCondLst>
-                      <p:childTnLst>
-                        <p:par>
-                          <p:cTn id="4" fill="hold">
-                            <p:stCondLst>
-                              <p:cond delay="0"/>
-                            </p:stCondLst>
-                            <p:childTnLst>
-                              <p:par>
-                                <p:cTn id="5" presetID="10" presetClass="entr" presetSubtype="0" fill="hold" nodeType="withEffect">
-                                  <p:stCondLst>
-                                    <p:cond delay="0"/>
-                                  </p:stCondLst>
-                                  <p:childTnLst>
-                                    <p:set>
-                                      <p:cBhvr>
-                                        <p:cTn id="6" dur="1" fill="hold">
-                                          <p:stCondLst>
-                                            <p:cond delay="0"/>
-                                          </p:stCondLst>
-                                        </p:cTn>
-                                        <p:tgtEl>
-                                          <p:spTgt spid="1026"/>
-                                        </p:tgtEl>
-                                        <p:attrNameLst>
-                                          <p:attrName>style.visibility</p:attrName>
-                                        </p:attrNameLst>
-                                      </p:cBhvr>
-                                      <p:to>
-                                        <p:strVal val="visible"/>
-                                      </p:to>
-                                    </p:set>
-                                    <p:animEffect transition="in" filter="fade">
-                                      <p:cBhvr>
-                                        <p:cTn id="7" dur="500"/>
-                                        <p:tgtEl>
-                                          <p:spTgt spid="1026"/>
-                                        </p:tgtEl>
-                                      </p:cBhvr>
-                                    </p:animEffect>
-                                  </p:childTnLst>
-                                </p:cTn>
-                              </p:par>
-                            </p:childTnLst>
-                          </p:cTn>
-                        </p:par>
-                      </p:childTnLst>
-                    </p:cTn>
-                  </p:par>
-                </p:childTnLst>
-              </p:cTn>
-              <p:prevCondLst>
-                <p:cond evt="onPrev" delay="0">
-                  <p:tgtEl>
-                    <p:sldTgt/>
-                  </p:tgtEl>
-                </p:cond>
-              </p:prevCondLst>
-              <p:nextCondLst>
-                <p:cond evt="onNext" delay="0">
-                  <p:tgtEl>
-                    <p:sldTgt/>
-                  </p:tgtEl>
-                </p:cond>
-              </p:nextCondLst>
-            </p:seq>
-          </p:childTnLst>
-        </p:cTn>
-      </p:par>
-    </p:tnLst>
-  </p:timing>
-</p:sld>
-</file>
-
-<file path=ppt/slides/slide8.xml><?xml version="1.0" encoding="utf-8"?>
-<p:sld xmlns:a="http://schemas.openxmlformats.org/drawingml/2006/main" xmlns:r="http://schemas.openxmlformats.org/officeDocument/2006/relationships" xmlns:p="http://schemas.openxmlformats.org/presentationml/2006/main">
-  <p:cSld>
-    <p:spTree>
-      <p:nvGrpSpPr>
-        <p:cNvPr id="1" name=""/>
-        <p:cNvGrpSpPr/>
-        <p:nvPr/>
-      </p:nvGrpSpPr>
-      <p:grpSpPr>
-        <a:xfrm>
-          <a:off x="0" y="0"/>
-          <a:ext cx="0" cy="0"/>
-          <a:chOff x="0" y="0"/>
-          <a:chExt cx="0" cy="0"/>
-        </a:xfrm>
-      </p:grpSpPr>
-      <p:sp>
-        <p:nvSpPr>
-          <p:cNvPr id="5" name="Title 4"/>
-          <p:cNvSpPr>
-            <a:spLocks noGrp="1"/>
-          </p:cNvSpPr>
-          <p:nvPr>
-            <p:ph type="title"/>
-          </p:nvPr>
-        </p:nvSpPr>
-        <p:spPr/>
-        <p:txBody>
-          <a:bodyPr>
-            <a:normAutofit/>
-          </a:bodyPr>
-          <a:lstStyle/>
-          <a:p>
-            <a:r>
-              <a:rPr lang="en-US" sz="4000" dirty="0" smtClean="0"/>
-              <a:t>Tag </a:t>
-            </a:r>
-            <a:r>
-              <a:rPr lang="en-US" sz="4000" dirty="0" err="1" smtClean="0"/>
-              <a:t>kết</a:t>
-            </a:r>
-            <a:r>
-              <a:rPr lang="en-US" sz="4000" dirty="0" smtClean="0"/>
-              <a:t> </a:t>
-            </a:r>
-            <a:r>
-              <a:rPr lang="en-US" sz="4000" dirty="0" err="1" smtClean="0"/>
-              <a:t>hợp</a:t>
-            </a:r>
-            <a:r>
-              <a:rPr lang="en-US" sz="4000" dirty="0" smtClean="0"/>
-              <a:t> taxonomy</a:t>
-            </a:r>
-            <a:endParaRPr lang="vi-VN" sz="4000" dirty="0"/>
-          </a:p>
-        </p:txBody>
-      </p:sp>
-      <p:sp>
-        <p:nvSpPr>
-          <p:cNvPr id="4" name="Slide Number Placeholder 3"/>
-          <p:cNvSpPr>
-            <a:spLocks noGrp="1"/>
-          </p:cNvSpPr>
-          <p:nvPr>
-            <p:ph type="sldNum" sz="quarter" idx="12"/>
-          </p:nvPr>
-        </p:nvSpPr>
-        <p:spPr/>
-        <p:txBody>
-          <a:bodyPr>
-            <a:normAutofit fontScale="85000" lnSpcReduction="20000"/>
-          </a:bodyPr>
-          <a:lstStyle/>
-          <a:p>
-            <a:pPr algn="ctr"/>
-            <a:fld id="{1AD93096-5B34-4342-9326-69289CEAE4C2}" type="slidenum">
-              <a:rPr lang="en-US" smtClean="0"/>
-              <a:pPr algn="ctr"/>
-              <a:t>8</a:t>
-            </a:fld>
-            <a:endParaRPr lang="en-US" sz="2400" dirty="0">
-              <a:solidFill>
-                <a:srgbClr val="FFFFFF"/>
-              </a:solidFill>
-            </a:endParaRPr>
-          </a:p>
-        </p:txBody>
-      </p:sp>
-      <p:pic>
-        <p:nvPicPr>
-          <p:cNvPr id="87" name="Picture 2"/>
-          <p:cNvPicPr>
-            <a:picLocks noChangeAspect="1" noChangeArrowheads="1"/>
-          </p:cNvPicPr>
-          <p:nvPr/>
-        </p:nvPicPr>
-        <p:blipFill>
-          <a:blip r:embed="rId2">
-            <a:extLst>
-              <a:ext uri="{28A0092B-C50C-407E-A947-70E740481C1C}">
-                <a14:useLocalDpi xmlns:a14="http://schemas.microsoft.com/office/drawing/2010/main" val="0"/>
-              </a:ext>
-            </a:extLst>
-          </a:blip>
-          <a:srcRect/>
-          <a:stretch>
-            <a:fillRect/>
-          </a:stretch>
-        </p:blipFill>
-        <p:spPr bwMode="auto">
-          <a:xfrm>
-            <a:off x="611560" y="2204864"/>
-            <a:ext cx="8028384" cy="3380372"/>
-          </a:xfrm>
-          <a:prstGeom prst="rect">
-            <a:avLst/>
-          </a:prstGeom>
-          <a:noFill/>
-          <a:ln>
-            <a:noFill/>
-          </a:ln>
-          <a:effectLst/>
-          <a:extLst>
-            <a:ext uri="{909E8E84-426E-40DD-AFC4-6F175D3DCCD1}">
-              <a14:hiddenFill xmlns:a14="http://schemas.microsoft.com/office/drawing/2010/main">
-                <a:solidFill>
-                  <a:schemeClr val="accent1"/>
-                </a:solidFill>
-              </a14:hiddenFill>
-            </a:ext>
-            <a:ext uri="{91240B29-F687-4F45-9708-019B960494DF}">
-              <a14:hiddenLine xmlns:a14="http://schemas.microsoft.com/office/drawing/2010/main" w="9525">
-                <a:solidFill>
-                  <a:schemeClr val="tx1"/>
-                </a:solidFill>
-                <a:miter lim="800000"/>
-                <a:headEnd/>
-                <a:tailEnd/>
-              </a14:hiddenLine>
-            </a:ext>
-            <a:ext uri="{AF507438-7753-43E0-B8FC-AC1667EBCBE1}">
-              <a14:hiddenEffects xmlns:a14="http://schemas.microsoft.com/office/drawing/2010/main">
-                <a:effectLst>
-                  <a:outerShdw dist="35921" dir="2700000" algn="ctr" rotWithShape="0">
-                    <a:schemeClr val="bg2"/>
-                  </a:outerShdw>
-                </a:effectLst>
-              </a14:hiddenEffects>
-            </a:ext>
-          </a:extLst>
-        </p:spPr>
-      </p:pic>
-    </p:spTree>
-    <p:extLst>
-      <p:ext uri="{BB962C8B-B14F-4D97-AF65-F5344CB8AC3E}">
-        <p14:creationId xmlns:p14="http://schemas.microsoft.com/office/powerpoint/2010/main" val="3162985393"/>
-      </p:ext>
-    </p:extLst>
-  </p:cSld>
-  <p:clrMapOvr>
-    <a:masterClrMapping/>
-  </p:clrMapOvr>
-  <p:timing>
-    <p:tnLst>
-      <p:par>
-        <p:cTn id="1" dur="indefinite" restart="never" nodeType="tmRoot">
-          <p:childTnLst>
-            <p:seq concurrent="1" nextAc="seek">
-              <p:cTn id="2" dur="indefinite" nodeType="mainSeq">
-                <p:childTnLst>
-                  <p:par>
-                    <p:cTn id="3" fill="hold">
-                      <p:stCondLst>
-                        <p:cond delay="indefinite"/>
-                        <p:cond evt="onBegin" delay="0">
-                          <p:tn val="2"/>
-                        </p:cond>
-                      </p:stCondLst>
-                      <p:childTnLst>
-                        <p:par>
-                          <p:cTn id="4" fill="hold">
-                            <p:stCondLst>
-                              <p:cond delay="0"/>
-                            </p:stCondLst>
-                            <p:childTnLst>
-                              <p:par>
-                                <p:cTn id="5" presetID="10" presetClass="entr" presetSubtype="0" fill="hold" nodeType="withEffect">
-                                  <p:stCondLst>
-                                    <p:cond delay="0"/>
-                                  </p:stCondLst>
-                                  <p:childTnLst>
-                                    <p:set>
-                                      <p:cBhvr>
-                                        <p:cTn id="6" dur="1" fill="hold">
-                                          <p:stCondLst>
-                                            <p:cond delay="0"/>
-                                          </p:stCondLst>
-                                        </p:cTn>
-                                        <p:tgtEl>
-                                          <p:spTgt spid="87"/>
-                                        </p:tgtEl>
-                                        <p:attrNameLst>
-                                          <p:attrName>style.visibility</p:attrName>
-                                        </p:attrNameLst>
-                                      </p:cBhvr>
-                                      <p:to>
-                                        <p:strVal val="visible"/>
-                                      </p:to>
-                                    </p:set>
-                                    <p:animEffect transition="in" filter="fade">
-                                      <p:cBhvr>
-                                        <p:cTn id="7" dur="500"/>
-                                        <p:tgtEl>
-                                          <p:spTgt spid="87"/>
-                                        </p:tgtEl>
-                                      </p:cBhvr>
-                                    </p:animEffect>
-                                  </p:childTnLst>
-                                </p:cTn>
-                              </p:par>
-                            </p:childTnLst>
-                          </p:cTn>
-                        </p:par>
-                      </p:childTnLst>
-                    </p:cTn>
-                  </p:par>
-                </p:childTnLst>
-              </p:cTn>
-              <p:prevCondLst>
-                <p:cond evt="onPrev" delay="0">
-                  <p:tgtEl>
-                    <p:sldTgt/>
-                  </p:tgtEl>
-                </p:cond>
-              </p:prevCondLst>
-              <p:nextCondLst>
-                <p:cond evt="onNext" delay="0">
-                  <p:tgtEl>
-                    <p:sldTgt/>
-                  </p:tgtEl>
-                </p:cond>
-              </p:nextCondLst>
-            </p:seq>
-          </p:childTnLst>
-        </p:cTn>
-      </p:par>
-    </p:tnLst>
-  </p:timing>
-</p:sld>
-</file>
-
-<file path=ppt/slides/slide9.xml><?xml version="1.0" encoding="utf-8"?>
-<p:sld xmlns:a="http://schemas.openxmlformats.org/drawingml/2006/main" xmlns:r="http://schemas.openxmlformats.org/officeDocument/2006/relationships" xmlns:p="http://schemas.openxmlformats.org/presentationml/2006/main">
-  <p:cSld>
-    <p:spTree>
-      <p:nvGrpSpPr>
-        <p:cNvPr id="1" name=""/>
-        <p:cNvGrpSpPr/>
-        <p:nvPr/>
-      </p:nvGrpSpPr>
-      <p:grpSpPr>
-        <a:xfrm>
-          <a:off x="0" y="0"/>
-          <a:ext cx="0" cy="0"/>
-          <a:chOff x="0" y="0"/>
-          <a:chExt cx="0" cy="0"/>
-        </a:xfrm>
-      </p:grpSpPr>
-      <p:sp>
-        <p:nvSpPr>
-          <p:cNvPr id="2" name="Title 1"/>
-          <p:cNvSpPr>
-            <a:spLocks noGrp="1"/>
-          </p:cNvSpPr>
-          <p:nvPr>
-            <p:ph type="title"/>
-          </p:nvPr>
-        </p:nvSpPr>
-        <p:spPr/>
-        <p:txBody>
-          <a:bodyPr>
-            <a:normAutofit/>
-          </a:bodyPr>
-          <a:lstStyle/>
-          <a:p>
-            <a:r>
-              <a:rPr lang="en-US" sz="3600" dirty="0" err="1" smtClean="0"/>
-              <a:t>Giải</a:t>
-            </a:r>
-            <a:r>
-              <a:rPr lang="en-US" sz="3600" dirty="0" smtClean="0"/>
-              <a:t> </a:t>
-            </a:r>
-            <a:r>
-              <a:rPr lang="en-US" sz="3600" dirty="0" err="1" smtClean="0"/>
-              <a:t>pháp</a:t>
-            </a:r>
-            <a:r>
-              <a:rPr lang="en-US" sz="3600" dirty="0" smtClean="0"/>
-              <a:t> so </a:t>
-            </a:r>
-            <a:r>
-              <a:rPr lang="en-US" sz="3600" dirty="0" err="1" smtClean="0"/>
-              <a:t>khớp</a:t>
-            </a:r>
-            <a:r>
-              <a:rPr lang="en-US" sz="3600" dirty="0" smtClean="0"/>
-              <a:t> </a:t>
-            </a:r>
-            <a:r>
-              <a:rPr lang="en-US" sz="3600" dirty="0" err="1" smtClean="0"/>
-              <a:t>thông</a:t>
-            </a:r>
-            <a:r>
-              <a:rPr lang="en-US" sz="3600" dirty="0" smtClean="0"/>
-              <a:t> tin</a:t>
-            </a:r>
-            <a:endParaRPr lang="vi-VN" sz="3600" dirty="0"/>
-          </a:p>
-        </p:txBody>
-      </p:sp>
-      <p:sp>
-        <p:nvSpPr>
-          <p:cNvPr id="3" name="Slide Number Placeholder 2"/>
-          <p:cNvSpPr>
-            <a:spLocks noGrp="1"/>
-          </p:cNvSpPr>
-          <p:nvPr>
-            <p:ph type="sldNum" sz="quarter" idx="12"/>
-          </p:nvPr>
-        </p:nvSpPr>
-        <p:spPr/>
-        <p:txBody>
-          <a:bodyPr>
-            <a:normAutofit fontScale="85000" lnSpcReduction="20000"/>
-          </a:bodyPr>
-          <a:lstStyle/>
-          <a:p>
-            <a:fld id="{1AD93096-5B34-4342-9326-69289CEAE4C2}" type="slidenum">
-              <a:rPr lang="en-US" smtClean="0"/>
-              <a:pPr/>
-              <a:t>9</a:t>
-            </a:fld>
-            <a:endParaRPr lang="en-US" dirty="0">
-              <a:solidFill>
-                <a:srgbClr val="FFFFFF"/>
-              </a:solidFill>
-            </a:endParaRPr>
-          </a:p>
-        </p:txBody>
-      </p:sp>
-      <p:pic>
-        <p:nvPicPr>
-          <p:cNvPr id="1026" name="Picture 2"/>
-          <p:cNvPicPr>
-            <a:picLocks noGrp="1" noChangeAspect="1" noChangeArrowheads="1"/>
-          </p:cNvPicPr>
-          <p:nvPr>
-            <p:ph sz="quarter" idx="1"/>
-          </p:nvPr>
-        </p:nvPicPr>
-        <p:blipFill>
-          <a:blip r:embed="rId2">
-            <a:extLst>
-              <a:ext uri="{28A0092B-C50C-407E-A947-70E740481C1C}">
-                <a14:useLocalDpi xmlns:a14="http://schemas.microsoft.com/office/drawing/2010/main" val="0"/>
-              </a:ext>
-            </a:extLst>
-          </a:blip>
-          <a:srcRect/>
-          <a:stretch>
-            <a:fillRect/>
-          </a:stretch>
-        </p:blipFill>
-        <p:spPr bwMode="auto">
-          <a:xfrm>
-            <a:off x="2123728" y="1668112"/>
-            <a:ext cx="4833393" cy="5189888"/>
-          </a:xfrm>
-          <a:prstGeom prst="rect">
-            <a:avLst/>
-          </a:prstGeom>
-          <a:noFill/>
-          <a:ln>
-            <a:noFill/>
-          </a:ln>
-          <a:effectLst/>
-          <a:extLst>
-            <a:ext uri="{909E8E84-426E-40DD-AFC4-6F175D3DCCD1}">
-              <a14:hiddenFill xmlns:a14="http://schemas.microsoft.com/office/drawing/2010/main">
-                <a:solidFill>
-                  <a:schemeClr val="accent1"/>
-                </a:solidFill>
-              </a14:hiddenFill>
-            </a:ext>
-            <a:ext uri="{91240B29-F687-4F45-9708-019B960494DF}">
-              <a14:hiddenLine xmlns:a14="http://schemas.microsoft.com/office/drawing/2010/main" w="9525">
-                <a:solidFill>
-                  <a:schemeClr val="tx1"/>
-                </a:solidFill>
-                <a:miter lim="800000"/>
-                <a:headEnd/>
-                <a:tailEnd/>
-              </a14:hiddenLine>
-            </a:ext>
-            <a:ext uri="{AF507438-7753-43E0-B8FC-AC1667EBCBE1}">
-              <a14:hiddenEffects xmlns:a14="http://schemas.microsoft.com/office/drawing/2010/main">
-                <a:effectLst>
-                  <a:outerShdw dist="35921" dir="2700000" algn="ctr" rotWithShape="0">
-                    <a:schemeClr val="bg2"/>
-                  </a:outerShdw>
-                </a:effectLst>
-              </a14:hiddenEffects>
-            </a:ext>
-          </a:extLst>
-        </p:spPr>
-      </p:pic>
-    </p:spTree>
-    <p:extLst>
-      <p:ext uri="{BB962C8B-B14F-4D97-AF65-F5344CB8AC3E}">
-        <p14:creationId xmlns:p14="http://schemas.microsoft.com/office/powerpoint/2010/main" val="1169248967"/>
       </p:ext>
     </p:extLst>
   </p:cSld>

--- a/Documents/JobZoom Presentation - Copy.pptx
+++ b/Documents/JobZoom Presentation - Copy.pptx
@@ -5,10 +5,10 @@
     <p:sldMasterId id="2147483694" r:id="rId1"/>
   </p:sldMasterIdLst>
   <p:notesMasterIdLst>
-    <p:notesMasterId r:id="rId30"/>
+    <p:notesMasterId r:id="rId34"/>
   </p:notesMasterIdLst>
   <p:handoutMasterIdLst>
-    <p:handoutMasterId r:id="rId31"/>
+    <p:handoutMasterId r:id="rId35"/>
   </p:handoutMasterIdLst>
   <p:sldIdLst>
     <p:sldId id="256" r:id="rId2"/>
@@ -18,27 +18,31 @@
     <p:sldId id="284" r:id="rId6"/>
     <p:sldId id="283" r:id="rId7"/>
     <p:sldId id="261" r:id="rId8"/>
-    <p:sldId id="262" r:id="rId9"/>
-    <p:sldId id="263" r:id="rId10"/>
-    <p:sldId id="280" r:id="rId11"/>
-    <p:sldId id="285" r:id="rId12"/>
-    <p:sldId id="265" r:id="rId13"/>
-    <p:sldId id="266" r:id="rId14"/>
-    <p:sldId id="282" r:id="rId15"/>
-    <p:sldId id="267" r:id="rId16"/>
-    <p:sldId id="268" r:id="rId17"/>
-    <p:sldId id="269" r:id="rId18"/>
-    <p:sldId id="264" r:id="rId19"/>
-    <p:sldId id="270" r:id="rId20"/>
-    <p:sldId id="271" r:id="rId21"/>
-    <p:sldId id="272" r:id="rId22"/>
-    <p:sldId id="273" r:id="rId23"/>
-    <p:sldId id="274" r:id="rId24"/>
-    <p:sldId id="275" r:id="rId25"/>
-    <p:sldId id="279" r:id="rId26"/>
-    <p:sldId id="276" r:id="rId27"/>
-    <p:sldId id="277" r:id="rId28"/>
-    <p:sldId id="278" r:id="rId29"/>
+    <p:sldId id="290" r:id="rId9"/>
+    <p:sldId id="286" r:id="rId10"/>
+    <p:sldId id="287" r:id="rId11"/>
+    <p:sldId id="288" r:id="rId12"/>
+    <p:sldId id="263" r:id="rId13"/>
+    <p:sldId id="289" r:id="rId14"/>
+    <p:sldId id="280" r:id="rId15"/>
+    <p:sldId id="285" r:id="rId16"/>
+    <p:sldId id="265" r:id="rId17"/>
+    <p:sldId id="266" r:id="rId18"/>
+    <p:sldId id="282" r:id="rId19"/>
+    <p:sldId id="267" r:id="rId20"/>
+    <p:sldId id="268" r:id="rId21"/>
+    <p:sldId id="269" r:id="rId22"/>
+    <p:sldId id="264" r:id="rId23"/>
+    <p:sldId id="270" r:id="rId24"/>
+    <p:sldId id="271" r:id="rId25"/>
+    <p:sldId id="272" r:id="rId26"/>
+    <p:sldId id="273" r:id="rId27"/>
+    <p:sldId id="274" r:id="rId28"/>
+    <p:sldId id="275" r:id="rId29"/>
+    <p:sldId id="279" r:id="rId30"/>
+    <p:sldId id="276" r:id="rId31"/>
+    <p:sldId id="277" r:id="rId32"/>
+    <p:sldId id="278" r:id="rId33"/>
   </p:sldIdLst>
   <p:sldSz cx="9144000" cy="6858000" type="screen4x3"/>
   <p:notesSz cx="6858000" cy="9144000"/>
@@ -10202,6 +10206,742 @@
 </file>
 
 <file path=ppt/slides/slide10.xml><?xml version="1.0" encoding="utf-8"?>
+<p:sld xmlns:a="http://schemas.openxmlformats.org/drawingml/2006/main" xmlns:r="http://schemas.openxmlformats.org/officeDocument/2006/relationships" xmlns:p="http://schemas.openxmlformats.org/presentationml/2006/main" show="0">
+  <p:cSld>
+    <p:spTree>
+      <p:nvGrpSpPr>
+        <p:cNvPr id="1" name=""/>
+        <p:cNvGrpSpPr/>
+        <p:nvPr/>
+      </p:nvGrpSpPr>
+      <p:grpSpPr>
+        <a:xfrm>
+          <a:off x="0" y="0"/>
+          <a:ext cx="0" cy="0"/>
+          <a:chOff x="0" y="0"/>
+          <a:chExt cx="0" cy="0"/>
+        </a:xfrm>
+      </p:grpSpPr>
+      <p:sp>
+        <p:nvSpPr>
+          <p:cNvPr id="2" name="Title 1"/>
+          <p:cNvSpPr>
+            <a:spLocks noGrp="1"/>
+          </p:cNvSpPr>
+          <p:nvPr>
+            <p:ph type="title"/>
+          </p:nvPr>
+        </p:nvSpPr>
+        <p:spPr/>
+        <p:txBody>
+          <a:bodyPr/>
+          <a:lstStyle/>
+          <a:p>
+            <a:r>
+              <a:rPr lang="en-US" smtClean="0"/>
+              <a:t>NOte</a:t>
+            </a:r>
+            <a:endParaRPr lang="en-US"/>
+          </a:p>
+        </p:txBody>
+      </p:sp>
+      <p:sp>
+        <p:nvSpPr>
+          <p:cNvPr id="3" name="Slide Number Placeholder 2"/>
+          <p:cNvSpPr>
+            <a:spLocks noGrp="1"/>
+          </p:cNvSpPr>
+          <p:nvPr>
+            <p:ph type="sldNum" sz="quarter" idx="12"/>
+          </p:nvPr>
+        </p:nvSpPr>
+        <p:spPr/>
+        <p:txBody>
+          <a:bodyPr>
+            <a:normAutofit fontScale="85000" lnSpcReduction="20000"/>
+          </a:bodyPr>
+          <a:lstStyle/>
+          <a:p>
+            <a:fld id="{1AD93096-5B34-4342-9326-69289CEAE4C2}" type="slidenum">
+              <a:rPr lang="en-US" smtClean="0"/>
+              <a:pPr/>
+              <a:t>10</a:t>
+            </a:fld>
+            <a:endParaRPr lang="en-US" dirty="0">
+              <a:solidFill>
+                <a:srgbClr val="FFFFFF"/>
+              </a:solidFill>
+            </a:endParaRPr>
+          </a:p>
+        </p:txBody>
+      </p:sp>
+      <p:sp>
+        <p:nvSpPr>
+          <p:cNvPr id="4" name="Content Placeholder 3"/>
+          <p:cNvSpPr>
+            <a:spLocks noGrp="1"/>
+          </p:cNvSpPr>
+          <p:nvPr>
+            <p:ph sz="quarter" idx="1"/>
+          </p:nvPr>
+        </p:nvSpPr>
+        <p:spPr/>
+        <p:txBody>
+          <a:bodyPr>
+            <a:normAutofit fontScale="77500" lnSpcReduction="20000"/>
+          </a:bodyPr>
+          <a:lstStyle/>
+          <a:p>
+            <a:r>
+              <a:rPr lang="en-US"/>
+              <a:t>distinguish between data and information </a:t>
+            </a:r>
+          </a:p>
+          <a:p>
+            <a:r>
+              <a:rPr lang="en-US"/>
+              <a:t>describe the components of information domain in the context of information system design </a:t>
+            </a:r>
+          </a:p>
+          <a:p>
+            <a:r>
+              <a:rPr lang="en-US"/>
+              <a:t>describe the data-oriented approach to information system development </a:t>
+            </a:r>
+          </a:p>
+          <a:p>
+            <a:r>
+              <a:rPr lang="en-US"/>
+              <a:t>explain information organization from the perspectives of: data, relationship, operating system and system architecture </a:t>
+            </a:r>
+          </a:p>
+          <a:p>
+            <a:r>
+              <a:rPr lang="en-US"/>
+              <a:t>list typical spatial and non-spatial data structures and describe their characteristics </a:t>
+            </a:r>
+          </a:p>
+          <a:p>
+            <a:r>
+              <a:rPr lang="en-US"/>
+              <a:t>describe the phases of work of data modeling and their respective end products </a:t>
+            </a:r>
+          </a:p>
+          <a:p>
+            <a:r>
+              <a:rPr lang="en-US"/>
+              <a:t>describe the method of process modeling and its end product </a:t>
+            </a:r>
+          </a:p>
+          <a:p>
+            <a:endParaRPr lang="en-US"/>
+          </a:p>
+        </p:txBody>
+      </p:sp>
+    </p:spTree>
+    <p:extLst>
+      <p:ext uri="{BB962C8B-B14F-4D97-AF65-F5344CB8AC3E}">
+        <p14:creationId xmlns:p14="http://schemas.microsoft.com/office/powerpoint/2010/main" val="908452239"/>
+      </p:ext>
+    </p:extLst>
+  </p:cSld>
+  <p:clrMapOvr>
+    <a:masterClrMapping/>
+  </p:clrMapOvr>
+  <mc:AlternateContent xmlns:mc="http://schemas.openxmlformats.org/markup-compatibility/2006">
+    <mc:Choice xmlns:p14="http://schemas.microsoft.com/office/powerpoint/2010/main" Requires="p14">
+      <p:transition spd="slow" p14:dur="2000"/>
+    </mc:Choice>
+    <mc:Fallback>
+      <p:transition spd="slow"/>
+    </mc:Fallback>
+  </mc:AlternateContent>
+  <p:timing>
+    <p:tnLst>
+      <p:par>
+        <p:cTn id="1" dur="indefinite" restart="never" nodeType="tmRoot"/>
+      </p:par>
+    </p:tnLst>
+  </p:timing>
+</p:sld>
+</file>
+
+<file path=ppt/slides/slide11.xml><?xml version="1.0" encoding="utf-8"?>
+<p:sld xmlns:a="http://schemas.openxmlformats.org/drawingml/2006/main" xmlns:r="http://schemas.openxmlformats.org/officeDocument/2006/relationships" xmlns:p="http://schemas.openxmlformats.org/presentationml/2006/main">
+  <p:cSld>
+    <p:spTree>
+      <p:nvGrpSpPr>
+        <p:cNvPr id="1" name=""/>
+        <p:cNvGrpSpPr/>
+        <p:nvPr/>
+      </p:nvGrpSpPr>
+      <p:grpSpPr>
+        <a:xfrm>
+          <a:off x="0" y="0"/>
+          <a:ext cx="0" cy="0"/>
+          <a:chOff x="0" y="0"/>
+          <a:chExt cx="0" cy="0"/>
+        </a:xfrm>
+      </p:grpSpPr>
+      <p:sp>
+        <p:nvSpPr>
+          <p:cNvPr id="2" name="Title 1"/>
+          <p:cNvSpPr>
+            <a:spLocks noGrp="1"/>
+          </p:cNvSpPr>
+          <p:nvPr>
+            <p:ph type="title"/>
+          </p:nvPr>
+        </p:nvSpPr>
+        <p:spPr/>
+        <p:txBody>
+          <a:bodyPr/>
+          <a:lstStyle/>
+          <a:p>
+            <a:endParaRPr lang="en-US"/>
+          </a:p>
+        </p:txBody>
+      </p:sp>
+      <p:sp>
+        <p:nvSpPr>
+          <p:cNvPr id="3" name="Slide Number Placeholder 2"/>
+          <p:cNvSpPr>
+            <a:spLocks noGrp="1"/>
+          </p:cNvSpPr>
+          <p:nvPr>
+            <p:ph type="sldNum" sz="quarter" idx="12"/>
+          </p:nvPr>
+        </p:nvSpPr>
+        <p:spPr/>
+        <p:txBody>
+          <a:bodyPr>
+            <a:normAutofit fontScale="85000" lnSpcReduction="20000"/>
+          </a:bodyPr>
+          <a:lstStyle/>
+          <a:p>
+            <a:fld id="{1AD93096-5B34-4342-9326-69289CEAE4C2}" type="slidenum">
+              <a:rPr lang="en-US" smtClean="0"/>
+              <a:pPr/>
+              <a:t>11</a:t>
+            </a:fld>
+            <a:endParaRPr lang="en-US" dirty="0">
+              <a:solidFill>
+                <a:srgbClr val="FFFFFF"/>
+              </a:solidFill>
+            </a:endParaRPr>
+          </a:p>
+        </p:txBody>
+      </p:sp>
+      <p:sp>
+        <p:nvSpPr>
+          <p:cNvPr id="4" name="Content Placeholder 3"/>
+          <p:cNvSpPr>
+            <a:spLocks noGrp="1"/>
+          </p:cNvSpPr>
+          <p:nvPr>
+            <p:ph sz="quarter" idx="1"/>
+          </p:nvPr>
+        </p:nvSpPr>
+        <p:spPr/>
+        <p:txBody>
+          <a:bodyPr>
+            <a:normAutofit fontScale="77500" lnSpcReduction="20000"/>
+          </a:bodyPr>
+          <a:lstStyle/>
+          <a:p>
+            <a:r>
+              <a:rPr lang="en-US"/>
+              <a:t>databases can be organized in different ways known as </a:t>
+            </a:r>
+            <a:r>
+              <a:rPr lang="en-US" i="1"/>
+              <a:t>database models</a:t>
+            </a:r>
+            <a:endParaRPr lang="en-US"/>
+          </a:p>
+          <a:p>
+            <a:pPr lvl="1"/>
+            <a:r>
+              <a:rPr lang="en-US"/>
+              <a:t>the three conventional database models are: </a:t>
+            </a:r>
+            <a:r>
+              <a:rPr lang="en-US" i="1"/>
+              <a:t>relational</a:t>
+            </a:r>
+            <a:r>
+              <a:rPr lang="en-US"/>
+              <a:t>, </a:t>
+            </a:r>
+            <a:r>
+              <a:rPr lang="en-US" i="1"/>
+              <a:t>network </a:t>
+            </a:r>
+            <a:r>
+              <a:rPr lang="en-US"/>
+              <a:t>and </a:t>
+            </a:r>
+            <a:r>
+              <a:rPr lang="en-US" i="1"/>
+              <a:t>hierarchical</a:t>
+            </a:r>
+            <a:endParaRPr lang="en-US"/>
+          </a:p>
+          <a:p>
+            <a:pPr lvl="2"/>
+            <a:r>
+              <a:rPr lang="en-US"/>
+              <a:t>relational --- data are organized by records in relations which resemble a table (</a:t>
+            </a:r>
+            <a:r>
+              <a:rPr lang="en-US">
+                <a:hlinkClick r:id="rId2"/>
+              </a:rPr>
+              <a:t>Figure 5a</a:t>
+            </a:r>
+            <a:r>
+              <a:rPr lang="en-US"/>
+              <a:t>) (See </a:t>
+            </a:r>
+            <a:r>
+              <a:rPr lang="en-US">
+                <a:hlinkClick r:id="rId3"/>
+              </a:rPr>
+              <a:t>Section 3.2.1</a:t>
+            </a:r>
+            <a:r>
+              <a:rPr lang="en-US"/>
+              <a:t> for further explanation)</a:t>
+            </a:r>
+          </a:p>
+          <a:p>
+            <a:pPr lvl="2"/>
+            <a:r>
+              <a:rPr lang="en-US"/>
+              <a:t>network --- data are organized by records which are classified into record types, with 1:n pointers linking associated records (</a:t>
+            </a:r>
+            <a:r>
+              <a:rPr lang="en-US">
+                <a:hlinkClick r:id="rId2"/>
+              </a:rPr>
+              <a:t>Figure 5b</a:t>
+            </a:r>
+            <a:r>
+              <a:rPr lang="en-US"/>
+              <a:t>)</a:t>
+            </a:r>
+          </a:p>
+          <a:p>
+            <a:pPr lvl="2"/>
+            <a:r>
+              <a:rPr lang="en-US"/>
+              <a:t>hierarchical --- data are organized by records on a parent-child one-to-many relations (</a:t>
+            </a:r>
+            <a:r>
+              <a:rPr lang="en-US">
+                <a:hlinkClick r:id="rId2"/>
+              </a:rPr>
+              <a:t>Figure 5c</a:t>
+            </a:r>
+            <a:r>
+              <a:rPr lang="en-US"/>
+              <a:t>)</a:t>
+            </a:r>
+          </a:p>
+          <a:p>
+            <a:pPr lvl="1"/>
+            <a:r>
+              <a:rPr lang="en-US"/>
+              <a:t>the emerging database model is </a:t>
+            </a:r>
+            <a:r>
+              <a:rPr lang="en-US" i="1"/>
+              <a:t>object-oriented</a:t>
+            </a:r>
+            <a:endParaRPr lang="en-US"/>
+          </a:p>
+          <a:p>
+            <a:pPr lvl="2"/>
+            <a:r>
+              <a:rPr lang="en-US"/>
+              <a:t>data are uniquely identified as individual objects that are classified into object types or classes according to the characteristics (attributes and operations) of the object (</a:t>
+            </a:r>
+            <a:r>
+              <a:rPr lang="en-US">
+                <a:hlinkClick r:id="rId2"/>
+              </a:rPr>
+              <a:t>Figure 5d</a:t>
+            </a:r>
+            <a:r>
+              <a:rPr lang="en-US"/>
+              <a:t>) (See </a:t>
+            </a:r>
+            <a:r>
+              <a:rPr lang="en-US">
+                <a:hlinkClick r:id="rId3"/>
+              </a:rPr>
+              <a:t>Section 3.2.2</a:t>
+            </a:r>
+            <a:r>
+              <a:rPr lang="en-US"/>
+              <a:t> for further explanation)</a:t>
+            </a:r>
+          </a:p>
+          <a:p>
+            <a:endParaRPr lang="en-US"/>
+          </a:p>
+        </p:txBody>
+      </p:sp>
+    </p:spTree>
+    <p:extLst>
+      <p:ext uri="{BB962C8B-B14F-4D97-AF65-F5344CB8AC3E}">
+        <p14:creationId xmlns:p14="http://schemas.microsoft.com/office/powerpoint/2010/main" val="1511389451"/>
+      </p:ext>
+    </p:extLst>
+  </p:cSld>
+  <p:clrMapOvr>
+    <a:masterClrMapping/>
+  </p:clrMapOvr>
+  <p:timing>
+    <p:tnLst>
+      <p:par>
+        <p:cTn id="1" dur="indefinite" restart="never" nodeType="tmRoot"/>
+      </p:par>
+    </p:tnLst>
+  </p:timing>
+</p:sld>
+</file>
+
+<file path=ppt/slides/slide12.xml><?xml version="1.0" encoding="utf-8"?>
+<p:sld xmlns:a="http://schemas.openxmlformats.org/drawingml/2006/main" xmlns:r="http://schemas.openxmlformats.org/officeDocument/2006/relationships" xmlns:p="http://schemas.openxmlformats.org/presentationml/2006/main">
+  <p:cSld>
+    <p:spTree>
+      <p:nvGrpSpPr>
+        <p:cNvPr id="1" name=""/>
+        <p:cNvGrpSpPr/>
+        <p:nvPr/>
+      </p:nvGrpSpPr>
+      <p:grpSpPr>
+        <a:xfrm>
+          <a:off x="0" y="0"/>
+          <a:ext cx="0" cy="0"/>
+          <a:chOff x="0" y="0"/>
+          <a:chExt cx="0" cy="0"/>
+        </a:xfrm>
+      </p:grpSpPr>
+      <p:sp>
+        <p:nvSpPr>
+          <p:cNvPr id="5" name="Text Placeholder 4"/>
+          <p:cNvSpPr>
+            <a:spLocks noGrp="1"/>
+          </p:cNvSpPr>
+          <p:nvPr>
+            <p:ph type="body" idx="1"/>
+          </p:nvPr>
+        </p:nvSpPr>
+        <p:spPr/>
+        <p:txBody>
+          <a:bodyPr/>
+          <a:lstStyle/>
+          <a:p>
+            <a:endParaRPr lang="vi-VN" dirty="0"/>
+          </a:p>
+        </p:txBody>
+      </p:sp>
+      <p:sp>
+        <p:nvSpPr>
+          <p:cNvPr id="4" name="Title 3"/>
+          <p:cNvSpPr>
+            <a:spLocks noGrp="1"/>
+          </p:cNvSpPr>
+          <p:nvPr>
+            <p:ph type="title"/>
+          </p:nvPr>
+        </p:nvSpPr>
+        <p:spPr/>
+        <p:txBody>
+          <a:bodyPr>
+            <a:normAutofit/>
+          </a:bodyPr>
+          <a:lstStyle/>
+          <a:p>
+            <a:r>
+              <a:rPr lang="en-US" dirty="0" smtClean="0"/>
+              <a:t>GIẢI QUYẾT BÀI TOÁN</a:t>
+            </a:r>
+            <a:endParaRPr lang="vi-VN" dirty="0"/>
+          </a:p>
+        </p:txBody>
+      </p:sp>
+      <p:sp>
+        <p:nvSpPr>
+          <p:cNvPr id="3" name="Slide Number Placeholder 2"/>
+          <p:cNvSpPr>
+            <a:spLocks noGrp="1"/>
+          </p:cNvSpPr>
+          <p:nvPr>
+            <p:ph type="sldNum" sz="quarter" idx="11"/>
+          </p:nvPr>
+        </p:nvSpPr>
+        <p:spPr/>
+        <p:txBody>
+          <a:bodyPr>
+            <a:normAutofit/>
+          </a:bodyPr>
+          <a:lstStyle/>
+          <a:p>
+            <a:fld id="{1AD93096-5B34-4342-9326-69289CEAE4C2}" type="slidenum">
+              <a:rPr lang="en-US" smtClean="0"/>
+              <a:pPr/>
+              <a:t>12</a:t>
+            </a:fld>
+            <a:endParaRPr lang="en-US" dirty="0">
+              <a:solidFill>
+                <a:srgbClr val="FFFFFF"/>
+              </a:solidFill>
+            </a:endParaRPr>
+          </a:p>
+        </p:txBody>
+      </p:sp>
+      <p:pic>
+        <p:nvPicPr>
+          <p:cNvPr id="1026" name="Picture 2" descr="http://www.google.com.vn/url?source=imglanding&amp;ct=img&amp;q=http://merlin2011graduates.com/blog/wp-content/uploads/2011/11/solution.png&amp;sa=X&amp;ei=aGr9Tu7MA8aSiQeNou2xAQ&amp;ved=0CAsQ8wc&amp;usg=AFQjCNGcOPplEFMSM8mg_N0VQ-_h29Jsew"/>
+          <p:cNvPicPr>
+            <a:picLocks noChangeAspect="1" noChangeArrowheads="1"/>
+          </p:cNvPicPr>
+          <p:nvPr/>
+        </p:nvPicPr>
+        <p:blipFill>
+          <a:blip r:embed="rId2">
+            <a:extLst>
+              <a:ext uri="{28A0092B-C50C-407E-A947-70E740481C1C}">
+                <a14:useLocalDpi xmlns:a14="http://schemas.microsoft.com/office/drawing/2010/main" val="0"/>
+              </a:ext>
+            </a:extLst>
+          </a:blip>
+          <a:srcRect/>
+          <a:stretch>
+            <a:fillRect/>
+          </a:stretch>
+        </p:blipFill>
+        <p:spPr bwMode="auto">
+          <a:xfrm>
+            <a:off x="14517" y="2579419"/>
+            <a:ext cx="9114971" cy="4293096"/>
+          </a:xfrm>
+          <a:prstGeom prst="rect">
+            <a:avLst/>
+          </a:prstGeom>
+          <a:noFill/>
+          <a:extLst>
+            <a:ext uri="{909E8E84-426E-40DD-AFC4-6F175D3DCCD1}">
+              <a14:hiddenFill xmlns:a14="http://schemas.microsoft.com/office/drawing/2010/main">
+                <a:solidFill>
+                  <a:srgbClr val="FFFFFF"/>
+                </a:solidFill>
+              </a14:hiddenFill>
+            </a:ext>
+          </a:extLst>
+        </p:spPr>
+      </p:pic>
+    </p:spTree>
+    <p:extLst>
+      <p:ext uri="{BB962C8B-B14F-4D97-AF65-F5344CB8AC3E}">
+        <p14:creationId xmlns:p14="http://schemas.microsoft.com/office/powerpoint/2010/main" val="1789735374"/>
+      </p:ext>
+    </p:extLst>
+  </p:cSld>
+  <p:clrMapOvr>
+    <a:masterClrMapping/>
+  </p:clrMapOvr>
+  <p:timing>
+    <p:tnLst>
+      <p:par>
+        <p:cTn id="1" dur="indefinite" restart="never" nodeType="tmRoot">
+          <p:childTnLst>
+            <p:seq concurrent="1" nextAc="seek">
+              <p:cTn id="2" dur="indefinite" nodeType="mainSeq">
+                <p:childTnLst>
+                  <p:par>
+                    <p:cTn id="3" fill="hold">
+                      <p:stCondLst>
+                        <p:cond delay="indefinite"/>
+                        <p:cond evt="onBegin" delay="0">
+                          <p:tn val="2"/>
+                        </p:cond>
+                      </p:stCondLst>
+                      <p:childTnLst>
+                        <p:par>
+                          <p:cTn id="4" fill="hold">
+                            <p:stCondLst>
+                              <p:cond delay="0"/>
+                            </p:stCondLst>
+                            <p:childTnLst>
+                              <p:par>
+                                <p:cTn id="5" presetID="10" presetClass="entr" presetSubtype="0" fill="hold" nodeType="withEffect">
+                                  <p:stCondLst>
+                                    <p:cond delay="0"/>
+                                  </p:stCondLst>
+                                  <p:childTnLst>
+                                    <p:set>
+                                      <p:cBhvr>
+                                        <p:cTn id="6" dur="1" fill="hold">
+                                          <p:stCondLst>
+                                            <p:cond delay="0"/>
+                                          </p:stCondLst>
+                                        </p:cTn>
+                                        <p:tgtEl>
+                                          <p:spTgt spid="1026"/>
+                                        </p:tgtEl>
+                                        <p:attrNameLst>
+                                          <p:attrName>style.visibility</p:attrName>
+                                        </p:attrNameLst>
+                                      </p:cBhvr>
+                                      <p:to>
+                                        <p:strVal val="visible"/>
+                                      </p:to>
+                                    </p:set>
+                                    <p:animEffect transition="in" filter="fade">
+                                      <p:cBhvr>
+                                        <p:cTn id="7" dur="500"/>
+                                        <p:tgtEl>
+                                          <p:spTgt spid="1026"/>
+                                        </p:tgtEl>
+                                      </p:cBhvr>
+                                    </p:animEffect>
+                                  </p:childTnLst>
+                                </p:cTn>
+                              </p:par>
+                            </p:childTnLst>
+                          </p:cTn>
+                        </p:par>
+                      </p:childTnLst>
+                    </p:cTn>
+                  </p:par>
+                </p:childTnLst>
+              </p:cTn>
+              <p:prevCondLst>
+                <p:cond evt="onPrev" delay="0">
+                  <p:tgtEl>
+                    <p:sldTgt/>
+                  </p:tgtEl>
+                </p:cond>
+              </p:prevCondLst>
+              <p:nextCondLst>
+                <p:cond evt="onNext" delay="0">
+                  <p:tgtEl>
+                    <p:sldTgt/>
+                  </p:tgtEl>
+                </p:cond>
+              </p:nextCondLst>
+            </p:seq>
+          </p:childTnLst>
+        </p:cTn>
+      </p:par>
+    </p:tnLst>
+  </p:timing>
+</p:sld>
+</file>
+
+<file path=ppt/slides/slide13.xml><?xml version="1.0" encoding="utf-8"?>
+<p:sld xmlns:a="http://schemas.openxmlformats.org/drawingml/2006/main" xmlns:r="http://schemas.openxmlformats.org/officeDocument/2006/relationships" xmlns:p="http://schemas.openxmlformats.org/presentationml/2006/main">
+  <p:cSld>
+    <p:spTree>
+      <p:nvGrpSpPr>
+        <p:cNvPr id="1" name=""/>
+        <p:cNvGrpSpPr/>
+        <p:nvPr/>
+      </p:nvGrpSpPr>
+      <p:grpSpPr>
+        <a:xfrm>
+          <a:off x="0" y="0"/>
+          <a:ext cx="0" cy="0"/>
+          <a:chOff x="0" y="0"/>
+          <a:chExt cx="0" cy="0"/>
+        </a:xfrm>
+      </p:grpSpPr>
+      <p:sp>
+        <p:nvSpPr>
+          <p:cNvPr id="4" name="Slide Number Placeholder 3"/>
+          <p:cNvSpPr>
+            <a:spLocks noGrp="1"/>
+          </p:cNvSpPr>
+          <p:nvPr>
+            <p:ph type="sldNum" sz="quarter" idx="12"/>
+          </p:nvPr>
+        </p:nvSpPr>
+        <p:spPr/>
+        <p:txBody>
+          <a:bodyPr>
+            <a:normAutofit/>
+          </a:bodyPr>
+          <a:lstStyle/>
+          <a:p>
+            <a:pPr algn="ctr"/>
+            <a:fld id="{1AD93096-5B34-4342-9326-69289CEAE4C2}" type="slidenum">
+              <a:rPr lang="en-US" smtClean="0"/>
+              <a:pPr algn="ctr"/>
+              <a:t>13</a:t>
+            </a:fld>
+            <a:endParaRPr lang="en-US" sz="2400" dirty="0">
+              <a:solidFill>
+                <a:srgbClr val="FFFFFF"/>
+              </a:solidFill>
+            </a:endParaRPr>
+          </a:p>
+        </p:txBody>
+      </p:sp>
+      <p:pic>
+        <p:nvPicPr>
+          <p:cNvPr id="6" name="Picture 5"/>
+          <p:cNvPicPr>
+            <a:picLocks noChangeAspect="1"/>
+          </p:cNvPicPr>
+          <p:nvPr/>
+        </p:nvPicPr>
+        <p:blipFill>
+          <a:blip r:embed="rId2">
+            <a:extLst>
+              <a:ext uri="{28A0092B-C50C-407E-A947-70E740481C1C}">
+                <a14:useLocalDpi xmlns:a14="http://schemas.microsoft.com/office/drawing/2010/main" val="0"/>
+              </a:ext>
+            </a:extLst>
+          </a:blip>
+          <a:stretch>
+            <a:fillRect/>
+          </a:stretch>
+        </p:blipFill>
+        <p:spPr>
+          <a:xfrm>
+            <a:off x="1833562" y="1604962"/>
+            <a:ext cx="5476875" cy="3648075"/>
+          </a:xfrm>
+          <a:prstGeom prst="rect">
+            <a:avLst/>
+          </a:prstGeom>
+        </p:spPr>
+      </p:pic>
+    </p:spTree>
+    <p:extLst>
+      <p:ext uri="{BB962C8B-B14F-4D97-AF65-F5344CB8AC3E}">
+        <p14:creationId xmlns:p14="http://schemas.microsoft.com/office/powerpoint/2010/main" val="2758384200"/>
+      </p:ext>
+    </p:extLst>
+  </p:cSld>
+  <p:clrMapOvr>
+    <a:masterClrMapping/>
+  </p:clrMapOvr>
+  <p:timing>
+    <p:tnLst>
+      <p:par>
+        <p:cTn id="1" dur="indefinite" restart="never" nodeType="tmRoot"/>
+      </p:par>
+    </p:tnLst>
+  </p:timing>
+</p:sld>
+</file>
+
+<file path=ppt/slides/slide14.xml><?xml version="1.0" encoding="utf-8"?>
 <p:sld xmlns:a="http://schemas.openxmlformats.org/drawingml/2006/main" xmlns:r="http://schemas.openxmlformats.org/officeDocument/2006/relationships" xmlns:p="http://schemas.openxmlformats.org/presentationml/2006/main">
   <p:cSld>
     <p:spTree>
@@ -10264,7 +11004,7 @@
             <a:fld id="{1AD93096-5B34-4342-9326-69289CEAE4C2}" type="slidenum">
               <a:rPr lang="en-US" smtClean="0"/>
               <a:pPr algn="ctr"/>
-              <a:t>10</a:t>
+              <a:t>14</a:t>
             </a:fld>
             <a:endParaRPr lang="en-US" sz="2400" dirty="0">
               <a:solidFill>
@@ -10294,7 +11034,7 @@
 </p:sld>
 </file>
 
-<file path=ppt/slides/slide11.xml><?xml version="1.0" encoding="utf-8"?>
+<file path=ppt/slides/slide15.xml><?xml version="1.0" encoding="utf-8"?>
 <p:sld xmlns:a="http://schemas.openxmlformats.org/drawingml/2006/main" xmlns:r="http://schemas.openxmlformats.org/officeDocument/2006/relationships" xmlns:p="http://schemas.openxmlformats.org/presentationml/2006/main">
   <p:cSld>
     <p:spTree>
@@ -10357,7 +11097,7 @@
             <a:fld id="{1AD93096-5B34-4342-9326-69289CEAE4C2}" type="slidenum">
               <a:rPr lang="en-US" smtClean="0"/>
               <a:pPr algn="ctr"/>
-              <a:t>11</a:t>
+              <a:t>15</a:t>
             </a:fld>
             <a:endParaRPr lang="en-US" sz="2400" dirty="0">
               <a:solidFill>
@@ -10530,7 +11270,7 @@
 </p:sld>
 </file>
 
-<file path=ppt/slides/slide12.xml><?xml version="1.0" encoding="utf-8"?>
+<file path=ppt/slides/slide16.xml><?xml version="1.0" encoding="utf-8"?>
 <p:sld xmlns:a="http://schemas.openxmlformats.org/drawingml/2006/main" xmlns:r="http://schemas.openxmlformats.org/officeDocument/2006/relationships" xmlns:p="http://schemas.openxmlformats.org/presentationml/2006/main">
   <p:cSld>
     <p:spTree>
@@ -10620,7 +11360,7 @@
             <a:fld id="{1AD93096-5B34-4342-9326-69289CEAE4C2}" type="slidenum">
               <a:rPr lang="en-US" smtClean="0"/>
               <a:pPr/>
-              <a:t>12</a:t>
+              <a:t>16</a:t>
             </a:fld>
             <a:endParaRPr lang="en-US" dirty="0">
               <a:solidFill>
@@ -10795,7 +11535,7 @@
 </p:sld>
 </file>
 
-<file path=ppt/slides/slide13.xml><?xml version="1.0" encoding="utf-8"?>
+<file path=ppt/slides/slide17.xml><?xml version="1.0" encoding="utf-8"?>
 <p:sld xmlns:a="http://schemas.openxmlformats.org/drawingml/2006/main" xmlns:r="http://schemas.openxmlformats.org/officeDocument/2006/relationships" xmlns:p="http://schemas.openxmlformats.org/presentationml/2006/main">
   <p:cSld>
     <p:spTree>
@@ -10873,7 +11613,7 @@
             <a:fld id="{1AD93096-5B34-4342-9326-69289CEAE4C2}" type="slidenum">
               <a:rPr lang="en-US" smtClean="0"/>
               <a:pPr/>
-              <a:t>13</a:t>
+              <a:t>17</a:t>
             </a:fld>
             <a:endParaRPr lang="en-US" dirty="0">
               <a:solidFill>
@@ -10967,7 +11707,7 @@
 </p:sld>
 </file>
 
-<file path=ppt/slides/slide14.xml><?xml version="1.0" encoding="utf-8"?>
+<file path=ppt/slides/slide18.xml><?xml version="1.0" encoding="utf-8"?>
 <p:sld xmlns:a="http://schemas.openxmlformats.org/drawingml/2006/main" xmlns:r="http://schemas.openxmlformats.org/officeDocument/2006/relationships" xmlns:p="http://schemas.openxmlformats.org/presentationml/2006/main">
   <p:cSld>
     <p:spTree>
@@ -11109,7 +11849,7 @@
             <a:fld id="{1AD93096-5B34-4342-9326-69289CEAE4C2}" type="slidenum">
               <a:rPr lang="en-US" smtClean="0"/>
               <a:pPr/>
-              <a:t>14</a:t>
+              <a:t>18</a:t>
             </a:fld>
             <a:endParaRPr lang="en-US" dirty="0">
               <a:solidFill>
@@ -12352,919 +13092,6 @@
 </p:sld>
 </file>
 
-<file path=ppt/slides/slide15.xml><?xml version="1.0" encoding="utf-8"?>
-<p:sld xmlns:a="http://schemas.openxmlformats.org/drawingml/2006/main" xmlns:r="http://schemas.openxmlformats.org/officeDocument/2006/relationships" xmlns:p="http://schemas.openxmlformats.org/presentationml/2006/main">
-  <p:cSld>
-    <p:spTree>
-      <p:nvGrpSpPr>
-        <p:cNvPr id="1" name=""/>
-        <p:cNvGrpSpPr/>
-        <p:nvPr/>
-      </p:nvGrpSpPr>
-      <p:grpSpPr>
-        <a:xfrm>
-          <a:off x="0" y="0"/>
-          <a:ext cx="0" cy="0"/>
-          <a:chOff x="0" y="0"/>
-          <a:chExt cx="0" cy="0"/>
-        </a:xfrm>
-      </p:grpSpPr>
-      <p:sp>
-        <p:nvSpPr>
-          <p:cNvPr id="2" name="Title 1"/>
-          <p:cNvSpPr>
-            <a:spLocks noGrp="1"/>
-          </p:cNvSpPr>
-          <p:nvPr>
-            <p:ph type="title"/>
-          </p:nvPr>
-        </p:nvSpPr>
-        <p:spPr/>
-        <p:txBody>
-          <a:bodyPr>
-            <a:normAutofit/>
-          </a:bodyPr>
-          <a:lstStyle/>
-          <a:p>
-            <a:r>
-              <a:rPr lang="en-US" dirty="0" err="1" smtClean="0"/>
-              <a:t>Kiến</a:t>
-            </a:r>
-            <a:r>
-              <a:rPr lang="en-US" dirty="0" smtClean="0"/>
-              <a:t> </a:t>
-            </a:r>
-            <a:r>
-              <a:rPr lang="en-US" dirty="0" err="1" smtClean="0"/>
-              <a:t>trúc</a:t>
-            </a:r>
-            <a:r>
-              <a:rPr lang="en-US" dirty="0" smtClean="0"/>
-              <a:t> </a:t>
-            </a:r>
-            <a:r>
-              <a:rPr lang="en-US" dirty="0" err="1" smtClean="0"/>
-              <a:t>phần</a:t>
-            </a:r>
-            <a:r>
-              <a:rPr lang="en-US" dirty="0" smtClean="0"/>
-              <a:t> </a:t>
-            </a:r>
-            <a:r>
-              <a:rPr lang="en-US" dirty="0" err="1" smtClean="0"/>
-              <a:t>mềm</a:t>
-            </a:r>
-            <a:endParaRPr lang="vi-VN" dirty="0"/>
-          </a:p>
-        </p:txBody>
-      </p:sp>
-      <p:sp>
-        <p:nvSpPr>
-          <p:cNvPr id="3" name="Slide Number Placeholder 2"/>
-          <p:cNvSpPr>
-            <a:spLocks noGrp="1"/>
-          </p:cNvSpPr>
-          <p:nvPr>
-            <p:ph type="sldNum" sz="quarter" idx="12"/>
-          </p:nvPr>
-        </p:nvSpPr>
-        <p:spPr/>
-        <p:txBody>
-          <a:bodyPr>
-            <a:normAutofit fontScale="85000" lnSpcReduction="20000"/>
-          </a:bodyPr>
-          <a:lstStyle/>
-          <a:p>
-            <a:fld id="{1AD93096-5B34-4342-9326-69289CEAE4C2}" type="slidenum">
-              <a:rPr lang="en-US" smtClean="0"/>
-              <a:pPr/>
-              <a:t>15</a:t>
-            </a:fld>
-            <a:endParaRPr lang="en-US" dirty="0">
-              <a:solidFill>
-                <a:srgbClr val="FFFFFF"/>
-              </a:solidFill>
-            </a:endParaRPr>
-          </a:p>
-        </p:txBody>
-      </p:sp>
-      <p:sp>
-        <p:nvSpPr>
-          <p:cNvPr id="4" name="Content Placeholder 3"/>
-          <p:cNvSpPr>
-            <a:spLocks noGrp="1"/>
-          </p:cNvSpPr>
-          <p:nvPr>
-            <p:ph sz="quarter" idx="1"/>
-          </p:nvPr>
-        </p:nvSpPr>
-        <p:spPr/>
-        <p:txBody>
-          <a:bodyPr/>
-          <a:lstStyle/>
-          <a:p>
-            <a:r>
-              <a:rPr lang="en-US" dirty="0" err="1" smtClean="0"/>
-              <a:t>Các</a:t>
-            </a:r>
-            <a:r>
-              <a:rPr lang="en-US" dirty="0" smtClean="0"/>
-              <a:t> </a:t>
-            </a:r>
-            <a:r>
-              <a:rPr lang="en-US" dirty="0" err="1" smtClean="0"/>
-              <a:t>lý</a:t>
-            </a:r>
-            <a:r>
-              <a:rPr lang="en-US" dirty="0" smtClean="0"/>
-              <a:t> </a:t>
-            </a:r>
-            <a:r>
-              <a:rPr lang="en-US" dirty="0" err="1" smtClean="0"/>
-              <a:t>thuyết</a:t>
-            </a:r>
-            <a:r>
-              <a:rPr lang="en-US" dirty="0" smtClean="0"/>
-              <a:t> </a:t>
-            </a:r>
-            <a:r>
-              <a:rPr lang="en-US" dirty="0" err="1" smtClean="0"/>
-              <a:t>kiến</a:t>
-            </a:r>
-            <a:r>
-              <a:rPr lang="en-US" dirty="0" smtClean="0"/>
-              <a:t> </a:t>
-            </a:r>
-            <a:r>
-              <a:rPr lang="en-US" dirty="0" err="1" smtClean="0"/>
-              <a:t>trúc</a:t>
-            </a:r>
-            <a:r>
-              <a:rPr lang="en-US" dirty="0" smtClean="0"/>
-              <a:t> </a:t>
-            </a:r>
-            <a:r>
-              <a:rPr lang="en-US" dirty="0" err="1" smtClean="0"/>
-              <a:t>phần</a:t>
-            </a:r>
-            <a:r>
-              <a:rPr lang="en-US" dirty="0" smtClean="0"/>
-              <a:t> </a:t>
-            </a:r>
-            <a:r>
-              <a:rPr lang="en-US" dirty="0" err="1" smtClean="0"/>
-              <a:t>mềm</a:t>
-            </a:r>
-            <a:r>
-              <a:rPr lang="en-US" dirty="0" smtClean="0"/>
-              <a:t> dc </a:t>
-            </a:r>
-            <a:r>
-              <a:rPr lang="en-US" dirty="0" err="1" smtClean="0"/>
-              <a:t>áp</a:t>
-            </a:r>
-            <a:r>
-              <a:rPr lang="en-US" dirty="0" smtClean="0"/>
-              <a:t> </a:t>
-            </a:r>
-            <a:r>
-              <a:rPr lang="en-US" dirty="0" err="1" smtClean="0"/>
-              <a:t>dụng</a:t>
-            </a:r>
-            <a:endParaRPr lang="vi-VN" dirty="0"/>
-          </a:p>
-        </p:txBody>
-      </p:sp>
-    </p:spTree>
-    <p:extLst>
-      <p:ext uri="{BB962C8B-B14F-4D97-AF65-F5344CB8AC3E}">
-        <p14:creationId xmlns:p14="http://schemas.microsoft.com/office/powerpoint/2010/main" val="1901457727"/>
-      </p:ext>
-    </p:extLst>
-  </p:cSld>
-  <p:clrMapOvr>
-    <a:masterClrMapping/>
-  </p:clrMapOvr>
-  <p:timing>
-    <p:tnLst>
-      <p:par>
-        <p:cTn id="1" dur="indefinite" restart="never" nodeType="tmRoot"/>
-      </p:par>
-    </p:tnLst>
-  </p:timing>
-</p:sld>
-</file>
-
-<file path=ppt/slides/slide16.xml><?xml version="1.0" encoding="utf-8"?>
-<p:sld xmlns:a="http://schemas.openxmlformats.org/drawingml/2006/main" xmlns:r="http://schemas.openxmlformats.org/officeDocument/2006/relationships" xmlns:p="http://schemas.openxmlformats.org/presentationml/2006/main">
-  <p:cSld>
-    <p:spTree>
-      <p:nvGrpSpPr>
-        <p:cNvPr id="1" name=""/>
-        <p:cNvGrpSpPr/>
-        <p:nvPr/>
-      </p:nvGrpSpPr>
-      <p:grpSpPr>
-        <a:xfrm>
-          <a:off x="0" y="0"/>
-          <a:ext cx="0" cy="0"/>
-          <a:chOff x="0" y="0"/>
-          <a:chExt cx="0" cy="0"/>
-        </a:xfrm>
-      </p:grpSpPr>
-      <p:sp>
-        <p:nvSpPr>
-          <p:cNvPr id="5" name="Text Placeholder 4"/>
-          <p:cNvSpPr>
-            <a:spLocks noGrp="1"/>
-          </p:cNvSpPr>
-          <p:nvPr>
-            <p:ph type="body" idx="1"/>
-          </p:nvPr>
-        </p:nvSpPr>
-        <p:spPr/>
-        <p:txBody>
-          <a:bodyPr>
-            <a:normAutofit/>
-          </a:bodyPr>
-          <a:lstStyle/>
-          <a:p>
-            <a:pPr marL="0" indent="0"/>
-            <a:r>
-              <a:rPr lang="en-US" dirty="0" err="1" smtClean="0"/>
-              <a:t>Kiến</a:t>
-            </a:r>
-            <a:r>
-              <a:rPr lang="en-US" dirty="0" smtClean="0"/>
-              <a:t> </a:t>
-            </a:r>
-            <a:r>
-              <a:rPr lang="en-US" dirty="0" err="1" smtClean="0"/>
-              <a:t>trúc</a:t>
-            </a:r>
-            <a:r>
-              <a:rPr lang="en-US" dirty="0" smtClean="0"/>
-              <a:t> </a:t>
-            </a:r>
-            <a:r>
-              <a:rPr lang="en-US" dirty="0" err="1" smtClean="0"/>
-              <a:t>cổng</a:t>
-            </a:r>
-            <a:r>
-              <a:rPr lang="en-US" dirty="0" smtClean="0"/>
-              <a:t> </a:t>
-            </a:r>
-            <a:r>
-              <a:rPr lang="en-US" dirty="0" err="1" smtClean="0"/>
-              <a:t>thông</a:t>
-            </a:r>
-            <a:r>
-              <a:rPr lang="en-US" dirty="0" smtClean="0"/>
-              <a:t> tin </a:t>
-            </a:r>
-            <a:r>
-              <a:rPr lang="en-US" dirty="0" err="1" smtClean="0"/>
-              <a:t>tìm</a:t>
-            </a:r>
-            <a:r>
-              <a:rPr lang="en-US" dirty="0" smtClean="0"/>
-              <a:t> </a:t>
-            </a:r>
-            <a:r>
-              <a:rPr lang="en-US" dirty="0" err="1" smtClean="0"/>
-              <a:t>việc</a:t>
-            </a:r>
-            <a:r>
-              <a:rPr lang="en-US" dirty="0" smtClean="0"/>
-              <a:t> </a:t>
-            </a:r>
-            <a:r>
-              <a:rPr lang="en-US" dirty="0" err="1" smtClean="0"/>
-              <a:t>JobZoom</a:t>
-            </a:r>
-            <a:r>
-              <a:rPr lang="en-US" dirty="0" smtClean="0"/>
-              <a:t> framework </a:t>
-            </a:r>
-            <a:r>
-              <a:rPr lang="en-US" dirty="0" err="1" smtClean="0"/>
-              <a:t>được</a:t>
-            </a:r>
-            <a:r>
-              <a:rPr lang="en-US" dirty="0" smtClean="0"/>
-              <a:t> </a:t>
-            </a:r>
-            <a:r>
-              <a:rPr lang="en-US" dirty="0" err="1" smtClean="0"/>
-              <a:t>áp</a:t>
-            </a:r>
-            <a:r>
-              <a:rPr lang="en-US" dirty="0" smtClean="0"/>
-              <a:t> </a:t>
-            </a:r>
-            <a:r>
-              <a:rPr lang="en-US" dirty="0" err="1" smtClean="0"/>
-              <a:t>dụng</a:t>
-            </a:r>
-            <a:r>
-              <a:rPr lang="en-US" dirty="0" smtClean="0"/>
-              <a:t> </a:t>
-            </a:r>
-            <a:r>
-              <a:rPr lang="en-US" dirty="0" err="1" smtClean="0"/>
-              <a:t>từ</a:t>
-            </a:r>
-            <a:r>
-              <a:rPr lang="en-US" dirty="0" smtClean="0"/>
-              <a:t> </a:t>
-            </a:r>
-            <a:r>
-              <a:rPr lang="en-US" dirty="0" err="1" smtClean="0"/>
-              <a:t>giải</a:t>
-            </a:r>
-            <a:r>
-              <a:rPr lang="en-US" dirty="0" smtClean="0"/>
-              <a:t> </a:t>
-            </a:r>
-            <a:r>
-              <a:rPr lang="en-US" dirty="0" err="1" smtClean="0"/>
-              <a:t>pháp</a:t>
-            </a:r>
-            <a:r>
-              <a:rPr lang="en-US" dirty="0" smtClean="0"/>
-              <a:t> </a:t>
-            </a:r>
-            <a:r>
-              <a:rPr lang="en-US" dirty="0" err="1" smtClean="0"/>
-              <a:t>của</a:t>
-            </a:r>
-            <a:r>
-              <a:rPr lang="en-US" dirty="0" smtClean="0"/>
-              <a:t> </a:t>
-            </a:r>
-            <a:r>
-              <a:rPr lang="en-US" dirty="0" err="1" smtClean="0"/>
-              <a:t>bài</a:t>
-            </a:r>
-            <a:r>
-              <a:rPr lang="en-US" dirty="0" smtClean="0"/>
-              <a:t> </a:t>
-            </a:r>
-            <a:r>
-              <a:rPr lang="en-US" dirty="0" err="1" smtClean="0"/>
-              <a:t>toán</a:t>
-            </a:r>
-            <a:r>
-              <a:rPr lang="en-US" dirty="0" smtClean="0"/>
-              <a:t> </a:t>
-            </a:r>
-            <a:r>
-              <a:rPr lang="en-US" dirty="0" err="1" smtClean="0"/>
-              <a:t>kiến</a:t>
-            </a:r>
-            <a:r>
-              <a:rPr lang="en-US" dirty="0" smtClean="0"/>
-              <a:t> </a:t>
-            </a:r>
-            <a:r>
-              <a:rPr lang="en-US" dirty="0" err="1" smtClean="0"/>
-              <a:t>trúc</a:t>
-            </a:r>
-            <a:r>
-              <a:rPr lang="en-US" dirty="0" smtClean="0"/>
-              <a:t> </a:t>
-            </a:r>
-            <a:r>
-              <a:rPr lang="en-US" dirty="0" err="1" smtClean="0"/>
-              <a:t>nói</a:t>
-            </a:r>
-            <a:r>
-              <a:rPr lang="en-US" dirty="0" smtClean="0"/>
-              <a:t> </a:t>
-            </a:r>
-            <a:r>
-              <a:rPr lang="en-US" dirty="0" err="1" smtClean="0"/>
-              <a:t>trên</a:t>
-            </a:r>
-            <a:r>
-              <a:rPr lang="en-US" dirty="0" smtClean="0"/>
-              <a:t>.</a:t>
-            </a:r>
-            <a:endParaRPr lang="vi-VN" dirty="0"/>
-          </a:p>
-        </p:txBody>
-      </p:sp>
-      <p:sp>
-        <p:nvSpPr>
-          <p:cNvPr id="4" name="Title 3"/>
-          <p:cNvSpPr>
-            <a:spLocks noGrp="1"/>
-          </p:cNvSpPr>
-          <p:nvPr>
-            <p:ph type="title"/>
-          </p:nvPr>
-        </p:nvSpPr>
-        <p:spPr/>
-        <p:txBody>
-          <a:bodyPr>
-            <a:normAutofit/>
-          </a:bodyPr>
-          <a:lstStyle/>
-          <a:p>
-            <a:r>
-              <a:rPr lang="en-US" dirty="0" err="1" smtClean="0"/>
-              <a:t>JobZoom</a:t>
-            </a:r>
-            <a:r>
-              <a:rPr lang="en-US" dirty="0" smtClean="0"/>
-              <a:t> framework</a:t>
-            </a:r>
-            <a:endParaRPr lang="vi-VN" dirty="0"/>
-          </a:p>
-        </p:txBody>
-      </p:sp>
-      <p:sp>
-        <p:nvSpPr>
-          <p:cNvPr id="3" name="Slide Number Placeholder 2"/>
-          <p:cNvSpPr>
-            <a:spLocks noGrp="1"/>
-          </p:cNvSpPr>
-          <p:nvPr>
-            <p:ph type="sldNum" sz="quarter" idx="11"/>
-          </p:nvPr>
-        </p:nvSpPr>
-        <p:spPr/>
-        <p:txBody>
-          <a:bodyPr>
-            <a:normAutofit/>
-          </a:bodyPr>
-          <a:lstStyle/>
-          <a:p>
-            <a:fld id="{1AD93096-5B34-4342-9326-69289CEAE4C2}" type="slidenum">
-              <a:rPr lang="en-US" smtClean="0"/>
-              <a:pPr/>
-              <a:t>16</a:t>
-            </a:fld>
-            <a:endParaRPr lang="en-US" dirty="0">
-              <a:solidFill>
-                <a:srgbClr val="FFFFFF"/>
-              </a:solidFill>
-            </a:endParaRPr>
-          </a:p>
-        </p:txBody>
-      </p:sp>
-      <p:pic>
-        <p:nvPicPr>
-          <p:cNvPr id="6" name="Picture 2"/>
-          <p:cNvPicPr>
-            <a:picLocks noChangeAspect="1" noChangeArrowheads="1"/>
-          </p:cNvPicPr>
-          <p:nvPr/>
-        </p:nvPicPr>
-        <p:blipFill rotWithShape="1">
-          <a:blip r:embed="rId2" cstate="print">
-            <a:extLst>
-              <a:ext uri="{BEBA8EAE-BF5A-486C-A8C5-ECC9F3942E4B}">
-                <a14:imgProps xmlns:a14="http://schemas.microsoft.com/office/drawing/2010/main">
-                  <a14:imgLayer r:embed="rId3">
-                    <a14:imgEffect>
-                      <a14:backgroundRemoval t="10000" b="90000" l="10000" r="90000"/>
-                    </a14:imgEffect>
-                  </a14:imgLayer>
-                </a14:imgProps>
-              </a:ext>
-              <a:ext uri="{28A0092B-C50C-407E-A947-70E740481C1C}">
-                <a14:useLocalDpi xmlns:a14="http://schemas.microsoft.com/office/drawing/2010/main" val="0"/>
-              </a:ext>
-            </a:extLst>
-          </a:blip>
-          <a:srcRect l="8900" t="16354" r="8923" b="16880"/>
-          <a:stretch/>
-        </p:blipFill>
-        <p:spPr bwMode="auto">
-          <a:xfrm>
-            <a:off x="6156176" y="476673"/>
-            <a:ext cx="2448272" cy="1420460"/>
-          </a:xfrm>
-          <a:prstGeom prst="rect">
-            <a:avLst/>
-          </a:prstGeom>
-          <a:ln w="9525">
-            <a:noFill/>
-            <a:miter lim="800000"/>
-            <a:headEnd/>
-            <a:tailEnd/>
-          </a:ln>
-          <a:effectLst>
-            <a:innerShdw blurRad="76200">
-              <a:srgbClr val="000000"/>
-            </a:innerShdw>
-          </a:effectLst>
-          <a:extLst>
-            <a:ext uri="{909E8E84-426E-40DD-AFC4-6F175D3DCCD1}">
-              <a14:hiddenFill xmlns:a14="http://schemas.microsoft.com/office/drawing/2010/main">
-                <a:solidFill>
-                  <a:schemeClr val="accent1"/>
-                </a:solidFill>
-              </a14:hiddenFill>
-            </a:ext>
-          </a:extLst>
-        </p:spPr>
-      </p:pic>
-      <p:pic>
-        <p:nvPicPr>
-          <p:cNvPr id="2050" name="Picture 2" descr="http://www.google.com.vn/url?source=imglanding&amp;ct=img&amp;q=http://www.newea.org/Portals/6/images/JobHunting_iStock_000005682045XSmall.jpg&amp;sa=X&amp;ei=BnP9TuaWCIaziQeLifitAQ&amp;ved=0CAwQ8wc&amp;usg=AFQjCNGWD101b2jPI-pOsxPMtfVMMGhSfw"/>
-          <p:cNvPicPr>
-            <a:picLocks noChangeAspect="1" noChangeArrowheads="1"/>
-          </p:cNvPicPr>
-          <p:nvPr/>
-        </p:nvPicPr>
-        <p:blipFill rotWithShape="1">
-          <a:blip r:embed="rId4">
-            <a:extLst>
-              <a:ext uri="{28A0092B-C50C-407E-A947-70E740481C1C}">
-                <a14:useLocalDpi xmlns:a14="http://schemas.microsoft.com/office/drawing/2010/main" val="0"/>
-              </a:ext>
-            </a:extLst>
-          </a:blip>
-          <a:srcRect b="11038"/>
-          <a:stretch/>
-        </p:blipFill>
-        <p:spPr bwMode="auto">
-          <a:xfrm>
-            <a:off x="1410072" y="4287565"/>
-            <a:ext cx="3810000" cy="2542084"/>
-          </a:xfrm>
-          <a:prstGeom prst="rect">
-            <a:avLst/>
-          </a:prstGeom>
-          <a:noFill/>
-          <a:extLst>
-            <a:ext uri="{909E8E84-426E-40DD-AFC4-6F175D3DCCD1}">
-              <a14:hiddenFill xmlns:a14="http://schemas.microsoft.com/office/drawing/2010/main">
-                <a:solidFill>
-                  <a:srgbClr val="FFFFFF"/>
-                </a:solidFill>
-              </a14:hiddenFill>
-            </a:ext>
-          </a:extLst>
-        </p:spPr>
-      </p:pic>
-    </p:spTree>
-    <p:extLst>
-      <p:ext uri="{BB962C8B-B14F-4D97-AF65-F5344CB8AC3E}">
-        <p14:creationId xmlns:p14="http://schemas.microsoft.com/office/powerpoint/2010/main" val="1258374253"/>
-      </p:ext>
-    </p:extLst>
-  </p:cSld>
-  <p:clrMapOvr>
-    <a:masterClrMapping/>
-  </p:clrMapOvr>
-  <p:timing>
-    <p:tnLst>
-      <p:par>
-        <p:cTn id="1" dur="indefinite" restart="never" nodeType="tmRoot"/>
-      </p:par>
-    </p:tnLst>
-  </p:timing>
-</p:sld>
-</file>
-
-<file path=ppt/slides/slide17.xml><?xml version="1.0" encoding="utf-8"?>
-<p:sld xmlns:a="http://schemas.openxmlformats.org/drawingml/2006/main" xmlns:r="http://schemas.openxmlformats.org/officeDocument/2006/relationships" xmlns:p="http://schemas.openxmlformats.org/presentationml/2006/main">
-  <p:cSld>
-    <p:spTree>
-      <p:nvGrpSpPr>
-        <p:cNvPr id="1" name=""/>
-        <p:cNvGrpSpPr/>
-        <p:nvPr/>
-      </p:nvGrpSpPr>
-      <p:grpSpPr>
-        <a:xfrm>
-          <a:off x="0" y="0"/>
-          <a:ext cx="0" cy="0"/>
-          <a:chOff x="0" y="0"/>
-          <a:chExt cx="0" cy="0"/>
-        </a:xfrm>
-      </p:grpSpPr>
-      <p:sp>
-        <p:nvSpPr>
-          <p:cNvPr id="2" name="Title 1"/>
-          <p:cNvSpPr>
-            <a:spLocks noGrp="1"/>
-          </p:cNvSpPr>
-          <p:nvPr>
-            <p:ph type="title"/>
-          </p:nvPr>
-        </p:nvSpPr>
-        <p:spPr/>
-        <p:txBody>
-          <a:bodyPr>
-            <a:normAutofit/>
-          </a:bodyPr>
-          <a:lstStyle/>
-          <a:p>
-            <a:r>
-              <a:rPr lang="en-US" dirty="0" err="1" smtClean="0"/>
-              <a:t>Kiến</a:t>
-            </a:r>
-            <a:r>
-              <a:rPr lang="en-US" dirty="0" smtClean="0"/>
-              <a:t> </a:t>
-            </a:r>
-            <a:r>
-              <a:rPr lang="en-US" dirty="0" err="1" smtClean="0"/>
-              <a:t>trúc</a:t>
-            </a:r>
-            <a:r>
-              <a:rPr lang="en-US" dirty="0" smtClean="0"/>
-              <a:t> </a:t>
-            </a:r>
-            <a:r>
-              <a:rPr lang="en-US" dirty="0" err="1" smtClean="0"/>
-              <a:t>tổng</a:t>
-            </a:r>
-            <a:r>
-              <a:rPr lang="en-US" dirty="0" smtClean="0"/>
-              <a:t> </a:t>
-            </a:r>
-            <a:r>
-              <a:rPr lang="en-US" dirty="0" err="1" smtClean="0"/>
-              <a:t>quan</a:t>
-            </a:r>
-            <a:endParaRPr lang="vi-VN" dirty="0"/>
-          </a:p>
-        </p:txBody>
-      </p:sp>
-      <p:sp>
-        <p:nvSpPr>
-          <p:cNvPr id="3" name="Slide Number Placeholder 2"/>
-          <p:cNvSpPr>
-            <a:spLocks noGrp="1"/>
-          </p:cNvSpPr>
-          <p:nvPr>
-            <p:ph type="sldNum" sz="quarter" idx="12"/>
-          </p:nvPr>
-        </p:nvSpPr>
-        <p:spPr/>
-        <p:txBody>
-          <a:bodyPr>
-            <a:normAutofit fontScale="85000" lnSpcReduction="20000"/>
-          </a:bodyPr>
-          <a:lstStyle/>
-          <a:p>
-            <a:fld id="{1AD93096-5B34-4342-9326-69289CEAE4C2}" type="slidenum">
-              <a:rPr lang="en-US" smtClean="0"/>
-              <a:pPr/>
-              <a:t>17</a:t>
-            </a:fld>
-            <a:endParaRPr lang="en-US" dirty="0">
-              <a:solidFill>
-                <a:srgbClr val="FFFFFF"/>
-              </a:solidFill>
-            </a:endParaRPr>
-          </a:p>
-        </p:txBody>
-      </p:sp>
-      <p:pic>
-        <p:nvPicPr>
-          <p:cNvPr id="3076" name="Picture 4"/>
-          <p:cNvPicPr>
-            <a:picLocks noGrp="1" noChangeAspect="1" noChangeArrowheads="1"/>
-          </p:cNvPicPr>
-          <p:nvPr>
-            <p:ph sz="quarter" idx="1"/>
-          </p:nvPr>
-        </p:nvPicPr>
-        <p:blipFill>
-          <a:blip r:embed="rId2">
-            <a:extLst>
-              <a:ext uri="{28A0092B-C50C-407E-A947-70E740481C1C}">
-                <a14:useLocalDpi xmlns:a14="http://schemas.microsoft.com/office/drawing/2010/main" val="0"/>
-              </a:ext>
-            </a:extLst>
-          </a:blip>
-          <a:srcRect/>
-          <a:stretch>
-            <a:fillRect/>
-          </a:stretch>
-        </p:blipFill>
-        <p:spPr bwMode="auto">
-          <a:xfrm rot="5400000">
-            <a:off x="1972783" y="-337513"/>
-            <a:ext cx="5183923" cy="9031716"/>
-          </a:xfrm>
-          <a:prstGeom prst="rect">
-            <a:avLst/>
-          </a:prstGeom>
-          <a:noFill/>
-          <a:ln>
-            <a:noFill/>
-          </a:ln>
-          <a:effectLst/>
-          <a:extLst>
-            <a:ext uri="{909E8E84-426E-40DD-AFC4-6F175D3DCCD1}">
-              <a14:hiddenFill xmlns:a14="http://schemas.microsoft.com/office/drawing/2010/main">
-                <a:solidFill>
-                  <a:schemeClr val="accent1"/>
-                </a:solidFill>
-              </a14:hiddenFill>
-            </a:ext>
-            <a:ext uri="{91240B29-F687-4F45-9708-019B960494DF}">
-              <a14:hiddenLine xmlns:a14="http://schemas.microsoft.com/office/drawing/2010/main" w="9525">
-                <a:solidFill>
-                  <a:schemeClr val="tx1"/>
-                </a:solidFill>
-                <a:miter lim="800000"/>
-                <a:headEnd/>
-                <a:tailEnd/>
-              </a14:hiddenLine>
-            </a:ext>
-            <a:ext uri="{AF507438-7753-43E0-B8FC-AC1667EBCBE1}">
-              <a14:hiddenEffects xmlns:a14="http://schemas.microsoft.com/office/drawing/2010/main">
-                <a:effectLst>
-                  <a:outerShdw dist="35921" dir="2700000" algn="ctr" rotWithShape="0">
-                    <a:schemeClr val="bg2"/>
-                  </a:outerShdw>
-                </a:effectLst>
-              </a14:hiddenEffects>
-            </a:ext>
-          </a:extLst>
-        </p:spPr>
-      </p:pic>
-    </p:spTree>
-    <p:extLst>
-      <p:ext uri="{BB962C8B-B14F-4D97-AF65-F5344CB8AC3E}">
-        <p14:creationId xmlns:p14="http://schemas.microsoft.com/office/powerpoint/2010/main" val="3453574344"/>
-      </p:ext>
-    </p:extLst>
-  </p:cSld>
-  <p:clrMapOvr>
-    <a:masterClrMapping/>
-  </p:clrMapOvr>
-  <p:timing>
-    <p:tnLst>
-      <p:par>
-        <p:cTn id="1" dur="indefinite" restart="never" nodeType="tmRoot"/>
-      </p:par>
-    </p:tnLst>
-  </p:timing>
-</p:sld>
-</file>
-
-<file path=ppt/slides/slide18.xml><?xml version="1.0" encoding="utf-8"?>
-<p:sld xmlns:a="http://schemas.openxmlformats.org/drawingml/2006/main" xmlns:r="http://schemas.openxmlformats.org/officeDocument/2006/relationships" xmlns:p="http://schemas.openxmlformats.org/presentationml/2006/main">
-  <p:cSld>
-    <p:spTree>
-      <p:nvGrpSpPr>
-        <p:cNvPr id="1" name=""/>
-        <p:cNvGrpSpPr/>
-        <p:nvPr/>
-      </p:nvGrpSpPr>
-      <p:grpSpPr>
-        <a:xfrm>
-          <a:off x="0" y="0"/>
-          <a:ext cx="0" cy="0"/>
-          <a:chOff x="0" y="0"/>
-          <a:chExt cx="0" cy="0"/>
-        </a:xfrm>
-      </p:grpSpPr>
-      <p:sp>
-        <p:nvSpPr>
-          <p:cNvPr id="5" name="Title 4"/>
-          <p:cNvSpPr>
-            <a:spLocks noGrp="1"/>
-          </p:cNvSpPr>
-          <p:nvPr>
-            <p:ph type="title"/>
-          </p:nvPr>
-        </p:nvSpPr>
-        <p:spPr/>
-        <p:txBody>
-          <a:bodyPr>
-            <a:normAutofit/>
-          </a:bodyPr>
-          <a:lstStyle/>
-          <a:p>
-            <a:r>
-              <a:rPr lang="en-US" sz="4000" dirty="0" smtClean="0"/>
-              <a:t>mapping</a:t>
-            </a:r>
-            <a:endParaRPr lang="vi-VN" sz="4000" dirty="0"/>
-          </a:p>
-        </p:txBody>
-      </p:sp>
-      <p:sp>
-        <p:nvSpPr>
-          <p:cNvPr id="4" name="Slide Number Placeholder 3"/>
-          <p:cNvSpPr>
-            <a:spLocks noGrp="1"/>
-          </p:cNvSpPr>
-          <p:nvPr>
-            <p:ph type="sldNum" sz="quarter" idx="12"/>
-          </p:nvPr>
-        </p:nvSpPr>
-        <p:spPr/>
-        <p:txBody>
-          <a:bodyPr>
-            <a:normAutofit fontScale="85000" lnSpcReduction="20000"/>
-          </a:bodyPr>
-          <a:lstStyle/>
-          <a:p>
-            <a:pPr algn="ctr"/>
-            <a:fld id="{1AD93096-5B34-4342-9326-69289CEAE4C2}" type="slidenum">
-              <a:rPr lang="en-US" smtClean="0"/>
-              <a:pPr algn="ctr"/>
-              <a:t>18</a:t>
-            </a:fld>
-            <a:endParaRPr lang="en-US" sz="2400" dirty="0">
-              <a:solidFill>
-                <a:srgbClr val="FFFFFF"/>
-              </a:solidFill>
-            </a:endParaRPr>
-          </a:p>
-        </p:txBody>
-      </p:sp>
-      <p:pic>
-        <p:nvPicPr>
-          <p:cNvPr id="7" name="Picture 6"/>
-          <p:cNvPicPr/>
-          <p:nvPr/>
-        </p:nvPicPr>
-        <p:blipFill>
-          <a:blip r:embed="rId2" cstate="print">
-            <a:extLst>
-              <a:ext uri="{28A0092B-C50C-407E-A947-70E740481C1C}">
-                <a14:useLocalDpi xmlns:a14="http://schemas.microsoft.com/office/drawing/2010/main" val="0"/>
-              </a:ext>
-            </a:extLst>
-          </a:blip>
-          <a:srcRect/>
-          <a:stretch>
-            <a:fillRect/>
-          </a:stretch>
-        </p:blipFill>
-        <p:spPr bwMode="auto">
-          <a:xfrm>
-            <a:off x="251520" y="4249556"/>
-            <a:ext cx="4561790" cy="2697945"/>
-          </a:xfrm>
-          <a:prstGeom prst="rect">
-            <a:avLst/>
-          </a:prstGeom>
-          <a:noFill/>
-        </p:spPr>
-      </p:pic>
-      <p:pic>
-        <p:nvPicPr>
-          <p:cNvPr id="8" name="Picture 7"/>
-          <p:cNvPicPr/>
-          <p:nvPr/>
-        </p:nvPicPr>
-        <p:blipFill>
-          <a:blip r:embed="rId3">
-            <a:extLst>
-              <a:ext uri="{28A0092B-C50C-407E-A947-70E740481C1C}">
-                <a14:useLocalDpi xmlns:a14="http://schemas.microsoft.com/office/drawing/2010/main" val="0"/>
-              </a:ext>
-            </a:extLst>
-          </a:blip>
-          <a:srcRect/>
-          <a:stretch>
-            <a:fillRect/>
-          </a:stretch>
-        </p:blipFill>
-        <p:spPr bwMode="auto">
-          <a:xfrm>
-            <a:off x="1995350" y="1513812"/>
-            <a:ext cx="6249058" cy="3486536"/>
-          </a:xfrm>
-          <a:prstGeom prst="rect">
-            <a:avLst/>
-          </a:prstGeom>
-          <a:noFill/>
-        </p:spPr>
-      </p:pic>
-    </p:spTree>
-    <p:extLst>
-      <p:ext uri="{BB962C8B-B14F-4D97-AF65-F5344CB8AC3E}">
-        <p14:creationId xmlns:p14="http://schemas.microsoft.com/office/powerpoint/2010/main" val="2793530087"/>
-      </p:ext>
-    </p:extLst>
-  </p:cSld>
-  <p:clrMapOvr>
-    <a:masterClrMapping/>
-  </p:clrMapOvr>
-  <p:timing>
-    <p:tnLst>
-      <p:par>
-        <p:cTn id="1" dur="indefinite" restart="never" nodeType="tmRoot"/>
-      </p:par>
-    </p:tnLst>
-  </p:timing>
-</p:sld>
-</file>
-
 <file path=ppt/slides/slide19.xml><?xml version="1.0" encoding="utf-8"?>
 <p:sld xmlns:a="http://schemas.openxmlformats.org/drawingml/2006/main" xmlns:r="http://schemas.openxmlformats.org/officeDocument/2006/relationships" xmlns:p="http://schemas.openxmlformats.org/presentationml/2006/main">
   <p:cSld>
@@ -13300,54 +13127,34 @@
           <a:lstStyle/>
           <a:p>
             <a:r>
-              <a:rPr lang="en-US" sz="3600" dirty="0" err="1" smtClean="0"/>
-              <a:t>Tổ</a:t>
-            </a:r>
-            <a:r>
-              <a:rPr lang="en-US" sz="3600" dirty="0" smtClean="0"/>
+              <a:rPr lang="en-US" dirty="0" err="1" smtClean="0"/>
+              <a:t>Kiến</a:t>
+            </a:r>
+            <a:r>
+              <a:rPr lang="en-US" dirty="0" smtClean="0"/>
               <a:t> </a:t>
             </a:r>
             <a:r>
-              <a:rPr lang="en-US" sz="3600" dirty="0" err="1" smtClean="0"/>
-              <a:t>chức</a:t>
-            </a:r>
-            <a:r>
-              <a:rPr lang="en-US" sz="3600" dirty="0" smtClean="0"/>
+              <a:rPr lang="en-US" dirty="0" err="1" smtClean="0"/>
+              <a:t>trúc</a:t>
+            </a:r>
+            <a:r>
+              <a:rPr lang="en-US" dirty="0" smtClean="0"/>
               <a:t> </a:t>
             </a:r>
             <a:r>
-              <a:rPr lang="en-US" sz="3600" dirty="0" err="1" smtClean="0"/>
-              <a:t>và</a:t>
-            </a:r>
-            <a:r>
-              <a:rPr lang="en-US" sz="3600" dirty="0" smtClean="0"/>
+              <a:rPr lang="en-US" dirty="0" err="1" smtClean="0"/>
+              <a:t>phần</a:t>
+            </a:r>
+            <a:r>
+              <a:rPr lang="en-US" dirty="0" smtClean="0"/>
               <a:t> </a:t>
             </a:r>
             <a:r>
-              <a:rPr lang="en-US" sz="3600" dirty="0" err="1" smtClean="0"/>
-              <a:t>lưu</a:t>
-            </a:r>
-            <a:r>
-              <a:rPr lang="en-US" sz="3600" dirty="0" smtClean="0"/>
-              <a:t> </a:t>
-            </a:r>
-            <a:r>
-              <a:rPr lang="en-US" sz="3600" dirty="0" err="1" smtClean="0"/>
-              <a:t>trữ</a:t>
-            </a:r>
-            <a:r>
-              <a:rPr lang="en-US" sz="3600" dirty="0" smtClean="0"/>
-              <a:t> </a:t>
-            </a:r>
-            <a:r>
-              <a:rPr lang="en-US" sz="3600" dirty="0" err="1" smtClean="0"/>
-              <a:t>thông</a:t>
-            </a:r>
-            <a:r>
-              <a:rPr lang="en-US" sz="3600" dirty="0" smtClean="0"/>
-              <a:t> tin</a:t>
-            </a:r>
-            <a:endParaRPr lang="vi-VN" sz="3600" dirty="0"/>
+              <a:rPr lang="en-US" dirty="0" err="1" smtClean="0"/>
+              <a:t>mềm</a:t>
+            </a:r>
+            <a:endParaRPr lang="vi-VN" dirty="0"/>
           </a:p>
         </p:txBody>
       </p:sp>
@@ -13381,106 +13188,97 @@
           </a:p>
         </p:txBody>
       </p:sp>
-      <p:pic>
-        <p:nvPicPr>
-          <p:cNvPr id="4098" name="Picture 2"/>
-          <p:cNvPicPr>
-            <a:picLocks noGrp="1" noChangeAspect="1" noChangeArrowheads="1"/>
-          </p:cNvPicPr>
+      <p:sp>
+        <p:nvSpPr>
+          <p:cNvPr id="4" name="Content Placeholder 3"/>
+          <p:cNvSpPr>
+            <a:spLocks noGrp="1"/>
+          </p:cNvSpPr>
           <p:nvPr>
             <p:ph sz="quarter" idx="1"/>
           </p:nvPr>
-        </p:nvPicPr>
-        <p:blipFill>
-          <a:blip r:embed="rId2">
-            <a:extLst>
-              <a:ext uri="{28A0092B-C50C-407E-A947-70E740481C1C}">
-                <a14:useLocalDpi xmlns:a14="http://schemas.microsoft.com/office/drawing/2010/main" val="0"/>
-              </a:ext>
-            </a:extLst>
-          </a:blip>
-          <a:srcRect/>
-          <a:stretch>
-            <a:fillRect/>
-          </a:stretch>
-        </p:blipFill>
-        <p:spPr bwMode="auto">
-          <a:xfrm>
-            <a:off x="611560" y="1578130"/>
-            <a:ext cx="8136904" cy="5279871"/>
-          </a:xfrm>
-          <a:prstGeom prst="rect">
-            <a:avLst/>
-          </a:prstGeom>
-          <a:noFill/>
-          <a:ln>
-            <a:noFill/>
-          </a:ln>
-          <a:effectLst/>
-          <a:extLst>
-            <a:ext uri="{909E8E84-426E-40DD-AFC4-6F175D3DCCD1}">
-              <a14:hiddenFill xmlns:a14="http://schemas.microsoft.com/office/drawing/2010/main">
-                <a:solidFill>
-                  <a:schemeClr val="accent1"/>
-                </a:solidFill>
-              </a14:hiddenFill>
-            </a:ext>
-            <a:ext uri="{91240B29-F687-4F45-9708-019B960494DF}">
-              <a14:hiddenLine xmlns:a14="http://schemas.microsoft.com/office/drawing/2010/main" w="9525">
-                <a:solidFill>
-                  <a:schemeClr val="tx1"/>
-                </a:solidFill>
-                <a:miter lim="800000"/>
-                <a:headEnd/>
-                <a:tailEnd/>
-              </a14:hiddenLine>
-            </a:ext>
-            <a:ext uri="{AF507438-7753-43E0-B8FC-AC1667EBCBE1}">
-              <a14:hiddenEffects xmlns:a14="http://schemas.microsoft.com/office/drawing/2010/main">
-                <a:effectLst>
-                  <a:outerShdw dist="35921" dir="2700000" algn="ctr" rotWithShape="0">
-                    <a:schemeClr val="bg2"/>
-                  </a:outerShdw>
-                </a:effectLst>
-              </a14:hiddenEffects>
-            </a:ext>
-          </a:extLst>
-        </p:spPr>
-      </p:pic>
-      <p:pic>
-        <p:nvPicPr>
-          <p:cNvPr id="6" name="Picture 5"/>
-          <p:cNvPicPr>
-            <a:picLocks noChangeAspect="1"/>
-          </p:cNvPicPr>
-          <p:nvPr/>
-        </p:nvPicPr>
-        <p:blipFill>
-          <a:blip r:embed="rId3" cstate="print">
-            <a:extLst>
-              <a:ext uri="{28A0092B-C50C-407E-A947-70E740481C1C}">
-                <a14:useLocalDpi xmlns:a14="http://schemas.microsoft.com/office/drawing/2010/main" val="0"/>
-              </a:ext>
-            </a:extLst>
-          </a:blip>
-          <a:stretch>
-            <a:fillRect/>
-          </a:stretch>
-        </p:blipFill>
-        <p:spPr>
-          <a:xfrm>
-            <a:off x="1618548" y="4997539"/>
-            <a:ext cx="721204" cy="721204"/>
-          </a:xfrm>
-          <a:prstGeom prst="rect">
-            <a:avLst/>
-          </a:prstGeom>
-        </p:spPr>
-      </p:pic>
+        </p:nvSpPr>
+        <p:spPr/>
+        <p:txBody>
+          <a:bodyPr/>
+          <a:lstStyle/>
+          <a:p>
+            <a:r>
+              <a:rPr lang="en-US" dirty="0" err="1" smtClean="0"/>
+              <a:t>Các</a:t>
+            </a:r>
+            <a:r>
+              <a:rPr lang="en-US" dirty="0" smtClean="0"/>
+              <a:t> </a:t>
+            </a:r>
+            <a:r>
+              <a:rPr lang="en-US" dirty="0" err="1" smtClean="0"/>
+              <a:t>lý</a:t>
+            </a:r>
+            <a:r>
+              <a:rPr lang="en-US" dirty="0" smtClean="0"/>
+              <a:t> </a:t>
+            </a:r>
+            <a:r>
+              <a:rPr lang="en-US" dirty="0" err="1" smtClean="0"/>
+              <a:t>thuyết</a:t>
+            </a:r>
+            <a:r>
+              <a:rPr lang="en-US" dirty="0" smtClean="0"/>
+              <a:t> </a:t>
+            </a:r>
+            <a:r>
+              <a:rPr lang="en-US" dirty="0" err="1" smtClean="0"/>
+              <a:t>kiến</a:t>
+            </a:r>
+            <a:r>
+              <a:rPr lang="en-US" dirty="0" smtClean="0"/>
+              <a:t> </a:t>
+            </a:r>
+            <a:r>
+              <a:rPr lang="en-US" dirty="0" err="1" smtClean="0"/>
+              <a:t>trúc</a:t>
+            </a:r>
+            <a:r>
+              <a:rPr lang="en-US" dirty="0" smtClean="0"/>
+              <a:t> </a:t>
+            </a:r>
+            <a:r>
+              <a:rPr lang="en-US" dirty="0" err="1" smtClean="0"/>
+              <a:t>phần</a:t>
+            </a:r>
+            <a:r>
+              <a:rPr lang="en-US" dirty="0" smtClean="0"/>
+              <a:t> </a:t>
+            </a:r>
+            <a:r>
+              <a:rPr lang="en-US" dirty="0" err="1" smtClean="0"/>
+              <a:t>mềm</a:t>
+            </a:r>
+            <a:r>
+              <a:rPr lang="en-US" dirty="0" smtClean="0"/>
+              <a:t> dc </a:t>
+            </a:r>
+            <a:r>
+              <a:rPr lang="en-US" dirty="0" err="1" smtClean="0"/>
+              <a:t>áp</a:t>
+            </a:r>
+            <a:r>
+              <a:rPr lang="en-US" dirty="0" smtClean="0"/>
+              <a:t> </a:t>
+            </a:r>
+            <a:r>
+              <a:rPr lang="en-US" dirty="0" err="1" smtClean="0"/>
+              <a:t>dụng</a:t>
+            </a:r>
+            <a:endParaRPr lang="vi-VN" dirty="0"/>
+          </a:p>
+        </p:txBody>
+      </p:sp>
     </p:spTree>
     <p:extLst>
       <p:ext uri="{BB962C8B-B14F-4D97-AF65-F5344CB8AC3E}">
-        <p14:creationId xmlns:p14="http://schemas.microsoft.com/office/powerpoint/2010/main" val="3149494895"/>
+        <p14:creationId xmlns:p14="http://schemas.microsoft.com/office/powerpoint/2010/main" val="1901457727"/>
       </p:ext>
     </p:extLst>
   </p:cSld>
@@ -13811,6 +13609,381 @@
       </p:grpSpPr>
       <p:sp>
         <p:nvSpPr>
+          <p:cNvPr id="5" name="Text Placeholder 4"/>
+          <p:cNvSpPr>
+            <a:spLocks noGrp="1"/>
+          </p:cNvSpPr>
+          <p:nvPr>
+            <p:ph type="body" idx="1"/>
+          </p:nvPr>
+        </p:nvSpPr>
+        <p:spPr/>
+        <p:txBody>
+          <a:bodyPr>
+            <a:normAutofit/>
+          </a:bodyPr>
+          <a:lstStyle/>
+          <a:p>
+            <a:pPr marL="0" indent="0"/>
+            <a:r>
+              <a:rPr lang="en-US" dirty="0" err="1" smtClean="0"/>
+              <a:t>Kiến</a:t>
+            </a:r>
+            <a:r>
+              <a:rPr lang="en-US" dirty="0" smtClean="0"/>
+              <a:t> </a:t>
+            </a:r>
+            <a:r>
+              <a:rPr lang="en-US" dirty="0" err="1" smtClean="0"/>
+              <a:t>trúc</a:t>
+            </a:r>
+            <a:r>
+              <a:rPr lang="en-US" dirty="0" smtClean="0"/>
+              <a:t> </a:t>
+            </a:r>
+            <a:r>
+              <a:rPr lang="en-US" dirty="0" err="1" smtClean="0"/>
+              <a:t>cổng</a:t>
+            </a:r>
+            <a:r>
+              <a:rPr lang="en-US" dirty="0" smtClean="0"/>
+              <a:t> </a:t>
+            </a:r>
+            <a:r>
+              <a:rPr lang="en-US" dirty="0" err="1" smtClean="0"/>
+              <a:t>thông</a:t>
+            </a:r>
+            <a:r>
+              <a:rPr lang="en-US" dirty="0" smtClean="0"/>
+              <a:t> tin </a:t>
+            </a:r>
+            <a:r>
+              <a:rPr lang="en-US" dirty="0" err="1" smtClean="0"/>
+              <a:t>tìm</a:t>
+            </a:r>
+            <a:r>
+              <a:rPr lang="en-US" dirty="0" smtClean="0"/>
+              <a:t> </a:t>
+            </a:r>
+            <a:r>
+              <a:rPr lang="en-US" dirty="0" err="1" smtClean="0"/>
+              <a:t>việc</a:t>
+            </a:r>
+            <a:r>
+              <a:rPr lang="en-US" dirty="0" smtClean="0"/>
+              <a:t> </a:t>
+            </a:r>
+            <a:r>
+              <a:rPr lang="en-US" dirty="0" err="1" smtClean="0"/>
+              <a:t>JobZoom</a:t>
+            </a:r>
+            <a:r>
+              <a:rPr lang="en-US" dirty="0" smtClean="0"/>
+              <a:t> framework </a:t>
+            </a:r>
+            <a:r>
+              <a:rPr lang="en-US" dirty="0" err="1" smtClean="0"/>
+              <a:t>được</a:t>
+            </a:r>
+            <a:r>
+              <a:rPr lang="en-US" dirty="0" smtClean="0"/>
+              <a:t> </a:t>
+            </a:r>
+            <a:r>
+              <a:rPr lang="en-US" dirty="0" err="1" smtClean="0"/>
+              <a:t>áp</a:t>
+            </a:r>
+            <a:r>
+              <a:rPr lang="en-US" dirty="0" smtClean="0"/>
+              <a:t> </a:t>
+            </a:r>
+            <a:r>
+              <a:rPr lang="en-US" dirty="0" err="1" smtClean="0"/>
+              <a:t>dụng</a:t>
+            </a:r>
+            <a:r>
+              <a:rPr lang="en-US" dirty="0" smtClean="0"/>
+              <a:t> </a:t>
+            </a:r>
+            <a:r>
+              <a:rPr lang="en-US" dirty="0" err="1" smtClean="0"/>
+              <a:t>từ</a:t>
+            </a:r>
+            <a:r>
+              <a:rPr lang="en-US" dirty="0" smtClean="0"/>
+              <a:t> </a:t>
+            </a:r>
+            <a:r>
+              <a:rPr lang="en-US" dirty="0" err="1" smtClean="0"/>
+              <a:t>giải</a:t>
+            </a:r>
+            <a:r>
+              <a:rPr lang="en-US" dirty="0" smtClean="0"/>
+              <a:t> </a:t>
+            </a:r>
+            <a:r>
+              <a:rPr lang="en-US" dirty="0" err="1" smtClean="0"/>
+              <a:t>pháp</a:t>
+            </a:r>
+            <a:r>
+              <a:rPr lang="en-US" dirty="0" smtClean="0"/>
+              <a:t> </a:t>
+            </a:r>
+            <a:r>
+              <a:rPr lang="en-US" dirty="0" err="1" smtClean="0"/>
+              <a:t>của</a:t>
+            </a:r>
+            <a:r>
+              <a:rPr lang="en-US" dirty="0" smtClean="0"/>
+              <a:t> </a:t>
+            </a:r>
+            <a:r>
+              <a:rPr lang="en-US" dirty="0" err="1" smtClean="0"/>
+              <a:t>bài</a:t>
+            </a:r>
+            <a:r>
+              <a:rPr lang="en-US" dirty="0" smtClean="0"/>
+              <a:t> </a:t>
+            </a:r>
+            <a:r>
+              <a:rPr lang="en-US" dirty="0" err="1" smtClean="0"/>
+              <a:t>toán</a:t>
+            </a:r>
+            <a:r>
+              <a:rPr lang="en-US" dirty="0" smtClean="0"/>
+              <a:t> </a:t>
+            </a:r>
+            <a:r>
+              <a:rPr lang="en-US" dirty="0" err="1" smtClean="0"/>
+              <a:t>kiến</a:t>
+            </a:r>
+            <a:r>
+              <a:rPr lang="en-US" dirty="0" smtClean="0"/>
+              <a:t> </a:t>
+            </a:r>
+            <a:r>
+              <a:rPr lang="en-US" dirty="0" err="1" smtClean="0"/>
+              <a:t>trúc</a:t>
+            </a:r>
+            <a:r>
+              <a:rPr lang="en-US" dirty="0" smtClean="0"/>
+              <a:t> </a:t>
+            </a:r>
+            <a:r>
+              <a:rPr lang="en-US" dirty="0" err="1" smtClean="0"/>
+              <a:t>nói</a:t>
+            </a:r>
+            <a:r>
+              <a:rPr lang="en-US" dirty="0" smtClean="0"/>
+              <a:t> </a:t>
+            </a:r>
+            <a:r>
+              <a:rPr lang="en-US" dirty="0" err="1" smtClean="0"/>
+              <a:t>trên</a:t>
+            </a:r>
+            <a:r>
+              <a:rPr lang="en-US" dirty="0" smtClean="0"/>
+              <a:t>.</a:t>
+            </a:r>
+            <a:endParaRPr lang="vi-VN" dirty="0"/>
+          </a:p>
+        </p:txBody>
+      </p:sp>
+      <p:sp>
+        <p:nvSpPr>
+          <p:cNvPr id="4" name="Title 3"/>
+          <p:cNvSpPr>
+            <a:spLocks noGrp="1"/>
+          </p:cNvSpPr>
+          <p:nvPr>
+            <p:ph type="title"/>
+          </p:nvPr>
+        </p:nvSpPr>
+        <p:spPr/>
+        <p:txBody>
+          <a:bodyPr>
+            <a:normAutofit/>
+          </a:bodyPr>
+          <a:lstStyle/>
+          <a:p>
+            <a:r>
+              <a:rPr lang="en-US" dirty="0" err="1" smtClean="0"/>
+              <a:t>JobZoom</a:t>
+            </a:r>
+            <a:r>
+              <a:rPr lang="en-US" dirty="0" smtClean="0"/>
+              <a:t> framework</a:t>
+            </a:r>
+            <a:endParaRPr lang="vi-VN" dirty="0"/>
+          </a:p>
+        </p:txBody>
+      </p:sp>
+      <p:sp>
+        <p:nvSpPr>
+          <p:cNvPr id="3" name="Slide Number Placeholder 2"/>
+          <p:cNvSpPr>
+            <a:spLocks noGrp="1"/>
+          </p:cNvSpPr>
+          <p:nvPr>
+            <p:ph type="sldNum" sz="quarter" idx="11"/>
+          </p:nvPr>
+        </p:nvSpPr>
+        <p:spPr/>
+        <p:txBody>
+          <a:bodyPr>
+            <a:normAutofit/>
+          </a:bodyPr>
+          <a:lstStyle/>
+          <a:p>
+            <a:fld id="{1AD93096-5B34-4342-9326-69289CEAE4C2}" type="slidenum">
+              <a:rPr lang="en-US" smtClean="0"/>
+              <a:pPr/>
+              <a:t>20</a:t>
+            </a:fld>
+            <a:endParaRPr lang="en-US" dirty="0">
+              <a:solidFill>
+                <a:srgbClr val="FFFFFF"/>
+              </a:solidFill>
+            </a:endParaRPr>
+          </a:p>
+        </p:txBody>
+      </p:sp>
+      <p:pic>
+        <p:nvPicPr>
+          <p:cNvPr id="6" name="Picture 2"/>
+          <p:cNvPicPr>
+            <a:picLocks noChangeAspect="1" noChangeArrowheads="1"/>
+          </p:cNvPicPr>
+          <p:nvPr/>
+        </p:nvPicPr>
+        <p:blipFill rotWithShape="1">
+          <a:blip r:embed="rId2" cstate="print">
+            <a:extLst>
+              <a:ext uri="{BEBA8EAE-BF5A-486C-A8C5-ECC9F3942E4B}">
+                <a14:imgProps xmlns:a14="http://schemas.microsoft.com/office/drawing/2010/main">
+                  <a14:imgLayer r:embed="rId3">
+                    <a14:imgEffect>
+                      <a14:backgroundRemoval t="10000" b="90000" l="10000" r="90000"/>
+                    </a14:imgEffect>
+                  </a14:imgLayer>
+                </a14:imgProps>
+              </a:ext>
+              <a:ext uri="{28A0092B-C50C-407E-A947-70E740481C1C}">
+                <a14:useLocalDpi xmlns:a14="http://schemas.microsoft.com/office/drawing/2010/main" val="0"/>
+              </a:ext>
+            </a:extLst>
+          </a:blip>
+          <a:srcRect l="8900" t="16354" r="8923" b="16880"/>
+          <a:stretch/>
+        </p:blipFill>
+        <p:spPr bwMode="auto">
+          <a:xfrm>
+            <a:off x="6156176" y="476673"/>
+            <a:ext cx="2448272" cy="1420460"/>
+          </a:xfrm>
+          <a:prstGeom prst="rect">
+            <a:avLst/>
+          </a:prstGeom>
+          <a:ln w="9525">
+            <a:noFill/>
+            <a:miter lim="800000"/>
+            <a:headEnd/>
+            <a:tailEnd/>
+          </a:ln>
+          <a:effectLst>
+            <a:innerShdw blurRad="76200">
+              <a:srgbClr val="000000"/>
+            </a:innerShdw>
+          </a:effectLst>
+          <a:extLst>
+            <a:ext uri="{909E8E84-426E-40DD-AFC4-6F175D3DCCD1}">
+              <a14:hiddenFill xmlns:a14="http://schemas.microsoft.com/office/drawing/2010/main">
+                <a:solidFill>
+                  <a:schemeClr val="accent1"/>
+                </a:solidFill>
+              </a14:hiddenFill>
+            </a:ext>
+          </a:extLst>
+        </p:spPr>
+      </p:pic>
+      <p:pic>
+        <p:nvPicPr>
+          <p:cNvPr id="2050" name="Picture 2" descr="http://www.google.com.vn/url?source=imglanding&amp;ct=img&amp;q=http://www.newea.org/Portals/6/images/JobHunting_iStock_000005682045XSmall.jpg&amp;sa=X&amp;ei=BnP9TuaWCIaziQeLifitAQ&amp;ved=0CAwQ8wc&amp;usg=AFQjCNGWD101b2jPI-pOsxPMtfVMMGhSfw"/>
+          <p:cNvPicPr>
+            <a:picLocks noChangeAspect="1" noChangeArrowheads="1"/>
+          </p:cNvPicPr>
+          <p:nvPr/>
+        </p:nvPicPr>
+        <p:blipFill rotWithShape="1">
+          <a:blip r:embed="rId4">
+            <a:extLst>
+              <a:ext uri="{28A0092B-C50C-407E-A947-70E740481C1C}">
+                <a14:useLocalDpi xmlns:a14="http://schemas.microsoft.com/office/drawing/2010/main" val="0"/>
+              </a:ext>
+            </a:extLst>
+          </a:blip>
+          <a:srcRect b="11038"/>
+          <a:stretch/>
+        </p:blipFill>
+        <p:spPr bwMode="auto">
+          <a:xfrm>
+            <a:off x="1410072" y="4287565"/>
+            <a:ext cx="3810000" cy="2542084"/>
+          </a:xfrm>
+          <a:prstGeom prst="rect">
+            <a:avLst/>
+          </a:prstGeom>
+          <a:noFill/>
+          <a:extLst>
+            <a:ext uri="{909E8E84-426E-40DD-AFC4-6F175D3DCCD1}">
+              <a14:hiddenFill xmlns:a14="http://schemas.microsoft.com/office/drawing/2010/main">
+                <a:solidFill>
+                  <a:srgbClr val="FFFFFF"/>
+                </a:solidFill>
+              </a14:hiddenFill>
+            </a:ext>
+          </a:extLst>
+        </p:spPr>
+      </p:pic>
+    </p:spTree>
+    <p:extLst>
+      <p:ext uri="{BB962C8B-B14F-4D97-AF65-F5344CB8AC3E}">
+        <p14:creationId xmlns:p14="http://schemas.microsoft.com/office/powerpoint/2010/main" val="1258374253"/>
+      </p:ext>
+    </p:extLst>
+  </p:cSld>
+  <p:clrMapOvr>
+    <a:masterClrMapping/>
+  </p:clrMapOvr>
+  <p:timing>
+    <p:tnLst>
+      <p:par>
+        <p:cTn id="1" dur="indefinite" restart="never" nodeType="tmRoot"/>
+      </p:par>
+    </p:tnLst>
+  </p:timing>
+</p:sld>
+</file>
+
+<file path=ppt/slides/slide21.xml><?xml version="1.0" encoding="utf-8"?>
+<p:sld xmlns:a="http://schemas.openxmlformats.org/drawingml/2006/main" xmlns:r="http://schemas.openxmlformats.org/officeDocument/2006/relationships" xmlns:p="http://schemas.openxmlformats.org/presentationml/2006/main">
+  <p:cSld>
+    <p:spTree>
+      <p:nvGrpSpPr>
+        <p:cNvPr id="1" name=""/>
+        <p:cNvGrpSpPr/>
+        <p:nvPr/>
+      </p:nvGrpSpPr>
+      <p:grpSpPr>
+        <a:xfrm>
+          <a:off x="0" y="0"/>
+          <a:ext cx="0" cy="0"/>
+          <a:chOff x="0" y="0"/>
+          <a:chExt cx="0" cy="0"/>
+        </a:xfrm>
+      </p:grpSpPr>
+      <p:sp>
+        <p:nvSpPr>
           <p:cNvPr id="2" name="Title 1"/>
           <p:cNvSpPr>
             <a:spLocks noGrp="1"/>
@@ -13822,35 +13995,39 @@
         <p:spPr/>
         <p:txBody>
           <a:bodyPr>
-            <a:noAutofit/>
+            <a:normAutofit/>
           </a:bodyPr>
           <a:lstStyle/>
           <a:p>
             <a:r>
-              <a:rPr lang="en-US" sz="2800" dirty="0" err="1" smtClean="0"/>
-              <a:t>Hệ</a:t>
-            </a:r>
-            <a:r>
-              <a:rPr lang="en-US" sz="2800" dirty="0" smtClean="0"/>
+              <a:rPr lang="en-US" dirty="0" err="1" smtClean="0"/>
+              <a:t>Kiến</a:t>
+            </a:r>
+            <a:r>
+              <a:rPr lang="en-US" dirty="0" smtClean="0"/>
               <a:t> </a:t>
             </a:r>
             <a:r>
-              <a:rPr lang="en-US" sz="2800" dirty="0" err="1" smtClean="0"/>
-              <a:t>thống</a:t>
-            </a:r>
-            <a:r>
-              <a:rPr lang="en-US" sz="2800" dirty="0" smtClean="0"/>
-              <a:t> so </a:t>
-            </a:r>
-            <a:r>
-              <a:rPr lang="en-US" sz="2800" dirty="0" err="1" smtClean="0"/>
-              <a:t>khớp</a:t>
-            </a:r>
-            <a:r>
-              <a:rPr lang="en-US" sz="2800" dirty="0" smtClean="0"/>
-              <a:t> – matching tool</a:t>
-            </a:r>
-            <a:endParaRPr lang="vi-VN" sz="2800" dirty="0"/>
+              <a:rPr lang="en-US" dirty="0" err="1" smtClean="0"/>
+              <a:t>trúc</a:t>
+            </a:r>
+            <a:r>
+              <a:rPr lang="en-US" dirty="0" smtClean="0"/>
+              <a:t> </a:t>
+            </a:r>
+            <a:r>
+              <a:rPr lang="en-US" dirty="0" err="1" smtClean="0"/>
+              <a:t>tổng</a:t>
+            </a:r>
+            <a:r>
+              <a:rPr lang="en-US" dirty="0" smtClean="0"/>
+              <a:t> </a:t>
+            </a:r>
+            <a:r>
+              <a:rPr lang="en-US" dirty="0" err="1" smtClean="0"/>
+              <a:t>quan</a:t>
+            </a:r>
+            <a:endParaRPr lang="vi-VN" dirty="0"/>
           </a:p>
         </p:txBody>
       </p:sp>
@@ -13874,7 +14051,570 @@
             <a:fld id="{1AD93096-5B34-4342-9326-69289CEAE4C2}" type="slidenum">
               <a:rPr lang="en-US" smtClean="0"/>
               <a:pPr/>
-              <a:t>20</a:t>
+              <a:t>21</a:t>
+            </a:fld>
+            <a:endParaRPr lang="en-US" dirty="0">
+              <a:solidFill>
+                <a:srgbClr val="FFFFFF"/>
+              </a:solidFill>
+            </a:endParaRPr>
+          </a:p>
+        </p:txBody>
+      </p:sp>
+      <p:pic>
+        <p:nvPicPr>
+          <p:cNvPr id="3076" name="Picture 4"/>
+          <p:cNvPicPr>
+            <a:picLocks noGrp="1" noChangeAspect="1" noChangeArrowheads="1"/>
+          </p:cNvPicPr>
+          <p:nvPr>
+            <p:ph sz="quarter" idx="1"/>
+          </p:nvPr>
+        </p:nvPicPr>
+        <p:blipFill>
+          <a:blip r:embed="rId2">
+            <a:extLst>
+              <a:ext uri="{28A0092B-C50C-407E-A947-70E740481C1C}">
+                <a14:useLocalDpi xmlns:a14="http://schemas.microsoft.com/office/drawing/2010/main" val="0"/>
+              </a:ext>
+            </a:extLst>
+          </a:blip>
+          <a:srcRect/>
+          <a:stretch>
+            <a:fillRect/>
+          </a:stretch>
+        </p:blipFill>
+        <p:spPr bwMode="auto">
+          <a:xfrm rot="5400000">
+            <a:off x="1972783" y="-337513"/>
+            <a:ext cx="5183923" cy="9031716"/>
+          </a:xfrm>
+          <a:prstGeom prst="rect">
+            <a:avLst/>
+          </a:prstGeom>
+          <a:noFill/>
+          <a:ln>
+            <a:noFill/>
+          </a:ln>
+          <a:effectLst/>
+          <a:extLst>
+            <a:ext uri="{909E8E84-426E-40DD-AFC4-6F175D3DCCD1}">
+              <a14:hiddenFill xmlns:a14="http://schemas.microsoft.com/office/drawing/2010/main">
+                <a:solidFill>
+                  <a:schemeClr val="accent1"/>
+                </a:solidFill>
+              </a14:hiddenFill>
+            </a:ext>
+            <a:ext uri="{91240B29-F687-4F45-9708-019B960494DF}">
+              <a14:hiddenLine xmlns:a14="http://schemas.microsoft.com/office/drawing/2010/main" w="9525">
+                <a:solidFill>
+                  <a:schemeClr val="tx1"/>
+                </a:solidFill>
+                <a:miter lim="800000"/>
+                <a:headEnd/>
+                <a:tailEnd/>
+              </a14:hiddenLine>
+            </a:ext>
+            <a:ext uri="{AF507438-7753-43E0-B8FC-AC1667EBCBE1}">
+              <a14:hiddenEffects xmlns:a14="http://schemas.microsoft.com/office/drawing/2010/main">
+                <a:effectLst>
+                  <a:outerShdw dist="35921" dir="2700000" algn="ctr" rotWithShape="0">
+                    <a:schemeClr val="bg2"/>
+                  </a:outerShdw>
+                </a:effectLst>
+              </a14:hiddenEffects>
+            </a:ext>
+          </a:extLst>
+        </p:spPr>
+      </p:pic>
+    </p:spTree>
+    <p:extLst>
+      <p:ext uri="{BB962C8B-B14F-4D97-AF65-F5344CB8AC3E}">
+        <p14:creationId xmlns:p14="http://schemas.microsoft.com/office/powerpoint/2010/main" val="3453574344"/>
+      </p:ext>
+    </p:extLst>
+  </p:cSld>
+  <p:clrMapOvr>
+    <a:masterClrMapping/>
+  </p:clrMapOvr>
+  <p:timing>
+    <p:tnLst>
+      <p:par>
+        <p:cTn id="1" dur="indefinite" restart="never" nodeType="tmRoot"/>
+      </p:par>
+    </p:tnLst>
+  </p:timing>
+</p:sld>
+</file>
+
+<file path=ppt/slides/slide22.xml><?xml version="1.0" encoding="utf-8"?>
+<p:sld xmlns:a="http://schemas.openxmlformats.org/drawingml/2006/main" xmlns:r="http://schemas.openxmlformats.org/officeDocument/2006/relationships" xmlns:p="http://schemas.openxmlformats.org/presentationml/2006/main">
+  <p:cSld>
+    <p:spTree>
+      <p:nvGrpSpPr>
+        <p:cNvPr id="1" name=""/>
+        <p:cNvGrpSpPr/>
+        <p:nvPr/>
+      </p:nvGrpSpPr>
+      <p:grpSpPr>
+        <a:xfrm>
+          <a:off x="0" y="0"/>
+          <a:ext cx="0" cy="0"/>
+          <a:chOff x="0" y="0"/>
+          <a:chExt cx="0" cy="0"/>
+        </a:xfrm>
+      </p:grpSpPr>
+      <p:sp>
+        <p:nvSpPr>
+          <p:cNvPr id="5" name="Title 4"/>
+          <p:cNvSpPr>
+            <a:spLocks noGrp="1"/>
+          </p:cNvSpPr>
+          <p:nvPr>
+            <p:ph type="title"/>
+          </p:nvPr>
+        </p:nvSpPr>
+        <p:spPr/>
+        <p:txBody>
+          <a:bodyPr>
+            <a:normAutofit/>
+          </a:bodyPr>
+          <a:lstStyle/>
+          <a:p>
+            <a:r>
+              <a:rPr lang="en-US" sz="4000" dirty="0" smtClean="0"/>
+              <a:t>mapping</a:t>
+            </a:r>
+            <a:endParaRPr lang="vi-VN" sz="4000" dirty="0"/>
+          </a:p>
+        </p:txBody>
+      </p:sp>
+      <p:sp>
+        <p:nvSpPr>
+          <p:cNvPr id="4" name="Slide Number Placeholder 3"/>
+          <p:cNvSpPr>
+            <a:spLocks noGrp="1"/>
+          </p:cNvSpPr>
+          <p:nvPr>
+            <p:ph type="sldNum" sz="quarter" idx="12"/>
+          </p:nvPr>
+        </p:nvSpPr>
+        <p:spPr/>
+        <p:txBody>
+          <a:bodyPr>
+            <a:normAutofit fontScale="85000" lnSpcReduction="20000"/>
+          </a:bodyPr>
+          <a:lstStyle/>
+          <a:p>
+            <a:pPr algn="ctr"/>
+            <a:fld id="{1AD93096-5B34-4342-9326-69289CEAE4C2}" type="slidenum">
+              <a:rPr lang="en-US" smtClean="0"/>
+              <a:pPr algn="ctr"/>
+              <a:t>22</a:t>
+            </a:fld>
+            <a:endParaRPr lang="en-US" sz="2400" dirty="0">
+              <a:solidFill>
+                <a:srgbClr val="FFFFFF"/>
+              </a:solidFill>
+            </a:endParaRPr>
+          </a:p>
+        </p:txBody>
+      </p:sp>
+      <p:pic>
+        <p:nvPicPr>
+          <p:cNvPr id="7" name="Picture 6"/>
+          <p:cNvPicPr/>
+          <p:nvPr/>
+        </p:nvPicPr>
+        <p:blipFill>
+          <a:blip r:embed="rId2" cstate="print">
+            <a:extLst>
+              <a:ext uri="{28A0092B-C50C-407E-A947-70E740481C1C}">
+                <a14:useLocalDpi xmlns:a14="http://schemas.microsoft.com/office/drawing/2010/main" val="0"/>
+              </a:ext>
+            </a:extLst>
+          </a:blip>
+          <a:srcRect/>
+          <a:stretch>
+            <a:fillRect/>
+          </a:stretch>
+        </p:blipFill>
+        <p:spPr bwMode="auto">
+          <a:xfrm>
+            <a:off x="251520" y="4249556"/>
+            <a:ext cx="4561790" cy="2697945"/>
+          </a:xfrm>
+          <a:prstGeom prst="rect">
+            <a:avLst/>
+          </a:prstGeom>
+          <a:noFill/>
+        </p:spPr>
+      </p:pic>
+      <p:pic>
+        <p:nvPicPr>
+          <p:cNvPr id="8" name="Picture 7"/>
+          <p:cNvPicPr/>
+          <p:nvPr/>
+        </p:nvPicPr>
+        <p:blipFill>
+          <a:blip r:embed="rId3">
+            <a:extLst>
+              <a:ext uri="{28A0092B-C50C-407E-A947-70E740481C1C}">
+                <a14:useLocalDpi xmlns:a14="http://schemas.microsoft.com/office/drawing/2010/main" val="0"/>
+              </a:ext>
+            </a:extLst>
+          </a:blip>
+          <a:srcRect/>
+          <a:stretch>
+            <a:fillRect/>
+          </a:stretch>
+        </p:blipFill>
+        <p:spPr bwMode="auto">
+          <a:xfrm>
+            <a:off x="1995350" y="1513812"/>
+            <a:ext cx="6249058" cy="3486536"/>
+          </a:xfrm>
+          <a:prstGeom prst="rect">
+            <a:avLst/>
+          </a:prstGeom>
+          <a:noFill/>
+        </p:spPr>
+      </p:pic>
+    </p:spTree>
+    <p:extLst>
+      <p:ext uri="{BB962C8B-B14F-4D97-AF65-F5344CB8AC3E}">
+        <p14:creationId xmlns:p14="http://schemas.microsoft.com/office/powerpoint/2010/main" val="2793530087"/>
+      </p:ext>
+    </p:extLst>
+  </p:cSld>
+  <p:clrMapOvr>
+    <a:masterClrMapping/>
+  </p:clrMapOvr>
+  <p:timing>
+    <p:tnLst>
+      <p:par>
+        <p:cTn id="1" dur="indefinite" restart="never" nodeType="tmRoot"/>
+      </p:par>
+    </p:tnLst>
+  </p:timing>
+</p:sld>
+</file>
+
+<file path=ppt/slides/slide23.xml><?xml version="1.0" encoding="utf-8"?>
+<p:sld xmlns:a="http://schemas.openxmlformats.org/drawingml/2006/main" xmlns:r="http://schemas.openxmlformats.org/officeDocument/2006/relationships" xmlns:p="http://schemas.openxmlformats.org/presentationml/2006/main">
+  <p:cSld>
+    <p:spTree>
+      <p:nvGrpSpPr>
+        <p:cNvPr id="1" name=""/>
+        <p:cNvGrpSpPr/>
+        <p:nvPr/>
+      </p:nvGrpSpPr>
+      <p:grpSpPr>
+        <a:xfrm>
+          <a:off x="0" y="0"/>
+          <a:ext cx="0" cy="0"/>
+          <a:chOff x="0" y="0"/>
+          <a:chExt cx="0" cy="0"/>
+        </a:xfrm>
+      </p:grpSpPr>
+      <p:sp>
+        <p:nvSpPr>
+          <p:cNvPr id="2" name="Title 1"/>
+          <p:cNvSpPr>
+            <a:spLocks noGrp="1"/>
+          </p:cNvSpPr>
+          <p:nvPr>
+            <p:ph type="title"/>
+          </p:nvPr>
+        </p:nvSpPr>
+        <p:spPr/>
+        <p:txBody>
+          <a:bodyPr>
+            <a:normAutofit/>
+          </a:bodyPr>
+          <a:lstStyle/>
+          <a:p>
+            <a:r>
+              <a:rPr lang="en-US" sz="3600" dirty="0" err="1" smtClean="0"/>
+              <a:t>Tổ</a:t>
+            </a:r>
+            <a:r>
+              <a:rPr lang="en-US" sz="3600" dirty="0" smtClean="0"/>
+              <a:t> </a:t>
+            </a:r>
+            <a:r>
+              <a:rPr lang="en-US" sz="3600" dirty="0" err="1" smtClean="0"/>
+              <a:t>chức</a:t>
+            </a:r>
+            <a:r>
+              <a:rPr lang="en-US" sz="3600" dirty="0" smtClean="0"/>
+              <a:t> </a:t>
+            </a:r>
+            <a:r>
+              <a:rPr lang="en-US" sz="3600" dirty="0" err="1" smtClean="0"/>
+              <a:t>và</a:t>
+            </a:r>
+            <a:r>
+              <a:rPr lang="en-US" sz="3600" dirty="0" smtClean="0"/>
+              <a:t> </a:t>
+            </a:r>
+            <a:r>
+              <a:rPr lang="en-US" sz="3600" dirty="0" err="1" smtClean="0"/>
+              <a:t>lưu</a:t>
+            </a:r>
+            <a:r>
+              <a:rPr lang="en-US" sz="3600" dirty="0" smtClean="0"/>
+              <a:t> </a:t>
+            </a:r>
+            <a:r>
+              <a:rPr lang="en-US" sz="3600" dirty="0" err="1" smtClean="0"/>
+              <a:t>trữ</a:t>
+            </a:r>
+            <a:r>
+              <a:rPr lang="en-US" sz="3600" dirty="0" smtClean="0"/>
+              <a:t> </a:t>
+            </a:r>
+            <a:r>
+              <a:rPr lang="en-US" sz="3600" dirty="0" err="1" smtClean="0"/>
+              <a:t>thông</a:t>
+            </a:r>
+            <a:r>
+              <a:rPr lang="en-US" sz="3600" dirty="0" smtClean="0"/>
+              <a:t> tin</a:t>
+            </a:r>
+            <a:endParaRPr lang="vi-VN" sz="3600" dirty="0"/>
+          </a:p>
+        </p:txBody>
+      </p:sp>
+      <p:sp>
+        <p:nvSpPr>
+          <p:cNvPr id="3" name="Slide Number Placeholder 2"/>
+          <p:cNvSpPr>
+            <a:spLocks noGrp="1"/>
+          </p:cNvSpPr>
+          <p:nvPr>
+            <p:ph type="sldNum" sz="quarter" idx="12"/>
+          </p:nvPr>
+        </p:nvSpPr>
+        <p:spPr/>
+        <p:txBody>
+          <a:bodyPr>
+            <a:normAutofit fontScale="85000" lnSpcReduction="20000"/>
+          </a:bodyPr>
+          <a:lstStyle/>
+          <a:p>
+            <a:fld id="{1AD93096-5B34-4342-9326-69289CEAE4C2}" type="slidenum">
+              <a:rPr lang="en-US" smtClean="0"/>
+              <a:pPr/>
+              <a:t>23</a:t>
+            </a:fld>
+            <a:endParaRPr lang="en-US" dirty="0">
+              <a:solidFill>
+                <a:srgbClr val="FFFFFF"/>
+              </a:solidFill>
+            </a:endParaRPr>
+          </a:p>
+        </p:txBody>
+      </p:sp>
+      <p:pic>
+        <p:nvPicPr>
+          <p:cNvPr id="4098" name="Picture 2"/>
+          <p:cNvPicPr>
+            <a:picLocks noGrp="1" noChangeAspect="1" noChangeArrowheads="1"/>
+          </p:cNvPicPr>
+          <p:nvPr>
+            <p:ph sz="quarter" idx="1"/>
+          </p:nvPr>
+        </p:nvPicPr>
+        <p:blipFill>
+          <a:blip r:embed="rId2">
+            <a:extLst>
+              <a:ext uri="{28A0092B-C50C-407E-A947-70E740481C1C}">
+                <a14:useLocalDpi xmlns:a14="http://schemas.microsoft.com/office/drawing/2010/main" val="0"/>
+              </a:ext>
+            </a:extLst>
+          </a:blip>
+          <a:srcRect/>
+          <a:stretch>
+            <a:fillRect/>
+          </a:stretch>
+        </p:blipFill>
+        <p:spPr bwMode="auto">
+          <a:xfrm>
+            <a:off x="611560" y="1578130"/>
+            <a:ext cx="8136904" cy="5279871"/>
+          </a:xfrm>
+          <a:prstGeom prst="rect">
+            <a:avLst/>
+          </a:prstGeom>
+          <a:noFill/>
+          <a:ln>
+            <a:noFill/>
+          </a:ln>
+          <a:effectLst/>
+          <a:extLst>
+            <a:ext uri="{909E8E84-426E-40DD-AFC4-6F175D3DCCD1}">
+              <a14:hiddenFill xmlns:a14="http://schemas.microsoft.com/office/drawing/2010/main">
+                <a:solidFill>
+                  <a:schemeClr val="accent1"/>
+                </a:solidFill>
+              </a14:hiddenFill>
+            </a:ext>
+            <a:ext uri="{91240B29-F687-4F45-9708-019B960494DF}">
+              <a14:hiddenLine xmlns:a14="http://schemas.microsoft.com/office/drawing/2010/main" w="9525">
+                <a:solidFill>
+                  <a:schemeClr val="tx1"/>
+                </a:solidFill>
+                <a:miter lim="800000"/>
+                <a:headEnd/>
+                <a:tailEnd/>
+              </a14:hiddenLine>
+            </a:ext>
+            <a:ext uri="{AF507438-7753-43E0-B8FC-AC1667EBCBE1}">
+              <a14:hiddenEffects xmlns:a14="http://schemas.microsoft.com/office/drawing/2010/main">
+                <a:effectLst>
+                  <a:outerShdw dist="35921" dir="2700000" algn="ctr" rotWithShape="0">
+                    <a:schemeClr val="bg2"/>
+                  </a:outerShdw>
+                </a:effectLst>
+              </a14:hiddenEffects>
+            </a:ext>
+          </a:extLst>
+        </p:spPr>
+      </p:pic>
+      <p:pic>
+        <p:nvPicPr>
+          <p:cNvPr id="6" name="Picture 5"/>
+          <p:cNvPicPr>
+            <a:picLocks noChangeAspect="1"/>
+          </p:cNvPicPr>
+          <p:nvPr/>
+        </p:nvPicPr>
+        <p:blipFill>
+          <a:blip r:embed="rId3" cstate="print">
+            <a:extLst>
+              <a:ext uri="{28A0092B-C50C-407E-A947-70E740481C1C}">
+                <a14:useLocalDpi xmlns:a14="http://schemas.microsoft.com/office/drawing/2010/main" val="0"/>
+              </a:ext>
+            </a:extLst>
+          </a:blip>
+          <a:stretch>
+            <a:fillRect/>
+          </a:stretch>
+        </p:blipFill>
+        <p:spPr>
+          <a:xfrm>
+            <a:off x="1618548" y="4997539"/>
+            <a:ext cx="721204" cy="721204"/>
+          </a:xfrm>
+          <a:prstGeom prst="rect">
+            <a:avLst/>
+          </a:prstGeom>
+        </p:spPr>
+      </p:pic>
+    </p:spTree>
+    <p:extLst>
+      <p:ext uri="{BB962C8B-B14F-4D97-AF65-F5344CB8AC3E}">
+        <p14:creationId xmlns:p14="http://schemas.microsoft.com/office/powerpoint/2010/main" val="3149494895"/>
+      </p:ext>
+    </p:extLst>
+  </p:cSld>
+  <p:clrMapOvr>
+    <a:masterClrMapping/>
+  </p:clrMapOvr>
+  <p:timing>
+    <p:tnLst>
+      <p:par>
+        <p:cTn id="1" dur="indefinite" restart="never" nodeType="tmRoot"/>
+      </p:par>
+    </p:tnLst>
+  </p:timing>
+</p:sld>
+</file>
+
+<file path=ppt/slides/slide24.xml><?xml version="1.0" encoding="utf-8"?>
+<p:sld xmlns:a="http://schemas.openxmlformats.org/drawingml/2006/main" xmlns:r="http://schemas.openxmlformats.org/officeDocument/2006/relationships" xmlns:p="http://schemas.openxmlformats.org/presentationml/2006/main">
+  <p:cSld>
+    <p:spTree>
+      <p:nvGrpSpPr>
+        <p:cNvPr id="1" name=""/>
+        <p:cNvGrpSpPr/>
+        <p:nvPr/>
+      </p:nvGrpSpPr>
+      <p:grpSpPr>
+        <a:xfrm>
+          <a:off x="0" y="0"/>
+          <a:ext cx="0" cy="0"/>
+          <a:chOff x="0" y="0"/>
+          <a:chExt cx="0" cy="0"/>
+        </a:xfrm>
+      </p:grpSpPr>
+      <p:sp>
+        <p:nvSpPr>
+          <p:cNvPr id="2" name="Title 1"/>
+          <p:cNvSpPr>
+            <a:spLocks noGrp="1"/>
+          </p:cNvSpPr>
+          <p:nvPr>
+            <p:ph type="title"/>
+          </p:nvPr>
+        </p:nvSpPr>
+        <p:spPr/>
+        <p:txBody>
+          <a:bodyPr>
+            <a:noAutofit/>
+          </a:bodyPr>
+          <a:lstStyle/>
+          <a:p>
+            <a:r>
+              <a:rPr lang="en-US" sz="2800" dirty="0" err="1" smtClean="0"/>
+              <a:t>Hệ</a:t>
+            </a:r>
+            <a:r>
+              <a:rPr lang="en-US" sz="2800" dirty="0" smtClean="0"/>
+              <a:t> </a:t>
+            </a:r>
+            <a:r>
+              <a:rPr lang="en-US" sz="2800" dirty="0" err="1" smtClean="0"/>
+              <a:t>thống</a:t>
+            </a:r>
+            <a:r>
+              <a:rPr lang="en-US" sz="2800" dirty="0" smtClean="0"/>
+              <a:t> so </a:t>
+            </a:r>
+            <a:r>
+              <a:rPr lang="en-US" sz="2800" dirty="0" err="1" smtClean="0"/>
+              <a:t>khớp</a:t>
+            </a:r>
+            <a:r>
+              <a:rPr lang="en-US" sz="2800" dirty="0" smtClean="0"/>
+              <a:t> – matching tool</a:t>
+            </a:r>
+            <a:endParaRPr lang="vi-VN" sz="2800" dirty="0"/>
+          </a:p>
+        </p:txBody>
+      </p:sp>
+      <p:sp>
+        <p:nvSpPr>
+          <p:cNvPr id="3" name="Slide Number Placeholder 2"/>
+          <p:cNvSpPr>
+            <a:spLocks noGrp="1"/>
+          </p:cNvSpPr>
+          <p:nvPr>
+            <p:ph type="sldNum" sz="quarter" idx="12"/>
+          </p:nvPr>
+        </p:nvSpPr>
+        <p:spPr/>
+        <p:txBody>
+          <a:bodyPr>
+            <a:normAutofit fontScale="85000" lnSpcReduction="20000"/>
+          </a:bodyPr>
+          <a:lstStyle/>
+          <a:p>
+            <a:fld id="{1AD93096-5B34-4342-9326-69289CEAE4C2}" type="slidenum">
+              <a:rPr lang="en-US" smtClean="0"/>
+              <a:pPr/>
+              <a:t>24</a:t>
             </a:fld>
             <a:endParaRPr lang="en-US" dirty="0">
               <a:solidFill>
@@ -13969,7 +14709,7 @@
           <a:graphicData uri="http://schemas.openxmlformats.org/presentationml/2006/ole">
             <mc:AlternateContent xmlns:mc="http://schemas.openxmlformats.org/markup-compatibility/2006">
               <mc:Choice xmlns:v="urn:schemas-microsoft-com:vml" Requires="v">
-                <p:oleObj spid="_x0000_s2061" name="Visio" r:id="rId3" imgW="5596684" imgH="6352347" progId="Visio.Drawing.11">
+                <p:oleObj spid="_x0000_s2067" name="Visio" r:id="rId3" imgW="5596684" imgH="6352347" progId="Visio.Drawing.11">
                   <p:embed/>
                 </p:oleObj>
               </mc:Choice>
@@ -14043,7 +14783,7 @@
 </p:sld>
 </file>
 
-<file path=ppt/slides/slide21.xml><?xml version="1.0" encoding="utf-8"?>
+<file path=ppt/slides/slide25.xml><?xml version="1.0" encoding="utf-8"?>
 <p:sld xmlns:a="http://schemas.openxmlformats.org/drawingml/2006/main" xmlns:r="http://schemas.openxmlformats.org/officeDocument/2006/relationships" xmlns:p="http://schemas.openxmlformats.org/presentationml/2006/main">
   <p:cSld>
     <p:spTree>
@@ -14105,7 +14845,7 @@
             <a:fld id="{1AD93096-5B34-4342-9326-69289CEAE4C2}" type="slidenum">
               <a:rPr lang="en-US" smtClean="0"/>
               <a:pPr/>
-              <a:t>21</a:t>
+              <a:t>25</a:t>
             </a:fld>
             <a:endParaRPr lang="en-US" dirty="0">
               <a:solidFill>
@@ -14201,7 +14941,7 @@
 </p:sld>
 </file>
 
-<file path=ppt/slides/slide22.xml><?xml version="1.0" encoding="utf-8"?>
+<file path=ppt/slides/slide26.xml><?xml version="1.0" encoding="utf-8"?>
 <p:sld xmlns:a="http://schemas.openxmlformats.org/drawingml/2006/main" xmlns:r="http://schemas.openxmlformats.org/officeDocument/2006/relationships" xmlns:p="http://schemas.openxmlformats.org/presentationml/2006/main">
   <p:cSld>
     <p:spTree>
@@ -14290,7 +15030,7 @@
             <a:fld id="{1AD93096-5B34-4342-9326-69289CEAE4C2}" type="slidenum">
               <a:rPr lang="en-US" smtClean="0"/>
               <a:pPr/>
-              <a:t>22</a:t>
+              <a:t>26</a:t>
             </a:fld>
             <a:endParaRPr lang="en-US" dirty="0">
               <a:solidFill>
@@ -14361,7 +15101,7 @@
 </p:sld>
 </file>
 
-<file path=ppt/slides/slide23.xml><?xml version="1.0" encoding="utf-8"?>
+<file path=ppt/slides/slide27.xml><?xml version="1.0" encoding="utf-8"?>
 <p:sld xmlns:a="http://schemas.openxmlformats.org/drawingml/2006/main" xmlns:r="http://schemas.openxmlformats.org/officeDocument/2006/relationships" xmlns:p="http://schemas.openxmlformats.org/presentationml/2006/main">
   <p:cSld>
     <p:spTree>
@@ -14423,7 +15163,7 @@
             <a:fld id="{1AD93096-5B34-4342-9326-69289CEAE4C2}" type="slidenum">
               <a:rPr lang="en-US" smtClean="0"/>
               <a:pPr/>
-              <a:t>23</a:t>
+              <a:t>27</a:t>
             </a:fld>
             <a:endParaRPr lang="en-US" dirty="0">
               <a:solidFill>
@@ -14456,462 +15196,6 @@
     <p:extLst>
       <p:ext uri="{BB962C8B-B14F-4D97-AF65-F5344CB8AC3E}">
         <p14:creationId xmlns:p14="http://schemas.microsoft.com/office/powerpoint/2010/main" val="3067536780"/>
-      </p:ext>
-    </p:extLst>
-  </p:cSld>
-  <p:clrMapOvr>
-    <a:masterClrMapping/>
-  </p:clrMapOvr>
-  <p:timing>
-    <p:tnLst>
-      <p:par>
-        <p:cTn id="1" dur="indefinite" restart="never" nodeType="tmRoot"/>
-      </p:par>
-    </p:tnLst>
-  </p:timing>
-</p:sld>
-</file>
-
-<file path=ppt/slides/slide24.xml><?xml version="1.0" encoding="utf-8"?>
-<p:sld xmlns:a="http://schemas.openxmlformats.org/drawingml/2006/main" xmlns:r="http://schemas.openxmlformats.org/officeDocument/2006/relationships" xmlns:p="http://schemas.openxmlformats.org/presentationml/2006/main">
-  <p:cSld>
-    <p:spTree>
-      <p:nvGrpSpPr>
-        <p:cNvPr id="1" name=""/>
-        <p:cNvGrpSpPr/>
-        <p:nvPr/>
-      </p:nvGrpSpPr>
-      <p:grpSpPr>
-        <a:xfrm>
-          <a:off x="0" y="0"/>
-          <a:ext cx="0" cy="0"/>
-          <a:chOff x="0" y="0"/>
-          <a:chExt cx="0" cy="0"/>
-        </a:xfrm>
-      </p:grpSpPr>
-      <p:sp>
-        <p:nvSpPr>
-          <p:cNvPr id="2" name="Title 1"/>
-          <p:cNvSpPr>
-            <a:spLocks noGrp="1"/>
-          </p:cNvSpPr>
-          <p:nvPr>
-            <p:ph type="title"/>
-          </p:nvPr>
-        </p:nvSpPr>
-        <p:spPr/>
-        <p:txBody>
-          <a:bodyPr>
-            <a:normAutofit/>
-          </a:bodyPr>
-          <a:lstStyle/>
-          <a:p>
-            <a:r>
-              <a:rPr lang="en-US" smtClean="0"/>
-              <a:t>Đánh giá</a:t>
-            </a:r>
-            <a:endParaRPr lang="vi-VN" dirty="0"/>
-          </a:p>
-        </p:txBody>
-      </p:sp>
-      <p:sp>
-        <p:nvSpPr>
-          <p:cNvPr id="3" name="Slide Number Placeholder 2"/>
-          <p:cNvSpPr>
-            <a:spLocks noGrp="1"/>
-          </p:cNvSpPr>
-          <p:nvPr>
-            <p:ph type="sldNum" sz="quarter" idx="12"/>
-          </p:nvPr>
-        </p:nvSpPr>
-        <p:spPr/>
-        <p:txBody>
-          <a:bodyPr>
-            <a:normAutofit fontScale="85000" lnSpcReduction="20000"/>
-          </a:bodyPr>
-          <a:lstStyle/>
-          <a:p>
-            <a:fld id="{1AD93096-5B34-4342-9326-69289CEAE4C2}" type="slidenum">
-              <a:rPr lang="en-US" smtClean="0"/>
-              <a:pPr/>
-              <a:t>24</a:t>
-            </a:fld>
-            <a:endParaRPr lang="en-US" dirty="0"/>
-          </a:p>
-        </p:txBody>
-      </p:sp>
-      <p:sp>
-        <p:nvSpPr>
-          <p:cNvPr id="6" name="Content Placeholder 5"/>
-          <p:cNvSpPr>
-            <a:spLocks noGrp="1"/>
-          </p:cNvSpPr>
-          <p:nvPr>
-            <p:ph sz="quarter" idx="1"/>
-          </p:nvPr>
-        </p:nvSpPr>
-        <p:spPr/>
-        <p:txBody>
-          <a:bodyPr/>
-          <a:lstStyle/>
-          <a:p>
-            <a:endParaRPr lang="vi-VN"/>
-          </a:p>
-        </p:txBody>
-      </p:sp>
-    </p:spTree>
-    <p:extLst>
-      <p:ext uri="{BB962C8B-B14F-4D97-AF65-F5344CB8AC3E}">
-        <p14:creationId xmlns:p14="http://schemas.microsoft.com/office/powerpoint/2010/main" val="2449681135"/>
-      </p:ext>
-    </p:extLst>
-  </p:cSld>
-  <p:clrMapOvr>
-    <a:masterClrMapping/>
-  </p:clrMapOvr>
-  <p:timing>
-    <p:tnLst>
-      <p:par>
-        <p:cTn id="1" dur="indefinite" restart="never" nodeType="tmRoot"/>
-      </p:par>
-    </p:tnLst>
-  </p:timing>
-</p:sld>
-</file>
-
-<file path=ppt/slides/slide25.xml><?xml version="1.0" encoding="utf-8"?>
-<p:sld xmlns:a="http://schemas.openxmlformats.org/drawingml/2006/main" xmlns:r="http://schemas.openxmlformats.org/officeDocument/2006/relationships" xmlns:p="http://schemas.openxmlformats.org/presentationml/2006/main">
-  <p:cSld>
-    <p:spTree>
-      <p:nvGrpSpPr>
-        <p:cNvPr id="1" name=""/>
-        <p:cNvGrpSpPr/>
-        <p:nvPr/>
-      </p:nvGrpSpPr>
-      <p:grpSpPr>
-        <a:xfrm>
-          <a:off x="0" y="0"/>
-          <a:ext cx="0" cy="0"/>
-          <a:chOff x="0" y="0"/>
-          <a:chExt cx="0" cy="0"/>
-        </a:xfrm>
-      </p:grpSpPr>
-      <p:sp>
-        <p:nvSpPr>
-          <p:cNvPr id="2" name="Title 1"/>
-          <p:cNvSpPr>
-            <a:spLocks noGrp="1"/>
-          </p:cNvSpPr>
-          <p:nvPr>
-            <p:ph type="title"/>
-          </p:nvPr>
-        </p:nvSpPr>
-        <p:spPr/>
-        <p:txBody>
-          <a:bodyPr>
-            <a:normAutofit/>
-          </a:bodyPr>
-          <a:lstStyle/>
-          <a:p>
-            <a:r>
-              <a:rPr lang="en-US" dirty="0" err="1" smtClean="0"/>
-              <a:t>Những</a:t>
-            </a:r>
-            <a:r>
-              <a:rPr lang="en-US" dirty="0" smtClean="0"/>
-              <a:t> </a:t>
-            </a:r>
-            <a:r>
-              <a:rPr lang="en-US" dirty="0" err="1" smtClean="0"/>
-              <a:t>hạn</a:t>
-            </a:r>
-            <a:r>
-              <a:rPr lang="en-US" dirty="0" smtClean="0"/>
-              <a:t> </a:t>
-            </a:r>
-            <a:r>
-              <a:rPr lang="en-US" dirty="0" err="1" smtClean="0"/>
-              <a:t>chế</a:t>
-            </a:r>
-            <a:endParaRPr lang="vi-VN" dirty="0"/>
-          </a:p>
-        </p:txBody>
-      </p:sp>
-      <p:sp>
-        <p:nvSpPr>
-          <p:cNvPr id="3" name="Slide Number Placeholder 2"/>
-          <p:cNvSpPr>
-            <a:spLocks noGrp="1"/>
-          </p:cNvSpPr>
-          <p:nvPr>
-            <p:ph type="sldNum" sz="quarter" idx="12"/>
-          </p:nvPr>
-        </p:nvSpPr>
-        <p:spPr/>
-        <p:txBody>
-          <a:bodyPr>
-            <a:normAutofit fontScale="85000" lnSpcReduction="20000"/>
-          </a:bodyPr>
-          <a:lstStyle/>
-          <a:p>
-            <a:fld id="{1AD93096-5B34-4342-9326-69289CEAE4C2}" type="slidenum">
-              <a:rPr lang="en-US" smtClean="0"/>
-              <a:pPr/>
-              <a:t>25</a:t>
-            </a:fld>
-            <a:endParaRPr lang="en-US" dirty="0">
-              <a:solidFill>
-                <a:srgbClr val="FFFFFF"/>
-              </a:solidFill>
-            </a:endParaRPr>
-          </a:p>
-        </p:txBody>
-      </p:sp>
-      <p:sp>
-        <p:nvSpPr>
-          <p:cNvPr id="4" name="Content Placeholder 3"/>
-          <p:cNvSpPr>
-            <a:spLocks noGrp="1"/>
-          </p:cNvSpPr>
-          <p:nvPr>
-            <p:ph sz="quarter" idx="1"/>
-          </p:nvPr>
-        </p:nvSpPr>
-        <p:spPr/>
-        <p:txBody>
-          <a:bodyPr/>
-          <a:lstStyle/>
-          <a:p>
-            <a:endParaRPr lang="vi-VN"/>
-          </a:p>
-        </p:txBody>
-      </p:sp>
-    </p:spTree>
-    <p:extLst>
-      <p:ext uri="{BB962C8B-B14F-4D97-AF65-F5344CB8AC3E}">
-        <p14:creationId xmlns:p14="http://schemas.microsoft.com/office/powerpoint/2010/main" val="1913792255"/>
-      </p:ext>
-    </p:extLst>
-  </p:cSld>
-  <p:clrMapOvr>
-    <a:masterClrMapping/>
-  </p:clrMapOvr>
-  <p:timing>
-    <p:tnLst>
-      <p:par>
-        <p:cTn id="1" dur="indefinite" restart="never" nodeType="tmRoot"/>
-      </p:par>
-    </p:tnLst>
-  </p:timing>
-</p:sld>
-</file>
-
-<file path=ppt/slides/slide26.xml><?xml version="1.0" encoding="utf-8"?>
-<p:sld xmlns:a="http://schemas.openxmlformats.org/drawingml/2006/main" xmlns:r="http://schemas.openxmlformats.org/officeDocument/2006/relationships" xmlns:p="http://schemas.openxmlformats.org/presentationml/2006/main">
-  <p:cSld>
-    <p:spTree>
-      <p:nvGrpSpPr>
-        <p:cNvPr id="1" name=""/>
-        <p:cNvGrpSpPr/>
-        <p:nvPr/>
-      </p:nvGrpSpPr>
-      <p:grpSpPr>
-        <a:xfrm>
-          <a:off x="0" y="0"/>
-          <a:ext cx="0" cy="0"/>
-          <a:chOff x="0" y="0"/>
-          <a:chExt cx="0" cy="0"/>
-        </a:xfrm>
-      </p:grpSpPr>
-      <p:sp>
-        <p:nvSpPr>
-          <p:cNvPr id="5" name="Text Placeholder 4"/>
-          <p:cNvSpPr>
-            <a:spLocks noGrp="1"/>
-          </p:cNvSpPr>
-          <p:nvPr>
-            <p:ph type="body" idx="1"/>
-          </p:nvPr>
-        </p:nvSpPr>
-        <p:spPr/>
-        <p:txBody>
-          <a:bodyPr/>
-          <a:lstStyle/>
-          <a:p>
-            <a:endParaRPr lang="vi-VN"/>
-          </a:p>
-        </p:txBody>
-      </p:sp>
-      <p:sp>
-        <p:nvSpPr>
-          <p:cNvPr id="4" name="Title 3"/>
-          <p:cNvSpPr>
-            <a:spLocks noGrp="1"/>
-          </p:cNvSpPr>
-          <p:nvPr>
-            <p:ph type="title"/>
-          </p:nvPr>
-        </p:nvSpPr>
-        <p:spPr/>
-        <p:txBody>
-          <a:bodyPr>
-            <a:normAutofit/>
-          </a:bodyPr>
-          <a:lstStyle/>
-          <a:p>
-            <a:r>
-              <a:rPr lang="en-US" dirty="0" smtClean="0"/>
-              <a:t>DEMONSTRATION</a:t>
-            </a:r>
-            <a:endParaRPr lang="vi-VN" dirty="0"/>
-          </a:p>
-        </p:txBody>
-      </p:sp>
-      <p:sp>
-        <p:nvSpPr>
-          <p:cNvPr id="3" name="Slide Number Placeholder 2"/>
-          <p:cNvSpPr>
-            <a:spLocks noGrp="1"/>
-          </p:cNvSpPr>
-          <p:nvPr>
-            <p:ph type="sldNum" sz="quarter" idx="11"/>
-          </p:nvPr>
-        </p:nvSpPr>
-        <p:spPr/>
-        <p:txBody>
-          <a:bodyPr>
-            <a:normAutofit/>
-          </a:bodyPr>
-          <a:lstStyle/>
-          <a:p>
-            <a:fld id="{1AD93096-5B34-4342-9326-69289CEAE4C2}" type="slidenum">
-              <a:rPr lang="en-US" smtClean="0"/>
-              <a:pPr/>
-              <a:t>26</a:t>
-            </a:fld>
-            <a:endParaRPr lang="en-US" dirty="0">
-              <a:solidFill>
-                <a:srgbClr val="FFFFFF"/>
-              </a:solidFill>
-            </a:endParaRPr>
-          </a:p>
-        </p:txBody>
-      </p:sp>
-    </p:spTree>
-    <p:extLst>
-      <p:ext uri="{BB962C8B-B14F-4D97-AF65-F5344CB8AC3E}">
-        <p14:creationId xmlns:p14="http://schemas.microsoft.com/office/powerpoint/2010/main" val="1870866790"/>
-      </p:ext>
-    </p:extLst>
-  </p:cSld>
-  <p:clrMapOvr>
-    <a:masterClrMapping/>
-  </p:clrMapOvr>
-  <p:timing>
-    <p:tnLst>
-      <p:par>
-        <p:cTn id="1" dur="indefinite" restart="never" nodeType="tmRoot"/>
-      </p:par>
-    </p:tnLst>
-  </p:timing>
-</p:sld>
-</file>
-
-<file path=ppt/slides/slide27.xml><?xml version="1.0" encoding="utf-8"?>
-<p:sld xmlns:a="http://schemas.openxmlformats.org/drawingml/2006/main" xmlns:r="http://schemas.openxmlformats.org/officeDocument/2006/relationships" xmlns:p="http://schemas.openxmlformats.org/presentationml/2006/main">
-  <p:cSld>
-    <p:spTree>
-      <p:nvGrpSpPr>
-        <p:cNvPr id="1" name=""/>
-        <p:cNvGrpSpPr/>
-        <p:nvPr/>
-      </p:nvGrpSpPr>
-      <p:grpSpPr>
-        <a:xfrm>
-          <a:off x="0" y="0"/>
-          <a:ext cx="0" cy="0"/>
-          <a:chOff x="0" y="0"/>
-          <a:chExt cx="0" cy="0"/>
-        </a:xfrm>
-      </p:grpSpPr>
-      <p:sp>
-        <p:nvSpPr>
-          <p:cNvPr id="5" name="Text Placeholder 4"/>
-          <p:cNvSpPr>
-            <a:spLocks noGrp="1"/>
-          </p:cNvSpPr>
-          <p:nvPr>
-            <p:ph type="body" idx="1"/>
-          </p:nvPr>
-        </p:nvSpPr>
-        <p:spPr/>
-        <p:txBody>
-          <a:bodyPr/>
-          <a:lstStyle/>
-          <a:p>
-            <a:endParaRPr lang="vi-VN"/>
-          </a:p>
-        </p:txBody>
-      </p:sp>
-      <p:sp>
-        <p:nvSpPr>
-          <p:cNvPr id="4" name="Title 3"/>
-          <p:cNvSpPr>
-            <a:spLocks noGrp="1"/>
-          </p:cNvSpPr>
-          <p:nvPr>
-            <p:ph type="title"/>
-          </p:nvPr>
-        </p:nvSpPr>
-        <p:spPr/>
-        <p:txBody>
-          <a:bodyPr>
-            <a:normAutofit/>
-          </a:bodyPr>
-          <a:lstStyle/>
-          <a:p>
-            <a:r>
-              <a:rPr lang="en-US" dirty="0" smtClean="0"/>
-              <a:t>Q &amp; A</a:t>
-            </a:r>
-            <a:endParaRPr lang="vi-VN" dirty="0"/>
-          </a:p>
-        </p:txBody>
-      </p:sp>
-      <p:sp>
-        <p:nvSpPr>
-          <p:cNvPr id="3" name="Slide Number Placeholder 2"/>
-          <p:cNvSpPr>
-            <a:spLocks noGrp="1"/>
-          </p:cNvSpPr>
-          <p:nvPr>
-            <p:ph type="sldNum" sz="quarter" idx="11"/>
-          </p:nvPr>
-        </p:nvSpPr>
-        <p:spPr/>
-        <p:txBody>
-          <a:bodyPr>
-            <a:normAutofit/>
-          </a:bodyPr>
-          <a:lstStyle/>
-          <a:p>
-            <a:fld id="{1AD93096-5B34-4342-9326-69289CEAE4C2}" type="slidenum">
-              <a:rPr lang="en-US" smtClean="0"/>
-              <a:pPr/>
-              <a:t>27</a:t>
-            </a:fld>
-            <a:endParaRPr lang="en-US" dirty="0">
-              <a:solidFill>
-                <a:srgbClr val="FFFFFF"/>
-              </a:solidFill>
-            </a:endParaRPr>
-          </a:p>
-        </p:txBody>
-      </p:sp>
-    </p:spTree>
-    <p:extLst>
-      <p:ext uri="{BB962C8B-B14F-4D97-AF65-F5344CB8AC3E}">
-        <p14:creationId xmlns:p14="http://schemas.microsoft.com/office/powerpoint/2010/main" val="2443692379"/>
       </p:ext>
     </p:extLst>
   </p:cSld>
@@ -14947,26 +15231,7 @@
       </p:grpSpPr>
       <p:sp>
         <p:nvSpPr>
-          <p:cNvPr id="8" name="Text Placeholder 7"/>
-          <p:cNvSpPr>
-            <a:spLocks noGrp="1"/>
-          </p:cNvSpPr>
-          <p:nvPr>
-            <p:ph type="body" sz="half" idx="2"/>
-          </p:nvPr>
-        </p:nvSpPr>
-        <p:spPr/>
-        <p:txBody>
-          <a:bodyPr/>
-          <a:lstStyle/>
-          <a:p>
-            <a:endParaRPr lang="vi-VN" dirty="0"/>
-          </a:p>
-        </p:txBody>
-      </p:sp>
-      <p:sp>
-        <p:nvSpPr>
-          <p:cNvPr id="6" name="Title 5"/>
+          <p:cNvPr id="2" name="Title 1"/>
           <p:cNvSpPr>
             <a:spLocks noGrp="1"/>
           </p:cNvSpPr>
@@ -14974,12 +15239,7 @@
             <p:ph type="title"/>
           </p:nvPr>
         </p:nvSpPr>
-        <p:spPr>
-          <a:xfrm>
-            <a:off x="1600200" y="4648200"/>
-            <a:ext cx="7543800" cy="685800"/>
-          </a:xfrm>
-        </p:spPr>
+        <p:spPr/>
         <p:txBody>
           <a:bodyPr>
             <a:normAutofit/>
@@ -14987,8 +15247,8 @@
           <a:lstStyle/>
           <a:p>
             <a:r>
-              <a:rPr lang="en-US" dirty="0" smtClean="0"/>
-              <a:t>THANKS FOR YOUR ATTENTION!</a:t>
+              <a:rPr lang="en-US" smtClean="0"/>
+              <a:t>Đánh giá</a:t>
             </a:r>
             <a:endParaRPr lang="vi-VN" dirty="0"/>
           </a:p>
@@ -15001,7 +15261,89 @@
             <a:spLocks noGrp="1"/>
           </p:cNvSpPr>
           <p:nvPr>
-            <p:ph type="sldNum" sz="quarter" idx="11"/>
+            <p:ph type="sldNum" sz="quarter" idx="12"/>
+          </p:nvPr>
+        </p:nvSpPr>
+        <p:spPr/>
+        <p:txBody>
+          <a:bodyPr>
+            <a:normAutofit fontScale="85000" lnSpcReduction="20000"/>
+          </a:bodyPr>
+          <a:lstStyle/>
+          <a:p>
+            <a:fld id="{1AD93096-5B34-4342-9326-69289CEAE4C2}" type="slidenum">
+              <a:rPr lang="en-US" smtClean="0"/>
+              <a:pPr/>
+              <a:t>28</a:t>
+            </a:fld>
+            <a:endParaRPr lang="en-US" dirty="0"/>
+          </a:p>
+        </p:txBody>
+      </p:sp>
+      <p:sp>
+        <p:nvSpPr>
+          <p:cNvPr id="6" name="Content Placeholder 5"/>
+          <p:cNvSpPr>
+            <a:spLocks noGrp="1"/>
+          </p:cNvSpPr>
+          <p:nvPr>
+            <p:ph sz="quarter" idx="1"/>
+          </p:nvPr>
+        </p:nvSpPr>
+        <p:spPr/>
+        <p:txBody>
+          <a:bodyPr/>
+          <a:lstStyle/>
+          <a:p>
+            <a:endParaRPr lang="vi-VN"/>
+          </a:p>
+        </p:txBody>
+      </p:sp>
+    </p:spTree>
+    <p:extLst>
+      <p:ext uri="{BB962C8B-B14F-4D97-AF65-F5344CB8AC3E}">
+        <p14:creationId xmlns:p14="http://schemas.microsoft.com/office/powerpoint/2010/main" val="2449681135"/>
+      </p:ext>
+    </p:extLst>
+  </p:cSld>
+  <p:clrMapOvr>
+    <a:masterClrMapping/>
+  </p:clrMapOvr>
+  <p:timing>
+    <p:tnLst>
+      <p:par>
+        <p:cTn id="1" dur="indefinite" restart="never" nodeType="tmRoot"/>
+      </p:par>
+    </p:tnLst>
+  </p:timing>
+</p:sld>
+</file>
+
+<file path=ppt/slides/slide29.xml><?xml version="1.0" encoding="utf-8"?>
+<p:sld xmlns:a="http://schemas.openxmlformats.org/drawingml/2006/main" xmlns:r="http://schemas.openxmlformats.org/officeDocument/2006/relationships" xmlns:p="http://schemas.openxmlformats.org/presentationml/2006/main">
+  <p:cSld>
+    <p:spTree>
+      <p:nvGrpSpPr>
+        <p:cNvPr id="1" name=""/>
+        <p:cNvGrpSpPr/>
+        <p:nvPr/>
+      </p:nvGrpSpPr>
+      <p:grpSpPr>
+        <a:xfrm>
+          <a:off x="0" y="0"/>
+          <a:ext cx="0" cy="0"/>
+          <a:chOff x="0" y="0"/>
+          <a:chExt cx="0" cy="0"/>
+        </a:xfrm>
+      </p:grpSpPr>
+      <p:sp>
+        <p:nvSpPr>
+          <p:cNvPr id="2" name="Title 1"/>
+          <p:cNvSpPr>
+            <a:spLocks noGrp="1"/>
+          </p:cNvSpPr>
+          <p:nvPr>
+            <p:ph type="title"/>
           </p:nvPr>
         </p:nvSpPr>
         <p:spPr/>
@@ -15011,10 +15353,51 @@
           </a:bodyPr>
           <a:lstStyle/>
           <a:p>
+            <a:r>
+              <a:rPr lang="en-US" dirty="0" err="1" smtClean="0"/>
+              <a:t>Những</a:t>
+            </a:r>
+            <a:r>
+              <a:rPr lang="en-US" dirty="0" smtClean="0"/>
+              <a:t> </a:t>
+            </a:r>
+            <a:r>
+              <a:rPr lang="en-US" dirty="0" err="1" smtClean="0"/>
+              <a:t>hạn</a:t>
+            </a:r>
+            <a:r>
+              <a:rPr lang="en-US" dirty="0" smtClean="0"/>
+              <a:t> </a:t>
+            </a:r>
+            <a:r>
+              <a:rPr lang="en-US" dirty="0" err="1" smtClean="0"/>
+              <a:t>chế</a:t>
+            </a:r>
+            <a:endParaRPr lang="vi-VN" dirty="0"/>
+          </a:p>
+        </p:txBody>
+      </p:sp>
+      <p:sp>
+        <p:nvSpPr>
+          <p:cNvPr id="3" name="Slide Number Placeholder 2"/>
+          <p:cNvSpPr>
+            <a:spLocks noGrp="1"/>
+          </p:cNvSpPr>
+          <p:nvPr>
+            <p:ph type="sldNum" sz="quarter" idx="12"/>
+          </p:nvPr>
+        </p:nvSpPr>
+        <p:spPr/>
+        <p:txBody>
+          <a:bodyPr>
+            <a:normAutofit fontScale="85000" lnSpcReduction="20000"/>
+          </a:bodyPr>
+          <a:lstStyle/>
+          <a:p>
             <a:fld id="{1AD93096-5B34-4342-9326-69289CEAE4C2}" type="slidenum">
               <a:rPr lang="en-US" smtClean="0"/>
               <a:pPr/>
-              <a:t>28</a:t>
+              <a:t>29</a:t>
             </a:fld>
             <a:endParaRPr lang="en-US" dirty="0">
               <a:solidFill>
@@ -15024,76 +15407,29 @@
           </a:p>
         </p:txBody>
       </p:sp>
-      <p:pic>
-        <p:nvPicPr>
-          <p:cNvPr id="10" name="Picture 2"/>
-          <p:cNvPicPr>
-            <a:picLocks noGrp="1" noChangeAspect="1" noChangeArrowheads="1"/>
-          </p:cNvPicPr>
+      <p:sp>
+        <p:nvSpPr>
+          <p:cNvPr id="4" name="Content Placeholder 3"/>
+          <p:cNvSpPr>
+            <a:spLocks noGrp="1"/>
+          </p:cNvSpPr>
           <p:nvPr>
-            <p:ph type="pic" idx="1"/>
+            <p:ph sz="quarter" idx="1"/>
           </p:nvPr>
-        </p:nvPicPr>
-        <p:blipFill>
-          <a:blip r:embed="rId2">
-            <a:extLst>
-              <a:ext uri="{28A0092B-C50C-407E-A947-70E740481C1C}">
-                <a14:useLocalDpi xmlns:a14="http://schemas.microsoft.com/office/drawing/2010/main" val="0"/>
-              </a:ext>
-            </a:extLst>
-          </a:blip>
-          <a:srcRect t="5040" b="5040"/>
-          <a:stretch>
-            <a:fillRect/>
-          </a:stretch>
-        </p:blipFill>
-        <p:spPr bwMode="auto">
-          <a:xfrm>
-            <a:off x="1560576" y="84184"/>
-            <a:ext cx="7583424" cy="4568952"/>
-          </a:xfrm>
-          <a:prstGeom prst="rect">
-            <a:avLst/>
-          </a:prstGeom>
-          <a:noFill/>
-          <a:ln>
-            <a:noFill/>
-          </a:ln>
-          <a:effectLst/>
-          <a:extLst>
-            <a:ext uri="{909E8E84-426E-40DD-AFC4-6F175D3DCCD1}">
-              <a14:hiddenFill xmlns:a14="http://schemas.microsoft.com/office/drawing/2010/main">
-                <a:solidFill>
-                  <a:schemeClr val="accent1"/>
-                </a:solidFill>
-              </a14:hiddenFill>
-            </a:ext>
-            <a:ext uri="{91240B29-F687-4F45-9708-019B960494DF}">
-              <a14:hiddenLine xmlns:a14="http://schemas.microsoft.com/office/drawing/2010/main" w="9525">
-                <a:solidFill>
-                  <a:schemeClr val="tx1"/>
-                </a:solidFill>
-                <a:miter lim="800000"/>
-                <a:headEnd/>
-                <a:tailEnd/>
-              </a14:hiddenLine>
-            </a:ext>
-            <a:ext uri="{AF507438-7753-43E0-B8FC-AC1667EBCBE1}">
-              <a14:hiddenEffects xmlns:a14="http://schemas.microsoft.com/office/drawing/2010/main">
-                <a:effectLst>
-                  <a:outerShdw dist="35921" dir="2700000" algn="ctr" rotWithShape="0">
-                    <a:schemeClr val="bg2"/>
-                  </a:outerShdw>
-                </a:effectLst>
-              </a14:hiddenEffects>
-            </a:ext>
-          </a:extLst>
-        </p:spPr>
-      </p:pic>
+        </p:nvSpPr>
+        <p:spPr/>
+        <p:txBody>
+          <a:bodyPr/>
+          <a:lstStyle/>
+          <a:p>
+            <a:endParaRPr lang="vi-VN"/>
+          </a:p>
+        </p:txBody>
+      </p:sp>
     </p:spTree>
     <p:extLst>
       <p:ext uri="{BB962C8B-B14F-4D97-AF65-F5344CB8AC3E}">
-        <p14:creationId xmlns:p14="http://schemas.microsoft.com/office/powerpoint/2010/main" val="4160154454"/>
+        <p14:creationId xmlns:p14="http://schemas.microsoft.com/office/powerpoint/2010/main" val="1913792255"/>
       </p:ext>
     </p:extLst>
   </p:cSld>
@@ -15331,6 +15667,410 @@
 </p:sld>
 </file>
 
+<file path=ppt/slides/slide30.xml><?xml version="1.0" encoding="utf-8"?>
+<p:sld xmlns:a="http://schemas.openxmlformats.org/drawingml/2006/main" xmlns:r="http://schemas.openxmlformats.org/officeDocument/2006/relationships" xmlns:p="http://schemas.openxmlformats.org/presentationml/2006/main">
+  <p:cSld>
+    <p:spTree>
+      <p:nvGrpSpPr>
+        <p:cNvPr id="1" name=""/>
+        <p:cNvGrpSpPr/>
+        <p:nvPr/>
+      </p:nvGrpSpPr>
+      <p:grpSpPr>
+        <a:xfrm>
+          <a:off x="0" y="0"/>
+          <a:ext cx="0" cy="0"/>
+          <a:chOff x="0" y="0"/>
+          <a:chExt cx="0" cy="0"/>
+        </a:xfrm>
+      </p:grpSpPr>
+      <p:sp>
+        <p:nvSpPr>
+          <p:cNvPr id="5" name="Text Placeholder 4"/>
+          <p:cNvSpPr>
+            <a:spLocks noGrp="1"/>
+          </p:cNvSpPr>
+          <p:nvPr>
+            <p:ph type="body" idx="1"/>
+          </p:nvPr>
+        </p:nvSpPr>
+        <p:spPr/>
+        <p:txBody>
+          <a:bodyPr/>
+          <a:lstStyle/>
+          <a:p>
+            <a:endParaRPr lang="vi-VN"/>
+          </a:p>
+        </p:txBody>
+      </p:sp>
+      <p:sp>
+        <p:nvSpPr>
+          <p:cNvPr id="4" name="Title 3"/>
+          <p:cNvSpPr>
+            <a:spLocks noGrp="1"/>
+          </p:cNvSpPr>
+          <p:nvPr>
+            <p:ph type="title"/>
+          </p:nvPr>
+        </p:nvSpPr>
+        <p:spPr/>
+        <p:txBody>
+          <a:bodyPr>
+            <a:normAutofit/>
+          </a:bodyPr>
+          <a:lstStyle/>
+          <a:p>
+            <a:r>
+              <a:rPr lang="en-US" dirty="0" smtClean="0"/>
+              <a:t>DEMONSTRATION</a:t>
+            </a:r>
+            <a:endParaRPr lang="vi-VN" dirty="0"/>
+          </a:p>
+        </p:txBody>
+      </p:sp>
+      <p:sp>
+        <p:nvSpPr>
+          <p:cNvPr id="3" name="Slide Number Placeholder 2"/>
+          <p:cNvSpPr>
+            <a:spLocks noGrp="1"/>
+          </p:cNvSpPr>
+          <p:nvPr>
+            <p:ph type="sldNum" sz="quarter" idx="11"/>
+          </p:nvPr>
+        </p:nvSpPr>
+        <p:spPr/>
+        <p:txBody>
+          <a:bodyPr>
+            <a:normAutofit/>
+          </a:bodyPr>
+          <a:lstStyle/>
+          <a:p>
+            <a:fld id="{1AD93096-5B34-4342-9326-69289CEAE4C2}" type="slidenum">
+              <a:rPr lang="en-US" smtClean="0"/>
+              <a:pPr/>
+              <a:t>30</a:t>
+            </a:fld>
+            <a:endParaRPr lang="en-US" dirty="0">
+              <a:solidFill>
+                <a:srgbClr val="FFFFFF"/>
+              </a:solidFill>
+            </a:endParaRPr>
+          </a:p>
+        </p:txBody>
+      </p:sp>
+    </p:spTree>
+    <p:extLst>
+      <p:ext uri="{BB962C8B-B14F-4D97-AF65-F5344CB8AC3E}">
+        <p14:creationId xmlns:p14="http://schemas.microsoft.com/office/powerpoint/2010/main" val="1870866790"/>
+      </p:ext>
+    </p:extLst>
+  </p:cSld>
+  <p:clrMapOvr>
+    <a:masterClrMapping/>
+  </p:clrMapOvr>
+  <p:timing>
+    <p:tnLst>
+      <p:par>
+        <p:cTn id="1" dur="indefinite" restart="never" nodeType="tmRoot"/>
+      </p:par>
+    </p:tnLst>
+  </p:timing>
+</p:sld>
+</file>
+
+<file path=ppt/slides/slide31.xml><?xml version="1.0" encoding="utf-8"?>
+<p:sld xmlns:a="http://schemas.openxmlformats.org/drawingml/2006/main" xmlns:r="http://schemas.openxmlformats.org/officeDocument/2006/relationships" xmlns:p="http://schemas.openxmlformats.org/presentationml/2006/main">
+  <p:cSld>
+    <p:spTree>
+      <p:nvGrpSpPr>
+        <p:cNvPr id="1" name=""/>
+        <p:cNvGrpSpPr/>
+        <p:nvPr/>
+      </p:nvGrpSpPr>
+      <p:grpSpPr>
+        <a:xfrm>
+          <a:off x="0" y="0"/>
+          <a:ext cx="0" cy="0"/>
+          <a:chOff x="0" y="0"/>
+          <a:chExt cx="0" cy="0"/>
+        </a:xfrm>
+      </p:grpSpPr>
+      <p:sp>
+        <p:nvSpPr>
+          <p:cNvPr id="5" name="Text Placeholder 4"/>
+          <p:cNvSpPr>
+            <a:spLocks noGrp="1"/>
+          </p:cNvSpPr>
+          <p:nvPr>
+            <p:ph type="body" idx="1"/>
+          </p:nvPr>
+        </p:nvSpPr>
+        <p:spPr/>
+        <p:txBody>
+          <a:bodyPr/>
+          <a:lstStyle/>
+          <a:p>
+            <a:endParaRPr lang="vi-VN"/>
+          </a:p>
+        </p:txBody>
+      </p:sp>
+      <p:sp>
+        <p:nvSpPr>
+          <p:cNvPr id="4" name="Title 3"/>
+          <p:cNvSpPr>
+            <a:spLocks noGrp="1"/>
+          </p:cNvSpPr>
+          <p:nvPr>
+            <p:ph type="title"/>
+          </p:nvPr>
+        </p:nvSpPr>
+        <p:spPr/>
+        <p:txBody>
+          <a:bodyPr>
+            <a:normAutofit/>
+          </a:bodyPr>
+          <a:lstStyle/>
+          <a:p>
+            <a:r>
+              <a:rPr lang="en-US" dirty="0" smtClean="0"/>
+              <a:t>Q &amp; A</a:t>
+            </a:r>
+            <a:endParaRPr lang="vi-VN" dirty="0"/>
+          </a:p>
+        </p:txBody>
+      </p:sp>
+      <p:sp>
+        <p:nvSpPr>
+          <p:cNvPr id="3" name="Slide Number Placeholder 2"/>
+          <p:cNvSpPr>
+            <a:spLocks noGrp="1"/>
+          </p:cNvSpPr>
+          <p:nvPr>
+            <p:ph type="sldNum" sz="quarter" idx="11"/>
+          </p:nvPr>
+        </p:nvSpPr>
+        <p:spPr/>
+        <p:txBody>
+          <a:bodyPr>
+            <a:normAutofit/>
+          </a:bodyPr>
+          <a:lstStyle/>
+          <a:p>
+            <a:fld id="{1AD93096-5B34-4342-9326-69289CEAE4C2}" type="slidenum">
+              <a:rPr lang="en-US" smtClean="0"/>
+              <a:pPr/>
+              <a:t>31</a:t>
+            </a:fld>
+            <a:endParaRPr lang="en-US" dirty="0">
+              <a:solidFill>
+                <a:srgbClr val="FFFFFF"/>
+              </a:solidFill>
+            </a:endParaRPr>
+          </a:p>
+        </p:txBody>
+      </p:sp>
+    </p:spTree>
+    <p:extLst>
+      <p:ext uri="{BB962C8B-B14F-4D97-AF65-F5344CB8AC3E}">
+        <p14:creationId xmlns:p14="http://schemas.microsoft.com/office/powerpoint/2010/main" val="2443692379"/>
+      </p:ext>
+    </p:extLst>
+  </p:cSld>
+  <p:clrMapOvr>
+    <a:masterClrMapping/>
+  </p:clrMapOvr>
+  <p:timing>
+    <p:tnLst>
+      <p:par>
+        <p:cTn id="1" dur="indefinite" restart="never" nodeType="tmRoot"/>
+      </p:par>
+    </p:tnLst>
+  </p:timing>
+</p:sld>
+</file>
+
+<file path=ppt/slides/slide32.xml><?xml version="1.0" encoding="utf-8"?>
+<p:sld xmlns:a="http://schemas.openxmlformats.org/drawingml/2006/main" xmlns:r="http://schemas.openxmlformats.org/officeDocument/2006/relationships" xmlns:p="http://schemas.openxmlformats.org/presentationml/2006/main">
+  <p:cSld>
+    <p:spTree>
+      <p:nvGrpSpPr>
+        <p:cNvPr id="1" name=""/>
+        <p:cNvGrpSpPr/>
+        <p:nvPr/>
+      </p:nvGrpSpPr>
+      <p:grpSpPr>
+        <a:xfrm>
+          <a:off x="0" y="0"/>
+          <a:ext cx="0" cy="0"/>
+          <a:chOff x="0" y="0"/>
+          <a:chExt cx="0" cy="0"/>
+        </a:xfrm>
+      </p:grpSpPr>
+      <p:sp>
+        <p:nvSpPr>
+          <p:cNvPr id="8" name="Text Placeholder 7"/>
+          <p:cNvSpPr>
+            <a:spLocks noGrp="1"/>
+          </p:cNvSpPr>
+          <p:nvPr>
+            <p:ph type="body" sz="half" idx="2"/>
+          </p:nvPr>
+        </p:nvSpPr>
+        <p:spPr/>
+        <p:txBody>
+          <a:bodyPr/>
+          <a:lstStyle/>
+          <a:p>
+            <a:endParaRPr lang="vi-VN" dirty="0"/>
+          </a:p>
+        </p:txBody>
+      </p:sp>
+      <p:sp>
+        <p:nvSpPr>
+          <p:cNvPr id="6" name="Title 5"/>
+          <p:cNvSpPr>
+            <a:spLocks noGrp="1"/>
+          </p:cNvSpPr>
+          <p:nvPr>
+            <p:ph type="title"/>
+          </p:nvPr>
+        </p:nvSpPr>
+        <p:spPr>
+          <a:xfrm>
+            <a:off x="1600200" y="4648200"/>
+            <a:ext cx="7543800" cy="685800"/>
+          </a:xfrm>
+        </p:spPr>
+        <p:txBody>
+          <a:bodyPr>
+            <a:normAutofit/>
+          </a:bodyPr>
+          <a:lstStyle/>
+          <a:p>
+            <a:r>
+              <a:rPr lang="en-US" dirty="0" smtClean="0"/>
+              <a:t>THANKS FOR YOUR ATTENTION!</a:t>
+            </a:r>
+            <a:endParaRPr lang="vi-VN" dirty="0"/>
+          </a:p>
+        </p:txBody>
+      </p:sp>
+      <p:sp>
+        <p:nvSpPr>
+          <p:cNvPr id="3" name="Slide Number Placeholder 2"/>
+          <p:cNvSpPr>
+            <a:spLocks noGrp="1"/>
+          </p:cNvSpPr>
+          <p:nvPr>
+            <p:ph type="sldNum" sz="quarter" idx="11"/>
+          </p:nvPr>
+        </p:nvSpPr>
+        <p:spPr/>
+        <p:txBody>
+          <a:bodyPr>
+            <a:normAutofit/>
+          </a:bodyPr>
+          <a:lstStyle/>
+          <a:p>
+            <a:fld id="{1AD93096-5B34-4342-9326-69289CEAE4C2}" type="slidenum">
+              <a:rPr lang="en-US" smtClean="0"/>
+              <a:pPr/>
+              <a:t>32</a:t>
+            </a:fld>
+            <a:endParaRPr lang="en-US" dirty="0">
+              <a:solidFill>
+                <a:srgbClr val="FFFFFF"/>
+              </a:solidFill>
+            </a:endParaRPr>
+          </a:p>
+        </p:txBody>
+      </p:sp>
+      <p:pic>
+        <p:nvPicPr>
+          <p:cNvPr id="10" name="Picture 2"/>
+          <p:cNvPicPr>
+            <a:picLocks noGrp="1" noChangeAspect="1" noChangeArrowheads="1"/>
+          </p:cNvPicPr>
+          <p:nvPr>
+            <p:ph type="pic" idx="1"/>
+          </p:nvPr>
+        </p:nvPicPr>
+        <p:blipFill>
+          <a:blip r:embed="rId2">
+            <a:extLst>
+              <a:ext uri="{28A0092B-C50C-407E-A947-70E740481C1C}">
+                <a14:useLocalDpi xmlns:a14="http://schemas.microsoft.com/office/drawing/2010/main" val="0"/>
+              </a:ext>
+            </a:extLst>
+          </a:blip>
+          <a:srcRect t="5040" b="5040"/>
+          <a:stretch>
+            <a:fillRect/>
+          </a:stretch>
+        </p:blipFill>
+        <p:spPr bwMode="auto">
+          <a:xfrm>
+            <a:off x="1560576" y="84184"/>
+            <a:ext cx="7583424" cy="4568952"/>
+          </a:xfrm>
+          <a:prstGeom prst="rect">
+            <a:avLst/>
+          </a:prstGeom>
+          <a:noFill/>
+          <a:ln>
+            <a:noFill/>
+          </a:ln>
+          <a:effectLst/>
+          <a:extLst>
+            <a:ext uri="{909E8E84-426E-40DD-AFC4-6F175D3DCCD1}">
+              <a14:hiddenFill xmlns:a14="http://schemas.microsoft.com/office/drawing/2010/main">
+                <a:solidFill>
+                  <a:schemeClr val="accent1"/>
+                </a:solidFill>
+              </a14:hiddenFill>
+            </a:ext>
+            <a:ext uri="{91240B29-F687-4F45-9708-019B960494DF}">
+              <a14:hiddenLine xmlns:a14="http://schemas.microsoft.com/office/drawing/2010/main" w="9525">
+                <a:solidFill>
+                  <a:schemeClr val="tx1"/>
+                </a:solidFill>
+                <a:miter lim="800000"/>
+                <a:headEnd/>
+                <a:tailEnd/>
+              </a14:hiddenLine>
+            </a:ext>
+            <a:ext uri="{AF507438-7753-43E0-B8FC-AC1667EBCBE1}">
+              <a14:hiddenEffects xmlns:a14="http://schemas.microsoft.com/office/drawing/2010/main">
+                <a:effectLst>
+                  <a:outerShdw dist="35921" dir="2700000" algn="ctr" rotWithShape="0">
+                    <a:schemeClr val="bg2"/>
+                  </a:outerShdw>
+                </a:effectLst>
+              </a14:hiddenEffects>
+            </a:ext>
+          </a:extLst>
+        </p:spPr>
+      </p:pic>
+    </p:spTree>
+    <p:extLst>
+      <p:ext uri="{BB962C8B-B14F-4D97-AF65-F5344CB8AC3E}">
+        <p14:creationId xmlns:p14="http://schemas.microsoft.com/office/powerpoint/2010/main" val="4160154454"/>
+      </p:ext>
+    </p:extLst>
+  </p:cSld>
+  <p:clrMapOvr>
+    <a:masterClrMapping/>
+  </p:clrMapOvr>
+  <p:timing>
+    <p:tnLst>
+      <p:par>
+        <p:cTn id="1" dur="indefinite" restart="never" nodeType="tmRoot"/>
+      </p:par>
+    </p:tnLst>
+  </p:timing>
+</p:sld>
+</file>
+
 <file path=ppt/slides/slide4.xml><?xml version="1.0" encoding="utf-8"?>
 <p:sld xmlns:a="http://schemas.openxmlformats.org/drawingml/2006/main" xmlns:r="http://schemas.openxmlformats.org/officeDocument/2006/relationships" xmlns:p="http://schemas.openxmlformats.org/presentationml/2006/main">
   <p:cSld>
@@ -15756,25 +16496,6 @@
       </p:grpSpPr>
       <p:sp>
         <p:nvSpPr>
-          <p:cNvPr id="2" name="Title 1"/>
-          <p:cNvSpPr>
-            <a:spLocks noGrp="1"/>
-          </p:cNvSpPr>
-          <p:nvPr>
-            <p:ph type="title"/>
-          </p:nvPr>
-        </p:nvSpPr>
-        <p:spPr/>
-        <p:txBody>
-          <a:bodyPr/>
-          <a:lstStyle/>
-          <a:p>
-            <a:endParaRPr lang="en-US"/>
-          </a:p>
-        </p:txBody>
-      </p:sp>
-      <p:sp>
-        <p:nvSpPr>
           <p:cNvPr id="3" name="Slide Number Placeholder 2"/>
           <p:cNvSpPr>
             <a:spLocks noGrp="1"/>
@@ -15786,7 +16507,7 @@
         <p:spPr/>
         <p:txBody>
           <a:bodyPr>
-            <a:normAutofit fontScale="85000" lnSpcReduction="20000"/>
+            <a:normAutofit/>
           </a:bodyPr>
           <a:lstStyle/>
           <a:p>
@@ -15800,25 +16521,6 @@
                 <a:srgbClr val="FFFFFF"/>
               </a:solidFill>
             </a:endParaRPr>
-          </a:p>
-        </p:txBody>
-      </p:sp>
-      <p:sp>
-        <p:nvSpPr>
-          <p:cNvPr id="4" name="Content Placeholder 3"/>
-          <p:cNvSpPr>
-            <a:spLocks noGrp="1"/>
-          </p:cNvSpPr>
-          <p:nvPr>
-            <p:ph sz="quarter" idx="1"/>
-          </p:nvPr>
-        </p:nvSpPr>
-        <p:spPr/>
-        <p:txBody>
-          <a:bodyPr/>
-          <a:lstStyle/>
-          <a:p>
-            <a:endParaRPr lang="en-US"/>
           </a:p>
         </p:txBody>
       </p:sp>
@@ -15861,25 +16563,6 @@
       </p:grpSpPr>
       <p:sp>
         <p:nvSpPr>
-          <p:cNvPr id="2" name="Title 1"/>
-          <p:cNvSpPr>
-            <a:spLocks noGrp="1"/>
-          </p:cNvSpPr>
-          <p:nvPr>
-            <p:ph type="title"/>
-          </p:nvPr>
-        </p:nvSpPr>
-        <p:spPr/>
-        <p:txBody>
-          <a:bodyPr/>
-          <a:lstStyle/>
-          <a:p>
-            <a:endParaRPr lang="en-US"/>
-          </a:p>
-        </p:txBody>
-      </p:sp>
-      <p:sp>
-        <p:nvSpPr>
           <p:cNvPr id="3" name="Slide Number Placeholder 2"/>
           <p:cNvSpPr>
             <a:spLocks noGrp="1"/>
@@ -15891,7 +16574,7 @@
         <p:spPr/>
         <p:txBody>
           <a:bodyPr>
-            <a:normAutofit fontScale="85000" lnSpcReduction="20000"/>
+            <a:normAutofit/>
           </a:bodyPr>
           <a:lstStyle/>
           <a:p>
@@ -15905,25 +16588,6 @@
                 <a:srgbClr val="FFFFFF"/>
               </a:solidFill>
             </a:endParaRPr>
-          </a:p>
-        </p:txBody>
-      </p:sp>
-      <p:sp>
-        <p:nvSpPr>
-          <p:cNvPr id="4" name="Content Placeholder 3"/>
-          <p:cNvSpPr>
-            <a:spLocks noGrp="1"/>
-          </p:cNvSpPr>
-          <p:nvPr>
-            <p:ph sz="quarter" idx="1"/>
-          </p:nvPr>
-        </p:nvSpPr>
-        <p:spPr/>
-        <p:txBody>
-          <a:bodyPr/>
-          <a:lstStyle/>
-          <a:p>
-            <a:endParaRPr lang="en-US"/>
           </a:p>
         </p:txBody>
       </p:sp>
@@ -16150,70 +16814,6 @@
           </a:p>
         </p:txBody>
       </p:sp>
-      <p:pic>
-        <p:nvPicPr>
-          <p:cNvPr id="5" name="Picture 10"/>
-          <p:cNvPicPr>
-            <a:picLocks noChangeAspect="1" noChangeArrowheads="1"/>
-          </p:cNvPicPr>
-          <p:nvPr/>
-        </p:nvPicPr>
-        <p:blipFill>
-          <a:blip r:embed="rId2">
-            <a:extLst>
-              <a:ext uri="{28A0092B-C50C-407E-A947-70E740481C1C}">
-                <a14:useLocalDpi xmlns:a14="http://schemas.microsoft.com/office/drawing/2010/main" val="0"/>
-              </a:ext>
-            </a:extLst>
-          </a:blip>
-          <a:srcRect/>
-          <a:stretch>
-            <a:fillRect/>
-          </a:stretch>
-        </p:blipFill>
-        <p:spPr bwMode="auto">
-          <a:xfrm>
-            <a:off x="2699792" y="3429001"/>
-            <a:ext cx="3888432" cy="2341132"/>
-          </a:xfrm>
-          <a:prstGeom prst="rect">
-            <a:avLst/>
-          </a:prstGeom>
-          <a:noFill/>
-          <a:ln>
-            <a:noFill/>
-          </a:ln>
-          <a:effectLst/>
-          <a:extLst>
-            <a:ext uri="{909E8E84-426E-40DD-AFC4-6F175D3DCCD1}">
-              <a14:hiddenFill xmlns:a14="http://schemas.microsoft.com/office/drawing/2010/main">
-                <a:solidFill>
-                  <a:schemeClr val="accent1"/>
-                </a:solidFill>
-              </a14:hiddenFill>
-            </a:ext>
-            <a:ext uri="{91240B29-F687-4F45-9708-019B960494DF}">
-              <a14:hiddenLine xmlns:a14="http://schemas.microsoft.com/office/drawing/2010/main" w="9525">
-                <a:solidFill>
-                  <a:schemeClr val="tx1"/>
-                </a:solidFill>
-                <a:miter lim="800000"/>
-                <a:headEnd/>
-                <a:tailEnd/>
-              </a14:hiddenLine>
-            </a:ext>
-            <a:ext uri="{AF507438-7753-43E0-B8FC-AC1667EBCBE1}">
-              <a14:hiddenEffects xmlns:a14="http://schemas.microsoft.com/office/drawing/2010/main">
-                <a:effectLst>
-                  <a:outerShdw dist="35921" dir="2700000" algn="ctr" rotWithShape="0">
-                    <a:schemeClr val="bg2"/>
-                  </a:outerShdw>
-                </a:effectLst>
-              </a14:hiddenEffects>
-            </a:ext>
-          </a:extLst>
-        </p:spPr>
-      </p:pic>
     </p:spTree>
     <p:extLst>
       <p:ext uri="{BB962C8B-B14F-4D97-AF65-F5344CB8AC3E}">
@@ -16263,44 +16863,22 @@
         </p:nvSpPr>
         <p:spPr/>
         <p:txBody>
-          <a:bodyPr>
-            <a:normAutofit/>
-          </a:bodyPr>
+          <a:bodyPr/>
           <a:lstStyle/>
           <a:p>
             <a:r>
-              <a:rPr lang="en-US" dirty="0" err="1" smtClean="0"/>
-              <a:t>Bài</a:t>
-            </a:r>
-            <a:r>
-              <a:rPr lang="en-US" dirty="0" smtClean="0"/>
-              <a:t> </a:t>
-            </a:r>
-            <a:r>
-              <a:rPr lang="en-US" dirty="0" err="1" smtClean="0"/>
-              <a:t>toán</a:t>
-            </a:r>
-            <a:r>
-              <a:rPr lang="en-US" dirty="0" smtClean="0"/>
-              <a:t> </a:t>
-            </a:r>
-            <a:r>
-              <a:rPr lang="en-US" dirty="0" err="1" smtClean="0"/>
-              <a:t>kiến</a:t>
-            </a:r>
-            <a:r>
-              <a:rPr lang="en-US" dirty="0" smtClean="0"/>
-              <a:t> </a:t>
-            </a:r>
-            <a:r>
-              <a:rPr lang="en-US" dirty="0" err="1" smtClean="0"/>
-              <a:t>trúc</a:t>
-            </a:r>
-            <a:r>
-              <a:rPr lang="en-US" dirty="0" smtClean="0"/>
-              <a:t> #3</a:t>
-            </a:r>
-            <a:endParaRPr lang="vi-VN" dirty="0"/>
+              <a:rPr lang="en-US"/>
+              <a:t>Bài toán kiến </a:t>
+            </a:r>
+            <a:r>
+              <a:rPr lang="en-US"/>
+              <a:t>trúc </a:t>
+            </a:r>
+            <a:r>
+              <a:rPr lang="en-US" smtClean="0"/>
+              <a:t>#3</a:t>
+            </a:r>
+            <a:endParaRPr lang="en-US"/>
           </a:p>
         </p:txBody>
       </p:sp>
@@ -16349,231 +16927,27 @@
           <a:bodyPr/>
           <a:lstStyle/>
           <a:p>
-            <a:pPr marL="457200" indent="-457200">
-              <a:buFontTx/>
-              <a:buChar char="-"/>
+            <a:r>
+              <a:rPr lang="en-US" smtClean="0"/>
+              <a:t>Khai thác dữ liệu (data mining) giúp đưa ra thông tin hữu ích, thông tin mang tính quyết định.</a:t>
+            </a:r>
+          </a:p>
+          <a:p>
+            <a:pPr>
+              <a:buFont typeface="Symbol"/>
+              <a:buChar char="Þ"/>
             </a:pPr>
             <a:r>
-              <a:rPr lang="en-US" dirty="0" err="1"/>
-              <a:t>Sử</a:t>
-            </a:r>
-            <a:r>
-              <a:rPr lang="en-US" dirty="0"/>
-              <a:t> </a:t>
-            </a:r>
-            <a:r>
-              <a:rPr lang="en-US" dirty="0" err="1"/>
-              <a:t>dụng</a:t>
-            </a:r>
-            <a:r>
-              <a:rPr lang="en-US" dirty="0"/>
-              <a:t> </a:t>
-            </a:r>
-            <a:r>
-              <a:rPr lang="en-US" dirty="0" err="1"/>
-              <a:t>kiến</a:t>
-            </a:r>
-            <a:r>
-              <a:rPr lang="en-US" dirty="0"/>
-              <a:t> </a:t>
-            </a:r>
-            <a:r>
-              <a:rPr lang="en-US" dirty="0" err="1"/>
-              <a:t>trúc</a:t>
-            </a:r>
-            <a:r>
-              <a:rPr lang="en-US" dirty="0"/>
-              <a:t> </a:t>
-            </a:r>
-            <a:r>
-              <a:rPr lang="en-US" dirty="0" err="1"/>
-              <a:t>tổ</a:t>
-            </a:r>
-            <a:r>
-              <a:rPr lang="en-US" dirty="0"/>
-              <a:t> </a:t>
-            </a:r>
-            <a:r>
-              <a:rPr lang="en-US" dirty="0" err="1"/>
-              <a:t>chức</a:t>
-            </a:r>
-            <a:r>
-              <a:rPr lang="en-US" dirty="0"/>
-              <a:t> </a:t>
-            </a:r>
-            <a:r>
-              <a:rPr lang="en-US" dirty="0" err="1"/>
-              <a:t>thông</a:t>
-            </a:r>
-            <a:r>
-              <a:rPr lang="en-US" dirty="0"/>
-              <a:t> tin </a:t>
-            </a:r>
-            <a:r>
-              <a:rPr lang="en-US" dirty="0" err="1"/>
-              <a:t>linh</a:t>
-            </a:r>
-            <a:r>
-              <a:rPr lang="en-US" dirty="0"/>
-              <a:t> </a:t>
-            </a:r>
-            <a:r>
-              <a:rPr lang="en-US" dirty="0" err="1"/>
-              <a:t>hoạt</a:t>
-            </a:r>
-            <a:r>
-              <a:rPr lang="en-US" dirty="0"/>
-              <a:t> </a:t>
-            </a:r>
-            <a:r>
-              <a:rPr lang="en-US" dirty="0" err="1"/>
-              <a:t>hỗ</a:t>
-            </a:r>
-            <a:r>
-              <a:rPr lang="en-US" dirty="0"/>
-              <a:t> </a:t>
-            </a:r>
-            <a:r>
-              <a:rPr lang="en-US" dirty="0" err="1"/>
-              <a:t>trợ</a:t>
-            </a:r>
-            <a:r>
-              <a:rPr lang="en-US" dirty="0"/>
-              <a:t> </a:t>
-            </a:r>
-            <a:r>
-              <a:rPr lang="en-US" dirty="0" err="1"/>
-              <a:t>ra</a:t>
-            </a:r>
-            <a:r>
-              <a:rPr lang="en-US" dirty="0"/>
-              <a:t> </a:t>
-            </a:r>
-            <a:r>
-              <a:rPr lang="en-US" dirty="0" err="1"/>
-              <a:t>quyết</a:t>
-            </a:r>
-            <a:r>
-              <a:rPr lang="en-US" dirty="0"/>
-              <a:t> </a:t>
-            </a:r>
-            <a:r>
-              <a:rPr lang="en-US" dirty="0" err="1"/>
-              <a:t>định</a:t>
-            </a:r>
-            <a:endParaRPr lang="vi-VN" dirty="0"/>
+              <a:rPr lang="en-US" smtClean="0"/>
+              <a:t>Sử dụng kiến trúc tổ chức thông tin linh hoạt trên, làm thế nào cung cấp giải pháp hỗ trợ khai thác dữ liệu?</a:t>
+            </a:r>
           </a:p>
         </p:txBody>
       </p:sp>
-      <p:pic>
-        <p:nvPicPr>
-          <p:cNvPr id="6149" name="Picture 5"/>
-          <p:cNvPicPr>
-            <a:picLocks noChangeAspect="1" noChangeArrowheads="1"/>
-          </p:cNvPicPr>
-          <p:nvPr/>
-        </p:nvPicPr>
-        <p:blipFill>
-          <a:blip r:embed="rId2">
-            <a:extLst>
-              <a:ext uri="{28A0092B-C50C-407E-A947-70E740481C1C}">
-                <a14:useLocalDpi xmlns:a14="http://schemas.microsoft.com/office/drawing/2010/main" val="0"/>
-              </a:ext>
-            </a:extLst>
-          </a:blip>
-          <a:srcRect/>
-          <a:stretch>
-            <a:fillRect/>
-          </a:stretch>
-        </p:blipFill>
-        <p:spPr bwMode="auto">
-          <a:xfrm>
-            <a:off x="0" y="4293097"/>
-            <a:ext cx="2987976" cy="2569659"/>
-          </a:xfrm>
-          <a:prstGeom prst="rect">
-            <a:avLst/>
-          </a:prstGeom>
-          <a:noFill/>
-          <a:ln>
-            <a:noFill/>
-          </a:ln>
-          <a:effectLst/>
-          <a:extLst>
-            <a:ext uri="{909E8E84-426E-40DD-AFC4-6F175D3DCCD1}">
-              <a14:hiddenFill xmlns:a14="http://schemas.microsoft.com/office/drawing/2010/main">
-                <a:solidFill>
-                  <a:schemeClr val="accent1"/>
-                </a:solidFill>
-              </a14:hiddenFill>
-            </a:ext>
-            <a:ext uri="{91240B29-F687-4F45-9708-019B960494DF}">
-              <a14:hiddenLine xmlns:a14="http://schemas.microsoft.com/office/drawing/2010/main" w="9525">
-                <a:solidFill>
-                  <a:schemeClr val="tx1"/>
-                </a:solidFill>
-                <a:miter lim="800000"/>
-                <a:headEnd/>
-                <a:tailEnd/>
-              </a14:hiddenLine>
-            </a:ext>
-            <a:ext uri="{AF507438-7753-43E0-B8FC-AC1667EBCBE1}">
-              <a14:hiddenEffects xmlns:a14="http://schemas.microsoft.com/office/drawing/2010/main">
-                <a:effectLst>
-                  <a:outerShdw dist="35921" dir="2700000" algn="ctr" rotWithShape="0">
-                    <a:schemeClr val="bg2"/>
-                  </a:outerShdw>
-                </a:effectLst>
-              </a14:hiddenEffects>
-            </a:ext>
-          </a:extLst>
-        </p:spPr>
-      </p:pic>
-      <p:pic>
-        <p:nvPicPr>
-          <p:cNvPr id="12290" name="Picture 2" descr="http://www.google.com.vn/url?source=imglanding&amp;ct=img&amp;q=http://www.hrgyaan.com/wp-content/uploads/2011/09/Make-a-Decision_old-lady.gif&amp;sa=X&amp;ei=FmEFT-eFCYGiiAfG0vihCg&amp;ved=0CAwQ8wc&amp;usg=AFQjCNED-DZDIT3_c-wXMyCX-sFnym3tkw"/>
-          <p:cNvPicPr>
-            <a:picLocks noChangeAspect="1" noChangeArrowheads="1"/>
-          </p:cNvPicPr>
-          <p:nvPr/>
-        </p:nvPicPr>
-        <p:blipFill>
-          <a:blip r:embed="rId3">
-            <a:extLst>
-              <a:ext uri="{28A0092B-C50C-407E-A947-70E740481C1C}">
-                <a14:useLocalDpi xmlns:a14="http://schemas.microsoft.com/office/drawing/2010/main" val="0"/>
-              </a:ext>
-            </a:extLst>
-          </a:blip>
-          <a:srcRect/>
-          <a:stretch>
-            <a:fillRect/>
-          </a:stretch>
-        </p:blipFill>
-        <p:spPr bwMode="auto">
-          <a:xfrm>
-            <a:off x="3995938" y="2740829"/>
-            <a:ext cx="3744417" cy="2808315"/>
-          </a:xfrm>
-          <a:prstGeom prst="rect">
-            <a:avLst/>
-          </a:prstGeom>
-          <a:noFill/>
-          <a:extLst>
-            <a:ext uri="{909E8E84-426E-40DD-AFC4-6F175D3DCCD1}">
-              <a14:hiddenFill xmlns:a14="http://schemas.microsoft.com/office/drawing/2010/main">
-                <a:solidFill>
-                  <a:srgbClr val="FFFFFF"/>
-                </a:solidFill>
-              </a14:hiddenFill>
-            </a:ext>
-          </a:extLst>
-        </p:spPr>
-      </p:pic>
     </p:spTree>
     <p:extLst>
       <p:ext uri="{BB962C8B-B14F-4D97-AF65-F5344CB8AC3E}">
-        <p14:creationId xmlns:p14="http://schemas.microsoft.com/office/powerpoint/2010/main" val="2379150528"/>
+        <p14:creationId xmlns:p14="http://schemas.microsoft.com/office/powerpoint/2010/main" val="889496809"/>
       </p:ext>
     </p:extLst>
   </p:cSld>
@@ -16591,7 +16965,7 @@
 </file>
 
 <file path=ppt/slides/slide9.xml><?xml version="1.0" encoding="utf-8"?>
-<p:sld xmlns:a="http://schemas.openxmlformats.org/drawingml/2006/main" xmlns:r="http://schemas.openxmlformats.org/officeDocument/2006/relationships" xmlns:p="http://schemas.openxmlformats.org/presentationml/2006/main">
+<p:sld xmlns:a="http://schemas.openxmlformats.org/drawingml/2006/main" xmlns:r="http://schemas.openxmlformats.org/officeDocument/2006/relationships" xmlns:p="http://schemas.openxmlformats.org/presentationml/2006/main" show="0">
   <p:cSld>
     <p:spTree>
       <p:nvGrpSpPr>
@@ -16609,26 +16983,7 @@
       </p:grpSpPr>
       <p:sp>
         <p:nvSpPr>
-          <p:cNvPr id="5" name="Text Placeholder 4"/>
-          <p:cNvSpPr>
-            <a:spLocks noGrp="1"/>
-          </p:cNvSpPr>
-          <p:nvPr>
-            <p:ph type="body" idx="1"/>
-          </p:nvPr>
-        </p:nvSpPr>
-        <p:spPr/>
-        <p:txBody>
-          <a:bodyPr/>
-          <a:lstStyle/>
-          <a:p>
-            <a:endParaRPr lang="vi-VN" dirty="0"/>
-          </a:p>
-        </p:txBody>
-      </p:sp>
-      <p:sp>
-        <p:nvSpPr>
-          <p:cNvPr id="4" name="Title 3"/>
+          <p:cNvPr id="2" name="Title 1"/>
           <p:cNvSpPr>
             <a:spLocks noGrp="1"/>
           </p:cNvSpPr>
@@ -16638,16 +16993,14 @@
         </p:nvSpPr>
         <p:spPr/>
         <p:txBody>
-          <a:bodyPr>
-            <a:normAutofit/>
-          </a:bodyPr>
+          <a:bodyPr/>
           <a:lstStyle/>
           <a:p>
             <a:r>
-              <a:rPr lang="en-US" dirty="0" smtClean="0"/>
-              <a:t>GIẢI QUYẾT BÀI TOÁN</a:t>
-            </a:r>
-            <a:endParaRPr lang="vi-VN" dirty="0"/>
+              <a:rPr lang="en-US" smtClean="0"/>
+              <a:t>Note: </a:t>
+            </a:r>
+            <a:endParaRPr lang="en-US"/>
           </a:p>
         </p:txBody>
       </p:sp>
@@ -16658,13 +17011,13 @@
             <a:spLocks noGrp="1"/>
           </p:cNvSpPr>
           <p:nvPr>
-            <p:ph type="sldNum" sz="quarter" idx="11"/>
+            <p:ph type="sldNum" sz="quarter" idx="12"/>
           </p:nvPr>
         </p:nvSpPr>
         <p:spPr/>
         <p:txBody>
           <a:bodyPr>
-            <a:normAutofit/>
+            <a:normAutofit fontScale="85000" lnSpcReduction="20000"/>
           </a:bodyPr>
           <a:lstStyle/>
           <a:p>
@@ -16681,140 +17034,91 @@
           </a:p>
         </p:txBody>
       </p:sp>
-      <p:pic>
-        <p:nvPicPr>
-          <p:cNvPr id="1026" name="Picture 2" descr="http://www.google.com.vn/url?source=imglanding&amp;ct=img&amp;q=http://merlin2011graduates.com/blog/wp-content/uploads/2011/11/solution.png&amp;sa=X&amp;ei=aGr9Tu7MA8aSiQeNou2xAQ&amp;ved=0CAsQ8wc&amp;usg=AFQjCNGcOPplEFMSM8mg_N0VQ-_h29Jsew"/>
-          <p:cNvPicPr>
-            <a:picLocks noChangeAspect="1" noChangeArrowheads="1"/>
-          </p:cNvPicPr>
-          <p:nvPr/>
-        </p:nvPicPr>
-        <p:blipFill>
-          <a:blip r:embed="rId2">
-            <a:extLst>
-              <a:ext uri="{28A0092B-C50C-407E-A947-70E740481C1C}">
-                <a14:useLocalDpi xmlns:a14="http://schemas.microsoft.com/office/drawing/2010/main" val="0"/>
-              </a:ext>
-            </a:extLst>
-          </a:blip>
-          <a:srcRect/>
-          <a:stretch>
-            <a:fillRect/>
-          </a:stretch>
-        </p:blipFill>
-        <p:spPr bwMode="auto">
-          <a:xfrm>
-            <a:off x="14517" y="2579419"/>
-            <a:ext cx="9114971" cy="4293096"/>
-          </a:xfrm>
-          <a:prstGeom prst="rect">
-            <a:avLst/>
-          </a:prstGeom>
-          <a:noFill/>
-          <a:extLst>
-            <a:ext uri="{909E8E84-426E-40DD-AFC4-6F175D3DCCD1}">
-              <a14:hiddenFill xmlns:a14="http://schemas.microsoft.com/office/drawing/2010/main">
-                <a:solidFill>
-                  <a:srgbClr val="FFFFFF"/>
-                </a:solidFill>
-              </a14:hiddenFill>
-            </a:ext>
-          </a:extLst>
-        </p:spPr>
-      </p:pic>
+      <p:sp>
+        <p:nvSpPr>
+          <p:cNvPr id="4" name="Content Placeholder 3"/>
+          <p:cNvSpPr>
+            <a:spLocks noGrp="1"/>
+          </p:cNvSpPr>
+          <p:nvPr>
+            <p:ph sz="quarter" idx="1"/>
+          </p:nvPr>
+        </p:nvSpPr>
+        <p:spPr/>
+        <p:txBody>
+          <a:bodyPr>
+            <a:normAutofit fontScale="85000" lnSpcReduction="10000"/>
+          </a:bodyPr>
+          <a:lstStyle/>
+          <a:p>
+            <a:r>
+              <a:rPr lang="en-US"/>
+              <a:t>definitions of data, information, data files and database</a:t>
+            </a:r>
+          </a:p>
+          <a:p>
+            <a:r>
+              <a:rPr lang="en-US"/>
+              <a:t>the concept and components of information domain</a:t>
+            </a:r>
+          </a:p>
+          <a:p>
+            <a:r>
+              <a:rPr lang="en-US"/>
+              <a:t>the data-oriented approach to information system development</a:t>
+            </a:r>
+          </a:p>
+          <a:p>
+            <a:r>
+              <a:rPr lang="en-US"/>
+              <a:t>the principles and methods of information organization</a:t>
+            </a:r>
+          </a:p>
+          <a:p>
+            <a:r>
+              <a:rPr lang="en-US"/>
+              <a:t>the principles and methods of data structure</a:t>
+            </a:r>
+          </a:p>
+          <a:p>
+            <a:r>
+              <a:rPr lang="en-US"/>
+              <a:t>design and specification of data structure by data modeling</a:t>
+            </a:r>
+          </a:p>
+          <a:p>
+            <a:r>
+              <a:rPr lang="en-US"/>
+              <a:t>design and specification of data structure by process modeling</a:t>
+            </a:r>
+          </a:p>
+          <a:p>
+            <a:endParaRPr lang="en-US"/>
+          </a:p>
+        </p:txBody>
+      </p:sp>
     </p:spTree>
     <p:extLst>
       <p:ext uri="{BB962C8B-B14F-4D97-AF65-F5344CB8AC3E}">
-        <p14:creationId xmlns:p14="http://schemas.microsoft.com/office/powerpoint/2010/main" val="1789735374"/>
+        <p14:creationId xmlns:p14="http://schemas.microsoft.com/office/powerpoint/2010/main" val="438750338"/>
       </p:ext>
     </p:extLst>
   </p:cSld>
   <p:clrMapOvr>
     <a:masterClrMapping/>
   </p:clrMapOvr>
+  <mc:AlternateContent xmlns:mc="http://schemas.openxmlformats.org/markup-compatibility/2006">
+    <mc:Choice xmlns:p14="http://schemas.microsoft.com/office/powerpoint/2010/main" Requires="p14">
+      <p:transition spd="slow" p14:dur="2000"/>
+    </mc:Choice>
+    <mc:Fallback>
+      <p:transition spd="slow"/>
+    </mc:Fallback>
+  </mc:AlternateContent>
   <p:timing>
     <p:tnLst>
       <p:par>
-        <p:cTn id="1" dur="indefinite" restart="never" nodeType="tmRoot">
-          <p:childTnLst>
-            <p:seq concurrent="1" nextAc="seek">
-              <p:cTn id="2" dur="indefinite" nodeType="mainSeq">
-                <p:childTnLst>
-                  <p:par>
-                    <p:cTn id="3" fill="hold">
-                      <p:stCondLst>
-                        <p:cond delay="indefinite"/>
-                        <p:cond evt="onBegin" delay="0">
-                          <p:tn val="2"/>
-                        </p:cond>
-                      </p:stCondLst>
-                      <p:childTnLst>
-                        <p:par>
-                          <p:cTn id="4" fill="hold">
-                            <p:stCondLst>
-                              <p:cond delay="0"/>
-                            </p:stCondLst>
-                            <p:childTnLst>
-                              <p:par>
-                                <p:cTn id="5" presetID="10" presetClass="entr" presetSubtype="0" fill="hold" nodeType="withEffect">
-                                  <p:stCondLst>
-                                    <p:cond delay="0"/>
-                                  </p:stCondLst>
-                                  <p:childTnLst>
-                                    <p:set>
-                                      <p:cBhvr>
-                                        <p:cTn id="6" dur="1" fill="hold">
-                                          <p:stCondLst>
-                                            <p:cond delay="0"/>
-                                          </p:stCondLst>
-                                        </p:cTn>
-                                        <p:tgtEl>
-                                          <p:spTgt spid="1026"/>
-                                        </p:tgtEl>
-                                        <p:attrNameLst>
-                                          <p:attrName>style.visibility</p:attrName>
-                                        </p:attrNameLst>
-                                      </p:cBhvr>
-                                      <p:to>
-                                        <p:strVal val="visible"/>
-                                      </p:to>
-                                    </p:set>
-                                    <p:animEffect transition="in" filter="fade">
-                                      <p:cBhvr>
-                                        <p:cTn id="7" dur="500"/>
-                                        <p:tgtEl>
-                                          <p:spTgt spid="1026"/>
-                                        </p:tgtEl>
-                                      </p:cBhvr>
-                                    </p:animEffect>
-                                  </p:childTnLst>
-                                </p:cTn>
-                              </p:par>
-                            </p:childTnLst>
-                          </p:cTn>
-                        </p:par>
-                      </p:childTnLst>
-                    </p:cTn>
-                  </p:par>
-                </p:childTnLst>
-              </p:cTn>
-              <p:prevCondLst>
-                <p:cond evt="onPrev" delay="0">
-                  <p:tgtEl>
-                    <p:sldTgt/>
-                  </p:tgtEl>
-                </p:cond>
-              </p:prevCondLst>
-              <p:nextCondLst>
-                <p:cond evt="onNext" delay="0">
-                  <p:tgtEl>
-                    <p:sldTgt/>
-                  </p:tgtEl>
-                </p:cond>
-              </p:nextCondLst>
-            </p:seq>
-          </p:childTnLst>
-        </p:cTn>
+        <p:cTn id="1" dur="indefinite" restart="never" nodeType="tmRoot"/>
       </p:par>
     </p:tnLst>
   </p:timing>

--- a/Documents/JobZoom Presentation - Copy.pptx
+++ b/Documents/JobZoom Presentation - Copy.pptx
@@ -5,44 +5,46 @@
     <p:sldMasterId id="2147483694" r:id="rId1"/>
   </p:sldMasterIdLst>
   <p:notesMasterIdLst>
-    <p:notesMasterId r:id="rId34"/>
+    <p:notesMasterId r:id="rId36"/>
   </p:notesMasterIdLst>
   <p:handoutMasterIdLst>
-    <p:handoutMasterId r:id="rId35"/>
+    <p:handoutMasterId r:id="rId37"/>
   </p:handoutMasterIdLst>
   <p:sldIdLst>
-    <p:sldId id="256" r:id="rId2"/>
-    <p:sldId id="257" r:id="rId3"/>
-    <p:sldId id="258" r:id="rId4"/>
-    <p:sldId id="259" r:id="rId5"/>
-    <p:sldId id="284" r:id="rId6"/>
-    <p:sldId id="283" r:id="rId7"/>
-    <p:sldId id="261" r:id="rId8"/>
-    <p:sldId id="290" r:id="rId9"/>
-    <p:sldId id="286" r:id="rId10"/>
-    <p:sldId id="287" r:id="rId11"/>
-    <p:sldId id="288" r:id="rId12"/>
-    <p:sldId id="263" r:id="rId13"/>
-    <p:sldId id="289" r:id="rId14"/>
-    <p:sldId id="280" r:id="rId15"/>
-    <p:sldId id="285" r:id="rId16"/>
-    <p:sldId id="265" r:id="rId17"/>
-    <p:sldId id="266" r:id="rId18"/>
-    <p:sldId id="282" r:id="rId19"/>
-    <p:sldId id="267" r:id="rId20"/>
-    <p:sldId id="268" r:id="rId21"/>
-    <p:sldId id="269" r:id="rId22"/>
-    <p:sldId id="264" r:id="rId23"/>
-    <p:sldId id="270" r:id="rId24"/>
-    <p:sldId id="271" r:id="rId25"/>
-    <p:sldId id="272" r:id="rId26"/>
-    <p:sldId id="273" r:id="rId27"/>
-    <p:sldId id="274" r:id="rId28"/>
-    <p:sldId id="275" r:id="rId29"/>
-    <p:sldId id="279" r:id="rId30"/>
-    <p:sldId id="276" r:id="rId31"/>
-    <p:sldId id="277" r:id="rId32"/>
-    <p:sldId id="278" r:id="rId33"/>
+    <p:sldId id="292" r:id="rId2"/>
+    <p:sldId id="256" r:id="rId3"/>
+    <p:sldId id="257" r:id="rId4"/>
+    <p:sldId id="258" r:id="rId5"/>
+    <p:sldId id="259" r:id="rId6"/>
+    <p:sldId id="284" r:id="rId7"/>
+    <p:sldId id="283" r:id="rId8"/>
+    <p:sldId id="261" r:id="rId9"/>
+    <p:sldId id="290" r:id="rId10"/>
+    <p:sldId id="286" r:id="rId11"/>
+    <p:sldId id="287" r:id="rId12"/>
+    <p:sldId id="288" r:id="rId13"/>
+    <p:sldId id="291" r:id="rId14"/>
+    <p:sldId id="263" r:id="rId15"/>
+    <p:sldId id="289" r:id="rId16"/>
+    <p:sldId id="280" r:id="rId17"/>
+    <p:sldId id="285" r:id="rId18"/>
+    <p:sldId id="265" r:id="rId19"/>
+    <p:sldId id="266" r:id="rId20"/>
+    <p:sldId id="282" r:id="rId21"/>
+    <p:sldId id="267" r:id="rId22"/>
+    <p:sldId id="268" r:id="rId23"/>
+    <p:sldId id="269" r:id="rId24"/>
+    <p:sldId id="264" r:id="rId25"/>
+    <p:sldId id="270" r:id="rId26"/>
+    <p:sldId id="271" r:id="rId27"/>
+    <p:sldId id="272" r:id="rId28"/>
+    <p:sldId id="273" r:id="rId29"/>
+    <p:sldId id="274" r:id="rId30"/>
+    <p:sldId id="275" r:id="rId31"/>
+    <p:sldId id="279" r:id="rId32"/>
+    <p:sldId id="276" r:id="rId33"/>
+    <p:sldId id="277" r:id="rId34"/>
+    <p:sldId id="278" r:id="rId35"/>
   </p:sldIdLst>
   <p:sldSz cx="9144000" cy="6858000" type="screen4x3"/>
   <p:notesSz cx="6858000" cy="9144000"/>
@@ -9444,7 +9446,7 @@
 </file>
 
 <file path=ppt/slides/slide1.xml><?xml version="1.0" encoding="utf-8"?>
-<p:sld xmlns:a="http://schemas.openxmlformats.org/drawingml/2006/main" xmlns:r="http://schemas.openxmlformats.org/officeDocument/2006/relationships" xmlns:p="http://schemas.openxmlformats.org/presentationml/2006/main">
+<p:sld xmlns:a="http://schemas.openxmlformats.org/drawingml/2006/main" xmlns:r="http://schemas.openxmlformats.org/officeDocument/2006/relationships" xmlns:p="http://schemas.openxmlformats.org/presentationml/2006/main" show="0">
   <p:cSld>
     <p:spTree>
       <p:nvGrpSpPr>
@@ -9460,257 +9462,50 @@
           <a:chExt cx="0" cy="0"/>
         </a:xfrm>
       </p:grpSpPr>
-      <p:pic>
-        <p:nvPicPr>
-          <p:cNvPr id="3073" name="Picture 1"/>
-          <p:cNvPicPr>
-            <a:picLocks noChangeAspect="1" noChangeArrowheads="1"/>
-          </p:cNvPicPr>
-          <p:nvPr/>
-        </p:nvPicPr>
-        <p:blipFill>
-          <a:blip r:embed="rId3">
-            <a:duotone>
-              <a:schemeClr val="accent5">
-                <a:shade val="45000"/>
-                <a:satMod val="135000"/>
-              </a:schemeClr>
-              <a:prstClr val="white"/>
-            </a:duotone>
-            <a:extLst>
-              <a:ext uri="{BEBA8EAE-BF5A-486C-A8C5-ECC9F3942E4B}">
-                <a14:imgProps xmlns:a14="http://schemas.microsoft.com/office/drawing/2010/main">
-                  <a14:imgLayer r:embed="rId4">
-                    <a14:imgEffect>
-                      <a14:brightnessContrast bright="20000"/>
-                    </a14:imgEffect>
-                  </a14:imgLayer>
-                </a14:imgProps>
-              </a:ext>
-              <a:ext uri="{28A0092B-C50C-407E-A947-70E740481C1C}">
-                <a14:useLocalDpi xmlns:a14="http://schemas.microsoft.com/office/drawing/2010/main" val="0"/>
-              </a:ext>
-            </a:extLst>
-          </a:blip>
-          <a:srcRect/>
-          <a:stretch>
-            <a:fillRect/>
-          </a:stretch>
-        </p:blipFill>
-        <p:spPr bwMode="auto">
-          <a:xfrm>
-            <a:off x="9784" y="-27384"/>
-            <a:ext cx="9179902" cy="6058927"/>
-          </a:xfrm>
-          <a:prstGeom prst="rect">
-            <a:avLst/>
-          </a:prstGeom>
-          <a:noFill/>
-          <a:ln>
-            <a:noFill/>
-          </a:ln>
-          <a:effectLst/>
-          <a:extLst>
-            <a:ext uri="{909E8E84-426E-40DD-AFC4-6F175D3DCCD1}">
-              <a14:hiddenFill xmlns:a14="http://schemas.microsoft.com/office/drawing/2010/main">
-                <a:solidFill>
-                  <a:schemeClr val="accent1"/>
-                </a:solidFill>
-              </a14:hiddenFill>
-            </a:ext>
-            <a:ext uri="{91240B29-F687-4F45-9708-019B960494DF}">
-              <a14:hiddenLine xmlns:a14="http://schemas.microsoft.com/office/drawing/2010/main" w="9525">
-                <a:solidFill>
-                  <a:schemeClr val="tx1"/>
-                </a:solidFill>
-                <a:miter lim="800000"/>
-                <a:headEnd/>
-                <a:tailEnd/>
-              </a14:hiddenLine>
-            </a:ext>
-            <a:ext uri="{AF507438-7753-43E0-B8FC-AC1667EBCBE1}">
-              <a14:hiddenEffects xmlns:a14="http://schemas.microsoft.com/office/drawing/2010/main">
-                <a:effectLst>
-                  <a:outerShdw dist="35921" dir="2700000" algn="ctr" rotWithShape="0">
-                    <a:schemeClr val="bg2"/>
-                  </a:outerShdw>
-                </a:effectLst>
-              </a14:hiddenEffects>
-            </a:ext>
-          </a:extLst>
-        </p:spPr>
-      </p:pic>
       <p:sp>
         <p:nvSpPr>
-          <p:cNvPr id="2" name="Rectangle 1"/>
+          <p:cNvPr id="3" name="Slide Number Placeholder 2"/>
           <p:cNvSpPr>
             <a:spLocks noGrp="1"/>
           </p:cNvSpPr>
           <p:nvPr>
-            <p:ph type="ctrTitle"/>
+            <p:ph type="sldNum" sz="quarter" idx="12"/>
+          </p:nvPr>
+        </p:nvSpPr>
+        <p:spPr/>
+        <p:txBody>
+          <a:bodyPr>
+            <a:normAutofit/>
+          </a:bodyPr>
+          <a:lstStyle/>
+          <a:p>
+            <a:fld id="{1AD93096-5B34-4342-9326-69289CEAE4C2}" type="slidenum">
+              <a:rPr lang="en-US" smtClean="0"/>
+              <a:pPr/>
+              <a:t>1</a:t>
+            </a:fld>
+            <a:endParaRPr lang="en-US" dirty="0">
+              <a:solidFill>
+                <a:srgbClr val="FFFFFF"/>
+              </a:solidFill>
+            </a:endParaRPr>
+          </a:p>
+        </p:txBody>
+      </p:sp>
+      <p:sp>
+        <p:nvSpPr>
+          <p:cNvPr id="4" name="Content Placeholder 3"/>
+          <p:cNvSpPr>
+            <a:spLocks noGrp="1"/>
+          </p:cNvSpPr>
+          <p:nvPr>
+            <p:ph sz="quarter" idx="4294967295"/>
           </p:nvPr>
         </p:nvSpPr>
         <p:spPr>
           <a:xfrm>
-            <a:off x="0" y="2062155"/>
-            <a:ext cx="9144000" cy="1879848"/>
-          </a:xfrm>
-        </p:spPr>
-        <p:txBody>
-          <a:bodyPr anchor="ctr">
-            <a:noAutofit/>
-            <a:scene3d>
-              <a:camera prst="orthographicFront">
-                <a:rot lat="0" lon="0" rev="0"/>
-              </a:camera>
-              <a:lightRig rig="contrasting" dir="t">
-                <a:rot lat="0" lon="0" rev="4500000"/>
-              </a:lightRig>
-            </a:scene3d>
-            <a:sp3d contourW="6350" prstMaterial="metal">
-              <a:bevelT w="127000" h="31750" prst="relaxedInset"/>
-              <a:contourClr>
-                <a:schemeClr val="accent1">
-                  <a:shade val="75000"/>
-                </a:schemeClr>
-              </a:contourClr>
-            </a:sp3d>
-          </a:bodyPr>
-          <a:lstStyle/>
-          <a:p>
-            <a:pPr algn="ctr"/>
-            <a:r>
-              <a:rPr lang="en-US" sz="4000" dirty="0" err="1" smtClean="0">
-                <a:latin typeface="Times New Roman" pitchFamily="18" charset="0"/>
-                <a:cs typeface="Times New Roman" pitchFamily="18" charset="0"/>
-              </a:rPr>
-              <a:t>Xây</a:t>
-            </a:r>
-            <a:r>
-              <a:rPr lang="en-US" sz="4000" dirty="0" smtClean="0">
-                <a:latin typeface="Times New Roman" pitchFamily="18" charset="0"/>
-                <a:cs typeface="Times New Roman" pitchFamily="18" charset="0"/>
-              </a:rPr>
-              <a:t> </a:t>
-            </a:r>
-            <a:r>
-              <a:rPr lang="en-US" sz="4000" dirty="0" err="1" smtClean="0">
-                <a:latin typeface="Times New Roman" pitchFamily="18" charset="0"/>
-                <a:cs typeface="Times New Roman" pitchFamily="18" charset="0"/>
-              </a:rPr>
-              <a:t>dựng</a:t>
-            </a:r>
-            <a:r>
-              <a:rPr lang="en-US" sz="4000" dirty="0" smtClean="0">
-                <a:latin typeface="Times New Roman" pitchFamily="18" charset="0"/>
-                <a:cs typeface="Times New Roman" pitchFamily="18" charset="0"/>
-              </a:rPr>
-              <a:t> </a:t>
-            </a:r>
-            <a:r>
-              <a:rPr lang="en-US" sz="4000" dirty="0" err="1" smtClean="0">
-                <a:latin typeface="Times New Roman" pitchFamily="18" charset="0"/>
-                <a:cs typeface="Times New Roman" pitchFamily="18" charset="0"/>
-              </a:rPr>
-              <a:t>kiến</a:t>
-            </a:r>
-            <a:r>
-              <a:rPr lang="en-US" sz="4000" dirty="0" smtClean="0">
-                <a:latin typeface="Times New Roman" pitchFamily="18" charset="0"/>
-                <a:cs typeface="Times New Roman" pitchFamily="18" charset="0"/>
-              </a:rPr>
-              <a:t> </a:t>
-            </a:r>
-            <a:r>
-              <a:rPr lang="en-US" sz="4000" dirty="0" err="1" smtClean="0">
-                <a:latin typeface="Times New Roman" pitchFamily="18" charset="0"/>
-                <a:cs typeface="Times New Roman" pitchFamily="18" charset="0"/>
-              </a:rPr>
-              <a:t>trúc</a:t>
-            </a:r>
-            <a:r>
-              <a:rPr lang="en-US" sz="4000" dirty="0" smtClean="0">
-                <a:latin typeface="Times New Roman" pitchFamily="18" charset="0"/>
-                <a:cs typeface="Times New Roman" pitchFamily="18" charset="0"/>
-              </a:rPr>
-              <a:t/>
-            </a:r>
-            <a:br>
-              <a:rPr lang="en-US" sz="4000" dirty="0" smtClean="0">
-                <a:latin typeface="Times New Roman" pitchFamily="18" charset="0"/>
-                <a:cs typeface="Times New Roman" pitchFamily="18" charset="0"/>
-              </a:rPr>
-            </a:br>
-            <a:r>
-              <a:rPr lang="en-US" sz="4000" dirty="0" err="1" smtClean="0">
-                <a:latin typeface="Times New Roman" pitchFamily="18" charset="0"/>
-                <a:cs typeface="Times New Roman" pitchFamily="18" charset="0"/>
-              </a:rPr>
-              <a:t>cổng</a:t>
-            </a:r>
-            <a:r>
-              <a:rPr lang="en-US" sz="4000" dirty="0" smtClean="0">
-                <a:latin typeface="Times New Roman" pitchFamily="18" charset="0"/>
-                <a:cs typeface="Times New Roman" pitchFamily="18" charset="0"/>
-              </a:rPr>
-              <a:t> </a:t>
-            </a:r>
-            <a:r>
-              <a:rPr lang="en-US" sz="4000" dirty="0" err="1" smtClean="0">
-                <a:latin typeface="Times New Roman" pitchFamily="18" charset="0"/>
-                <a:cs typeface="Times New Roman" pitchFamily="18" charset="0"/>
-              </a:rPr>
-              <a:t>thông</a:t>
-            </a:r>
-            <a:r>
-              <a:rPr lang="en-US" sz="4000" dirty="0" smtClean="0">
-                <a:latin typeface="Times New Roman" pitchFamily="18" charset="0"/>
-                <a:cs typeface="Times New Roman" pitchFamily="18" charset="0"/>
-              </a:rPr>
-              <a:t> tin </a:t>
-            </a:r>
-            <a:r>
-              <a:rPr lang="en-US" sz="4000" dirty="0" err="1" smtClean="0">
-                <a:latin typeface="Times New Roman" pitchFamily="18" charset="0"/>
-                <a:cs typeface="Times New Roman" pitchFamily="18" charset="0"/>
-              </a:rPr>
-              <a:t>tìm</a:t>
-            </a:r>
-            <a:r>
-              <a:rPr lang="en-US" sz="4000" dirty="0" smtClean="0">
-                <a:latin typeface="Times New Roman" pitchFamily="18" charset="0"/>
-                <a:cs typeface="Times New Roman" pitchFamily="18" charset="0"/>
-              </a:rPr>
-              <a:t> </a:t>
-            </a:r>
-            <a:r>
-              <a:rPr lang="en-US" sz="4000" dirty="0" err="1" smtClean="0">
-                <a:latin typeface="Times New Roman" pitchFamily="18" charset="0"/>
-                <a:cs typeface="Times New Roman" pitchFamily="18" charset="0"/>
-              </a:rPr>
-              <a:t>việc</a:t>
-            </a:r>
-            <a:endParaRPr lang="en-US" sz="4800" dirty="0">
-              <a:latin typeface="Times New Roman" pitchFamily="18" charset="0"/>
-              <a:cs typeface="Times New Roman" pitchFamily="18" charset="0"/>
-            </a:endParaRPr>
-          </a:p>
-        </p:txBody>
-      </p:sp>
-      <p:sp>
-        <p:nvSpPr>
-          <p:cNvPr id="3" name="Rectangle 2"/>
-          <p:cNvSpPr>
-            <a:spLocks noGrp="1"/>
-          </p:cNvSpPr>
-          <p:nvPr>
-            <p:ph type="subTitle" idx="1"/>
-          </p:nvPr>
-        </p:nvSpPr>
-        <p:spPr>
-          <a:xfrm>
-            <a:off x="-5444" y="6069023"/>
-            <a:ext cx="2201180" cy="685800"/>
+            <a:off x="0" y="0"/>
+            <a:ext cx="9144000" cy="6096000"/>
           </a:xfrm>
         </p:spPr>
         <p:txBody>
@@ -9719,480 +9514,95 @@
           </a:bodyPr>
           <a:lstStyle/>
           <a:p>
-            <a:pPr algn="ctr"/>
-            <a:r>
-              <a:rPr lang="en-US" dirty="0" smtClean="0"/>
-              <a:t>07/01/2012</a:t>
-            </a:r>
-          </a:p>
-        </p:txBody>
-      </p:sp>
-      <p:pic>
-        <p:nvPicPr>
-          <p:cNvPr id="6" name="Picture 5" descr="logoVNbottom.wmf"/>
-          <p:cNvPicPr>
-            <a:picLocks noChangeAspect="1"/>
-          </p:cNvPicPr>
-          <p:nvPr/>
-        </p:nvPicPr>
-        <p:blipFill>
-          <a:blip r:embed="rId5" cstate="print">
-            <a:duotone>
-              <a:schemeClr val="accent2">
-                <a:shade val="45000"/>
-                <a:satMod val="135000"/>
-              </a:schemeClr>
-              <a:prstClr val="white"/>
-            </a:duotone>
-            <a:lum contrast="-40000"/>
-          </a:blip>
-          <a:stretch>
-            <a:fillRect/>
-          </a:stretch>
-        </p:blipFill>
-        <p:spPr>
-          <a:xfrm>
-            <a:off x="323529" y="305063"/>
-            <a:ext cx="2520281" cy="1157237"/>
-          </a:xfrm>
-          <a:prstGeom prst="rect">
-            <a:avLst/>
-          </a:prstGeom>
-        </p:spPr>
-      </p:pic>
-      <p:sp>
-        <p:nvSpPr>
-          <p:cNvPr id="5" name="Rectangle 1"/>
-          <p:cNvSpPr txBox="1">
-            <a:spLocks/>
-          </p:cNvSpPr>
-          <p:nvPr/>
-        </p:nvSpPr>
-        <p:spPr>
-          <a:xfrm>
-            <a:off x="2339752" y="6031543"/>
-            <a:ext cx="4806752" cy="692696"/>
-          </a:xfrm>
-          <a:prstGeom prst="rect">
-            <a:avLst/>
-          </a:prstGeom>
-        </p:spPr>
-        <p:txBody>
-          <a:bodyPr vert="horz" anchor="ctr">
-            <a:noAutofit/>
-          </a:bodyPr>
-          <a:lstStyle>
-            <a:lvl1pPr algn="l" rtl="0" eaLnBrk="1" latinLnBrk="0" hangingPunct="1">
-              <a:spcBef>
-                <a:spcPct val="0"/>
-              </a:spcBef>
-              <a:buNone/>
-              <a:defRPr sz="4400" kern="1200" cap="all" baseline="0">
-                <a:solidFill>
-                  <a:schemeClr val="tx2"/>
-                </a:solidFill>
-                <a:latin typeface="+mj-lt"/>
-                <a:ea typeface="+mj-ea"/>
-                <a:cs typeface="+mj-cs"/>
-              </a:defRPr>
-            </a:lvl1pPr>
-          </a:lstStyle>
-          <a:p>
-            <a:pPr algn="ctr"/>
-            <a:r>
-              <a:rPr lang="en-US" sz="2800" cap="none" dirty="0" smtClean="0">
-                <a:ln w="18415" cmpd="sng">
-                  <a:solidFill>
-                    <a:srgbClr val="FFFFFF"/>
-                  </a:solidFill>
-                  <a:prstDash val="solid"/>
-                </a:ln>
-                <a:solidFill>
-                  <a:srgbClr val="FFFFFF"/>
-                </a:solidFill>
-                <a:effectLst>
-                  <a:outerShdw blurRad="63500" dir="3600000" algn="tl" rotWithShape="0">
-                    <a:srgbClr val="000000">
-                      <a:alpha val="70000"/>
-                    </a:srgbClr>
-                  </a:outerShdw>
-                </a:effectLst>
-                <a:latin typeface="Times New Roman" pitchFamily="18" charset="0"/>
-                <a:cs typeface="Times New Roman" pitchFamily="18" charset="0"/>
-              </a:rPr>
-              <a:t>KHOÁ LUẬN TỐT NGHIỆP</a:t>
-            </a:r>
-            <a:endParaRPr lang="en-US" sz="3600" cap="none" dirty="0">
-              <a:ln w="18415" cmpd="sng">
-                <a:solidFill>
-                  <a:srgbClr val="FFFFFF"/>
-                </a:solidFill>
-                <a:prstDash val="solid"/>
-              </a:ln>
-              <a:solidFill>
-                <a:srgbClr val="FFFFFF"/>
-              </a:solidFill>
-              <a:effectLst>
-                <a:outerShdw blurRad="63500" dir="3600000" algn="tl" rotWithShape="0">
-                  <a:srgbClr val="000000">
-                    <a:alpha val="70000"/>
-                  </a:srgbClr>
-                </a:outerShdw>
-              </a:effectLst>
-              <a:latin typeface="Times New Roman" pitchFamily="18" charset="0"/>
-              <a:cs typeface="Times New Roman" pitchFamily="18" charset="0"/>
-            </a:endParaRPr>
-          </a:p>
-        </p:txBody>
-      </p:sp>
-      <p:sp>
-        <p:nvSpPr>
-          <p:cNvPr id="7" name="Rectangle 1"/>
-          <p:cNvSpPr txBox="1">
-            <a:spLocks/>
-          </p:cNvSpPr>
-          <p:nvPr/>
-        </p:nvSpPr>
-        <p:spPr>
-          <a:xfrm>
-            <a:off x="0" y="4005064"/>
-            <a:ext cx="9144000" cy="1879848"/>
-          </a:xfrm>
-          <a:prstGeom prst="rect">
-            <a:avLst/>
-          </a:prstGeom>
-        </p:spPr>
-        <p:txBody>
-          <a:bodyPr vert="horz" anchor="ctr">
-            <a:noAutofit/>
-            <a:scene3d>
-              <a:camera prst="orthographicFront">
-                <a:rot lat="0" lon="0" rev="0"/>
-              </a:camera>
-              <a:lightRig rig="contrasting" dir="t">
-                <a:rot lat="0" lon="0" rev="4500000"/>
-              </a:lightRig>
-            </a:scene3d>
-            <a:sp3d contourW="6350" prstMaterial="metal">
-              <a:bevelT w="127000" h="31750" prst="relaxedInset"/>
-              <a:contourClr>
-                <a:schemeClr val="accent1">
-                  <a:shade val="75000"/>
-                </a:schemeClr>
-              </a:contourClr>
-            </a:sp3d>
-          </a:bodyPr>
-          <a:lstStyle>
-            <a:lvl1pPr algn="l" rtl="0" eaLnBrk="1" latinLnBrk="0" hangingPunct="1">
-              <a:spcBef>
-                <a:spcPct val="0"/>
-              </a:spcBef>
-              <a:buNone/>
-              <a:defRPr sz="4400" b="1" kern="1200" cap="all" spc="0" baseline="0">
-                <a:ln w="0"/>
-                <a:gradFill flip="none">
-                  <a:gsLst>
-                    <a:gs pos="0">
-                      <a:schemeClr val="accent1">
-                        <a:tint val="75000"/>
-                        <a:shade val="75000"/>
-                        <a:satMod val="170000"/>
-                      </a:schemeClr>
-                    </a:gs>
-                    <a:gs pos="49000">
-                      <a:schemeClr val="accent1">
-                        <a:tint val="88000"/>
-                        <a:shade val="65000"/>
-                        <a:satMod val="172000"/>
-                      </a:schemeClr>
-                    </a:gs>
-                    <a:gs pos="50000">
-                      <a:schemeClr val="accent1">
-                        <a:shade val="65000"/>
-                        <a:satMod val="130000"/>
-                      </a:schemeClr>
-                    </a:gs>
-                    <a:gs pos="92000">
-                      <a:schemeClr val="accent1">
-                        <a:shade val="50000"/>
-                        <a:satMod val="120000"/>
-                      </a:schemeClr>
-                    </a:gs>
-                    <a:gs pos="100000">
-                      <a:schemeClr val="accent1">
-                        <a:shade val="48000"/>
-                        <a:satMod val="120000"/>
-                      </a:schemeClr>
-                    </a:gs>
-                  </a:gsLst>
-                  <a:lin ang="5400000"/>
-                </a:gradFill>
-                <a:effectLst>
-                  <a:reflection blurRad="12700" stA="50000" endPos="50000" dist="5000" dir="5400000" sy="-100000" rotWithShape="0"/>
-                </a:effectLst>
-                <a:latin typeface="Times New Roman" pitchFamily="18" charset="0"/>
-                <a:ea typeface="+mj-ea"/>
-                <a:cs typeface="Times New Roman" pitchFamily="18" charset="0"/>
-              </a:defRPr>
-            </a:lvl1pPr>
-          </a:lstStyle>
-          <a:p>
-            <a:pPr>
-              <a:lnSpc>
-                <a:spcPct val="150000"/>
-              </a:lnSpc>
-            </a:pPr>
-            <a:r>
-              <a:rPr lang="en-US" sz="2200" dirty="0" smtClean="0">
-                <a:effectLst/>
-              </a:rPr>
-              <a:t>	GIẢNG VIÊN HƯỚNG DẪN:	 TS. </a:t>
-            </a:r>
-            <a:r>
-              <a:rPr lang="en-US" sz="2200" dirty="0" err="1" smtClean="0">
-                <a:effectLst/>
-              </a:rPr>
-              <a:t>Trần</a:t>
-            </a:r>
-            <a:r>
-              <a:rPr lang="en-US" sz="2200" dirty="0" smtClean="0">
-                <a:effectLst/>
-              </a:rPr>
-              <a:t> </a:t>
-            </a:r>
-            <a:r>
-              <a:rPr lang="en-US" sz="2200" dirty="0" err="1" smtClean="0">
-                <a:effectLst/>
-              </a:rPr>
-              <a:t>vũ</a:t>
-            </a:r>
-            <a:r>
-              <a:rPr lang="en-US" sz="2200" dirty="0" smtClean="0">
-                <a:effectLst/>
-              </a:rPr>
-              <a:t> </a:t>
-            </a:r>
-            <a:r>
-              <a:rPr lang="en-US" sz="2200" dirty="0" err="1" smtClean="0">
-                <a:effectLst/>
-              </a:rPr>
-              <a:t>bình</a:t>
-            </a:r>
-            <a:endParaRPr lang="en-US" sz="2200" dirty="0" smtClean="0">
-              <a:effectLst/>
-            </a:endParaRPr>
-          </a:p>
-          <a:p>
-            <a:pPr>
-              <a:lnSpc>
-                <a:spcPct val="150000"/>
-              </a:lnSpc>
-            </a:pPr>
-            <a:r>
-              <a:rPr lang="en-US" sz="2200" dirty="0" smtClean="0">
-                <a:effectLst/>
-              </a:rPr>
-              <a:t>	</a:t>
-            </a:r>
-            <a:r>
-              <a:rPr lang="en-US" sz="2200" dirty="0" err="1" smtClean="0">
-                <a:effectLst/>
-              </a:rPr>
-              <a:t>Sinh</a:t>
-            </a:r>
-            <a:r>
-              <a:rPr lang="en-US" sz="2200" dirty="0" smtClean="0">
-                <a:effectLst/>
-              </a:rPr>
-              <a:t> </a:t>
-            </a:r>
-            <a:r>
-              <a:rPr lang="en-US" sz="2200" dirty="0" err="1" smtClean="0">
-                <a:effectLst/>
-              </a:rPr>
-              <a:t>viên</a:t>
-            </a:r>
-            <a:r>
-              <a:rPr lang="en-US" sz="2200" dirty="0" smtClean="0">
-                <a:effectLst/>
-              </a:rPr>
-              <a:t> </a:t>
-            </a:r>
-            <a:r>
-              <a:rPr lang="en-US" sz="2200" dirty="0" err="1" smtClean="0">
-                <a:effectLst/>
-              </a:rPr>
-              <a:t>thực</a:t>
-            </a:r>
-            <a:r>
-              <a:rPr lang="en-US" sz="2200" dirty="0" smtClean="0">
-                <a:effectLst/>
-              </a:rPr>
-              <a:t> </a:t>
-            </a:r>
-            <a:r>
-              <a:rPr lang="en-US" sz="2200" dirty="0" err="1" smtClean="0">
-                <a:effectLst/>
-              </a:rPr>
-              <a:t>hiện</a:t>
-            </a:r>
-            <a:r>
-              <a:rPr lang="en-US" sz="2200" dirty="0" smtClean="0">
-                <a:effectLst/>
-              </a:rPr>
-              <a:t>:	</a:t>
-            </a:r>
-            <a:r>
-              <a:rPr lang="en-US" sz="2200" dirty="0" err="1" smtClean="0">
-                <a:effectLst/>
-              </a:rPr>
-              <a:t>lê</a:t>
-            </a:r>
-            <a:r>
-              <a:rPr lang="en-US" sz="2200" dirty="0" smtClean="0">
-                <a:effectLst/>
-              </a:rPr>
-              <a:t> </a:t>
-            </a:r>
-            <a:r>
-              <a:rPr lang="en-US" sz="2200" dirty="0" err="1" smtClean="0">
-                <a:effectLst/>
-              </a:rPr>
-              <a:t>trung</a:t>
-            </a:r>
-            <a:r>
-              <a:rPr lang="en-US" sz="2200" dirty="0" smtClean="0">
-                <a:effectLst/>
-              </a:rPr>
-              <a:t> </a:t>
-            </a:r>
-            <a:r>
-              <a:rPr lang="en-US" sz="2200" dirty="0" err="1" smtClean="0">
-                <a:effectLst/>
-              </a:rPr>
-              <a:t>hiếu</a:t>
-            </a:r>
-            <a:endParaRPr lang="en-US" sz="2200" dirty="0" smtClean="0">
-              <a:effectLst/>
-            </a:endParaRPr>
-          </a:p>
-          <a:p>
-            <a:pPr>
-              <a:lnSpc>
-                <a:spcPct val="150000"/>
-              </a:lnSpc>
-            </a:pPr>
-            <a:r>
-              <a:rPr lang="en-US" sz="2200" dirty="0" smtClean="0">
-                <a:effectLst/>
-              </a:rPr>
-              <a:t>					</a:t>
-            </a:r>
-            <a:r>
-              <a:rPr lang="en-US" sz="2200" dirty="0" err="1" smtClean="0">
-                <a:effectLst/>
-              </a:rPr>
-              <a:t>Phùng</a:t>
-            </a:r>
-            <a:r>
-              <a:rPr lang="en-US" sz="2200" dirty="0" smtClean="0">
-                <a:effectLst/>
-              </a:rPr>
-              <a:t> </a:t>
-            </a:r>
-            <a:r>
-              <a:rPr lang="en-US" sz="2200" dirty="0" err="1" smtClean="0">
-                <a:effectLst/>
-              </a:rPr>
-              <a:t>chí</a:t>
-            </a:r>
-            <a:r>
-              <a:rPr lang="en-US" sz="2200" dirty="0" smtClean="0">
-                <a:effectLst/>
-              </a:rPr>
-              <a:t> </a:t>
-            </a:r>
-            <a:r>
-              <a:rPr lang="en-US" sz="2200" dirty="0" err="1" smtClean="0">
-                <a:effectLst/>
-              </a:rPr>
-              <a:t>nguyên</a:t>
-            </a:r>
-            <a:endParaRPr lang="en-US" sz="2200" dirty="0" smtClean="0">
-              <a:effectLst/>
-            </a:endParaRPr>
-          </a:p>
-          <a:p>
-            <a:pPr>
-              <a:lnSpc>
-                <a:spcPct val="150000"/>
-              </a:lnSpc>
-            </a:pPr>
-            <a:r>
-              <a:rPr lang="en-US" sz="2200" dirty="0" smtClean="0">
-                <a:effectLst/>
-              </a:rPr>
-              <a:t>					</a:t>
-            </a:r>
-            <a:r>
-              <a:rPr lang="en-US" sz="2200" dirty="0" err="1" smtClean="0">
-                <a:effectLst/>
-              </a:rPr>
-              <a:t>Lê</a:t>
-            </a:r>
-            <a:r>
-              <a:rPr lang="en-US" sz="2200" dirty="0" smtClean="0">
-                <a:effectLst/>
-              </a:rPr>
-              <a:t> </a:t>
-            </a:r>
-            <a:r>
-              <a:rPr lang="en-US" sz="2200" dirty="0" err="1" smtClean="0">
-                <a:effectLst/>
-              </a:rPr>
-              <a:t>dương</a:t>
-            </a:r>
-            <a:r>
-              <a:rPr lang="en-US" sz="2200" dirty="0" smtClean="0">
-                <a:effectLst/>
-              </a:rPr>
-              <a:t> </a:t>
-            </a:r>
-            <a:r>
-              <a:rPr lang="en-US" sz="2200" dirty="0" err="1" smtClean="0">
-                <a:effectLst/>
-              </a:rPr>
-              <a:t>công</a:t>
-            </a:r>
-            <a:r>
-              <a:rPr lang="en-US" sz="2200" dirty="0" smtClean="0">
-                <a:effectLst/>
-              </a:rPr>
-              <a:t> </a:t>
-            </a:r>
-            <a:r>
-              <a:rPr lang="en-US" sz="2200" dirty="0" err="1" smtClean="0">
-                <a:effectLst/>
-              </a:rPr>
-              <a:t>phúc</a:t>
-            </a:r>
-            <a:endParaRPr lang="en-US" sz="2200" dirty="0" smtClean="0">
-              <a:effectLst/>
-            </a:endParaRPr>
+            <a:r>
+              <a:rPr lang="en-US" smtClean="0"/>
+              <a:t>Thuyết trình: 15 mins</a:t>
+            </a:r>
+          </a:p>
+          <a:p>
+            <a:pPr lvl="1"/>
+            <a:r>
+              <a:rPr lang="en-US" smtClean="0"/>
+              <a:t>Giới thiệu bài toán: 				3 mins</a:t>
+            </a:r>
+          </a:p>
+          <a:p>
+            <a:pPr lvl="1"/>
+            <a:r>
+              <a:rPr lang="en-US" smtClean="0"/>
+              <a:t>Giải quyết bài toán:</a:t>
+            </a:r>
+          </a:p>
+          <a:p>
+            <a:pPr lvl="2"/>
+            <a:r>
+              <a:rPr lang="en-US" smtClean="0"/>
+              <a:t>Tổ chức thông tin theo Hierarchy: 		2 mins</a:t>
+            </a:r>
+          </a:p>
+          <a:p>
+            <a:pPr lvl="2"/>
+            <a:r>
+              <a:rPr lang="en-US" smtClean="0"/>
+              <a:t>So khớp thông tin: 				2 mins</a:t>
+            </a:r>
+          </a:p>
+          <a:p>
+            <a:pPr lvl="2"/>
+            <a:r>
+              <a:rPr lang="en-US" smtClean="0"/>
+              <a:t>Ứng dụng Decision tree			2 mins</a:t>
+            </a:r>
+          </a:p>
+          <a:p>
+            <a:pPr lvl="1"/>
+            <a:r>
+              <a:rPr lang="en-US" smtClean="0"/>
+              <a:t>Giải pháp Job Zoom framework: 5 phút</a:t>
+            </a:r>
+          </a:p>
+          <a:p>
+            <a:pPr lvl="2"/>
+            <a:r>
+              <a:rPr lang="en-US" smtClean="0"/>
+              <a:t>Các vấn đề cần giải quyết:			1 min</a:t>
+            </a:r>
+          </a:p>
+          <a:p>
+            <a:pPr lvl="2"/>
+            <a:endParaRPr lang="en-US" smtClean="0"/>
+          </a:p>
+          <a:p>
+            <a:r>
+              <a:rPr lang="en-US" smtClean="0"/>
+              <a:t>Demo: 10 phút</a:t>
+            </a:r>
+          </a:p>
+          <a:p>
+            <a:r>
+              <a:rPr lang="en-US" smtClean="0"/>
+              <a:t>Q&amp;A: 20 phút</a:t>
+            </a:r>
+            <a:endParaRPr lang="en-US"/>
           </a:p>
         </p:txBody>
       </p:sp>
     </p:spTree>
+    <p:extLst>
+      <p:ext uri="{BB962C8B-B14F-4D97-AF65-F5344CB8AC3E}">
+        <p14:creationId xmlns:p14="http://schemas.microsoft.com/office/powerpoint/2010/main" val="1390180116"/>
+      </p:ext>
+    </p:extLst>
   </p:cSld>
   <p:clrMapOvr>
     <a:masterClrMapping/>
   </p:clrMapOvr>
-  <mc:AlternateContent xmlns:mc="http://schemas.openxmlformats.org/markup-compatibility/2006" xmlns:p14="http://schemas.microsoft.com/office/powerpoint/2010/main">
-    <mc:Choice Requires="p14">
-      <p:transition p14:dur="0"/>
+  <mc:AlternateContent xmlns:mc="http://schemas.openxmlformats.org/markup-compatibility/2006">
+    <mc:Choice xmlns:p14="http://schemas.microsoft.com/office/powerpoint/2010/main" Requires="p14">
+      <p:transition spd="slow" p14:dur="2000"/>
     </mc:Choice>
-    <mc:Fallback xmlns="">
-      <p:transition/>
+    <mc:Fallback>
+      <p:transition spd="slow"/>
     </mc:Fallback>
   </mc:AlternateContent>
   <p:timing>
@@ -10224,27 +9634,147 @@
       </p:grpSpPr>
       <p:sp>
         <p:nvSpPr>
-          <p:cNvPr id="2" name="Title 1"/>
+          <p:cNvPr id="3" name="Slide Number Placeholder 2"/>
           <p:cNvSpPr>
             <a:spLocks noGrp="1"/>
           </p:cNvSpPr>
           <p:nvPr>
-            <p:ph type="title"/>
+            <p:ph type="sldNum" sz="quarter" idx="12"/>
           </p:nvPr>
         </p:nvSpPr>
         <p:spPr/>
         <p:txBody>
-          <a:bodyPr/>
+          <a:bodyPr>
+            <a:normAutofit/>
+          </a:bodyPr>
           <a:lstStyle/>
           <a:p>
-            <a:r>
+            <a:fld id="{1AD93096-5B34-4342-9326-69289CEAE4C2}" type="slidenum">
               <a:rPr lang="en-US" smtClean="0"/>
-              <a:t>NOte</a:t>
-            </a:r>
-            <a:endParaRPr lang="en-US"/>
+              <a:pPr/>
+              <a:t>10</a:t>
+            </a:fld>
+            <a:endParaRPr lang="en-US" dirty="0">
+              <a:solidFill>
+                <a:srgbClr val="FFFFFF"/>
+              </a:solidFill>
+            </a:endParaRPr>
           </a:p>
         </p:txBody>
       </p:sp>
+      <p:sp>
+        <p:nvSpPr>
+          <p:cNvPr id="4" name="Content Placeholder 3"/>
+          <p:cNvSpPr>
+            <a:spLocks noGrp="1"/>
+          </p:cNvSpPr>
+          <p:nvPr>
+            <p:ph sz="quarter" idx="4294967295"/>
+          </p:nvPr>
+        </p:nvSpPr>
+        <p:spPr>
+          <a:xfrm>
+            <a:off x="990600" y="1600200"/>
+            <a:ext cx="8153400" cy="4495800"/>
+          </a:xfrm>
+        </p:spPr>
+        <p:txBody>
+          <a:bodyPr>
+            <a:normAutofit fontScale="85000" lnSpcReduction="10000"/>
+          </a:bodyPr>
+          <a:lstStyle/>
+          <a:p>
+            <a:r>
+              <a:rPr lang="en-US"/>
+              <a:t>definitions of data, information, data files and database</a:t>
+            </a:r>
+          </a:p>
+          <a:p>
+            <a:r>
+              <a:rPr lang="en-US"/>
+              <a:t>the concept and components of information domain</a:t>
+            </a:r>
+          </a:p>
+          <a:p>
+            <a:r>
+              <a:rPr lang="en-US"/>
+              <a:t>the data-oriented approach to information system development</a:t>
+            </a:r>
+          </a:p>
+          <a:p>
+            <a:r>
+              <a:rPr lang="en-US"/>
+              <a:t>the principles and methods of information organization</a:t>
+            </a:r>
+          </a:p>
+          <a:p>
+            <a:r>
+              <a:rPr lang="en-US"/>
+              <a:t>the principles and methods of data structure</a:t>
+            </a:r>
+          </a:p>
+          <a:p>
+            <a:r>
+              <a:rPr lang="en-US"/>
+              <a:t>design and specification of data structure by data modeling</a:t>
+            </a:r>
+          </a:p>
+          <a:p>
+            <a:r>
+              <a:rPr lang="en-US"/>
+              <a:t>design and specification of data structure by process modeling</a:t>
+            </a:r>
+          </a:p>
+          <a:p>
+            <a:endParaRPr lang="en-US"/>
+          </a:p>
+        </p:txBody>
+      </p:sp>
+    </p:spTree>
+    <p:extLst>
+      <p:ext uri="{BB962C8B-B14F-4D97-AF65-F5344CB8AC3E}">
+        <p14:creationId xmlns:p14="http://schemas.microsoft.com/office/powerpoint/2010/main" val="438750338"/>
+      </p:ext>
+    </p:extLst>
+  </p:cSld>
+  <p:clrMapOvr>
+    <a:masterClrMapping/>
+  </p:clrMapOvr>
+  <mc:AlternateContent xmlns:mc="http://schemas.openxmlformats.org/markup-compatibility/2006">
+    <mc:Choice xmlns:p14="http://schemas.microsoft.com/office/powerpoint/2010/main" Requires="p14">
+      <p:transition spd="slow" p14:dur="2000"/>
+    </mc:Choice>
+    <mc:Fallback>
+      <p:transition spd="slow"/>
+    </mc:Fallback>
+  </mc:AlternateContent>
+  <p:timing>
+    <p:tnLst>
+      <p:par>
+        <p:cTn id="1" dur="indefinite" restart="never" nodeType="tmRoot"/>
+      </p:par>
+    </p:tnLst>
+  </p:timing>
+</p:sld>
+</file>
+
+<file path=ppt/slides/slide11.xml><?xml version="1.0" encoding="utf-8"?>
+<p:sld xmlns:a="http://schemas.openxmlformats.org/drawingml/2006/main" xmlns:r="http://schemas.openxmlformats.org/officeDocument/2006/relationships" xmlns:p="http://schemas.openxmlformats.org/presentationml/2006/main" show="0">
+  <p:cSld>
+    <p:spTree>
+      <p:nvGrpSpPr>
+        <p:cNvPr id="1" name=""/>
+        <p:cNvGrpSpPr/>
+        <p:nvPr/>
+      </p:nvGrpSpPr>
+      <p:grpSpPr>
+        <a:xfrm>
+          <a:off x="0" y="0"/>
+          <a:ext cx="0" cy="0"/>
+          <a:chOff x="0" y="0"/>
+          <a:chExt cx="0" cy="0"/>
+        </a:xfrm>
+      </p:grpSpPr>
       <p:sp>
         <p:nvSpPr>
           <p:cNvPr id="3" name="Slide Number Placeholder 2"/>
@@ -10258,14 +9788,14 @@
         <p:spPr/>
         <p:txBody>
           <a:bodyPr>
-            <a:normAutofit fontScale="85000" lnSpcReduction="20000"/>
+            <a:normAutofit/>
           </a:bodyPr>
           <a:lstStyle/>
           <a:p>
             <a:fld id="{1AD93096-5B34-4342-9326-69289CEAE4C2}" type="slidenum">
               <a:rPr lang="en-US" smtClean="0"/>
               <a:pPr/>
-              <a:t>10</a:t>
+              <a:t>11</a:t>
             </a:fld>
             <a:endParaRPr lang="en-US" dirty="0">
               <a:solidFill>
@@ -10282,10 +9812,15 @@
             <a:spLocks noGrp="1"/>
           </p:cNvSpPr>
           <p:nvPr>
-            <p:ph sz="quarter" idx="1"/>
+            <p:ph sz="quarter" idx="4294967295"/>
           </p:nvPr>
         </p:nvSpPr>
-        <p:spPr/>
+        <p:spPr>
+          <a:xfrm>
+            <a:off x="990600" y="1600200"/>
+            <a:ext cx="8153400" cy="4495800"/>
+          </a:xfrm>
+        </p:spPr>
         <p:txBody>
           <a:bodyPr>
             <a:normAutofit fontScale="77500" lnSpcReduction="20000"/>
@@ -10366,7 +9901,247 @@
 </p:sld>
 </file>
 
-<file path=ppt/slides/slide11.xml><?xml version="1.0" encoding="utf-8"?>
+<file path=ppt/slides/slide12.xml><?xml version="1.0" encoding="utf-8"?>
+<p:sld xmlns:a="http://schemas.openxmlformats.org/drawingml/2006/main" xmlns:r="http://schemas.openxmlformats.org/officeDocument/2006/relationships" xmlns:p="http://schemas.openxmlformats.org/presentationml/2006/main" show="0">
+  <p:cSld>
+    <p:spTree>
+      <p:nvGrpSpPr>
+        <p:cNvPr id="1" name=""/>
+        <p:cNvGrpSpPr/>
+        <p:nvPr/>
+      </p:nvGrpSpPr>
+      <p:grpSpPr>
+        <a:xfrm>
+          <a:off x="0" y="0"/>
+          <a:ext cx="0" cy="0"/>
+          <a:chOff x="0" y="0"/>
+          <a:chExt cx="0" cy="0"/>
+        </a:xfrm>
+      </p:grpSpPr>
+      <p:sp>
+        <p:nvSpPr>
+          <p:cNvPr id="3" name="Slide Number Placeholder 2"/>
+          <p:cNvSpPr>
+            <a:spLocks noGrp="1"/>
+          </p:cNvSpPr>
+          <p:nvPr>
+            <p:ph type="sldNum" sz="quarter" idx="12"/>
+          </p:nvPr>
+        </p:nvSpPr>
+        <p:spPr/>
+        <p:txBody>
+          <a:bodyPr>
+            <a:normAutofit/>
+          </a:bodyPr>
+          <a:lstStyle/>
+          <a:p>
+            <a:fld id="{1AD93096-5B34-4342-9326-69289CEAE4C2}" type="slidenum">
+              <a:rPr lang="en-US" smtClean="0"/>
+              <a:pPr/>
+              <a:t>12</a:t>
+            </a:fld>
+            <a:endParaRPr lang="en-US" dirty="0">
+              <a:solidFill>
+                <a:srgbClr val="FFFFFF"/>
+              </a:solidFill>
+            </a:endParaRPr>
+          </a:p>
+        </p:txBody>
+      </p:sp>
+      <p:sp>
+        <p:nvSpPr>
+          <p:cNvPr id="4" name="Content Placeholder 3"/>
+          <p:cNvSpPr>
+            <a:spLocks noGrp="1"/>
+          </p:cNvSpPr>
+          <p:nvPr>
+            <p:ph sz="quarter" idx="4294967295"/>
+          </p:nvPr>
+        </p:nvSpPr>
+        <p:spPr>
+          <a:xfrm>
+            <a:off x="990600" y="1600200"/>
+            <a:ext cx="8153400" cy="4495800"/>
+          </a:xfrm>
+        </p:spPr>
+        <p:txBody>
+          <a:bodyPr>
+            <a:normAutofit fontScale="77500" lnSpcReduction="20000"/>
+          </a:bodyPr>
+          <a:lstStyle/>
+          <a:p>
+            <a:r>
+              <a:rPr lang="en-US"/>
+              <a:t>databases can be organized in different ways known as </a:t>
+            </a:r>
+            <a:r>
+              <a:rPr lang="en-US" i="1"/>
+              <a:t>database models</a:t>
+            </a:r>
+            <a:endParaRPr lang="en-US"/>
+          </a:p>
+          <a:p>
+            <a:pPr lvl="1"/>
+            <a:r>
+              <a:rPr lang="en-US"/>
+              <a:t>the three conventional database models are: </a:t>
+            </a:r>
+            <a:r>
+              <a:rPr lang="en-US" i="1"/>
+              <a:t>relational</a:t>
+            </a:r>
+            <a:r>
+              <a:rPr lang="en-US"/>
+              <a:t>, </a:t>
+            </a:r>
+            <a:r>
+              <a:rPr lang="en-US" i="1"/>
+              <a:t>network </a:t>
+            </a:r>
+            <a:r>
+              <a:rPr lang="en-US"/>
+              <a:t>and </a:t>
+            </a:r>
+            <a:r>
+              <a:rPr lang="en-US" i="1"/>
+              <a:t>hierarchical</a:t>
+            </a:r>
+            <a:endParaRPr lang="en-US"/>
+          </a:p>
+          <a:p>
+            <a:pPr lvl="2"/>
+            <a:r>
+              <a:rPr lang="en-US"/>
+              <a:t>relational --- data are organized by records in relations which resemble a table (</a:t>
+            </a:r>
+            <a:r>
+              <a:rPr lang="en-US">
+                <a:hlinkClick r:id="rId2"/>
+              </a:rPr>
+              <a:t>Figure 5a</a:t>
+            </a:r>
+            <a:r>
+              <a:rPr lang="en-US"/>
+              <a:t>) (See </a:t>
+            </a:r>
+            <a:r>
+              <a:rPr lang="en-US">
+                <a:hlinkClick r:id="rId3"/>
+              </a:rPr>
+              <a:t>Section 3.2.1</a:t>
+            </a:r>
+            <a:r>
+              <a:rPr lang="en-US"/>
+              <a:t> for further explanation)</a:t>
+            </a:r>
+          </a:p>
+          <a:p>
+            <a:pPr lvl="2"/>
+            <a:r>
+              <a:rPr lang="en-US"/>
+              <a:t>network --- data are organized by records which are classified into record types, with 1:n pointers linking associated records (</a:t>
+            </a:r>
+            <a:r>
+              <a:rPr lang="en-US">
+                <a:hlinkClick r:id="rId2"/>
+              </a:rPr>
+              <a:t>Figure 5b</a:t>
+            </a:r>
+            <a:r>
+              <a:rPr lang="en-US"/>
+              <a:t>)</a:t>
+            </a:r>
+          </a:p>
+          <a:p>
+            <a:pPr lvl="2"/>
+            <a:r>
+              <a:rPr lang="en-US"/>
+              <a:t>hierarchical --- data are organized by records on a parent-child one-to-many relations (</a:t>
+            </a:r>
+            <a:r>
+              <a:rPr lang="en-US">
+                <a:hlinkClick r:id="rId2"/>
+              </a:rPr>
+              <a:t>Figure 5c</a:t>
+            </a:r>
+            <a:r>
+              <a:rPr lang="en-US"/>
+              <a:t>)</a:t>
+            </a:r>
+          </a:p>
+          <a:p>
+            <a:pPr lvl="1"/>
+            <a:r>
+              <a:rPr lang="en-US"/>
+              <a:t>the emerging database model is </a:t>
+            </a:r>
+            <a:r>
+              <a:rPr lang="en-US" i="1"/>
+              <a:t>object-oriented</a:t>
+            </a:r>
+            <a:endParaRPr lang="en-US"/>
+          </a:p>
+          <a:p>
+            <a:pPr lvl="2"/>
+            <a:r>
+              <a:rPr lang="en-US"/>
+              <a:t>data are uniquely identified as individual objects that are classified into object types or classes according to the characteristics (attributes and operations) of the object (</a:t>
+            </a:r>
+            <a:r>
+              <a:rPr lang="en-US">
+                <a:hlinkClick r:id="rId2"/>
+              </a:rPr>
+              <a:t>Figure 5d</a:t>
+            </a:r>
+            <a:r>
+              <a:rPr lang="en-US"/>
+              <a:t>) (See </a:t>
+            </a:r>
+            <a:r>
+              <a:rPr lang="en-US">
+                <a:hlinkClick r:id="rId3"/>
+              </a:rPr>
+              <a:t>Section 3.2.2</a:t>
+            </a:r>
+            <a:r>
+              <a:rPr lang="en-US"/>
+              <a:t> for further explanation)</a:t>
+            </a:r>
+          </a:p>
+          <a:p>
+            <a:endParaRPr lang="en-US"/>
+          </a:p>
+        </p:txBody>
+      </p:sp>
+    </p:spTree>
+    <p:extLst>
+      <p:ext uri="{BB962C8B-B14F-4D97-AF65-F5344CB8AC3E}">
+        <p14:creationId xmlns:p14="http://schemas.microsoft.com/office/powerpoint/2010/main" val="1511389451"/>
+      </p:ext>
+    </p:extLst>
+  </p:cSld>
+  <p:clrMapOvr>
+    <a:masterClrMapping/>
+  </p:clrMapOvr>
+  <mc:AlternateContent xmlns:mc="http://schemas.openxmlformats.org/markup-compatibility/2006">
+    <mc:Choice xmlns:p14="http://schemas.microsoft.com/office/powerpoint/2010/main" Requires="p14">
+      <p:transition spd="slow" p14:dur="2000"/>
+    </mc:Choice>
+    <mc:Fallback>
+      <p:transition spd="slow"/>
+    </mc:Fallback>
+  </mc:AlternateContent>
+  <p:timing>
+    <p:tnLst>
+      <p:par>
+        <p:cTn id="1" dur="indefinite" restart="never" nodeType="tmRoot"/>
+      </p:par>
+    </p:tnLst>
+  </p:timing>
+</p:sld>
+</file>
+
+<file path=ppt/slides/slide13.xml><?xml version="1.0" encoding="utf-8"?>
 <p:sld xmlns:a="http://schemas.openxmlformats.org/drawingml/2006/main" xmlns:r="http://schemas.openxmlformats.org/officeDocument/2006/relationships" xmlns:p="http://schemas.openxmlformats.org/presentationml/2006/main">
   <p:cSld>
     <p:spTree>
@@ -10385,7 +10160,26 @@
       </p:grpSpPr>
       <p:sp>
         <p:nvSpPr>
-          <p:cNvPr id="2" name="Title 1"/>
+          <p:cNvPr id="4" name="Text Placeholder 3"/>
+          <p:cNvSpPr>
+            <a:spLocks noGrp="1"/>
+          </p:cNvSpPr>
+          <p:nvPr>
+            <p:ph type="body" idx="1"/>
+          </p:nvPr>
+        </p:nvSpPr>
+        <p:spPr/>
+        <p:txBody>
+          <a:bodyPr/>
+          <a:lstStyle/>
+          <a:p>
+            <a:endParaRPr lang="en-US"/>
+          </a:p>
+        </p:txBody>
+      </p:sp>
+      <p:sp>
+        <p:nvSpPr>
+          <p:cNvPr id="3" name="Title 2"/>
           <p:cNvSpPr>
             <a:spLocks noGrp="1"/>
           </p:cNvSpPr>
@@ -10398,204 +10192,46 @@
           <a:bodyPr/>
           <a:lstStyle/>
           <a:p>
+            <a:r>
+              <a:rPr lang="en-US" smtClean="0"/>
+              <a:t>Cơ sở lý thuyết</a:t>
+            </a:r>
             <a:endParaRPr lang="en-US"/>
           </a:p>
         </p:txBody>
       </p:sp>
       <p:sp>
         <p:nvSpPr>
-          <p:cNvPr id="3" name="Slide Number Placeholder 2"/>
+          <p:cNvPr id="2" name="Slide Number Placeholder 1"/>
           <p:cNvSpPr>
             <a:spLocks noGrp="1"/>
           </p:cNvSpPr>
           <p:nvPr>
-            <p:ph type="sldNum" sz="quarter" idx="12"/>
+            <p:ph type="sldNum" sz="quarter" idx="11"/>
           </p:nvPr>
         </p:nvSpPr>
         <p:spPr/>
         <p:txBody>
-          <a:bodyPr>
-            <a:normAutofit fontScale="85000" lnSpcReduction="20000"/>
-          </a:bodyPr>
+          <a:bodyPr/>
           <a:lstStyle/>
           <a:p>
             <a:fld id="{1AD93096-5B34-4342-9326-69289CEAE4C2}" type="slidenum">
               <a:rPr lang="en-US" smtClean="0"/>
               <a:pPr/>
-              <a:t>11</a:t>
+              <a:t>13</a:t>
             </a:fld>
             <a:endParaRPr lang="en-US" dirty="0">
               <a:solidFill>
-                <a:srgbClr val="FFFFFF"/>
+                <a:schemeClr val="tx2"/>
               </a:solidFill>
             </a:endParaRPr>
-          </a:p>
-        </p:txBody>
-      </p:sp>
-      <p:sp>
-        <p:nvSpPr>
-          <p:cNvPr id="4" name="Content Placeholder 3"/>
-          <p:cNvSpPr>
-            <a:spLocks noGrp="1"/>
-          </p:cNvSpPr>
-          <p:nvPr>
-            <p:ph sz="quarter" idx="1"/>
-          </p:nvPr>
-        </p:nvSpPr>
-        <p:spPr/>
-        <p:txBody>
-          <a:bodyPr>
-            <a:normAutofit fontScale="77500" lnSpcReduction="20000"/>
-          </a:bodyPr>
-          <a:lstStyle/>
-          <a:p>
-            <a:r>
-              <a:rPr lang="en-US"/>
-              <a:t>databases can be organized in different ways known as </a:t>
-            </a:r>
-            <a:r>
-              <a:rPr lang="en-US" i="1"/>
-              <a:t>database models</a:t>
-            </a:r>
-            <a:endParaRPr lang="en-US"/>
-          </a:p>
-          <a:p>
-            <a:pPr lvl="1"/>
-            <a:r>
-              <a:rPr lang="en-US"/>
-              <a:t>the three conventional database models are: </a:t>
-            </a:r>
-            <a:r>
-              <a:rPr lang="en-US" i="1"/>
-              <a:t>relational</a:t>
-            </a:r>
-            <a:r>
-              <a:rPr lang="en-US"/>
-              <a:t>, </a:t>
-            </a:r>
-            <a:r>
-              <a:rPr lang="en-US" i="1"/>
-              <a:t>network </a:t>
-            </a:r>
-            <a:r>
-              <a:rPr lang="en-US"/>
-              <a:t>and </a:t>
-            </a:r>
-            <a:r>
-              <a:rPr lang="en-US" i="1"/>
-              <a:t>hierarchical</a:t>
-            </a:r>
-            <a:endParaRPr lang="en-US"/>
-          </a:p>
-          <a:p>
-            <a:pPr lvl="2"/>
-            <a:r>
-              <a:rPr lang="en-US"/>
-              <a:t>relational --- data are organized by records in relations which resemble a table (</a:t>
-            </a:r>
-            <a:r>
-              <a:rPr lang="en-US">
-                <a:hlinkClick r:id="rId2"/>
-              </a:rPr>
-              <a:t>Figure 5a</a:t>
-            </a:r>
-            <a:r>
-              <a:rPr lang="en-US"/>
-              <a:t>) (See </a:t>
-            </a:r>
-            <a:r>
-              <a:rPr lang="en-US">
-                <a:hlinkClick r:id="rId3"/>
-              </a:rPr>
-              <a:t>Section 3.2.1</a:t>
-            </a:r>
-            <a:r>
-              <a:rPr lang="en-US"/>
-              <a:t> for further explanation)</a:t>
-            </a:r>
-          </a:p>
-          <a:p>
-            <a:pPr lvl="2"/>
-            <a:r>
-              <a:rPr lang="en-US"/>
-              <a:t>network --- data are organized by records which are classified into record types, with 1:n pointers linking associated records (</a:t>
-            </a:r>
-            <a:r>
-              <a:rPr lang="en-US">
-                <a:hlinkClick r:id="rId2"/>
-              </a:rPr>
-              <a:t>Figure 5b</a:t>
-            </a:r>
-            <a:r>
-              <a:rPr lang="en-US"/>
-              <a:t>)</a:t>
-            </a:r>
-          </a:p>
-          <a:p>
-            <a:pPr lvl="2"/>
-            <a:r>
-              <a:rPr lang="en-US"/>
-              <a:t>hierarchical --- data are organized by records on a parent-child one-to-many relations (</a:t>
-            </a:r>
-            <a:r>
-              <a:rPr lang="en-US">
-                <a:hlinkClick r:id="rId2"/>
-              </a:rPr>
-              <a:t>Figure 5c</a:t>
-            </a:r>
-            <a:r>
-              <a:rPr lang="en-US"/>
-              <a:t>)</a:t>
-            </a:r>
-          </a:p>
-          <a:p>
-            <a:pPr lvl="1"/>
-            <a:r>
-              <a:rPr lang="en-US"/>
-              <a:t>the emerging database model is </a:t>
-            </a:r>
-            <a:r>
-              <a:rPr lang="en-US" i="1"/>
-              <a:t>object-oriented</a:t>
-            </a:r>
-            <a:endParaRPr lang="en-US"/>
-          </a:p>
-          <a:p>
-            <a:pPr lvl="2"/>
-            <a:r>
-              <a:rPr lang="en-US"/>
-              <a:t>data are uniquely identified as individual objects that are classified into object types or classes according to the characteristics (attributes and operations) of the object (</a:t>
-            </a:r>
-            <a:r>
-              <a:rPr lang="en-US">
-                <a:hlinkClick r:id="rId2"/>
-              </a:rPr>
-              <a:t>Figure 5d</a:t>
-            </a:r>
-            <a:r>
-              <a:rPr lang="en-US"/>
-              <a:t>) (See </a:t>
-            </a:r>
-            <a:r>
-              <a:rPr lang="en-US">
-                <a:hlinkClick r:id="rId3"/>
-              </a:rPr>
-              <a:t>Section 3.2.2</a:t>
-            </a:r>
-            <a:r>
-              <a:rPr lang="en-US"/>
-              <a:t> for further explanation)</a:t>
-            </a:r>
-          </a:p>
-          <a:p>
-            <a:endParaRPr lang="en-US"/>
           </a:p>
         </p:txBody>
       </p:sp>
     </p:spTree>
     <p:extLst>
       <p:ext uri="{BB962C8B-B14F-4D97-AF65-F5344CB8AC3E}">
-        <p14:creationId xmlns:p14="http://schemas.microsoft.com/office/powerpoint/2010/main" val="1511389451"/>
+        <p14:creationId xmlns:p14="http://schemas.microsoft.com/office/powerpoint/2010/main" val="649138217"/>
       </p:ext>
     </p:extLst>
   </p:cSld>
@@ -10612,7 +10248,7 @@
 </p:sld>
 </file>
 
-<file path=ppt/slides/slide12.xml><?xml version="1.0" encoding="utf-8"?>
+<file path=ppt/slides/slide14.xml><?xml version="1.0" encoding="utf-8"?>
 <p:sld xmlns:a="http://schemas.openxmlformats.org/drawingml/2006/main" xmlns:r="http://schemas.openxmlformats.org/officeDocument/2006/relationships" xmlns:p="http://schemas.openxmlformats.org/presentationml/2006/main">
   <p:cSld>
     <p:spTree>
@@ -10667,7 +10303,15 @@
           <a:p>
             <a:r>
               <a:rPr lang="en-US" dirty="0" smtClean="0"/>
-              <a:t>GIẢI QUYẾT BÀI TOÁN</a:t>
+              <a:t>GIẢI QUYẾT </a:t>
+            </a:r>
+            <a:r>
+              <a:rPr lang="en-US" smtClean="0"/>
+              <a:t>BÀI </a:t>
+            </a:r>
+            <a:r>
+              <a:rPr lang="en-US" smtClean="0"/>
+              <a:t>TOÁN</a:t>
             </a:r>
             <a:endParaRPr lang="vi-VN" dirty="0"/>
           </a:p>
@@ -10693,7 +10337,7 @@
             <a:fld id="{1AD93096-5B34-4342-9326-69289CEAE4C2}" type="slidenum">
               <a:rPr lang="en-US" smtClean="0"/>
               <a:pPr/>
-              <a:t>12</a:t>
+              <a:t>14</a:t>
             </a:fld>
             <a:endParaRPr lang="en-US" dirty="0">
               <a:solidFill>
@@ -10843,7 +10487,7 @@
 </p:sld>
 </file>
 
-<file path=ppt/slides/slide13.xml><?xml version="1.0" encoding="utf-8"?>
+<file path=ppt/slides/slide15.xml><?xml version="1.0" encoding="utf-8"?>
 <p:sld xmlns:a="http://schemas.openxmlformats.org/drawingml/2006/main" xmlns:r="http://schemas.openxmlformats.org/officeDocument/2006/relationships" xmlns:p="http://schemas.openxmlformats.org/presentationml/2006/main">
   <p:cSld>
     <p:spTree>
@@ -10881,7 +10525,7 @@
             <a:fld id="{1AD93096-5B34-4342-9326-69289CEAE4C2}" type="slidenum">
               <a:rPr lang="en-US" smtClean="0"/>
               <a:pPr algn="ctr"/>
-              <a:t>13</a:t>
+              <a:t>15</a:t>
             </a:fld>
             <a:endParaRPr lang="en-US" sz="2400" dirty="0">
               <a:solidFill>
@@ -10941,7 +10585,7 @@
 </p:sld>
 </file>
 
-<file path=ppt/slides/slide14.xml><?xml version="1.0" encoding="utf-8"?>
+<file path=ppt/slides/slide16.xml><?xml version="1.0" encoding="utf-8"?>
 <p:sld xmlns:a="http://schemas.openxmlformats.org/drawingml/2006/main" xmlns:r="http://schemas.openxmlformats.org/officeDocument/2006/relationships" xmlns:p="http://schemas.openxmlformats.org/presentationml/2006/main">
   <p:cSld>
     <p:spTree>
@@ -11004,7 +10648,7 @@
             <a:fld id="{1AD93096-5B34-4342-9326-69289CEAE4C2}" type="slidenum">
               <a:rPr lang="en-US" smtClean="0"/>
               <a:pPr algn="ctr"/>
-              <a:t>14</a:t>
+              <a:t>16</a:t>
             </a:fld>
             <a:endParaRPr lang="en-US" sz="2400" dirty="0">
               <a:solidFill>
@@ -11034,7 +10678,7 @@
 </p:sld>
 </file>
 
-<file path=ppt/slides/slide15.xml><?xml version="1.0" encoding="utf-8"?>
+<file path=ppt/slides/slide17.xml><?xml version="1.0" encoding="utf-8"?>
 <p:sld xmlns:a="http://schemas.openxmlformats.org/drawingml/2006/main" xmlns:r="http://schemas.openxmlformats.org/officeDocument/2006/relationships" xmlns:p="http://schemas.openxmlformats.org/presentationml/2006/main">
   <p:cSld>
     <p:spTree>
@@ -11097,7 +10741,7 @@
             <a:fld id="{1AD93096-5B34-4342-9326-69289CEAE4C2}" type="slidenum">
               <a:rPr lang="en-US" smtClean="0"/>
               <a:pPr algn="ctr"/>
-              <a:t>15</a:t>
+              <a:t>17</a:t>
             </a:fld>
             <a:endParaRPr lang="en-US" sz="2400" dirty="0">
               <a:solidFill>
@@ -11270,7 +10914,7 @@
 </p:sld>
 </file>
 
-<file path=ppt/slides/slide16.xml><?xml version="1.0" encoding="utf-8"?>
+<file path=ppt/slides/slide18.xml><?xml version="1.0" encoding="utf-8"?>
 <p:sld xmlns:a="http://schemas.openxmlformats.org/drawingml/2006/main" xmlns:r="http://schemas.openxmlformats.org/officeDocument/2006/relationships" xmlns:p="http://schemas.openxmlformats.org/presentationml/2006/main">
   <p:cSld>
     <p:spTree>
@@ -11360,7 +11004,7 @@
             <a:fld id="{1AD93096-5B34-4342-9326-69289CEAE4C2}" type="slidenum">
               <a:rPr lang="en-US" smtClean="0"/>
               <a:pPr/>
-              <a:t>16</a:t>
+              <a:t>18</a:t>
             </a:fld>
             <a:endParaRPr lang="en-US" dirty="0">
               <a:solidFill>
@@ -11535,7 +11179,7 @@
 </p:sld>
 </file>
 
-<file path=ppt/slides/slide17.xml><?xml version="1.0" encoding="utf-8"?>
+<file path=ppt/slides/slide19.xml><?xml version="1.0" encoding="utf-8"?>
 <p:sld xmlns:a="http://schemas.openxmlformats.org/drawingml/2006/main" xmlns:r="http://schemas.openxmlformats.org/officeDocument/2006/relationships" xmlns:p="http://schemas.openxmlformats.org/presentationml/2006/main">
   <p:cSld>
     <p:spTree>
@@ -11613,7 +11257,7 @@
             <a:fld id="{1AD93096-5B34-4342-9326-69289CEAE4C2}" type="slidenum">
               <a:rPr lang="en-US" smtClean="0"/>
               <a:pPr/>
-              <a:t>17</a:t>
+              <a:t>19</a:t>
             </a:fld>
             <a:endParaRPr lang="en-US" dirty="0">
               <a:solidFill>
@@ -11707,7 +11351,769 @@
 </p:sld>
 </file>
 
-<file path=ppt/slides/slide18.xml><?xml version="1.0" encoding="utf-8"?>
+<file path=ppt/slides/slide2.xml><?xml version="1.0" encoding="utf-8"?>
+<p:sld xmlns:a="http://schemas.openxmlformats.org/drawingml/2006/main" xmlns:r="http://schemas.openxmlformats.org/officeDocument/2006/relationships" xmlns:p="http://schemas.openxmlformats.org/presentationml/2006/main">
+  <p:cSld>
+    <p:spTree>
+      <p:nvGrpSpPr>
+        <p:cNvPr id="1" name=""/>
+        <p:cNvGrpSpPr/>
+        <p:nvPr/>
+      </p:nvGrpSpPr>
+      <p:grpSpPr>
+        <a:xfrm>
+          <a:off x="0" y="0"/>
+          <a:ext cx="0" cy="0"/>
+          <a:chOff x="0" y="0"/>
+          <a:chExt cx="0" cy="0"/>
+        </a:xfrm>
+      </p:grpSpPr>
+      <p:pic>
+        <p:nvPicPr>
+          <p:cNvPr id="3073" name="Picture 1"/>
+          <p:cNvPicPr>
+            <a:picLocks noChangeAspect="1" noChangeArrowheads="1"/>
+          </p:cNvPicPr>
+          <p:nvPr/>
+        </p:nvPicPr>
+        <p:blipFill>
+          <a:blip r:embed="rId3">
+            <a:duotone>
+              <a:schemeClr val="accent5">
+                <a:shade val="45000"/>
+                <a:satMod val="135000"/>
+              </a:schemeClr>
+              <a:prstClr val="white"/>
+            </a:duotone>
+            <a:extLst>
+              <a:ext uri="{BEBA8EAE-BF5A-486C-A8C5-ECC9F3942E4B}">
+                <a14:imgProps xmlns:a14="http://schemas.microsoft.com/office/drawing/2010/main">
+                  <a14:imgLayer r:embed="rId4">
+                    <a14:imgEffect>
+                      <a14:brightnessContrast bright="20000"/>
+                    </a14:imgEffect>
+                  </a14:imgLayer>
+                </a14:imgProps>
+              </a:ext>
+              <a:ext uri="{28A0092B-C50C-407E-A947-70E740481C1C}">
+                <a14:useLocalDpi xmlns:a14="http://schemas.microsoft.com/office/drawing/2010/main" val="0"/>
+              </a:ext>
+            </a:extLst>
+          </a:blip>
+          <a:srcRect/>
+          <a:stretch>
+            <a:fillRect/>
+          </a:stretch>
+        </p:blipFill>
+        <p:spPr bwMode="auto">
+          <a:xfrm>
+            <a:off x="9784" y="-27384"/>
+            <a:ext cx="9179902" cy="6058927"/>
+          </a:xfrm>
+          <a:prstGeom prst="rect">
+            <a:avLst/>
+          </a:prstGeom>
+          <a:noFill/>
+          <a:ln>
+            <a:noFill/>
+          </a:ln>
+          <a:effectLst/>
+          <a:extLst>
+            <a:ext uri="{909E8E84-426E-40DD-AFC4-6F175D3DCCD1}">
+              <a14:hiddenFill xmlns:a14="http://schemas.microsoft.com/office/drawing/2010/main">
+                <a:solidFill>
+                  <a:schemeClr val="accent1"/>
+                </a:solidFill>
+              </a14:hiddenFill>
+            </a:ext>
+            <a:ext uri="{91240B29-F687-4F45-9708-019B960494DF}">
+              <a14:hiddenLine xmlns:a14="http://schemas.microsoft.com/office/drawing/2010/main" w="9525">
+                <a:solidFill>
+                  <a:schemeClr val="tx1"/>
+                </a:solidFill>
+                <a:miter lim="800000"/>
+                <a:headEnd/>
+                <a:tailEnd/>
+              </a14:hiddenLine>
+            </a:ext>
+            <a:ext uri="{AF507438-7753-43E0-B8FC-AC1667EBCBE1}">
+              <a14:hiddenEffects xmlns:a14="http://schemas.microsoft.com/office/drawing/2010/main">
+                <a:effectLst>
+                  <a:outerShdw dist="35921" dir="2700000" algn="ctr" rotWithShape="0">
+                    <a:schemeClr val="bg2"/>
+                  </a:outerShdw>
+                </a:effectLst>
+              </a14:hiddenEffects>
+            </a:ext>
+          </a:extLst>
+        </p:spPr>
+      </p:pic>
+      <p:sp>
+        <p:nvSpPr>
+          <p:cNvPr id="2" name="Rectangle 1"/>
+          <p:cNvSpPr>
+            <a:spLocks noGrp="1"/>
+          </p:cNvSpPr>
+          <p:nvPr>
+            <p:ph type="ctrTitle"/>
+          </p:nvPr>
+        </p:nvSpPr>
+        <p:spPr>
+          <a:xfrm>
+            <a:off x="0" y="2062155"/>
+            <a:ext cx="9144000" cy="1879848"/>
+          </a:xfrm>
+        </p:spPr>
+        <p:txBody>
+          <a:bodyPr anchor="ctr">
+            <a:noAutofit/>
+            <a:scene3d>
+              <a:camera prst="orthographicFront">
+                <a:rot lat="0" lon="0" rev="0"/>
+              </a:camera>
+              <a:lightRig rig="contrasting" dir="t">
+                <a:rot lat="0" lon="0" rev="4500000"/>
+              </a:lightRig>
+            </a:scene3d>
+            <a:sp3d contourW="6350" prstMaterial="metal">
+              <a:bevelT w="127000" h="31750" prst="relaxedInset"/>
+              <a:contourClr>
+                <a:schemeClr val="accent1">
+                  <a:shade val="75000"/>
+                </a:schemeClr>
+              </a:contourClr>
+            </a:sp3d>
+          </a:bodyPr>
+          <a:lstStyle/>
+          <a:p>
+            <a:pPr algn="ctr"/>
+            <a:r>
+              <a:rPr lang="en-US" sz="4000" dirty="0" err="1" smtClean="0">
+                <a:latin typeface="Times New Roman" pitchFamily="18" charset="0"/>
+                <a:cs typeface="Times New Roman" pitchFamily="18" charset="0"/>
+              </a:rPr>
+              <a:t>Xây</a:t>
+            </a:r>
+            <a:r>
+              <a:rPr lang="en-US" sz="4000" dirty="0" smtClean="0">
+                <a:latin typeface="Times New Roman" pitchFamily="18" charset="0"/>
+                <a:cs typeface="Times New Roman" pitchFamily="18" charset="0"/>
+              </a:rPr>
+              <a:t> </a:t>
+            </a:r>
+            <a:r>
+              <a:rPr lang="en-US" sz="4000" dirty="0" err="1" smtClean="0">
+                <a:latin typeface="Times New Roman" pitchFamily="18" charset="0"/>
+                <a:cs typeface="Times New Roman" pitchFamily="18" charset="0"/>
+              </a:rPr>
+              <a:t>dựng</a:t>
+            </a:r>
+            <a:r>
+              <a:rPr lang="en-US" sz="4000" dirty="0" smtClean="0">
+                <a:latin typeface="Times New Roman" pitchFamily="18" charset="0"/>
+                <a:cs typeface="Times New Roman" pitchFamily="18" charset="0"/>
+              </a:rPr>
+              <a:t> </a:t>
+            </a:r>
+            <a:r>
+              <a:rPr lang="en-US" sz="4000" dirty="0" err="1" smtClean="0">
+                <a:latin typeface="Times New Roman" pitchFamily="18" charset="0"/>
+                <a:cs typeface="Times New Roman" pitchFamily="18" charset="0"/>
+              </a:rPr>
+              <a:t>kiến</a:t>
+            </a:r>
+            <a:r>
+              <a:rPr lang="en-US" sz="4000" dirty="0" smtClean="0">
+                <a:latin typeface="Times New Roman" pitchFamily="18" charset="0"/>
+                <a:cs typeface="Times New Roman" pitchFamily="18" charset="0"/>
+              </a:rPr>
+              <a:t> </a:t>
+            </a:r>
+            <a:r>
+              <a:rPr lang="en-US" sz="4000" dirty="0" err="1" smtClean="0">
+                <a:latin typeface="Times New Roman" pitchFamily="18" charset="0"/>
+                <a:cs typeface="Times New Roman" pitchFamily="18" charset="0"/>
+              </a:rPr>
+              <a:t>trúc</a:t>
+            </a:r>
+            <a:r>
+              <a:rPr lang="en-US" sz="4000" dirty="0" smtClean="0">
+                <a:latin typeface="Times New Roman" pitchFamily="18" charset="0"/>
+                <a:cs typeface="Times New Roman" pitchFamily="18" charset="0"/>
+              </a:rPr>
+              <a:t/>
+            </a:r>
+            <a:br>
+              <a:rPr lang="en-US" sz="4000" dirty="0" smtClean="0">
+                <a:latin typeface="Times New Roman" pitchFamily="18" charset="0"/>
+                <a:cs typeface="Times New Roman" pitchFamily="18" charset="0"/>
+              </a:rPr>
+            </a:br>
+            <a:r>
+              <a:rPr lang="en-US" sz="4000" dirty="0" err="1" smtClean="0">
+                <a:latin typeface="Times New Roman" pitchFamily="18" charset="0"/>
+                <a:cs typeface="Times New Roman" pitchFamily="18" charset="0"/>
+              </a:rPr>
+              <a:t>cổng</a:t>
+            </a:r>
+            <a:r>
+              <a:rPr lang="en-US" sz="4000" dirty="0" smtClean="0">
+                <a:latin typeface="Times New Roman" pitchFamily="18" charset="0"/>
+                <a:cs typeface="Times New Roman" pitchFamily="18" charset="0"/>
+              </a:rPr>
+              <a:t> </a:t>
+            </a:r>
+            <a:r>
+              <a:rPr lang="en-US" sz="4000" dirty="0" err="1" smtClean="0">
+                <a:latin typeface="Times New Roman" pitchFamily="18" charset="0"/>
+                <a:cs typeface="Times New Roman" pitchFamily="18" charset="0"/>
+              </a:rPr>
+              <a:t>thông</a:t>
+            </a:r>
+            <a:r>
+              <a:rPr lang="en-US" sz="4000" dirty="0" smtClean="0">
+                <a:latin typeface="Times New Roman" pitchFamily="18" charset="0"/>
+                <a:cs typeface="Times New Roman" pitchFamily="18" charset="0"/>
+              </a:rPr>
+              <a:t> tin </a:t>
+            </a:r>
+            <a:r>
+              <a:rPr lang="en-US" sz="4000" dirty="0" err="1" smtClean="0">
+                <a:latin typeface="Times New Roman" pitchFamily="18" charset="0"/>
+                <a:cs typeface="Times New Roman" pitchFamily="18" charset="0"/>
+              </a:rPr>
+              <a:t>tìm</a:t>
+            </a:r>
+            <a:r>
+              <a:rPr lang="en-US" sz="4000" dirty="0" smtClean="0">
+                <a:latin typeface="Times New Roman" pitchFamily="18" charset="0"/>
+                <a:cs typeface="Times New Roman" pitchFamily="18" charset="0"/>
+              </a:rPr>
+              <a:t> </a:t>
+            </a:r>
+            <a:r>
+              <a:rPr lang="en-US" sz="4000" dirty="0" err="1" smtClean="0">
+                <a:latin typeface="Times New Roman" pitchFamily="18" charset="0"/>
+                <a:cs typeface="Times New Roman" pitchFamily="18" charset="0"/>
+              </a:rPr>
+              <a:t>việc</a:t>
+            </a:r>
+            <a:endParaRPr lang="en-US" sz="4800" dirty="0">
+              <a:latin typeface="Times New Roman" pitchFamily="18" charset="0"/>
+              <a:cs typeface="Times New Roman" pitchFamily="18" charset="0"/>
+            </a:endParaRPr>
+          </a:p>
+        </p:txBody>
+      </p:sp>
+      <p:sp>
+        <p:nvSpPr>
+          <p:cNvPr id="3" name="Rectangle 2"/>
+          <p:cNvSpPr>
+            <a:spLocks noGrp="1"/>
+          </p:cNvSpPr>
+          <p:nvPr>
+            <p:ph type="subTitle" idx="1"/>
+          </p:nvPr>
+        </p:nvSpPr>
+        <p:spPr>
+          <a:xfrm>
+            <a:off x="-5444" y="6069023"/>
+            <a:ext cx="2201180" cy="685800"/>
+          </a:xfrm>
+        </p:spPr>
+        <p:txBody>
+          <a:bodyPr>
+            <a:normAutofit/>
+          </a:bodyPr>
+          <a:lstStyle/>
+          <a:p>
+            <a:pPr algn="ctr"/>
+            <a:r>
+              <a:rPr lang="en-US" dirty="0" smtClean="0"/>
+              <a:t>07/01/2012</a:t>
+            </a:r>
+          </a:p>
+        </p:txBody>
+      </p:sp>
+      <p:pic>
+        <p:nvPicPr>
+          <p:cNvPr id="6" name="Picture 5" descr="logoVNbottom.wmf"/>
+          <p:cNvPicPr>
+            <a:picLocks noChangeAspect="1"/>
+          </p:cNvPicPr>
+          <p:nvPr/>
+        </p:nvPicPr>
+        <p:blipFill>
+          <a:blip r:embed="rId5" cstate="print">
+            <a:duotone>
+              <a:schemeClr val="accent2">
+                <a:shade val="45000"/>
+                <a:satMod val="135000"/>
+              </a:schemeClr>
+              <a:prstClr val="white"/>
+            </a:duotone>
+            <a:lum contrast="-40000"/>
+          </a:blip>
+          <a:stretch>
+            <a:fillRect/>
+          </a:stretch>
+        </p:blipFill>
+        <p:spPr>
+          <a:xfrm>
+            <a:off x="323529" y="305063"/>
+            <a:ext cx="2520281" cy="1157237"/>
+          </a:xfrm>
+          <a:prstGeom prst="rect">
+            <a:avLst/>
+          </a:prstGeom>
+        </p:spPr>
+      </p:pic>
+      <p:sp>
+        <p:nvSpPr>
+          <p:cNvPr id="5" name="Rectangle 1"/>
+          <p:cNvSpPr txBox="1">
+            <a:spLocks/>
+          </p:cNvSpPr>
+          <p:nvPr/>
+        </p:nvSpPr>
+        <p:spPr>
+          <a:xfrm>
+            <a:off x="2339752" y="6031543"/>
+            <a:ext cx="4806752" cy="692696"/>
+          </a:xfrm>
+          <a:prstGeom prst="rect">
+            <a:avLst/>
+          </a:prstGeom>
+        </p:spPr>
+        <p:txBody>
+          <a:bodyPr vert="horz" anchor="ctr">
+            <a:noAutofit/>
+          </a:bodyPr>
+          <a:lstStyle>
+            <a:lvl1pPr algn="l" rtl="0" eaLnBrk="1" latinLnBrk="0" hangingPunct="1">
+              <a:spcBef>
+                <a:spcPct val="0"/>
+              </a:spcBef>
+              <a:buNone/>
+              <a:defRPr sz="4400" kern="1200" cap="all" baseline="0">
+                <a:solidFill>
+                  <a:schemeClr val="tx2"/>
+                </a:solidFill>
+                <a:latin typeface="+mj-lt"/>
+                <a:ea typeface="+mj-ea"/>
+                <a:cs typeface="+mj-cs"/>
+              </a:defRPr>
+            </a:lvl1pPr>
+          </a:lstStyle>
+          <a:p>
+            <a:pPr algn="ctr"/>
+            <a:r>
+              <a:rPr lang="en-US" sz="2800" cap="none" dirty="0" smtClean="0">
+                <a:ln w="18415" cmpd="sng">
+                  <a:solidFill>
+                    <a:srgbClr val="FFFFFF"/>
+                  </a:solidFill>
+                  <a:prstDash val="solid"/>
+                </a:ln>
+                <a:solidFill>
+                  <a:srgbClr val="FFFFFF"/>
+                </a:solidFill>
+                <a:effectLst>
+                  <a:outerShdw blurRad="63500" dir="3600000" algn="tl" rotWithShape="0">
+                    <a:srgbClr val="000000">
+                      <a:alpha val="70000"/>
+                    </a:srgbClr>
+                  </a:outerShdw>
+                </a:effectLst>
+                <a:latin typeface="Times New Roman" pitchFamily="18" charset="0"/>
+                <a:cs typeface="Times New Roman" pitchFamily="18" charset="0"/>
+              </a:rPr>
+              <a:t>KHOÁ LUẬN TỐT NGHIỆP</a:t>
+            </a:r>
+            <a:endParaRPr lang="en-US" sz="3600" cap="none" dirty="0">
+              <a:ln w="18415" cmpd="sng">
+                <a:solidFill>
+                  <a:srgbClr val="FFFFFF"/>
+                </a:solidFill>
+                <a:prstDash val="solid"/>
+              </a:ln>
+              <a:solidFill>
+                <a:srgbClr val="FFFFFF"/>
+              </a:solidFill>
+              <a:effectLst>
+                <a:outerShdw blurRad="63500" dir="3600000" algn="tl" rotWithShape="0">
+                  <a:srgbClr val="000000">
+                    <a:alpha val="70000"/>
+                  </a:srgbClr>
+                </a:outerShdw>
+              </a:effectLst>
+              <a:latin typeface="Times New Roman" pitchFamily="18" charset="0"/>
+              <a:cs typeface="Times New Roman" pitchFamily="18" charset="0"/>
+            </a:endParaRPr>
+          </a:p>
+        </p:txBody>
+      </p:sp>
+      <p:sp>
+        <p:nvSpPr>
+          <p:cNvPr id="7" name="Rectangle 1"/>
+          <p:cNvSpPr txBox="1">
+            <a:spLocks/>
+          </p:cNvSpPr>
+          <p:nvPr/>
+        </p:nvSpPr>
+        <p:spPr>
+          <a:xfrm>
+            <a:off x="0" y="4005064"/>
+            <a:ext cx="9144000" cy="1879848"/>
+          </a:xfrm>
+          <a:prstGeom prst="rect">
+            <a:avLst/>
+          </a:prstGeom>
+        </p:spPr>
+        <p:txBody>
+          <a:bodyPr vert="horz" anchor="ctr">
+            <a:noAutofit/>
+            <a:scene3d>
+              <a:camera prst="orthographicFront">
+                <a:rot lat="0" lon="0" rev="0"/>
+              </a:camera>
+              <a:lightRig rig="contrasting" dir="t">
+                <a:rot lat="0" lon="0" rev="4500000"/>
+              </a:lightRig>
+            </a:scene3d>
+            <a:sp3d contourW="6350" prstMaterial="metal">
+              <a:bevelT w="127000" h="31750" prst="relaxedInset"/>
+              <a:contourClr>
+                <a:schemeClr val="accent1">
+                  <a:shade val="75000"/>
+                </a:schemeClr>
+              </a:contourClr>
+            </a:sp3d>
+          </a:bodyPr>
+          <a:lstStyle>
+            <a:lvl1pPr algn="l" rtl="0" eaLnBrk="1" latinLnBrk="0" hangingPunct="1">
+              <a:spcBef>
+                <a:spcPct val="0"/>
+              </a:spcBef>
+              <a:buNone/>
+              <a:defRPr sz="4400" b="1" kern="1200" cap="all" spc="0" baseline="0">
+                <a:ln w="0"/>
+                <a:gradFill flip="none">
+                  <a:gsLst>
+                    <a:gs pos="0">
+                      <a:schemeClr val="accent1">
+                        <a:tint val="75000"/>
+                        <a:shade val="75000"/>
+                        <a:satMod val="170000"/>
+                      </a:schemeClr>
+                    </a:gs>
+                    <a:gs pos="49000">
+                      <a:schemeClr val="accent1">
+                        <a:tint val="88000"/>
+                        <a:shade val="65000"/>
+                        <a:satMod val="172000"/>
+                      </a:schemeClr>
+                    </a:gs>
+                    <a:gs pos="50000">
+                      <a:schemeClr val="accent1">
+                        <a:shade val="65000"/>
+                        <a:satMod val="130000"/>
+                      </a:schemeClr>
+                    </a:gs>
+                    <a:gs pos="92000">
+                      <a:schemeClr val="accent1">
+                        <a:shade val="50000"/>
+                        <a:satMod val="120000"/>
+                      </a:schemeClr>
+                    </a:gs>
+                    <a:gs pos="100000">
+                      <a:schemeClr val="accent1">
+                        <a:shade val="48000"/>
+                        <a:satMod val="120000"/>
+                      </a:schemeClr>
+                    </a:gs>
+                  </a:gsLst>
+                  <a:lin ang="5400000"/>
+                </a:gradFill>
+                <a:effectLst>
+                  <a:reflection blurRad="12700" stA="50000" endPos="50000" dist="5000" dir="5400000" sy="-100000" rotWithShape="0"/>
+                </a:effectLst>
+                <a:latin typeface="Times New Roman" pitchFamily="18" charset="0"/>
+                <a:ea typeface="+mj-ea"/>
+                <a:cs typeface="Times New Roman" pitchFamily="18" charset="0"/>
+              </a:defRPr>
+            </a:lvl1pPr>
+          </a:lstStyle>
+          <a:p>
+            <a:pPr>
+              <a:lnSpc>
+                <a:spcPct val="150000"/>
+              </a:lnSpc>
+            </a:pPr>
+            <a:r>
+              <a:rPr lang="en-US" sz="2200" dirty="0" smtClean="0">
+                <a:effectLst/>
+              </a:rPr>
+              <a:t>	GIẢNG VIÊN HƯỚNG DẪN:	 TS. </a:t>
+            </a:r>
+            <a:r>
+              <a:rPr lang="en-US" sz="2200" dirty="0" err="1" smtClean="0">
+                <a:effectLst/>
+              </a:rPr>
+              <a:t>Trần</a:t>
+            </a:r>
+            <a:r>
+              <a:rPr lang="en-US" sz="2200" dirty="0" smtClean="0">
+                <a:effectLst/>
+              </a:rPr>
+              <a:t> </a:t>
+            </a:r>
+            <a:r>
+              <a:rPr lang="en-US" sz="2200" dirty="0" err="1" smtClean="0">
+                <a:effectLst/>
+              </a:rPr>
+              <a:t>vũ</a:t>
+            </a:r>
+            <a:r>
+              <a:rPr lang="en-US" sz="2200" dirty="0" smtClean="0">
+                <a:effectLst/>
+              </a:rPr>
+              <a:t> </a:t>
+            </a:r>
+            <a:r>
+              <a:rPr lang="en-US" sz="2200" dirty="0" err="1" smtClean="0">
+                <a:effectLst/>
+              </a:rPr>
+              <a:t>bình</a:t>
+            </a:r>
+            <a:endParaRPr lang="en-US" sz="2200" dirty="0" smtClean="0">
+              <a:effectLst/>
+            </a:endParaRPr>
+          </a:p>
+          <a:p>
+            <a:pPr>
+              <a:lnSpc>
+                <a:spcPct val="150000"/>
+              </a:lnSpc>
+            </a:pPr>
+            <a:r>
+              <a:rPr lang="en-US" sz="2200" dirty="0" smtClean="0">
+                <a:effectLst/>
+              </a:rPr>
+              <a:t>	</a:t>
+            </a:r>
+            <a:r>
+              <a:rPr lang="en-US" sz="2200" dirty="0" err="1" smtClean="0">
+                <a:effectLst/>
+              </a:rPr>
+              <a:t>Sinh</a:t>
+            </a:r>
+            <a:r>
+              <a:rPr lang="en-US" sz="2200" dirty="0" smtClean="0">
+                <a:effectLst/>
+              </a:rPr>
+              <a:t> </a:t>
+            </a:r>
+            <a:r>
+              <a:rPr lang="en-US" sz="2200" dirty="0" err="1" smtClean="0">
+                <a:effectLst/>
+              </a:rPr>
+              <a:t>viên</a:t>
+            </a:r>
+            <a:r>
+              <a:rPr lang="en-US" sz="2200" dirty="0" smtClean="0">
+                <a:effectLst/>
+              </a:rPr>
+              <a:t> </a:t>
+            </a:r>
+            <a:r>
+              <a:rPr lang="en-US" sz="2200" dirty="0" err="1" smtClean="0">
+                <a:effectLst/>
+              </a:rPr>
+              <a:t>thực</a:t>
+            </a:r>
+            <a:r>
+              <a:rPr lang="en-US" sz="2200" dirty="0" smtClean="0">
+                <a:effectLst/>
+              </a:rPr>
+              <a:t> </a:t>
+            </a:r>
+            <a:r>
+              <a:rPr lang="en-US" sz="2200" dirty="0" err="1" smtClean="0">
+                <a:effectLst/>
+              </a:rPr>
+              <a:t>hiện</a:t>
+            </a:r>
+            <a:r>
+              <a:rPr lang="en-US" sz="2200" dirty="0" smtClean="0">
+                <a:effectLst/>
+              </a:rPr>
+              <a:t>:	</a:t>
+            </a:r>
+            <a:r>
+              <a:rPr lang="en-US" sz="2200" dirty="0" err="1" smtClean="0">
+                <a:effectLst/>
+              </a:rPr>
+              <a:t>lê</a:t>
+            </a:r>
+            <a:r>
+              <a:rPr lang="en-US" sz="2200" dirty="0" smtClean="0">
+                <a:effectLst/>
+              </a:rPr>
+              <a:t> </a:t>
+            </a:r>
+            <a:r>
+              <a:rPr lang="en-US" sz="2200" dirty="0" err="1" smtClean="0">
+                <a:effectLst/>
+              </a:rPr>
+              <a:t>trung</a:t>
+            </a:r>
+            <a:r>
+              <a:rPr lang="en-US" sz="2200" dirty="0" smtClean="0">
+                <a:effectLst/>
+              </a:rPr>
+              <a:t> </a:t>
+            </a:r>
+            <a:r>
+              <a:rPr lang="en-US" sz="2200" dirty="0" err="1" smtClean="0">
+                <a:effectLst/>
+              </a:rPr>
+              <a:t>hiếu</a:t>
+            </a:r>
+            <a:endParaRPr lang="en-US" sz="2200" dirty="0" smtClean="0">
+              <a:effectLst/>
+            </a:endParaRPr>
+          </a:p>
+          <a:p>
+            <a:pPr>
+              <a:lnSpc>
+                <a:spcPct val="150000"/>
+              </a:lnSpc>
+            </a:pPr>
+            <a:r>
+              <a:rPr lang="en-US" sz="2200" dirty="0" smtClean="0">
+                <a:effectLst/>
+              </a:rPr>
+              <a:t>					</a:t>
+            </a:r>
+            <a:r>
+              <a:rPr lang="en-US" sz="2200" dirty="0" err="1" smtClean="0">
+                <a:effectLst/>
+              </a:rPr>
+              <a:t>Phùng</a:t>
+            </a:r>
+            <a:r>
+              <a:rPr lang="en-US" sz="2200" dirty="0" smtClean="0">
+                <a:effectLst/>
+              </a:rPr>
+              <a:t> </a:t>
+            </a:r>
+            <a:r>
+              <a:rPr lang="en-US" sz="2200" dirty="0" err="1" smtClean="0">
+                <a:effectLst/>
+              </a:rPr>
+              <a:t>chí</a:t>
+            </a:r>
+            <a:r>
+              <a:rPr lang="en-US" sz="2200" dirty="0" smtClean="0">
+                <a:effectLst/>
+              </a:rPr>
+              <a:t> </a:t>
+            </a:r>
+            <a:r>
+              <a:rPr lang="en-US" sz="2200" dirty="0" err="1" smtClean="0">
+                <a:effectLst/>
+              </a:rPr>
+              <a:t>nguyên</a:t>
+            </a:r>
+            <a:endParaRPr lang="en-US" sz="2200" dirty="0" smtClean="0">
+              <a:effectLst/>
+            </a:endParaRPr>
+          </a:p>
+          <a:p>
+            <a:pPr>
+              <a:lnSpc>
+                <a:spcPct val="150000"/>
+              </a:lnSpc>
+            </a:pPr>
+            <a:r>
+              <a:rPr lang="en-US" sz="2200" dirty="0" smtClean="0">
+                <a:effectLst/>
+              </a:rPr>
+              <a:t>					</a:t>
+            </a:r>
+            <a:r>
+              <a:rPr lang="en-US" sz="2200" dirty="0" err="1" smtClean="0">
+                <a:effectLst/>
+              </a:rPr>
+              <a:t>Lê</a:t>
+            </a:r>
+            <a:r>
+              <a:rPr lang="en-US" sz="2200" dirty="0" smtClean="0">
+                <a:effectLst/>
+              </a:rPr>
+              <a:t> </a:t>
+            </a:r>
+            <a:r>
+              <a:rPr lang="en-US" sz="2200" dirty="0" err="1" smtClean="0">
+                <a:effectLst/>
+              </a:rPr>
+              <a:t>dương</a:t>
+            </a:r>
+            <a:r>
+              <a:rPr lang="en-US" sz="2200" dirty="0" smtClean="0">
+                <a:effectLst/>
+              </a:rPr>
+              <a:t> </a:t>
+            </a:r>
+            <a:r>
+              <a:rPr lang="en-US" sz="2200" dirty="0" err="1" smtClean="0">
+                <a:effectLst/>
+              </a:rPr>
+              <a:t>công</a:t>
+            </a:r>
+            <a:r>
+              <a:rPr lang="en-US" sz="2200" dirty="0" smtClean="0">
+                <a:effectLst/>
+              </a:rPr>
+              <a:t> </a:t>
+            </a:r>
+            <a:r>
+              <a:rPr lang="en-US" sz="2200" dirty="0" err="1" smtClean="0">
+                <a:effectLst/>
+              </a:rPr>
+              <a:t>phúc</a:t>
+            </a:r>
+            <a:endParaRPr lang="en-US" sz="2200" dirty="0" smtClean="0">
+              <a:effectLst/>
+            </a:endParaRPr>
+          </a:p>
+        </p:txBody>
+      </p:sp>
+    </p:spTree>
+  </p:cSld>
+  <p:clrMapOvr>
+    <a:masterClrMapping/>
+  </p:clrMapOvr>
+  <mc:AlternateContent xmlns:mc="http://schemas.openxmlformats.org/markup-compatibility/2006" xmlns:p14="http://schemas.microsoft.com/office/powerpoint/2010/main">
+    <mc:Choice Requires="p14">
+      <p:transition p14:dur="0"/>
+    </mc:Choice>
+    <mc:Fallback xmlns="">
+      <p:transition/>
+    </mc:Fallback>
+  </mc:AlternateContent>
+  <p:timing>
+    <p:tnLst>
+      <p:par>
+        <p:cTn id="1" dur="indefinite" restart="never" nodeType="tmRoot"/>
+      </p:par>
+    </p:tnLst>
+  </p:timing>
+</p:sld>
+</file>
+
+<file path=ppt/slides/slide20.xml><?xml version="1.0" encoding="utf-8"?>
 <p:sld xmlns:a="http://schemas.openxmlformats.org/drawingml/2006/main" xmlns:r="http://schemas.openxmlformats.org/officeDocument/2006/relationships" xmlns:p="http://schemas.openxmlformats.org/presentationml/2006/main">
   <p:cSld>
     <p:spTree>
@@ -11849,7 +12255,7 @@
             <a:fld id="{1AD93096-5B34-4342-9326-69289CEAE4C2}" type="slidenum">
               <a:rPr lang="en-US" smtClean="0"/>
               <a:pPr/>
-              <a:t>18</a:t>
+              <a:t>20</a:t>
             </a:fld>
             <a:endParaRPr lang="en-US" dirty="0">
               <a:solidFill>
@@ -13092,7 +13498,7 @@
 </p:sld>
 </file>
 
-<file path=ppt/slides/slide19.xml><?xml version="1.0" encoding="utf-8"?>
+<file path=ppt/slides/slide21.xml><?xml version="1.0" encoding="utf-8"?>
 <p:sld xmlns:a="http://schemas.openxmlformats.org/drawingml/2006/main" xmlns:r="http://schemas.openxmlformats.org/officeDocument/2006/relationships" xmlns:p="http://schemas.openxmlformats.org/presentationml/2006/main">
   <p:cSld>
     <p:spTree>
@@ -13178,7 +13584,7 @@
             <a:fld id="{1AD93096-5B34-4342-9326-69289CEAE4C2}" type="slidenum">
               <a:rPr lang="en-US" smtClean="0"/>
               <a:pPr/>
-              <a:t>19</a:t>
+              <a:t>21</a:t>
             </a:fld>
             <a:endParaRPr lang="en-US" dirty="0">
               <a:solidFill>
@@ -13295,7 +13701,1629 @@
 </p:sld>
 </file>
 
-<file path=ppt/slides/slide2.xml><?xml version="1.0" encoding="utf-8"?>
+<file path=ppt/slides/slide22.xml><?xml version="1.0" encoding="utf-8"?>
+<p:sld xmlns:a="http://schemas.openxmlformats.org/drawingml/2006/main" xmlns:r="http://schemas.openxmlformats.org/officeDocument/2006/relationships" xmlns:p="http://schemas.openxmlformats.org/presentationml/2006/main">
+  <p:cSld>
+    <p:spTree>
+      <p:nvGrpSpPr>
+        <p:cNvPr id="1" name=""/>
+        <p:cNvGrpSpPr/>
+        <p:nvPr/>
+      </p:nvGrpSpPr>
+      <p:grpSpPr>
+        <a:xfrm>
+          <a:off x="0" y="0"/>
+          <a:ext cx="0" cy="0"/>
+          <a:chOff x="0" y="0"/>
+          <a:chExt cx="0" cy="0"/>
+        </a:xfrm>
+      </p:grpSpPr>
+      <p:sp>
+        <p:nvSpPr>
+          <p:cNvPr id="5" name="Text Placeholder 4"/>
+          <p:cNvSpPr>
+            <a:spLocks noGrp="1"/>
+          </p:cNvSpPr>
+          <p:nvPr>
+            <p:ph type="body" idx="1"/>
+          </p:nvPr>
+        </p:nvSpPr>
+        <p:spPr/>
+        <p:txBody>
+          <a:bodyPr>
+            <a:normAutofit/>
+          </a:bodyPr>
+          <a:lstStyle/>
+          <a:p>
+            <a:pPr marL="0" indent="0"/>
+            <a:r>
+              <a:rPr lang="en-US" dirty="0" err="1" smtClean="0"/>
+              <a:t>Kiến</a:t>
+            </a:r>
+            <a:r>
+              <a:rPr lang="en-US" dirty="0" smtClean="0"/>
+              <a:t> </a:t>
+            </a:r>
+            <a:r>
+              <a:rPr lang="en-US" dirty="0" err="1" smtClean="0"/>
+              <a:t>trúc</a:t>
+            </a:r>
+            <a:r>
+              <a:rPr lang="en-US" dirty="0" smtClean="0"/>
+              <a:t> </a:t>
+            </a:r>
+            <a:r>
+              <a:rPr lang="en-US" dirty="0" err="1" smtClean="0"/>
+              <a:t>cổng</a:t>
+            </a:r>
+            <a:r>
+              <a:rPr lang="en-US" dirty="0" smtClean="0"/>
+              <a:t> </a:t>
+            </a:r>
+            <a:r>
+              <a:rPr lang="en-US" dirty="0" err="1" smtClean="0"/>
+              <a:t>thông</a:t>
+            </a:r>
+            <a:r>
+              <a:rPr lang="en-US" dirty="0" smtClean="0"/>
+              <a:t> tin </a:t>
+            </a:r>
+            <a:r>
+              <a:rPr lang="en-US" dirty="0" err="1" smtClean="0"/>
+              <a:t>tìm</a:t>
+            </a:r>
+            <a:r>
+              <a:rPr lang="en-US" dirty="0" smtClean="0"/>
+              <a:t> </a:t>
+            </a:r>
+            <a:r>
+              <a:rPr lang="en-US" dirty="0" err="1" smtClean="0"/>
+              <a:t>việc</a:t>
+            </a:r>
+            <a:r>
+              <a:rPr lang="en-US" dirty="0" smtClean="0"/>
+              <a:t> </a:t>
+            </a:r>
+            <a:r>
+              <a:rPr lang="en-US" dirty="0" err="1" smtClean="0"/>
+              <a:t>JobZoom</a:t>
+            </a:r>
+            <a:r>
+              <a:rPr lang="en-US" dirty="0" smtClean="0"/>
+              <a:t> framework </a:t>
+            </a:r>
+            <a:r>
+              <a:rPr lang="en-US" dirty="0" err="1" smtClean="0"/>
+              <a:t>được</a:t>
+            </a:r>
+            <a:r>
+              <a:rPr lang="en-US" dirty="0" smtClean="0"/>
+              <a:t> </a:t>
+            </a:r>
+            <a:r>
+              <a:rPr lang="en-US" dirty="0" err="1" smtClean="0"/>
+              <a:t>áp</a:t>
+            </a:r>
+            <a:r>
+              <a:rPr lang="en-US" dirty="0" smtClean="0"/>
+              <a:t> </a:t>
+            </a:r>
+            <a:r>
+              <a:rPr lang="en-US" dirty="0" err="1" smtClean="0"/>
+              <a:t>dụng</a:t>
+            </a:r>
+            <a:r>
+              <a:rPr lang="en-US" dirty="0" smtClean="0"/>
+              <a:t> </a:t>
+            </a:r>
+            <a:r>
+              <a:rPr lang="en-US" dirty="0" err="1" smtClean="0"/>
+              <a:t>từ</a:t>
+            </a:r>
+            <a:r>
+              <a:rPr lang="en-US" dirty="0" smtClean="0"/>
+              <a:t> </a:t>
+            </a:r>
+            <a:r>
+              <a:rPr lang="en-US" dirty="0" err="1" smtClean="0"/>
+              <a:t>giải</a:t>
+            </a:r>
+            <a:r>
+              <a:rPr lang="en-US" dirty="0" smtClean="0"/>
+              <a:t> </a:t>
+            </a:r>
+            <a:r>
+              <a:rPr lang="en-US" dirty="0" err="1" smtClean="0"/>
+              <a:t>pháp</a:t>
+            </a:r>
+            <a:r>
+              <a:rPr lang="en-US" dirty="0" smtClean="0"/>
+              <a:t> </a:t>
+            </a:r>
+            <a:r>
+              <a:rPr lang="en-US" dirty="0" err="1" smtClean="0"/>
+              <a:t>của</a:t>
+            </a:r>
+            <a:r>
+              <a:rPr lang="en-US" dirty="0" smtClean="0"/>
+              <a:t> </a:t>
+            </a:r>
+            <a:r>
+              <a:rPr lang="en-US" dirty="0" err="1" smtClean="0"/>
+              <a:t>bài</a:t>
+            </a:r>
+            <a:r>
+              <a:rPr lang="en-US" dirty="0" smtClean="0"/>
+              <a:t> </a:t>
+            </a:r>
+            <a:r>
+              <a:rPr lang="en-US" dirty="0" err="1" smtClean="0"/>
+              <a:t>toán</a:t>
+            </a:r>
+            <a:r>
+              <a:rPr lang="en-US" dirty="0" smtClean="0"/>
+              <a:t> </a:t>
+            </a:r>
+            <a:r>
+              <a:rPr lang="en-US" dirty="0" err="1" smtClean="0"/>
+              <a:t>kiến</a:t>
+            </a:r>
+            <a:r>
+              <a:rPr lang="en-US" dirty="0" smtClean="0"/>
+              <a:t> </a:t>
+            </a:r>
+            <a:r>
+              <a:rPr lang="en-US" dirty="0" err="1" smtClean="0"/>
+              <a:t>trúc</a:t>
+            </a:r>
+            <a:r>
+              <a:rPr lang="en-US" dirty="0" smtClean="0"/>
+              <a:t> </a:t>
+            </a:r>
+            <a:r>
+              <a:rPr lang="en-US" dirty="0" err="1" smtClean="0"/>
+              <a:t>nói</a:t>
+            </a:r>
+            <a:r>
+              <a:rPr lang="en-US" dirty="0" smtClean="0"/>
+              <a:t> </a:t>
+            </a:r>
+            <a:r>
+              <a:rPr lang="en-US" dirty="0" err="1" smtClean="0"/>
+              <a:t>trên</a:t>
+            </a:r>
+            <a:r>
+              <a:rPr lang="en-US" dirty="0" smtClean="0"/>
+              <a:t>.</a:t>
+            </a:r>
+            <a:endParaRPr lang="vi-VN" dirty="0"/>
+          </a:p>
+        </p:txBody>
+      </p:sp>
+      <p:sp>
+        <p:nvSpPr>
+          <p:cNvPr id="4" name="Title 3"/>
+          <p:cNvSpPr>
+            <a:spLocks noGrp="1"/>
+          </p:cNvSpPr>
+          <p:nvPr>
+            <p:ph type="title"/>
+          </p:nvPr>
+        </p:nvSpPr>
+        <p:spPr/>
+        <p:txBody>
+          <a:bodyPr>
+            <a:normAutofit/>
+          </a:bodyPr>
+          <a:lstStyle/>
+          <a:p>
+            <a:r>
+              <a:rPr lang="en-US" dirty="0" err="1" smtClean="0"/>
+              <a:t>JobZoom</a:t>
+            </a:r>
+            <a:r>
+              <a:rPr lang="en-US" dirty="0" smtClean="0"/>
+              <a:t> framework</a:t>
+            </a:r>
+            <a:endParaRPr lang="vi-VN" dirty="0"/>
+          </a:p>
+        </p:txBody>
+      </p:sp>
+      <p:sp>
+        <p:nvSpPr>
+          <p:cNvPr id="3" name="Slide Number Placeholder 2"/>
+          <p:cNvSpPr>
+            <a:spLocks noGrp="1"/>
+          </p:cNvSpPr>
+          <p:nvPr>
+            <p:ph type="sldNum" sz="quarter" idx="11"/>
+          </p:nvPr>
+        </p:nvSpPr>
+        <p:spPr/>
+        <p:txBody>
+          <a:bodyPr>
+            <a:normAutofit/>
+          </a:bodyPr>
+          <a:lstStyle/>
+          <a:p>
+            <a:fld id="{1AD93096-5B34-4342-9326-69289CEAE4C2}" type="slidenum">
+              <a:rPr lang="en-US" smtClean="0"/>
+              <a:pPr/>
+              <a:t>22</a:t>
+            </a:fld>
+            <a:endParaRPr lang="en-US" dirty="0">
+              <a:solidFill>
+                <a:srgbClr val="FFFFFF"/>
+              </a:solidFill>
+            </a:endParaRPr>
+          </a:p>
+        </p:txBody>
+      </p:sp>
+      <p:pic>
+        <p:nvPicPr>
+          <p:cNvPr id="6" name="Picture 2"/>
+          <p:cNvPicPr>
+            <a:picLocks noChangeAspect="1" noChangeArrowheads="1"/>
+          </p:cNvPicPr>
+          <p:nvPr/>
+        </p:nvPicPr>
+        <p:blipFill rotWithShape="1">
+          <a:blip r:embed="rId2" cstate="print">
+            <a:extLst>
+              <a:ext uri="{BEBA8EAE-BF5A-486C-A8C5-ECC9F3942E4B}">
+                <a14:imgProps xmlns:a14="http://schemas.microsoft.com/office/drawing/2010/main">
+                  <a14:imgLayer r:embed="rId3">
+                    <a14:imgEffect>
+                      <a14:backgroundRemoval t="10000" b="90000" l="10000" r="90000"/>
+                    </a14:imgEffect>
+                  </a14:imgLayer>
+                </a14:imgProps>
+              </a:ext>
+              <a:ext uri="{28A0092B-C50C-407E-A947-70E740481C1C}">
+                <a14:useLocalDpi xmlns:a14="http://schemas.microsoft.com/office/drawing/2010/main" val="0"/>
+              </a:ext>
+            </a:extLst>
+          </a:blip>
+          <a:srcRect l="8900" t="16354" r="8923" b="16880"/>
+          <a:stretch/>
+        </p:blipFill>
+        <p:spPr bwMode="auto">
+          <a:xfrm>
+            <a:off x="6156176" y="476673"/>
+            <a:ext cx="2448272" cy="1420460"/>
+          </a:xfrm>
+          <a:prstGeom prst="rect">
+            <a:avLst/>
+          </a:prstGeom>
+          <a:ln w="9525">
+            <a:noFill/>
+            <a:miter lim="800000"/>
+            <a:headEnd/>
+            <a:tailEnd/>
+          </a:ln>
+          <a:effectLst>
+            <a:innerShdw blurRad="76200">
+              <a:srgbClr val="000000"/>
+            </a:innerShdw>
+          </a:effectLst>
+          <a:extLst>
+            <a:ext uri="{909E8E84-426E-40DD-AFC4-6F175D3DCCD1}">
+              <a14:hiddenFill xmlns:a14="http://schemas.microsoft.com/office/drawing/2010/main">
+                <a:solidFill>
+                  <a:schemeClr val="accent1"/>
+                </a:solidFill>
+              </a14:hiddenFill>
+            </a:ext>
+          </a:extLst>
+        </p:spPr>
+      </p:pic>
+      <p:pic>
+        <p:nvPicPr>
+          <p:cNvPr id="2050" name="Picture 2" descr="http://www.google.com.vn/url?source=imglanding&amp;ct=img&amp;q=http://www.newea.org/Portals/6/images/JobHunting_iStock_000005682045XSmall.jpg&amp;sa=X&amp;ei=BnP9TuaWCIaziQeLifitAQ&amp;ved=0CAwQ8wc&amp;usg=AFQjCNGWD101b2jPI-pOsxPMtfVMMGhSfw"/>
+          <p:cNvPicPr>
+            <a:picLocks noChangeAspect="1" noChangeArrowheads="1"/>
+          </p:cNvPicPr>
+          <p:nvPr/>
+        </p:nvPicPr>
+        <p:blipFill rotWithShape="1">
+          <a:blip r:embed="rId4">
+            <a:extLst>
+              <a:ext uri="{28A0092B-C50C-407E-A947-70E740481C1C}">
+                <a14:useLocalDpi xmlns:a14="http://schemas.microsoft.com/office/drawing/2010/main" val="0"/>
+              </a:ext>
+            </a:extLst>
+          </a:blip>
+          <a:srcRect b="11038"/>
+          <a:stretch/>
+        </p:blipFill>
+        <p:spPr bwMode="auto">
+          <a:xfrm>
+            <a:off x="1410072" y="4287565"/>
+            <a:ext cx="3810000" cy="2542084"/>
+          </a:xfrm>
+          <a:prstGeom prst="rect">
+            <a:avLst/>
+          </a:prstGeom>
+          <a:noFill/>
+          <a:extLst>
+            <a:ext uri="{909E8E84-426E-40DD-AFC4-6F175D3DCCD1}">
+              <a14:hiddenFill xmlns:a14="http://schemas.microsoft.com/office/drawing/2010/main">
+                <a:solidFill>
+                  <a:srgbClr val="FFFFFF"/>
+                </a:solidFill>
+              </a14:hiddenFill>
+            </a:ext>
+          </a:extLst>
+        </p:spPr>
+      </p:pic>
+    </p:spTree>
+    <p:extLst>
+      <p:ext uri="{BB962C8B-B14F-4D97-AF65-F5344CB8AC3E}">
+        <p14:creationId xmlns:p14="http://schemas.microsoft.com/office/powerpoint/2010/main" val="1258374253"/>
+      </p:ext>
+    </p:extLst>
+  </p:cSld>
+  <p:clrMapOvr>
+    <a:masterClrMapping/>
+  </p:clrMapOvr>
+  <p:timing>
+    <p:tnLst>
+      <p:par>
+        <p:cTn id="1" dur="indefinite" restart="never" nodeType="tmRoot"/>
+      </p:par>
+    </p:tnLst>
+  </p:timing>
+</p:sld>
+</file>
+
+<file path=ppt/slides/slide23.xml><?xml version="1.0" encoding="utf-8"?>
+<p:sld xmlns:a="http://schemas.openxmlformats.org/drawingml/2006/main" xmlns:r="http://schemas.openxmlformats.org/officeDocument/2006/relationships" xmlns:p="http://schemas.openxmlformats.org/presentationml/2006/main">
+  <p:cSld>
+    <p:spTree>
+      <p:nvGrpSpPr>
+        <p:cNvPr id="1" name=""/>
+        <p:cNvGrpSpPr/>
+        <p:nvPr/>
+      </p:nvGrpSpPr>
+      <p:grpSpPr>
+        <a:xfrm>
+          <a:off x="0" y="0"/>
+          <a:ext cx="0" cy="0"/>
+          <a:chOff x="0" y="0"/>
+          <a:chExt cx="0" cy="0"/>
+        </a:xfrm>
+      </p:grpSpPr>
+      <p:sp>
+        <p:nvSpPr>
+          <p:cNvPr id="2" name="Title 1"/>
+          <p:cNvSpPr>
+            <a:spLocks noGrp="1"/>
+          </p:cNvSpPr>
+          <p:nvPr>
+            <p:ph type="title"/>
+          </p:nvPr>
+        </p:nvSpPr>
+        <p:spPr/>
+        <p:txBody>
+          <a:bodyPr>
+            <a:normAutofit/>
+          </a:bodyPr>
+          <a:lstStyle/>
+          <a:p>
+            <a:r>
+              <a:rPr lang="en-US" dirty="0" err="1" smtClean="0"/>
+              <a:t>Kiến</a:t>
+            </a:r>
+            <a:r>
+              <a:rPr lang="en-US" dirty="0" smtClean="0"/>
+              <a:t> </a:t>
+            </a:r>
+            <a:r>
+              <a:rPr lang="en-US" dirty="0" err="1" smtClean="0"/>
+              <a:t>trúc</a:t>
+            </a:r>
+            <a:r>
+              <a:rPr lang="en-US" dirty="0" smtClean="0"/>
+              <a:t> </a:t>
+            </a:r>
+            <a:r>
+              <a:rPr lang="en-US" dirty="0" err="1" smtClean="0"/>
+              <a:t>tổng</a:t>
+            </a:r>
+            <a:r>
+              <a:rPr lang="en-US" dirty="0" smtClean="0"/>
+              <a:t> </a:t>
+            </a:r>
+            <a:r>
+              <a:rPr lang="en-US" dirty="0" err="1" smtClean="0"/>
+              <a:t>quan</a:t>
+            </a:r>
+            <a:endParaRPr lang="vi-VN" dirty="0"/>
+          </a:p>
+        </p:txBody>
+      </p:sp>
+      <p:sp>
+        <p:nvSpPr>
+          <p:cNvPr id="3" name="Slide Number Placeholder 2"/>
+          <p:cNvSpPr>
+            <a:spLocks noGrp="1"/>
+          </p:cNvSpPr>
+          <p:nvPr>
+            <p:ph type="sldNum" sz="quarter" idx="12"/>
+          </p:nvPr>
+        </p:nvSpPr>
+        <p:spPr/>
+        <p:txBody>
+          <a:bodyPr>
+            <a:normAutofit fontScale="85000" lnSpcReduction="20000"/>
+          </a:bodyPr>
+          <a:lstStyle/>
+          <a:p>
+            <a:fld id="{1AD93096-5B34-4342-9326-69289CEAE4C2}" type="slidenum">
+              <a:rPr lang="en-US" smtClean="0"/>
+              <a:pPr/>
+              <a:t>23</a:t>
+            </a:fld>
+            <a:endParaRPr lang="en-US" dirty="0">
+              <a:solidFill>
+                <a:srgbClr val="FFFFFF"/>
+              </a:solidFill>
+            </a:endParaRPr>
+          </a:p>
+        </p:txBody>
+      </p:sp>
+      <p:pic>
+        <p:nvPicPr>
+          <p:cNvPr id="3076" name="Picture 4"/>
+          <p:cNvPicPr>
+            <a:picLocks noGrp="1" noChangeAspect="1" noChangeArrowheads="1"/>
+          </p:cNvPicPr>
+          <p:nvPr>
+            <p:ph sz="quarter" idx="1"/>
+          </p:nvPr>
+        </p:nvPicPr>
+        <p:blipFill>
+          <a:blip r:embed="rId2">
+            <a:extLst>
+              <a:ext uri="{28A0092B-C50C-407E-A947-70E740481C1C}">
+                <a14:useLocalDpi xmlns:a14="http://schemas.microsoft.com/office/drawing/2010/main" val="0"/>
+              </a:ext>
+            </a:extLst>
+          </a:blip>
+          <a:srcRect/>
+          <a:stretch>
+            <a:fillRect/>
+          </a:stretch>
+        </p:blipFill>
+        <p:spPr bwMode="auto">
+          <a:xfrm rot="5400000">
+            <a:off x="1972783" y="-337513"/>
+            <a:ext cx="5183923" cy="9031716"/>
+          </a:xfrm>
+          <a:prstGeom prst="rect">
+            <a:avLst/>
+          </a:prstGeom>
+          <a:noFill/>
+          <a:ln>
+            <a:noFill/>
+          </a:ln>
+          <a:effectLst/>
+          <a:extLst>
+            <a:ext uri="{909E8E84-426E-40DD-AFC4-6F175D3DCCD1}">
+              <a14:hiddenFill xmlns:a14="http://schemas.microsoft.com/office/drawing/2010/main">
+                <a:solidFill>
+                  <a:schemeClr val="accent1"/>
+                </a:solidFill>
+              </a14:hiddenFill>
+            </a:ext>
+            <a:ext uri="{91240B29-F687-4F45-9708-019B960494DF}">
+              <a14:hiddenLine xmlns:a14="http://schemas.microsoft.com/office/drawing/2010/main" w="9525">
+                <a:solidFill>
+                  <a:schemeClr val="tx1"/>
+                </a:solidFill>
+                <a:miter lim="800000"/>
+                <a:headEnd/>
+                <a:tailEnd/>
+              </a14:hiddenLine>
+            </a:ext>
+            <a:ext uri="{AF507438-7753-43E0-B8FC-AC1667EBCBE1}">
+              <a14:hiddenEffects xmlns:a14="http://schemas.microsoft.com/office/drawing/2010/main">
+                <a:effectLst>
+                  <a:outerShdw dist="35921" dir="2700000" algn="ctr" rotWithShape="0">
+                    <a:schemeClr val="bg2"/>
+                  </a:outerShdw>
+                </a:effectLst>
+              </a14:hiddenEffects>
+            </a:ext>
+          </a:extLst>
+        </p:spPr>
+      </p:pic>
+    </p:spTree>
+    <p:extLst>
+      <p:ext uri="{BB962C8B-B14F-4D97-AF65-F5344CB8AC3E}">
+        <p14:creationId xmlns:p14="http://schemas.microsoft.com/office/powerpoint/2010/main" val="3453574344"/>
+      </p:ext>
+    </p:extLst>
+  </p:cSld>
+  <p:clrMapOvr>
+    <a:masterClrMapping/>
+  </p:clrMapOvr>
+  <p:timing>
+    <p:tnLst>
+      <p:par>
+        <p:cTn id="1" dur="indefinite" restart="never" nodeType="tmRoot"/>
+      </p:par>
+    </p:tnLst>
+  </p:timing>
+</p:sld>
+</file>
+
+<file path=ppt/slides/slide24.xml><?xml version="1.0" encoding="utf-8"?>
+<p:sld xmlns:a="http://schemas.openxmlformats.org/drawingml/2006/main" xmlns:r="http://schemas.openxmlformats.org/officeDocument/2006/relationships" xmlns:p="http://schemas.openxmlformats.org/presentationml/2006/main">
+  <p:cSld>
+    <p:spTree>
+      <p:nvGrpSpPr>
+        <p:cNvPr id="1" name=""/>
+        <p:cNvGrpSpPr/>
+        <p:nvPr/>
+      </p:nvGrpSpPr>
+      <p:grpSpPr>
+        <a:xfrm>
+          <a:off x="0" y="0"/>
+          <a:ext cx="0" cy="0"/>
+          <a:chOff x="0" y="0"/>
+          <a:chExt cx="0" cy="0"/>
+        </a:xfrm>
+      </p:grpSpPr>
+      <p:sp>
+        <p:nvSpPr>
+          <p:cNvPr id="5" name="Title 4"/>
+          <p:cNvSpPr>
+            <a:spLocks noGrp="1"/>
+          </p:cNvSpPr>
+          <p:nvPr>
+            <p:ph type="title"/>
+          </p:nvPr>
+        </p:nvSpPr>
+        <p:spPr/>
+        <p:txBody>
+          <a:bodyPr>
+            <a:normAutofit/>
+          </a:bodyPr>
+          <a:lstStyle/>
+          <a:p>
+            <a:r>
+              <a:rPr lang="en-US" sz="4000" dirty="0" smtClean="0"/>
+              <a:t>mapping</a:t>
+            </a:r>
+            <a:endParaRPr lang="vi-VN" sz="4000" dirty="0"/>
+          </a:p>
+        </p:txBody>
+      </p:sp>
+      <p:sp>
+        <p:nvSpPr>
+          <p:cNvPr id="4" name="Slide Number Placeholder 3"/>
+          <p:cNvSpPr>
+            <a:spLocks noGrp="1"/>
+          </p:cNvSpPr>
+          <p:nvPr>
+            <p:ph type="sldNum" sz="quarter" idx="12"/>
+          </p:nvPr>
+        </p:nvSpPr>
+        <p:spPr/>
+        <p:txBody>
+          <a:bodyPr>
+            <a:normAutofit fontScale="85000" lnSpcReduction="20000"/>
+          </a:bodyPr>
+          <a:lstStyle/>
+          <a:p>
+            <a:pPr algn="ctr"/>
+            <a:fld id="{1AD93096-5B34-4342-9326-69289CEAE4C2}" type="slidenum">
+              <a:rPr lang="en-US" smtClean="0"/>
+              <a:pPr algn="ctr"/>
+              <a:t>24</a:t>
+            </a:fld>
+            <a:endParaRPr lang="en-US" sz="2400" dirty="0">
+              <a:solidFill>
+                <a:srgbClr val="FFFFFF"/>
+              </a:solidFill>
+            </a:endParaRPr>
+          </a:p>
+        </p:txBody>
+      </p:sp>
+      <p:pic>
+        <p:nvPicPr>
+          <p:cNvPr id="7" name="Picture 6"/>
+          <p:cNvPicPr/>
+          <p:nvPr/>
+        </p:nvPicPr>
+        <p:blipFill>
+          <a:blip r:embed="rId2" cstate="print">
+            <a:extLst>
+              <a:ext uri="{28A0092B-C50C-407E-A947-70E740481C1C}">
+                <a14:useLocalDpi xmlns:a14="http://schemas.microsoft.com/office/drawing/2010/main" val="0"/>
+              </a:ext>
+            </a:extLst>
+          </a:blip>
+          <a:srcRect/>
+          <a:stretch>
+            <a:fillRect/>
+          </a:stretch>
+        </p:blipFill>
+        <p:spPr bwMode="auto">
+          <a:xfrm>
+            <a:off x="251520" y="4249556"/>
+            <a:ext cx="4561790" cy="2697945"/>
+          </a:xfrm>
+          <a:prstGeom prst="rect">
+            <a:avLst/>
+          </a:prstGeom>
+          <a:noFill/>
+        </p:spPr>
+      </p:pic>
+      <p:pic>
+        <p:nvPicPr>
+          <p:cNvPr id="8" name="Picture 7"/>
+          <p:cNvPicPr/>
+          <p:nvPr/>
+        </p:nvPicPr>
+        <p:blipFill>
+          <a:blip r:embed="rId3">
+            <a:extLst>
+              <a:ext uri="{28A0092B-C50C-407E-A947-70E740481C1C}">
+                <a14:useLocalDpi xmlns:a14="http://schemas.microsoft.com/office/drawing/2010/main" val="0"/>
+              </a:ext>
+            </a:extLst>
+          </a:blip>
+          <a:srcRect/>
+          <a:stretch>
+            <a:fillRect/>
+          </a:stretch>
+        </p:blipFill>
+        <p:spPr bwMode="auto">
+          <a:xfrm>
+            <a:off x="1995350" y="1513812"/>
+            <a:ext cx="6249058" cy="3486536"/>
+          </a:xfrm>
+          <a:prstGeom prst="rect">
+            <a:avLst/>
+          </a:prstGeom>
+          <a:noFill/>
+        </p:spPr>
+      </p:pic>
+    </p:spTree>
+    <p:extLst>
+      <p:ext uri="{BB962C8B-B14F-4D97-AF65-F5344CB8AC3E}">
+        <p14:creationId xmlns:p14="http://schemas.microsoft.com/office/powerpoint/2010/main" val="2793530087"/>
+      </p:ext>
+    </p:extLst>
+  </p:cSld>
+  <p:clrMapOvr>
+    <a:masterClrMapping/>
+  </p:clrMapOvr>
+  <p:timing>
+    <p:tnLst>
+      <p:par>
+        <p:cTn id="1" dur="indefinite" restart="never" nodeType="tmRoot"/>
+      </p:par>
+    </p:tnLst>
+  </p:timing>
+</p:sld>
+</file>
+
+<file path=ppt/slides/slide25.xml><?xml version="1.0" encoding="utf-8"?>
+<p:sld xmlns:a="http://schemas.openxmlformats.org/drawingml/2006/main" xmlns:r="http://schemas.openxmlformats.org/officeDocument/2006/relationships" xmlns:p="http://schemas.openxmlformats.org/presentationml/2006/main">
+  <p:cSld>
+    <p:spTree>
+      <p:nvGrpSpPr>
+        <p:cNvPr id="1" name=""/>
+        <p:cNvGrpSpPr/>
+        <p:nvPr/>
+      </p:nvGrpSpPr>
+      <p:grpSpPr>
+        <a:xfrm>
+          <a:off x="0" y="0"/>
+          <a:ext cx="0" cy="0"/>
+          <a:chOff x="0" y="0"/>
+          <a:chExt cx="0" cy="0"/>
+        </a:xfrm>
+      </p:grpSpPr>
+      <p:sp>
+        <p:nvSpPr>
+          <p:cNvPr id="2" name="Title 1"/>
+          <p:cNvSpPr>
+            <a:spLocks noGrp="1"/>
+          </p:cNvSpPr>
+          <p:nvPr>
+            <p:ph type="title"/>
+          </p:nvPr>
+        </p:nvSpPr>
+        <p:spPr/>
+        <p:txBody>
+          <a:bodyPr>
+            <a:normAutofit/>
+          </a:bodyPr>
+          <a:lstStyle/>
+          <a:p>
+            <a:r>
+              <a:rPr lang="en-US" sz="3600" dirty="0" err="1" smtClean="0"/>
+              <a:t>Tổ</a:t>
+            </a:r>
+            <a:r>
+              <a:rPr lang="en-US" sz="3600" dirty="0" smtClean="0"/>
+              <a:t> </a:t>
+            </a:r>
+            <a:r>
+              <a:rPr lang="en-US" sz="3600" dirty="0" err="1" smtClean="0"/>
+              <a:t>chức</a:t>
+            </a:r>
+            <a:r>
+              <a:rPr lang="en-US" sz="3600" dirty="0" smtClean="0"/>
+              <a:t> </a:t>
+            </a:r>
+            <a:r>
+              <a:rPr lang="en-US" sz="3600" dirty="0" err="1" smtClean="0"/>
+              <a:t>và</a:t>
+            </a:r>
+            <a:r>
+              <a:rPr lang="en-US" sz="3600" dirty="0" smtClean="0"/>
+              <a:t> </a:t>
+            </a:r>
+            <a:r>
+              <a:rPr lang="en-US" sz="3600" dirty="0" err="1" smtClean="0"/>
+              <a:t>lưu</a:t>
+            </a:r>
+            <a:r>
+              <a:rPr lang="en-US" sz="3600" dirty="0" smtClean="0"/>
+              <a:t> </a:t>
+            </a:r>
+            <a:r>
+              <a:rPr lang="en-US" sz="3600" dirty="0" err="1" smtClean="0"/>
+              <a:t>trữ</a:t>
+            </a:r>
+            <a:r>
+              <a:rPr lang="en-US" sz="3600" dirty="0" smtClean="0"/>
+              <a:t> </a:t>
+            </a:r>
+            <a:r>
+              <a:rPr lang="en-US" sz="3600" dirty="0" err="1" smtClean="0"/>
+              <a:t>thông</a:t>
+            </a:r>
+            <a:r>
+              <a:rPr lang="en-US" sz="3600" dirty="0" smtClean="0"/>
+              <a:t> tin</a:t>
+            </a:r>
+            <a:endParaRPr lang="vi-VN" sz="3600" dirty="0"/>
+          </a:p>
+        </p:txBody>
+      </p:sp>
+      <p:sp>
+        <p:nvSpPr>
+          <p:cNvPr id="3" name="Slide Number Placeholder 2"/>
+          <p:cNvSpPr>
+            <a:spLocks noGrp="1"/>
+          </p:cNvSpPr>
+          <p:nvPr>
+            <p:ph type="sldNum" sz="quarter" idx="12"/>
+          </p:nvPr>
+        </p:nvSpPr>
+        <p:spPr/>
+        <p:txBody>
+          <a:bodyPr>
+            <a:normAutofit fontScale="85000" lnSpcReduction="20000"/>
+          </a:bodyPr>
+          <a:lstStyle/>
+          <a:p>
+            <a:fld id="{1AD93096-5B34-4342-9326-69289CEAE4C2}" type="slidenum">
+              <a:rPr lang="en-US" smtClean="0"/>
+              <a:pPr/>
+              <a:t>25</a:t>
+            </a:fld>
+            <a:endParaRPr lang="en-US" dirty="0">
+              <a:solidFill>
+                <a:srgbClr val="FFFFFF"/>
+              </a:solidFill>
+            </a:endParaRPr>
+          </a:p>
+        </p:txBody>
+      </p:sp>
+      <p:pic>
+        <p:nvPicPr>
+          <p:cNvPr id="4098" name="Picture 2"/>
+          <p:cNvPicPr>
+            <a:picLocks noGrp="1" noChangeAspect="1" noChangeArrowheads="1"/>
+          </p:cNvPicPr>
+          <p:nvPr>
+            <p:ph sz="quarter" idx="1"/>
+          </p:nvPr>
+        </p:nvPicPr>
+        <p:blipFill>
+          <a:blip r:embed="rId2">
+            <a:extLst>
+              <a:ext uri="{28A0092B-C50C-407E-A947-70E740481C1C}">
+                <a14:useLocalDpi xmlns:a14="http://schemas.microsoft.com/office/drawing/2010/main" val="0"/>
+              </a:ext>
+            </a:extLst>
+          </a:blip>
+          <a:srcRect/>
+          <a:stretch>
+            <a:fillRect/>
+          </a:stretch>
+        </p:blipFill>
+        <p:spPr bwMode="auto">
+          <a:xfrm>
+            <a:off x="611560" y="1578130"/>
+            <a:ext cx="8136904" cy="5279871"/>
+          </a:xfrm>
+          <a:prstGeom prst="rect">
+            <a:avLst/>
+          </a:prstGeom>
+          <a:noFill/>
+          <a:ln>
+            <a:noFill/>
+          </a:ln>
+          <a:effectLst/>
+          <a:extLst>
+            <a:ext uri="{909E8E84-426E-40DD-AFC4-6F175D3DCCD1}">
+              <a14:hiddenFill xmlns:a14="http://schemas.microsoft.com/office/drawing/2010/main">
+                <a:solidFill>
+                  <a:schemeClr val="accent1"/>
+                </a:solidFill>
+              </a14:hiddenFill>
+            </a:ext>
+            <a:ext uri="{91240B29-F687-4F45-9708-019B960494DF}">
+              <a14:hiddenLine xmlns:a14="http://schemas.microsoft.com/office/drawing/2010/main" w="9525">
+                <a:solidFill>
+                  <a:schemeClr val="tx1"/>
+                </a:solidFill>
+                <a:miter lim="800000"/>
+                <a:headEnd/>
+                <a:tailEnd/>
+              </a14:hiddenLine>
+            </a:ext>
+            <a:ext uri="{AF507438-7753-43E0-B8FC-AC1667EBCBE1}">
+              <a14:hiddenEffects xmlns:a14="http://schemas.microsoft.com/office/drawing/2010/main">
+                <a:effectLst>
+                  <a:outerShdw dist="35921" dir="2700000" algn="ctr" rotWithShape="0">
+                    <a:schemeClr val="bg2"/>
+                  </a:outerShdw>
+                </a:effectLst>
+              </a14:hiddenEffects>
+            </a:ext>
+          </a:extLst>
+        </p:spPr>
+      </p:pic>
+      <p:pic>
+        <p:nvPicPr>
+          <p:cNvPr id="6" name="Picture 5"/>
+          <p:cNvPicPr>
+            <a:picLocks noChangeAspect="1"/>
+          </p:cNvPicPr>
+          <p:nvPr/>
+        </p:nvPicPr>
+        <p:blipFill>
+          <a:blip r:embed="rId3" cstate="print">
+            <a:extLst>
+              <a:ext uri="{28A0092B-C50C-407E-A947-70E740481C1C}">
+                <a14:useLocalDpi xmlns:a14="http://schemas.microsoft.com/office/drawing/2010/main" val="0"/>
+              </a:ext>
+            </a:extLst>
+          </a:blip>
+          <a:stretch>
+            <a:fillRect/>
+          </a:stretch>
+        </p:blipFill>
+        <p:spPr>
+          <a:xfrm>
+            <a:off x="1618548" y="4997539"/>
+            <a:ext cx="721204" cy="721204"/>
+          </a:xfrm>
+          <a:prstGeom prst="rect">
+            <a:avLst/>
+          </a:prstGeom>
+        </p:spPr>
+      </p:pic>
+    </p:spTree>
+    <p:extLst>
+      <p:ext uri="{BB962C8B-B14F-4D97-AF65-F5344CB8AC3E}">
+        <p14:creationId xmlns:p14="http://schemas.microsoft.com/office/powerpoint/2010/main" val="3149494895"/>
+      </p:ext>
+    </p:extLst>
+  </p:cSld>
+  <p:clrMapOvr>
+    <a:masterClrMapping/>
+  </p:clrMapOvr>
+  <p:timing>
+    <p:tnLst>
+      <p:par>
+        <p:cTn id="1" dur="indefinite" restart="never" nodeType="tmRoot"/>
+      </p:par>
+    </p:tnLst>
+  </p:timing>
+</p:sld>
+</file>
+
+<file path=ppt/slides/slide26.xml><?xml version="1.0" encoding="utf-8"?>
+<p:sld xmlns:a="http://schemas.openxmlformats.org/drawingml/2006/main" xmlns:r="http://schemas.openxmlformats.org/officeDocument/2006/relationships" xmlns:p="http://schemas.openxmlformats.org/presentationml/2006/main">
+  <p:cSld>
+    <p:spTree>
+      <p:nvGrpSpPr>
+        <p:cNvPr id="1" name=""/>
+        <p:cNvGrpSpPr/>
+        <p:nvPr/>
+      </p:nvGrpSpPr>
+      <p:grpSpPr>
+        <a:xfrm>
+          <a:off x="0" y="0"/>
+          <a:ext cx="0" cy="0"/>
+          <a:chOff x="0" y="0"/>
+          <a:chExt cx="0" cy="0"/>
+        </a:xfrm>
+      </p:grpSpPr>
+      <p:sp>
+        <p:nvSpPr>
+          <p:cNvPr id="2" name="Title 1"/>
+          <p:cNvSpPr>
+            <a:spLocks noGrp="1"/>
+          </p:cNvSpPr>
+          <p:nvPr>
+            <p:ph type="title"/>
+          </p:nvPr>
+        </p:nvSpPr>
+        <p:spPr/>
+        <p:txBody>
+          <a:bodyPr>
+            <a:noAutofit/>
+          </a:bodyPr>
+          <a:lstStyle/>
+          <a:p>
+            <a:r>
+              <a:rPr lang="en-US" sz="2800" dirty="0" err="1" smtClean="0"/>
+              <a:t>Hệ</a:t>
+            </a:r>
+            <a:r>
+              <a:rPr lang="en-US" sz="2800" dirty="0" smtClean="0"/>
+              <a:t> </a:t>
+            </a:r>
+            <a:r>
+              <a:rPr lang="en-US" sz="2800" dirty="0" err="1" smtClean="0"/>
+              <a:t>thống</a:t>
+            </a:r>
+            <a:r>
+              <a:rPr lang="en-US" sz="2800" dirty="0" smtClean="0"/>
+              <a:t> so </a:t>
+            </a:r>
+            <a:r>
+              <a:rPr lang="en-US" sz="2800" dirty="0" err="1" smtClean="0"/>
+              <a:t>khớp</a:t>
+            </a:r>
+            <a:r>
+              <a:rPr lang="en-US" sz="2800" dirty="0" smtClean="0"/>
+              <a:t> – matching tool</a:t>
+            </a:r>
+            <a:endParaRPr lang="vi-VN" sz="2800" dirty="0"/>
+          </a:p>
+        </p:txBody>
+      </p:sp>
+      <p:sp>
+        <p:nvSpPr>
+          <p:cNvPr id="3" name="Slide Number Placeholder 2"/>
+          <p:cNvSpPr>
+            <a:spLocks noGrp="1"/>
+          </p:cNvSpPr>
+          <p:nvPr>
+            <p:ph type="sldNum" sz="quarter" idx="12"/>
+          </p:nvPr>
+        </p:nvSpPr>
+        <p:spPr/>
+        <p:txBody>
+          <a:bodyPr>
+            <a:normAutofit fontScale="85000" lnSpcReduction="20000"/>
+          </a:bodyPr>
+          <a:lstStyle/>
+          <a:p>
+            <a:fld id="{1AD93096-5B34-4342-9326-69289CEAE4C2}" type="slidenum">
+              <a:rPr lang="en-US" smtClean="0"/>
+              <a:pPr/>
+              <a:t>26</a:t>
+            </a:fld>
+            <a:endParaRPr lang="en-US" dirty="0">
+              <a:solidFill>
+                <a:srgbClr val="FFFFFF"/>
+              </a:solidFill>
+            </a:endParaRPr>
+          </a:p>
+        </p:txBody>
+      </p:sp>
+      <p:sp>
+        <p:nvSpPr>
+          <p:cNvPr id="5" name="Rectangle 2"/>
+          <p:cNvSpPr>
+            <a:spLocks noChangeArrowheads="1"/>
+          </p:cNvSpPr>
+          <p:nvPr/>
+        </p:nvSpPr>
+        <p:spPr bwMode="auto">
+          <a:xfrm>
+            <a:off x="1" y="-184667"/>
+            <a:ext cx="184731" cy="369332"/>
+          </a:xfrm>
+          <a:prstGeom prst="rect">
+            <a:avLst/>
+          </a:prstGeom>
+          <a:noFill/>
+          <a:ln>
+            <a:noFill/>
+          </a:ln>
+          <a:effectLst/>
+          <a:extLst>
+            <a:ext uri="{909E8E84-426E-40DD-AFC4-6F175D3DCCD1}">
+              <a14:hiddenFill xmlns:a14="http://schemas.microsoft.com/office/drawing/2010/main">
+                <a:solidFill>
+                  <a:schemeClr val="accent1"/>
+                </a:solidFill>
+              </a14:hiddenFill>
+            </a:ext>
+            <a:ext uri="{91240B29-F687-4F45-9708-019B960494DF}">
+              <a14:hiddenLine xmlns:a14="http://schemas.microsoft.com/office/drawing/2010/main" w="9525">
+                <a:solidFill>
+                  <a:schemeClr val="tx1"/>
+                </a:solidFill>
+                <a:miter lim="800000"/>
+                <a:headEnd/>
+                <a:tailEnd/>
+              </a14:hiddenLine>
+            </a:ext>
+            <a:ext uri="{AF507438-7753-43E0-B8FC-AC1667EBCBE1}">
+              <a14:hiddenEffects xmlns:a14="http://schemas.microsoft.com/office/drawing/2010/main">
+                <a:effectLst>
+                  <a:outerShdw dist="35921" dir="2700000" algn="ctr" rotWithShape="0">
+                    <a:schemeClr val="bg2"/>
+                  </a:outerShdw>
+                </a:effectLst>
+              </a14:hiddenEffects>
+            </a:ext>
+          </a:extLst>
+        </p:spPr>
+        <p:txBody>
+          <a:bodyPr vert="horz" wrap="none" lIns="91440" tIns="45720" rIns="91440" bIns="45720" numCol="1" anchor="ctr" anchorCtr="0" compatLnSpc="1">
+            <a:prstTxWarp prst="textNoShape">
+              <a:avLst/>
+            </a:prstTxWarp>
+            <a:spAutoFit/>
+          </a:bodyPr>
+          <a:lstStyle/>
+          <a:p>
+            <a:endParaRPr lang="vi-VN"/>
+          </a:p>
+        </p:txBody>
+      </p:sp>
+      <p:graphicFrame>
+        <p:nvGraphicFramePr>
+          <p:cNvPr id="6" name="Object 5"/>
+          <p:cNvGraphicFramePr>
+            <a:graphicFrameLocks noChangeAspect="1"/>
+          </p:cNvGraphicFramePr>
+          <p:nvPr>
+            <p:extLst>
+              <p:ext uri="{D42A27DB-BD31-4B8C-83A1-F6EECF244321}">
+                <p14:modId xmlns:p14="http://schemas.microsoft.com/office/powerpoint/2010/main" val="76506455"/>
+              </p:ext>
+            </p:extLst>
+          </p:nvPr>
+        </p:nvGraphicFramePr>
+        <p:xfrm>
+          <a:off x="2276475" y="1657349"/>
+          <a:ext cx="4591050" cy="5200651"/>
+        </p:xfrm>
+        <a:graphic>
+          <a:graphicData uri="http://schemas.openxmlformats.org/presentationml/2006/ole">
+            <mc:AlternateContent xmlns:mc="http://schemas.openxmlformats.org/markup-compatibility/2006">
+              <mc:Choice xmlns:v="urn:schemas-microsoft-com:vml" Requires="v">
+                <p:oleObj spid="_x0000_s2071" name="Visio" r:id="rId3" imgW="5596684" imgH="6352347" progId="Visio.Drawing.11">
+                  <p:embed/>
+                </p:oleObj>
+              </mc:Choice>
+              <mc:Fallback>
+                <p:oleObj name="Visio" r:id="rId3" imgW="5596684" imgH="6352347" progId="Visio.Drawing.11">
+                  <p:embed/>
+                  <p:pic>
+                    <p:nvPicPr>
+                      <p:cNvPr id="0" name="Object 1"/>
+                      <p:cNvPicPr>
+                        <a:picLocks noChangeAspect="1" noChangeArrowheads="1"/>
+                      </p:cNvPicPr>
+                      <p:nvPr/>
+                    </p:nvPicPr>
+                    <p:blipFill>
+                      <a:blip r:embed="rId4">
+                        <a:extLst>
+                          <a:ext uri="{28A0092B-C50C-407E-A947-70E740481C1C}">
+                            <a14:useLocalDpi xmlns:a14="http://schemas.microsoft.com/office/drawing/2010/main" val="0"/>
+                          </a:ext>
+                        </a:extLst>
+                      </a:blip>
+                      <a:srcRect/>
+                      <a:stretch>
+                        <a:fillRect/>
+                      </a:stretch>
+                    </p:blipFill>
+                    <p:spPr bwMode="auto">
+                      <a:xfrm>
+                        <a:off x="2276475" y="1657349"/>
+                        <a:ext cx="4591050" cy="5200651"/>
+                      </a:xfrm>
+                      <a:prstGeom prst="rect">
+                        <a:avLst/>
+                      </a:prstGeom>
+                      <a:noFill/>
+                      <a:extLst>
+                        <a:ext uri="{909E8E84-426E-40DD-AFC4-6F175D3DCCD1}">
+                          <a14:hiddenFill xmlns:a14="http://schemas.microsoft.com/office/drawing/2010/main">
+                            <a:solidFill>
+                              <a:srgbClr val="FFFFFF"/>
+                            </a:solidFill>
+                          </a14:hiddenFill>
+                        </a:ext>
+                      </a:extLst>
+                    </p:spPr>
+                  </p:pic>
+                </p:oleObj>
+              </mc:Fallback>
+            </mc:AlternateContent>
+          </a:graphicData>
+        </a:graphic>
+      </p:graphicFrame>
+    </p:spTree>
+    <p:extLst>
+      <p:ext uri="{BB962C8B-B14F-4D97-AF65-F5344CB8AC3E}">
+        <p14:creationId xmlns:p14="http://schemas.microsoft.com/office/powerpoint/2010/main" val="3939877510"/>
+      </p:ext>
+    </p:extLst>
+  </p:cSld>
+  <p:clrMapOvr>
+    <a:masterClrMapping/>
+  </p:clrMapOvr>
+  <p:timing>
+    <p:tnLst>
+      <p:par>
+        <p:cTn id="1" dur="indefinite" restart="never" nodeType="tmRoot"/>
+      </p:par>
+    </p:tnLst>
+  </p:timing>
+</p:sld>
+</file>
+
+<file path=ppt/slides/slide27.xml><?xml version="1.0" encoding="utf-8"?>
+<p:sld xmlns:a="http://schemas.openxmlformats.org/drawingml/2006/main" xmlns:r="http://schemas.openxmlformats.org/officeDocument/2006/relationships" xmlns:p="http://schemas.openxmlformats.org/presentationml/2006/main">
+  <p:cSld>
+    <p:spTree>
+      <p:nvGrpSpPr>
+        <p:cNvPr id="1" name=""/>
+        <p:cNvGrpSpPr/>
+        <p:nvPr/>
+      </p:nvGrpSpPr>
+      <p:grpSpPr>
+        <a:xfrm>
+          <a:off x="0" y="0"/>
+          <a:ext cx="0" cy="0"/>
+          <a:chOff x="0" y="0"/>
+          <a:chExt cx="0" cy="0"/>
+        </a:xfrm>
+      </p:grpSpPr>
+      <p:sp>
+        <p:nvSpPr>
+          <p:cNvPr id="2" name="Title 1"/>
+          <p:cNvSpPr>
+            <a:spLocks noGrp="1"/>
+          </p:cNvSpPr>
+          <p:nvPr>
+            <p:ph type="title"/>
+          </p:nvPr>
+        </p:nvSpPr>
+        <p:spPr/>
+        <p:txBody>
+          <a:bodyPr>
+            <a:normAutofit/>
+          </a:bodyPr>
+          <a:lstStyle/>
+          <a:p>
+            <a:r>
+              <a:rPr lang="en-US" sz="4000" dirty="0" smtClean="0"/>
+              <a:t>Data mining engine</a:t>
+            </a:r>
+            <a:endParaRPr lang="vi-VN" sz="4000" dirty="0"/>
+          </a:p>
+        </p:txBody>
+      </p:sp>
+      <p:sp>
+        <p:nvSpPr>
+          <p:cNvPr id="3" name="Slide Number Placeholder 2"/>
+          <p:cNvSpPr>
+            <a:spLocks noGrp="1"/>
+          </p:cNvSpPr>
+          <p:nvPr>
+            <p:ph type="sldNum" sz="quarter" idx="12"/>
+          </p:nvPr>
+        </p:nvSpPr>
+        <p:spPr/>
+        <p:txBody>
+          <a:bodyPr>
+            <a:normAutofit fontScale="85000" lnSpcReduction="20000"/>
+          </a:bodyPr>
+          <a:lstStyle/>
+          <a:p>
+            <a:fld id="{1AD93096-5B34-4342-9326-69289CEAE4C2}" type="slidenum">
+              <a:rPr lang="en-US" smtClean="0"/>
+              <a:pPr/>
+              <a:t>27</a:t>
+            </a:fld>
+            <a:endParaRPr lang="en-US" dirty="0">
+              <a:solidFill>
+                <a:srgbClr val="FFFFFF"/>
+              </a:solidFill>
+            </a:endParaRPr>
+          </a:p>
+        </p:txBody>
+      </p:sp>
+      <p:pic>
+        <p:nvPicPr>
+          <p:cNvPr id="5122" name="Picture 2"/>
+          <p:cNvPicPr>
+            <a:picLocks noGrp="1" noChangeAspect="1" noChangeArrowheads="1"/>
+          </p:cNvPicPr>
+          <p:nvPr>
+            <p:ph sz="quarter" idx="1"/>
+          </p:nvPr>
+        </p:nvPicPr>
+        <p:blipFill>
+          <a:blip r:embed="rId2">
+            <a:extLst>
+              <a:ext uri="{28A0092B-C50C-407E-A947-70E740481C1C}">
+                <a14:useLocalDpi xmlns:a14="http://schemas.microsoft.com/office/drawing/2010/main" val="0"/>
+              </a:ext>
+            </a:extLst>
+          </a:blip>
+          <a:srcRect/>
+          <a:stretch>
+            <a:fillRect/>
+          </a:stretch>
+        </p:blipFill>
+        <p:spPr bwMode="auto">
+          <a:xfrm>
+            <a:off x="1763688" y="1628800"/>
+            <a:ext cx="5184576" cy="4985168"/>
+          </a:xfrm>
+          <a:prstGeom prst="rect">
+            <a:avLst/>
+          </a:prstGeom>
+          <a:noFill/>
+          <a:ln>
+            <a:noFill/>
+          </a:ln>
+          <a:effectLst/>
+          <a:extLst>
+            <a:ext uri="{909E8E84-426E-40DD-AFC4-6F175D3DCCD1}">
+              <a14:hiddenFill xmlns:a14="http://schemas.microsoft.com/office/drawing/2010/main">
+                <a:solidFill>
+                  <a:schemeClr val="accent1"/>
+                </a:solidFill>
+              </a14:hiddenFill>
+            </a:ext>
+            <a:ext uri="{91240B29-F687-4F45-9708-019B960494DF}">
+              <a14:hiddenLine xmlns:a14="http://schemas.microsoft.com/office/drawing/2010/main" w="9525">
+                <a:solidFill>
+                  <a:schemeClr val="tx1"/>
+                </a:solidFill>
+                <a:miter lim="800000"/>
+                <a:headEnd/>
+                <a:tailEnd/>
+              </a14:hiddenLine>
+            </a:ext>
+            <a:ext uri="{AF507438-7753-43E0-B8FC-AC1667EBCBE1}">
+              <a14:hiddenEffects xmlns:a14="http://schemas.microsoft.com/office/drawing/2010/main">
+                <a:effectLst>
+                  <a:outerShdw dist="35921" dir="2700000" algn="ctr" rotWithShape="0">
+                    <a:schemeClr val="bg2"/>
+                  </a:outerShdw>
+                </a:effectLst>
+              </a14:hiddenEffects>
+            </a:ext>
+          </a:extLst>
+        </p:spPr>
+      </p:pic>
+    </p:spTree>
+    <p:extLst>
+      <p:ext uri="{BB962C8B-B14F-4D97-AF65-F5344CB8AC3E}">
+        <p14:creationId xmlns:p14="http://schemas.microsoft.com/office/powerpoint/2010/main" val="2360626904"/>
+      </p:ext>
+    </p:extLst>
+  </p:cSld>
+  <p:clrMapOvr>
+    <a:masterClrMapping/>
+  </p:clrMapOvr>
+  <p:timing>
+    <p:tnLst>
+      <p:par>
+        <p:cTn id="1" dur="indefinite" restart="never" nodeType="tmRoot"/>
+      </p:par>
+    </p:tnLst>
+  </p:timing>
+</p:sld>
+</file>
+
+<file path=ppt/slides/slide28.xml><?xml version="1.0" encoding="utf-8"?>
+<p:sld xmlns:a="http://schemas.openxmlformats.org/drawingml/2006/main" xmlns:r="http://schemas.openxmlformats.org/officeDocument/2006/relationships" xmlns:p="http://schemas.openxmlformats.org/presentationml/2006/main">
+  <p:cSld>
+    <p:spTree>
+      <p:nvGrpSpPr>
+        <p:cNvPr id="1" name=""/>
+        <p:cNvGrpSpPr/>
+        <p:nvPr/>
+      </p:nvGrpSpPr>
+      <p:grpSpPr>
+        <a:xfrm>
+          <a:off x="0" y="0"/>
+          <a:ext cx="0" cy="0"/>
+          <a:chOff x="0" y="0"/>
+          <a:chExt cx="0" cy="0"/>
+        </a:xfrm>
+      </p:grpSpPr>
+      <p:sp>
+        <p:nvSpPr>
+          <p:cNvPr id="5" name="Text Placeholder 4"/>
+          <p:cNvSpPr>
+            <a:spLocks noGrp="1"/>
+          </p:cNvSpPr>
+          <p:nvPr>
+            <p:ph type="body" idx="1"/>
+          </p:nvPr>
+        </p:nvSpPr>
+        <p:spPr/>
+        <p:txBody>
+          <a:bodyPr/>
+          <a:lstStyle/>
+          <a:p>
+            <a:endParaRPr lang="vi-VN" dirty="0"/>
+          </a:p>
+        </p:txBody>
+      </p:sp>
+      <p:sp>
+        <p:nvSpPr>
+          <p:cNvPr id="4" name="Title 3"/>
+          <p:cNvSpPr>
+            <a:spLocks noGrp="1"/>
+          </p:cNvSpPr>
+          <p:nvPr>
+            <p:ph type="title"/>
+          </p:nvPr>
+        </p:nvSpPr>
+        <p:spPr/>
+        <p:txBody>
+          <a:bodyPr>
+            <a:normAutofit/>
+          </a:bodyPr>
+          <a:lstStyle/>
+          <a:p>
+            <a:r>
+              <a:rPr lang="en-US" dirty="0" err="1" smtClean="0"/>
+              <a:t>Kết</a:t>
+            </a:r>
+            <a:r>
+              <a:rPr lang="en-US" dirty="0" smtClean="0"/>
+              <a:t> </a:t>
+            </a:r>
+            <a:r>
+              <a:rPr lang="en-US" dirty="0" err="1" smtClean="0"/>
+              <a:t>luận</a:t>
+            </a:r>
+            <a:endParaRPr lang="vi-VN" dirty="0"/>
+          </a:p>
+        </p:txBody>
+      </p:sp>
+      <p:sp>
+        <p:nvSpPr>
+          <p:cNvPr id="3" name="Slide Number Placeholder 2"/>
+          <p:cNvSpPr>
+            <a:spLocks noGrp="1"/>
+          </p:cNvSpPr>
+          <p:nvPr>
+            <p:ph type="sldNum" sz="quarter" idx="11"/>
+          </p:nvPr>
+        </p:nvSpPr>
+        <p:spPr/>
+        <p:txBody>
+          <a:bodyPr>
+            <a:normAutofit/>
+          </a:bodyPr>
+          <a:lstStyle/>
+          <a:p>
+            <a:fld id="{1AD93096-5B34-4342-9326-69289CEAE4C2}" type="slidenum">
+              <a:rPr lang="en-US" smtClean="0"/>
+              <a:pPr/>
+              <a:t>28</a:t>
+            </a:fld>
+            <a:endParaRPr lang="en-US" dirty="0">
+              <a:solidFill>
+                <a:srgbClr val="FFFFFF"/>
+              </a:solidFill>
+            </a:endParaRPr>
+          </a:p>
+        </p:txBody>
+      </p:sp>
+      <p:pic>
+        <p:nvPicPr>
+          <p:cNvPr id="7" name="Picture 4" descr="http://www.google.com.vn/url?source=imglanding&amp;ct=img&amp;q=http://blog.cachinko.com/blog/wp-content/uploads/2011/01/21-networking-300x300.jpg&amp;sa=X&amp;ei=ynX9TqGeKYfUmAWc-Zi6Ag&amp;ved=0CAsQ8wc4Kw&amp;usg=AFQjCNGJnaVVfiNiB9JXRymc0aBCRk8K6A"/>
+          <p:cNvPicPr>
+            <a:picLocks noChangeAspect="1" noChangeArrowheads="1"/>
+          </p:cNvPicPr>
+          <p:nvPr/>
+        </p:nvPicPr>
+        <p:blipFill>
+          <a:blip r:embed="rId2">
+            <a:extLst>
+              <a:ext uri="{28A0092B-C50C-407E-A947-70E740481C1C}">
+                <a14:useLocalDpi xmlns:a14="http://schemas.microsoft.com/office/drawing/2010/main" val="0"/>
+              </a:ext>
+            </a:extLst>
+          </a:blip>
+          <a:srcRect/>
+          <a:stretch>
+            <a:fillRect/>
+          </a:stretch>
+        </p:blipFill>
+        <p:spPr bwMode="auto">
+          <a:xfrm>
+            <a:off x="4716018" y="2609293"/>
+            <a:ext cx="4132075" cy="4132075"/>
+          </a:xfrm>
+          <a:prstGeom prst="rect">
+            <a:avLst/>
+          </a:prstGeom>
+          <a:noFill/>
+          <a:extLst>
+            <a:ext uri="{909E8E84-426E-40DD-AFC4-6F175D3DCCD1}">
+              <a14:hiddenFill xmlns:a14="http://schemas.microsoft.com/office/drawing/2010/main">
+                <a:solidFill>
+                  <a:srgbClr val="FFFFFF"/>
+                </a:solidFill>
+              </a14:hiddenFill>
+            </a:ext>
+          </a:extLst>
+        </p:spPr>
+      </p:pic>
+    </p:spTree>
+    <p:extLst>
+      <p:ext uri="{BB962C8B-B14F-4D97-AF65-F5344CB8AC3E}">
+        <p14:creationId xmlns:p14="http://schemas.microsoft.com/office/powerpoint/2010/main" val="1500730890"/>
+      </p:ext>
+    </p:extLst>
+  </p:cSld>
+  <p:clrMapOvr>
+    <a:masterClrMapping/>
+  </p:clrMapOvr>
+  <p:timing>
+    <p:tnLst>
+      <p:par>
+        <p:cTn id="1" dur="indefinite" restart="never" nodeType="tmRoot"/>
+      </p:par>
+    </p:tnLst>
+  </p:timing>
+</p:sld>
+</file>
+
+<file path=ppt/slides/slide29.xml><?xml version="1.0" encoding="utf-8"?>
+<p:sld xmlns:a="http://schemas.openxmlformats.org/drawingml/2006/main" xmlns:r="http://schemas.openxmlformats.org/officeDocument/2006/relationships" xmlns:p="http://schemas.openxmlformats.org/presentationml/2006/main">
+  <p:cSld>
+    <p:spTree>
+      <p:nvGrpSpPr>
+        <p:cNvPr id="1" name=""/>
+        <p:cNvGrpSpPr/>
+        <p:nvPr/>
+      </p:nvGrpSpPr>
+      <p:grpSpPr>
+        <a:xfrm>
+          <a:off x="0" y="0"/>
+          <a:ext cx="0" cy="0"/>
+          <a:chOff x="0" y="0"/>
+          <a:chExt cx="0" cy="0"/>
+        </a:xfrm>
+      </p:grpSpPr>
+      <p:sp>
+        <p:nvSpPr>
+          <p:cNvPr id="2" name="Title 1"/>
+          <p:cNvSpPr>
+            <a:spLocks noGrp="1"/>
+          </p:cNvSpPr>
+          <p:nvPr>
+            <p:ph type="title"/>
+          </p:nvPr>
+        </p:nvSpPr>
+        <p:spPr/>
+        <p:txBody>
+          <a:bodyPr>
+            <a:normAutofit/>
+          </a:bodyPr>
+          <a:lstStyle/>
+          <a:p>
+            <a:r>
+              <a:rPr lang="en-US" dirty="0" smtClean="0"/>
+              <a:t>KẾT QUẢ ĐẠT ĐƯỢC</a:t>
+            </a:r>
+            <a:endParaRPr lang="vi-VN" dirty="0"/>
+          </a:p>
+        </p:txBody>
+      </p:sp>
+      <p:sp>
+        <p:nvSpPr>
+          <p:cNvPr id="3" name="Slide Number Placeholder 2"/>
+          <p:cNvSpPr>
+            <a:spLocks noGrp="1"/>
+          </p:cNvSpPr>
+          <p:nvPr>
+            <p:ph type="sldNum" sz="quarter" idx="12"/>
+          </p:nvPr>
+        </p:nvSpPr>
+        <p:spPr/>
+        <p:txBody>
+          <a:bodyPr>
+            <a:normAutofit fontScale="85000" lnSpcReduction="20000"/>
+          </a:bodyPr>
+          <a:lstStyle/>
+          <a:p>
+            <a:fld id="{1AD93096-5B34-4342-9326-69289CEAE4C2}" type="slidenum">
+              <a:rPr lang="en-US" smtClean="0"/>
+              <a:pPr/>
+              <a:t>29</a:t>
+            </a:fld>
+            <a:endParaRPr lang="en-US" dirty="0">
+              <a:solidFill>
+                <a:srgbClr val="FFFFFF"/>
+              </a:solidFill>
+            </a:endParaRPr>
+          </a:p>
+        </p:txBody>
+      </p:sp>
+      <p:sp>
+        <p:nvSpPr>
+          <p:cNvPr id="4" name="Content Placeholder 3"/>
+          <p:cNvSpPr>
+            <a:spLocks noGrp="1"/>
+          </p:cNvSpPr>
+          <p:nvPr>
+            <p:ph sz="quarter" idx="1"/>
+          </p:nvPr>
+        </p:nvSpPr>
+        <p:spPr/>
+        <p:txBody>
+          <a:bodyPr/>
+          <a:lstStyle/>
+          <a:p>
+            <a:endParaRPr lang="vi-VN"/>
+          </a:p>
+        </p:txBody>
+      </p:sp>
+    </p:spTree>
+    <p:extLst>
+      <p:ext uri="{BB962C8B-B14F-4D97-AF65-F5344CB8AC3E}">
+        <p14:creationId xmlns:p14="http://schemas.microsoft.com/office/powerpoint/2010/main" val="3067536780"/>
+      </p:ext>
+    </p:extLst>
+  </p:cSld>
+  <p:clrMapOvr>
+    <a:masterClrMapping/>
+  </p:clrMapOvr>
+  <p:timing>
+    <p:tnLst>
+      <p:par>
+        <p:cTn id="1" dur="indefinite" restart="never" nodeType="tmRoot"/>
+      </p:par>
+    </p:tnLst>
+  </p:timing>
+</p:sld>
+</file>
+
+<file path=ppt/slides/slide3.xml><?xml version="1.0" encoding="utf-8"?>
 <p:sld xmlns:a="http://schemas.openxmlformats.org/drawingml/2006/main" xmlns:r="http://schemas.openxmlformats.org/officeDocument/2006/relationships" xmlns:p="http://schemas.openxmlformats.org/presentationml/2006/main">
   <p:cSld>
     <p:spTree>
@@ -13538,7 +15566,7 @@
             <a:fld id="{1AD93096-5B34-4342-9326-69289CEAE4C2}" type="slidenum">
               <a:rPr lang="en-US" smtClean="0"/>
               <a:pPr/>
-              <a:t>2</a:t>
+              <a:t>3</a:t>
             </a:fld>
             <a:endParaRPr lang="en-US" dirty="0">
               <a:solidFill>
@@ -13590,382 +15618,7 @@
 </p:sld>
 </file>
 
-<file path=ppt/slides/slide20.xml><?xml version="1.0" encoding="utf-8"?>
-<p:sld xmlns:a="http://schemas.openxmlformats.org/drawingml/2006/main" xmlns:r="http://schemas.openxmlformats.org/officeDocument/2006/relationships" xmlns:p="http://schemas.openxmlformats.org/presentationml/2006/main">
-  <p:cSld>
-    <p:spTree>
-      <p:nvGrpSpPr>
-        <p:cNvPr id="1" name=""/>
-        <p:cNvGrpSpPr/>
-        <p:nvPr/>
-      </p:nvGrpSpPr>
-      <p:grpSpPr>
-        <a:xfrm>
-          <a:off x="0" y="0"/>
-          <a:ext cx="0" cy="0"/>
-          <a:chOff x="0" y="0"/>
-          <a:chExt cx="0" cy="0"/>
-        </a:xfrm>
-      </p:grpSpPr>
-      <p:sp>
-        <p:nvSpPr>
-          <p:cNvPr id="5" name="Text Placeholder 4"/>
-          <p:cNvSpPr>
-            <a:spLocks noGrp="1"/>
-          </p:cNvSpPr>
-          <p:nvPr>
-            <p:ph type="body" idx="1"/>
-          </p:nvPr>
-        </p:nvSpPr>
-        <p:spPr/>
-        <p:txBody>
-          <a:bodyPr>
-            <a:normAutofit/>
-          </a:bodyPr>
-          <a:lstStyle/>
-          <a:p>
-            <a:pPr marL="0" indent="0"/>
-            <a:r>
-              <a:rPr lang="en-US" dirty="0" err="1" smtClean="0"/>
-              <a:t>Kiến</a:t>
-            </a:r>
-            <a:r>
-              <a:rPr lang="en-US" dirty="0" smtClean="0"/>
-              <a:t> </a:t>
-            </a:r>
-            <a:r>
-              <a:rPr lang="en-US" dirty="0" err="1" smtClean="0"/>
-              <a:t>trúc</a:t>
-            </a:r>
-            <a:r>
-              <a:rPr lang="en-US" dirty="0" smtClean="0"/>
-              <a:t> </a:t>
-            </a:r>
-            <a:r>
-              <a:rPr lang="en-US" dirty="0" err="1" smtClean="0"/>
-              <a:t>cổng</a:t>
-            </a:r>
-            <a:r>
-              <a:rPr lang="en-US" dirty="0" smtClean="0"/>
-              <a:t> </a:t>
-            </a:r>
-            <a:r>
-              <a:rPr lang="en-US" dirty="0" err="1" smtClean="0"/>
-              <a:t>thông</a:t>
-            </a:r>
-            <a:r>
-              <a:rPr lang="en-US" dirty="0" smtClean="0"/>
-              <a:t> tin </a:t>
-            </a:r>
-            <a:r>
-              <a:rPr lang="en-US" dirty="0" err="1" smtClean="0"/>
-              <a:t>tìm</a:t>
-            </a:r>
-            <a:r>
-              <a:rPr lang="en-US" dirty="0" smtClean="0"/>
-              <a:t> </a:t>
-            </a:r>
-            <a:r>
-              <a:rPr lang="en-US" dirty="0" err="1" smtClean="0"/>
-              <a:t>việc</a:t>
-            </a:r>
-            <a:r>
-              <a:rPr lang="en-US" dirty="0" smtClean="0"/>
-              <a:t> </a:t>
-            </a:r>
-            <a:r>
-              <a:rPr lang="en-US" dirty="0" err="1" smtClean="0"/>
-              <a:t>JobZoom</a:t>
-            </a:r>
-            <a:r>
-              <a:rPr lang="en-US" dirty="0" smtClean="0"/>
-              <a:t> framework </a:t>
-            </a:r>
-            <a:r>
-              <a:rPr lang="en-US" dirty="0" err="1" smtClean="0"/>
-              <a:t>được</a:t>
-            </a:r>
-            <a:r>
-              <a:rPr lang="en-US" dirty="0" smtClean="0"/>
-              <a:t> </a:t>
-            </a:r>
-            <a:r>
-              <a:rPr lang="en-US" dirty="0" err="1" smtClean="0"/>
-              <a:t>áp</a:t>
-            </a:r>
-            <a:r>
-              <a:rPr lang="en-US" dirty="0" smtClean="0"/>
-              <a:t> </a:t>
-            </a:r>
-            <a:r>
-              <a:rPr lang="en-US" dirty="0" err="1" smtClean="0"/>
-              <a:t>dụng</a:t>
-            </a:r>
-            <a:r>
-              <a:rPr lang="en-US" dirty="0" smtClean="0"/>
-              <a:t> </a:t>
-            </a:r>
-            <a:r>
-              <a:rPr lang="en-US" dirty="0" err="1" smtClean="0"/>
-              <a:t>từ</a:t>
-            </a:r>
-            <a:r>
-              <a:rPr lang="en-US" dirty="0" smtClean="0"/>
-              <a:t> </a:t>
-            </a:r>
-            <a:r>
-              <a:rPr lang="en-US" dirty="0" err="1" smtClean="0"/>
-              <a:t>giải</a:t>
-            </a:r>
-            <a:r>
-              <a:rPr lang="en-US" dirty="0" smtClean="0"/>
-              <a:t> </a:t>
-            </a:r>
-            <a:r>
-              <a:rPr lang="en-US" dirty="0" err="1" smtClean="0"/>
-              <a:t>pháp</a:t>
-            </a:r>
-            <a:r>
-              <a:rPr lang="en-US" dirty="0" smtClean="0"/>
-              <a:t> </a:t>
-            </a:r>
-            <a:r>
-              <a:rPr lang="en-US" dirty="0" err="1" smtClean="0"/>
-              <a:t>của</a:t>
-            </a:r>
-            <a:r>
-              <a:rPr lang="en-US" dirty="0" smtClean="0"/>
-              <a:t> </a:t>
-            </a:r>
-            <a:r>
-              <a:rPr lang="en-US" dirty="0" err="1" smtClean="0"/>
-              <a:t>bài</a:t>
-            </a:r>
-            <a:r>
-              <a:rPr lang="en-US" dirty="0" smtClean="0"/>
-              <a:t> </a:t>
-            </a:r>
-            <a:r>
-              <a:rPr lang="en-US" dirty="0" err="1" smtClean="0"/>
-              <a:t>toán</a:t>
-            </a:r>
-            <a:r>
-              <a:rPr lang="en-US" dirty="0" smtClean="0"/>
-              <a:t> </a:t>
-            </a:r>
-            <a:r>
-              <a:rPr lang="en-US" dirty="0" err="1" smtClean="0"/>
-              <a:t>kiến</a:t>
-            </a:r>
-            <a:r>
-              <a:rPr lang="en-US" dirty="0" smtClean="0"/>
-              <a:t> </a:t>
-            </a:r>
-            <a:r>
-              <a:rPr lang="en-US" dirty="0" err="1" smtClean="0"/>
-              <a:t>trúc</a:t>
-            </a:r>
-            <a:r>
-              <a:rPr lang="en-US" dirty="0" smtClean="0"/>
-              <a:t> </a:t>
-            </a:r>
-            <a:r>
-              <a:rPr lang="en-US" dirty="0" err="1" smtClean="0"/>
-              <a:t>nói</a:t>
-            </a:r>
-            <a:r>
-              <a:rPr lang="en-US" dirty="0" smtClean="0"/>
-              <a:t> </a:t>
-            </a:r>
-            <a:r>
-              <a:rPr lang="en-US" dirty="0" err="1" smtClean="0"/>
-              <a:t>trên</a:t>
-            </a:r>
-            <a:r>
-              <a:rPr lang="en-US" dirty="0" smtClean="0"/>
-              <a:t>.</a:t>
-            </a:r>
-            <a:endParaRPr lang="vi-VN" dirty="0"/>
-          </a:p>
-        </p:txBody>
-      </p:sp>
-      <p:sp>
-        <p:nvSpPr>
-          <p:cNvPr id="4" name="Title 3"/>
-          <p:cNvSpPr>
-            <a:spLocks noGrp="1"/>
-          </p:cNvSpPr>
-          <p:nvPr>
-            <p:ph type="title"/>
-          </p:nvPr>
-        </p:nvSpPr>
-        <p:spPr/>
-        <p:txBody>
-          <a:bodyPr>
-            <a:normAutofit/>
-          </a:bodyPr>
-          <a:lstStyle/>
-          <a:p>
-            <a:r>
-              <a:rPr lang="en-US" dirty="0" err="1" smtClean="0"/>
-              <a:t>JobZoom</a:t>
-            </a:r>
-            <a:r>
-              <a:rPr lang="en-US" dirty="0" smtClean="0"/>
-              <a:t> framework</a:t>
-            </a:r>
-            <a:endParaRPr lang="vi-VN" dirty="0"/>
-          </a:p>
-        </p:txBody>
-      </p:sp>
-      <p:sp>
-        <p:nvSpPr>
-          <p:cNvPr id="3" name="Slide Number Placeholder 2"/>
-          <p:cNvSpPr>
-            <a:spLocks noGrp="1"/>
-          </p:cNvSpPr>
-          <p:nvPr>
-            <p:ph type="sldNum" sz="quarter" idx="11"/>
-          </p:nvPr>
-        </p:nvSpPr>
-        <p:spPr/>
-        <p:txBody>
-          <a:bodyPr>
-            <a:normAutofit/>
-          </a:bodyPr>
-          <a:lstStyle/>
-          <a:p>
-            <a:fld id="{1AD93096-5B34-4342-9326-69289CEAE4C2}" type="slidenum">
-              <a:rPr lang="en-US" smtClean="0"/>
-              <a:pPr/>
-              <a:t>20</a:t>
-            </a:fld>
-            <a:endParaRPr lang="en-US" dirty="0">
-              <a:solidFill>
-                <a:srgbClr val="FFFFFF"/>
-              </a:solidFill>
-            </a:endParaRPr>
-          </a:p>
-        </p:txBody>
-      </p:sp>
-      <p:pic>
-        <p:nvPicPr>
-          <p:cNvPr id="6" name="Picture 2"/>
-          <p:cNvPicPr>
-            <a:picLocks noChangeAspect="1" noChangeArrowheads="1"/>
-          </p:cNvPicPr>
-          <p:nvPr/>
-        </p:nvPicPr>
-        <p:blipFill rotWithShape="1">
-          <a:blip r:embed="rId2" cstate="print">
-            <a:extLst>
-              <a:ext uri="{BEBA8EAE-BF5A-486C-A8C5-ECC9F3942E4B}">
-                <a14:imgProps xmlns:a14="http://schemas.microsoft.com/office/drawing/2010/main">
-                  <a14:imgLayer r:embed="rId3">
-                    <a14:imgEffect>
-                      <a14:backgroundRemoval t="10000" b="90000" l="10000" r="90000"/>
-                    </a14:imgEffect>
-                  </a14:imgLayer>
-                </a14:imgProps>
-              </a:ext>
-              <a:ext uri="{28A0092B-C50C-407E-A947-70E740481C1C}">
-                <a14:useLocalDpi xmlns:a14="http://schemas.microsoft.com/office/drawing/2010/main" val="0"/>
-              </a:ext>
-            </a:extLst>
-          </a:blip>
-          <a:srcRect l="8900" t="16354" r="8923" b="16880"/>
-          <a:stretch/>
-        </p:blipFill>
-        <p:spPr bwMode="auto">
-          <a:xfrm>
-            <a:off x="6156176" y="476673"/>
-            <a:ext cx="2448272" cy="1420460"/>
-          </a:xfrm>
-          <a:prstGeom prst="rect">
-            <a:avLst/>
-          </a:prstGeom>
-          <a:ln w="9525">
-            <a:noFill/>
-            <a:miter lim="800000"/>
-            <a:headEnd/>
-            <a:tailEnd/>
-          </a:ln>
-          <a:effectLst>
-            <a:innerShdw blurRad="76200">
-              <a:srgbClr val="000000"/>
-            </a:innerShdw>
-          </a:effectLst>
-          <a:extLst>
-            <a:ext uri="{909E8E84-426E-40DD-AFC4-6F175D3DCCD1}">
-              <a14:hiddenFill xmlns:a14="http://schemas.microsoft.com/office/drawing/2010/main">
-                <a:solidFill>
-                  <a:schemeClr val="accent1"/>
-                </a:solidFill>
-              </a14:hiddenFill>
-            </a:ext>
-          </a:extLst>
-        </p:spPr>
-      </p:pic>
-      <p:pic>
-        <p:nvPicPr>
-          <p:cNvPr id="2050" name="Picture 2" descr="http://www.google.com.vn/url?source=imglanding&amp;ct=img&amp;q=http://www.newea.org/Portals/6/images/JobHunting_iStock_000005682045XSmall.jpg&amp;sa=X&amp;ei=BnP9TuaWCIaziQeLifitAQ&amp;ved=0CAwQ8wc&amp;usg=AFQjCNGWD101b2jPI-pOsxPMtfVMMGhSfw"/>
-          <p:cNvPicPr>
-            <a:picLocks noChangeAspect="1" noChangeArrowheads="1"/>
-          </p:cNvPicPr>
-          <p:nvPr/>
-        </p:nvPicPr>
-        <p:blipFill rotWithShape="1">
-          <a:blip r:embed="rId4">
-            <a:extLst>
-              <a:ext uri="{28A0092B-C50C-407E-A947-70E740481C1C}">
-                <a14:useLocalDpi xmlns:a14="http://schemas.microsoft.com/office/drawing/2010/main" val="0"/>
-              </a:ext>
-            </a:extLst>
-          </a:blip>
-          <a:srcRect b="11038"/>
-          <a:stretch/>
-        </p:blipFill>
-        <p:spPr bwMode="auto">
-          <a:xfrm>
-            <a:off x="1410072" y="4287565"/>
-            <a:ext cx="3810000" cy="2542084"/>
-          </a:xfrm>
-          <a:prstGeom prst="rect">
-            <a:avLst/>
-          </a:prstGeom>
-          <a:noFill/>
-          <a:extLst>
-            <a:ext uri="{909E8E84-426E-40DD-AFC4-6F175D3DCCD1}">
-              <a14:hiddenFill xmlns:a14="http://schemas.microsoft.com/office/drawing/2010/main">
-                <a:solidFill>
-                  <a:srgbClr val="FFFFFF"/>
-                </a:solidFill>
-              </a14:hiddenFill>
-            </a:ext>
-          </a:extLst>
-        </p:spPr>
-      </p:pic>
-    </p:spTree>
-    <p:extLst>
-      <p:ext uri="{BB962C8B-B14F-4D97-AF65-F5344CB8AC3E}">
-        <p14:creationId xmlns:p14="http://schemas.microsoft.com/office/powerpoint/2010/main" val="1258374253"/>
-      </p:ext>
-    </p:extLst>
-  </p:cSld>
-  <p:clrMapOvr>
-    <a:masterClrMapping/>
-  </p:clrMapOvr>
-  <p:timing>
-    <p:tnLst>
-      <p:par>
-        <p:cTn id="1" dur="indefinite" restart="never" nodeType="tmRoot"/>
-      </p:par>
-    </p:tnLst>
-  </p:timing>
-</p:sld>
-</file>
-
-<file path=ppt/slides/slide21.xml><?xml version="1.0" encoding="utf-8"?>
+<file path=ppt/slides/slide30.xml><?xml version="1.0" encoding="utf-8"?>
 <p:sld xmlns:a="http://schemas.openxmlformats.org/drawingml/2006/main" xmlns:r="http://schemas.openxmlformats.org/officeDocument/2006/relationships" xmlns:p="http://schemas.openxmlformats.org/presentationml/2006/main">
   <p:cSld>
     <p:spTree>
@@ -14000,32 +15653,8 @@
           <a:lstStyle/>
           <a:p>
             <a:r>
-              <a:rPr lang="en-US" dirty="0" err="1" smtClean="0"/>
-              <a:t>Kiến</a:t>
-            </a:r>
-            <a:r>
-              <a:rPr lang="en-US" dirty="0" smtClean="0"/>
-              <a:t> </a:t>
-            </a:r>
-            <a:r>
-              <a:rPr lang="en-US" dirty="0" err="1" smtClean="0"/>
-              <a:t>trúc</a:t>
-            </a:r>
-            <a:r>
-              <a:rPr lang="en-US" dirty="0" smtClean="0"/>
-              <a:t> </a:t>
-            </a:r>
-            <a:r>
-              <a:rPr lang="en-US" dirty="0" err="1" smtClean="0"/>
-              <a:t>tổng</a:t>
-            </a:r>
-            <a:r>
-              <a:rPr lang="en-US" dirty="0" smtClean="0"/>
-              <a:t> </a:t>
-            </a:r>
-            <a:r>
-              <a:rPr lang="en-US" dirty="0" err="1" smtClean="0"/>
-              <a:t>quan</a:t>
+              <a:rPr lang="en-US" smtClean="0"/>
+              <a:t>Đánh giá</a:t>
             </a:r>
             <a:endParaRPr lang="vi-VN" dirty="0"/>
           </a:p>
@@ -14051,7 +15680,130 @@
             <a:fld id="{1AD93096-5B34-4342-9326-69289CEAE4C2}" type="slidenum">
               <a:rPr lang="en-US" smtClean="0"/>
               <a:pPr/>
-              <a:t>21</a:t>
+              <a:t>30</a:t>
+            </a:fld>
+            <a:endParaRPr lang="en-US" dirty="0"/>
+          </a:p>
+        </p:txBody>
+      </p:sp>
+      <p:sp>
+        <p:nvSpPr>
+          <p:cNvPr id="6" name="Content Placeholder 5"/>
+          <p:cNvSpPr>
+            <a:spLocks noGrp="1"/>
+          </p:cNvSpPr>
+          <p:nvPr>
+            <p:ph sz="quarter" idx="1"/>
+          </p:nvPr>
+        </p:nvSpPr>
+        <p:spPr/>
+        <p:txBody>
+          <a:bodyPr/>
+          <a:lstStyle/>
+          <a:p>
+            <a:endParaRPr lang="vi-VN"/>
+          </a:p>
+        </p:txBody>
+      </p:sp>
+    </p:spTree>
+    <p:extLst>
+      <p:ext uri="{BB962C8B-B14F-4D97-AF65-F5344CB8AC3E}">
+        <p14:creationId xmlns:p14="http://schemas.microsoft.com/office/powerpoint/2010/main" val="2449681135"/>
+      </p:ext>
+    </p:extLst>
+  </p:cSld>
+  <p:clrMapOvr>
+    <a:masterClrMapping/>
+  </p:clrMapOvr>
+  <p:timing>
+    <p:tnLst>
+      <p:par>
+        <p:cTn id="1" dur="indefinite" restart="never" nodeType="tmRoot"/>
+      </p:par>
+    </p:tnLst>
+  </p:timing>
+</p:sld>
+</file>
+
+<file path=ppt/slides/slide31.xml><?xml version="1.0" encoding="utf-8"?>
+<p:sld xmlns:a="http://schemas.openxmlformats.org/drawingml/2006/main" xmlns:r="http://schemas.openxmlformats.org/officeDocument/2006/relationships" xmlns:p="http://schemas.openxmlformats.org/presentationml/2006/main">
+  <p:cSld>
+    <p:spTree>
+      <p:nvGrpSpPr>
+        <p:cNvPr id="1" name=""/>
+        <p:cNvGrpSpPr/>
+        <p:nvPr/>
+      </p:nvGrpSpPr>
+      <p:grpSpPr>
+        <a:xfrm>
+          <a:off x="0" y="0"/>
+          <a:ext cx="0" cy="0"/>
+          <a:chOff x="0" y="0"/>
+          <a:chExt cx="0" cy="0"/>
+        </a:xfrm>
+      </p:grpSpPr>
+      <p:sp>
+        <p:nvSpPr>
+          <p:cNvPr id="2" name="Title 1"/>
+          <p:cNvSpPr>
+            <a:spLocks noGrp="1"/>
+          </p:cNvSpPr>
+          <p:nvPr>
+            <p:ph type="title"/>
+          </p:nvPr>
+        </p:nvSpPr>
+        <p:spPr/>
+        <p:txBody>
+          <a:bodyPr>
+            <a:normAutofit/>
+          </a:bodyPr>
+          <a:lstStyle/>
+          <a:p>
+            <a:r>
+              <a:rPr lang="en-US" dirty="0" err="1" smtClean="0"/>
+              <a:t>Những</a:t>
+            </a:r>
+            <a:r>
+              <a:rPr lang="en-US" dirty="0" smtClean="0"/>
+              <a:t> </a:t>
+            </a:r>
+            <a:r>
+              <a:rPr lang="en-US" dirty="0" err="1" smtClean="0"/>
+              <a:t>hạn</a:t>
+            </a:r>
+            <a:r>
+              <a:rPr lang="en-US" dirty="0" smtClean="0"/>
+              <a:t> </a:t>
+            </a:r>
+            <a:r>
+              <a:rPr lang="en-US" dirty="0" err="1" smtClean="0"/>
+              <a:t>chế</a:t>
+            </a:r>
+            <a:endParaRPr lang="vi-VN" dirty="0"/>
+          </a:p>
+        </p:txBody>
+      </p:sp>
+      <p:sp>
+        <p:nvSpPr>
+          <p:cNvPr id="3" name="Slide Number Placeholder 2"/>
+          <p:cNvSpPr>
+            <a:spLocks noGrp="1"/>
+          </p:cNvSpPr>
+          <p:nvPr>
+            <p:ph type="sldNum" sz="quarter" idx="12"/>
+          </p:nvPr>
+        </p:nvSpPr>
+        <p:spPr/>
+        <p:txBody>
+          <a:bodyPr>
+            <a:normAutofit fontScale="85000" lnSpcReduction="20000"/>
+          </a:bodyPr>
+          <a:lstStyle/>
+          <a:p>
+            <a:fld id="{1AD93096-5B34-4342-9326-69289CEAE4C2}" type="slidenum">
+              <a:rPr lang="en-US" smtClean="0"/>
+              <a:pPr/>
+              <a:t>31</a:t>
             </a:fld>
             <a:endParaRPr lang="en-US" dirty="0">
               <a:solidFill>
@@ -14061,14 +15813,371 @@
           </a:p>
         </p:txBody>
       </p:sp>
+      <p:sp>
+        <p:nvSpPr>
+          <p:cNvPr id="4" name="Content Placeholder 3"/>
+          <p:cNvSpPr>
+            <a:spLocks noGrp="1"/>
+          </p:cNvSpPr>
+          <p:nvPr>
+            <p:ph sz="quarter" idx="1"/>
+          </p:nvPr>
+        </p:nvSpPr>
+        <p:spPr/>
+        <p:txBody>
+          <a:bodyPr/>
+          <a:lstStyle/>
+          <a:p>
+            <a:endParaRPr lang="vi-VN"/>
+          </a:p>
+        </p:txBody>
+      </p:sp>
+    </p:spTree>
+    <p:extLst>
+      <p:ext uri="{BB962C8B-B14F-4D97-AF65-F5344CB8AC3E}">
+        <p14:creationId xmlns:p14="http://schemas.microsoft.com/office/powerpoint/2010/main" val="1913792255"/>
+      </p:ext>
+    </p:extLst>
+  </p:cSld>
+  <p:clrMapOvr>
+    <a:masterClrMapping/>
+  </p:clrMapOvr>
+  <p:timing>
+    <p:tnLst>
+      <p:par>
+        <p:cTn id="1" dur="indefinite" restart="never" nodeType="tmRoot"/>
+      </p:par>
+    </p:tnLst>
+  </p:timing>
+</p:sld>
+</file>
+
+<file path=ppt/slides/slide32.xml><?xml version="1.0" encoding="utf-8"?>
+<p:sld xmlns:a="http://schemas.openxmlformats.org/drawingml/2006/main" xmlns:r="http://schemas.openxmlformats.org/officeDocument/2006/relationships" xmlns:p="http://schemas.openxmlformats.org/presentationml/2006/main">
+  <p:cSld>
+    <p:spTree>
+      <p:nvGrpSpPr>
+        <p:cNvPr id="1" name=""/>
+        <p:cNvGrpSpPr/>
+        <p:nvPr/>
+      </p:nvGrpSpPr>
+      <p:grpSpPr>
+        <a:xfrm>
+          <a:off x="0" y="0"/>
+          <a:ext cx="0" cy="0"/>
+          <a:chOff x="0" y="0"/>
+          <a:chExt cx="0" cy="0"/>
+        </a:xfrm>
+      </p:grpSpPr>
+      <p:sp>
+        <p:nvSpPr>
+          <p:cNvPr id="5" name="Text Placeholder 4"/>
+          <p:cNvSpPr>
+            <a:spLocks noGrp="1"/>
+          </p:cNvSpPr>
+          <p:nvPr>
+            <p:ph type="body" idx="1"/>
+          </p:nvPr>
+        </p:nvSpPr>
+        <p:spPr/>
+        <p:txBody>
+          <a:bodyPr/>
+          <a:lstStyle/>
+          <a:p>
+            <a:endParaRPr lang="vi-VN"/>
+          </a:p>
+        </p:txBody>
+      </p:sp>
+      <p:sp>
+        <p:nvSpPr>
+          <p:cNvPr id="4" name="Title 3"/>
+          <p:cNvSpPr>
+            <a:spLocks noGrp="1"/>
+          </p:cNvSpPr>
+          <p:nvPr>
+            <p:ph type="title"/>
+          </p:nvPr>
+        </p:nvSpPr>
+        <p:spPr/>
+        <p:txBody>
+          <a:bodyPr>
+            <a:normAutofit/>
+          </a:bodyPr>
+          <a:lstStyle/>
+          <a:p>
+            <a:r>
+              <a:rPr lang="en-US" dirty="0" smtClean="0"/>
+              <a:t>DEMONSTRATION</a:t>
+            </a:r>
+            <a:endParaRPr lang="vi-VN" dirty="0"/>
+          </a:p>
+        </p:txBody>
+      </p:sp>
+      <p:sp>
+        <p:nvSpPr>
+          <p:cNvPr id="3" name="Slide Number Placeholder 2"/>
+          <p:cNvSpPr>
+            <a:spLocks noGrp="1"/>
+          </p:cNvSpPr>
+          <p:nvPr>
+            <p:ph type="sldNum" sz="quarter" idx="11"/>
+          </p:nvPr>
+        </p:nvSpPr>
+        <p:spPr/>
+        <p:txBody>
+          <a:bodyPr>
+            <a:normAutofit/>
+          </a:bodyPr>
+          <a:lstStyle/>
+          <a:p>
+            <a:fld id="{1AD93096-5B34-4342-9326-69289CEAE4C2}" type="slidenum">
+              <a:rPr lang="en-US" smtClean="0"/>
+              <a:pPr/>
+              <a:t>32</a:t>
+            </a:fld>
+            <a:endParaRPr lang="en-US" dirty="0">
+              <a:solidFill>
+                <a:srgbClr val="FFFFFF"/>
+              </a:solidFill>
+            </a:endParaRPr>
+          </a:p>
+        </p:txBody>
+      </p:sp>
+    </p:spTree>
+    <p:extLst>
+      <p:ext uri="{BB962C8B-B14F-4D97-AF65-F5344CB8AC3E}">
+        <p14:creationId xmlns:p14="http://schemas.microsoft.com/office/powerpoint/2010/main" val="1870866790"/>
+      </p:ext>
+    </p:extLst>
+  </p:cSld>
+  <p:clrMapOvr>
+    <a:masterClrMapping/>
+  </p:clrMapOvr>
+  <p:timing>
+    <p:tnLst>
+      <p:par>
+        <p:cTn id="1" dur="indefinite" restart="never" nodeType="tmRoot"/>
+      </p:par>
+    </p:tnLst>
+  </p:timing>
+</p:sld>
+</file>
+
+<file path=ppt/slides/slide33.xml><?xml version="1.0" encoding="utf-8"?>
+<p:sld xmlns:a="http://schemas.openxmlformats.org/drawingml/2006/main" xmlns:r="http://schemas.openxmlformats.org/officeDocument/2006/relationships" xmlns:p="http://schemas.openxmlformats.org/presentationml/2006/main">
+  <p:cSld>
+    <p:spTree>
+      <p:nvGrpSpPr>
+        <p:cNvPr id="1" name=""/>
+        <p:cNvGrpSpPr/>
+        <p:nvPr/>
+      </p:nvGrpSpPr>
+      <p:grpSpPr>
+        <a:xfrm>
+          <a:off x="0" y="0"/>
+          <a:ext cx="0" cy="0"/>
+          <a:chOff x="0" y="0"/>
+          <a:chExt cx="0" cy="0"/>
+        </a:xfrm>
+      </p:grpSpPr>
+      <p:sp>
+        <p:nvSpPr>
+          <p:cNvPr id="5" name="Text Placeholder 4"/>
+          <p:cNvSpPr>
+            <a:spLocks noGrp="1"/>
+          </p:cNvSpPr>
+          <p:nvPr>
+            <p:ph type="body" idx="1"/>
+          </p:nvPr>
+        </p:nvSpPr>
+        <p:spPr/>
+        <p:txBody>
+          <a:bodyPr/>
+          <a:lstStyle/>
+          <a:p>
+            <a:endParaRPr lang="vi-VN"/>
+          </a:p>
+        </p:txBody>
+      </p:sp>
+      <p:sp>
+        <p:nvSpPr>
+          <p:cNvPr id="4" name="Title 3"/>
+          <p:cNvSpPr>
+            <a:spLocks noGrp="1"/>
+          </p:cNvSpPr>
+          <p:nvPr>
+            <p:ph type="title"/>
+          </p:nvPr>
+        </p:nvSpPr>
+        <p:spPr/>
+        <p:txBody>
+          <a:bodyPr>
+            <a:normAutofit/>
+          </a:bodyPr>
+          <a:lstStyle/>
+          <a:p>
+            <a:r>
+              <a:rPr lang="en-US" dirty="0" smtClean="0"/>
+              <a:t>Q &amp; A</a:t>
+            </a:r>
+            <a:endParaRPr lang="vi-VN" dirty="0"/>
+          </a:p>
+        </p:txBody>
+      </p:sp>
+      <p:sp>
+        <p:nvSpPr>
+          <p:cNvPr id="3" name="Slide Number Placeholder 2"/>
+          <p:cNvSpPr>
+            <a:spLocks noGrp="1"/>
+          </p:cNvSpPr>
+          <p:nvPr>
+            <p:ph type="sldNum" sz="quarter" idx="11"/>
+          </p:nvPr>
+        </p:nvSpPr>
+        <p:spPr/>
+        <p:txBody>
+          <a:bodyPr>
+            <a:normAutofit/>
+          </a:bodyPr>
+          <a:lstStyle/>
+          <a:p>
+            <a:fld id="{1AD93096-5B34-4342-9326-69289CEAE4C2}" type="slidenum">
+              <a:rPr lang="en-US" smtClean="0"/>
+              <a:pPr/>
+              <a:t>33</a:t>
+            </a:fld>
+            <a:endParaRPr lang="en-US" dirty="0">
+              <a:solidFill>
+                <a:srgbClr val="FFFFFF"/>
+              </a:solidFill>
+            </a:endParaRPr>
+          </a:p>
+        </p:txBody>
+      </p:sp>
+    </p:spTree>
+    <p:extLst>
+      <p:ext uri="{BB962C8B-B14F-4D97-AF65-F5344CB8AC3E}">
+        <p14:creationId xmlns:p14="http://schemas.microsoft.com/office/powerpoint/2010/main" val="2443692379"/>
+      </p:ext>
+    </p:extLst>
+  </p:cSld>
+  <p:clrMapOvr>
+    <a:masterClrMapping/>
+  </p:clrMapOvr>
+  <p:timing>
+    <p:tnLst>
+      <p:par>
+        <p:cTn id="1" dur="indefinite" restart="never" nodeType="tmRoot"/>
+      </p:par>
+    </p:tnLst>
+  </p:timing>
+</p:sld>
+</file>
+
+<file path=ppt/slides/slide34.xml><?xml version="1.0" encoding="utf-8"?>
+<p:sld xmlns:a="http://schemas.openxmlformats.org/drawingml/2006/main" xmlns:r="http://schemas.openxmlformats.org/officeDocument/2006/relationships" xmlns:p="http://schemas.openxmlformats.org/presentationml/2006/main">
+  <p:cSld>
+    <p:spTree>
+      <p:nvGrpSpPr>
+        <p:cNvPr id="1" name=""/>
+        <p:cNvGrpSpPr/>
+        <p:nvPr/>
+      </p:nvGrpSpPr>
+      <p:grpSpPr>
+        <a:xfrm>
+          <a:off x="0" y="0"/>
+          <a:ext cx="0" cy="0"/>
+          <a:chOff x="0" y="0"/>
+          <a:chExt cx="0" cy="0"/>
+        </a:xfrm>
+      </p:grpSpPr>
+      <p:sp>
+        <p:nvSpPr>
+          <p:cNvPr id="8" name="Text Placeholder 7"/>
+          <p:cNvSpPr>
+            <a:spLocks noGrp="1"/>
+          </p:cNvSpPr>
+          <p:nvPr>
+            <p:ph type="body" sz="half" idx="2"/>
+          </p:nvPr>
+        </p:nvSpPr>
+        <p:spPr/>
+        <p:txBody>
+          <a:bodyPr/>
+          <a:lstStyle/>
+          <a:p>
+            <a:endParaRPr lang="vi-VN" dirty="0"/>
+          </a:p>
+        </p:txBody>
+      </p:sp>
+      <p:sp>
+        <p:nvSpPr>
+          <p:cNvPr id="6" name="Title 5"/>
+          <p:cNvSpPr>
+            <a:spLocks noGrp="1"/>
+          </p:cNvSpPr>
+          <p:nvPr>
+            <p:ph type="title"/>
+          </p:nvPr>
+        </p:nvSpPr>
+        <p:spPr>
+          <a:xfrm>
+            <a:off x="1600200" y="4648200"/>
+            <a:ext cx="7543800" cy="685800"/>
+          </a:xfrm>
+        </p:spPr>
+        <p:txBody>
+          <a:bodyPr>
+            <a:normAutofit/>
+          </a:bodyPr>
+          <a:lstStyle/>
+          <a:p>
+            <a:r>
+              <a:rPr lang="en-US" dirty="0" smtClean="0"/>
+              <a:t>THANKS FOR YOUR ATTENTION!</a:t>
+            </a:r>
+            <a:endParaRPr lang="vi-VN" dirty="0"/>
+          </a:p>
+        </p:txBody>
+      </p:sp>
+      <p:sp>
+        <p:nvSpPr>
+          <p:cNvPr id="3" name="Slide Number Placeholder 2"/>
+          <p:cNvSpPr>
+            <a:spLocks noGrp="1"/>
+          </p:cNvSpPr>
+          <p:nvPr>
+            <p:ph type="sldNum" sz="quarter" idx="11"/>
+          </p:nvPr>
+        </p:nvSpPr>
+        <p:spPr/>
+        <p:txBody>
+          <a:bodyPr>
+            <a:normAutofit/>
+          </a:bodyPr>
+          <a:lstStyle/>
+          <a:p>
+            <a:fld id="{1AD93096-5B34-4342-9326-69289CEAE4C2}" type="slidenum">
+              <a:rPr lang="en-US" smtClean="0"/>
+              <a:pPr/>
+              <a:t>34</a:t>
+            </a:fld>
+            <a:endParaRPr lang="en-US" dirty="0">
+              <a:solidFill>
+                <a:srgbClr val="FFFFFF"/>
+              </a:solidFill>
+            </a:endParaRPr>
+          </a:p>
+        </p:txBody>
+      </p:sp>
       <p:pic>
         <p:nvPicPr>
-          <p:cNvPr id="3076" name="Picture 4"/>
+          <p:cNvPr id="10" name="Picture 2"/>
           <p:cNvPicPr>
             <a:picLocks noGrp="1" noChangeAspect="1" noChangeArrowheads="1"/>
           </p:cNvPicPr>
           <p:nvPr>
-            <p:ph sz="quarter" idx="1"/>
+            <p:ph type="pic" idx="1"/>
           </p:nvPr>
         </p:nvPicPr>
         <p:blipFill>
@@ -14079,15 +16188,15 @@
               </a:ext>
             </a:extLst>
           </a:blip>
-          <a:srcRect/>
+          <a:srcRect t="5040" b="5040"/>
           <a:stretch>
             <a:fillRect/>
           </a:stretch>
         </p:blipFill>
         <p:spPr bwMode="auto">
-          <a:xfrm rot="5400000">
-            <a:off x="1972783" y="-337513"/>
-            <a:ext cx="5183923" cy="9031716"/>
+          <a:xfrm>
+            <a:off x="1560576" y="84184"/>
+            <a:ext cx="7583424" cy="4568952"/>
           </a:xfrm>
           <a:prstGeom prst="rect">
             <a:avLst/>
@@ -14130,7 +16239,7 @@
     </p:spTree>
     <p:extLst>
       <p:ext uri="{BB962C8B-B14F-4D97-AF65-F5344CB8AC3E}">
-        <p14:creationId xmlns:p14="http://schemas.microsoft.com/office/powerpoint/2010/main" val="3453574344"/>
+        <p14:creationId xmlns:p14="http://schemas.microsoft.com/office/powerpoint/2010/main" val="4160154454"/>
       </p:ext>
     </p:extLst>
   </p:cSld>
@@ -14147,160 +16256,7 @@
 </p:sld>
 </file>
 
-<file path=ppt/slides/slide22.xml><?xml version="1.0" encoding="utf-8"?>
-<p:sld xmlns:a="http://schemas.openxmlformats.org/drawingml/2006/main" xmlns:r="http://schemas.openxmlformats.org/officeDocument/2006/relationships" xmlns:p="http://schemas.openxmlformats.org/presentationml/2006/main">
-  <p:cSld>
-    <p:spTree>
-      <p:nvGrpSpPr>
-        <p:cNvPr id="1" name=""/>
-        <p:cNvGrpSpPr/>
-        <p:nvPr/>
-      </p:nvGrpSpPr>
-      <p:grpSpPr>
-        <a:xfrm>
-          <a:off x="0" y="0"/>
-          <a:ext cx="0" cy="0"/>
-          <a:chOff x="0" y="0"/>
-          <a:chExt cx="0" cy="0"/>
-        </a:xfrm>
-      </p:grpSpPr>
-      <p:sp>
-        <p:nvSpPr>
-          <p:cNvPr id="5" name="Title 4"/>
-          <p:cNvSpPr>
-            <a:spLocks noGrp="1"/>
-          </p:cNvSpPr>
-          <p:nvPr>
-            <p:ph type="title"/>
-          </p:nvPr>
-        </p:nvSpPr>
-        <p:spPr/>
-        <p:txBody>
-          <a:bodyPr>
-            <a:normAutofit/>
-          </a:bodyPr>
-          <a:lstStyle/>
-          <a:p>
-            <a:r>
-              <a:rPr lang="en-US" sz="4000" dirty="0" smtClean="0"/>
-              <a:t>mapping</a:t>
-            </a:r>
-            <a:endParaRPr lang="vi-VN" sz="4000" dirty="0"/>
-          </a:p>
-        </p:txBody>
-      </p:sp>
-      <p:sp>
-        <p:nvSpPr>
-          <p:cNvPr id="4" name="Slide Number Placeholder 3"/>
-          <p:cNvSpPr>
-            <a:spLocks noGrp="1"/>
-          </p:cNvSpPr>
-          <p:nvPr>
-            <p:ph type="sldNum" sz="quarter" idx="12"/>
-          </p:nvPr>
-        </p:nvSpPr>
-        <p:spPr/>
-        <p:txBody>
-          <a:bodyPr>
-            <a:normAutofit fontScale="85000" lnSpcReduction="20000"/>
-          </a:bodyPr>
-          <a:lstStyle/>
-          <a:p>
-            <a:pPr algn="ctr"/>
-            <a:fld id="{1AD93096-5B34-4342-9326-69289CEAE4C2}" type="slidenum">
-              <a:rPr lang="en-US" smtClean="0"/>
-              <a:pPr algn="ctr"/>
-              <a:t>22</a:t>
-            </a:fld>
-            <a:endParaRPr lang="en-US" sz="2400" dirty="0">
-              <a:solidFill>
-                <a:srgbClr val="FFFFFF"/>
-              </a:solidFill>
-            </a:endParaRPr>
-          </a:p>
-        </p:txBody>
-      </p:sp>
-      <p:pic>
-        <p:nvPicPr>
-          <p:cNvPr id="7" name="Picture 6"/>
-          <p:cNvPicPr/>
-          <p:nvPr/>
-        </p:nvPicPr>
-        <p:blipFill>
-          <a:blip r:embed="rId2" cstate="print">
-            <a:extLst>
-              <a:ext uri="{28A0092B-C50C-407E-A947-70E740481C1C}">
-                <a14:useLocalDpi xmlns:a14="http://schemas.microsoft.com/office/drawing/2010/main" val="0"/>
-              </a:ext>
-            </a:extLst>
-          </a:blip>
-          <a:srcRect/>
-          <a:stretch>
-            <a:fillRect/>
-          </a:stretch>
-        </p:blipFill>
-        <p:spPr bwMode="auto">
-          <a:xfrm>
-            <a:off x="251520" y="4249556"/>
-            <a:ext cx="4561790" cy="2697945"/>
-          </a:xfrm>
-          <a:prstGeom prst="rect">
-            <a:avLst/>
-          </a:prstGeom>
-          <a:noFill/>
-        </p:spPr>
-      </p:pic>
-      <p:pic>
-        <p:nvPicPr>
-          <p:cNvPr id="8" name="Picture 7"/>
-          <p:cNvPicPr/>
-          <p:nvPr/>
-        </p:nvPicPr>
-        <p:blipFill>
-          <a:blip r:embed="rId3">
-            <a:extLst>
-              <a:ext uri="{28A0092B-C50C-407E-A947-70E740481C1C}">
-                <a14:useLocalDpi xmlns:a14="http://schemas.microsoft.com/office/drawing/2010/main" val="0"/>
-              </a:ext>
-            </a:extLst>
-          </a:blip>
-          <a:srcRect/>
-          <a:stretch>
-            <a:fillRect/>
-          </a:stretch>
-        </p:blipFill>
-        <p:spPr bwMode="auto">
-          <a:xfrm>
-            <a:off x="1995350" y="1513812"/>
-            <a:ext cx="6249058" cy="3486536"/>
-          </a:xfrm>
-          <a:prstGeom prst="rect">
-            <a:avLst/>
-          </a:prstGeom>
-          <a:noFill/>
-        </p:spPr>
-      </p:pic>
-    </p:spTree>
-    <p:extLst>
-      <p:ext uri="{BB962C8B-B14F-4D97-AF65-F5344CB8AC3E}">
-        <p14:creationId xmlns:p14="http://schemas.microsoft.com/office/powerpoint/2010/main" val="2793530087"/>
-      </p:ext>
-    </p:extLst>
-  </p:cSld>
-  <p:clrMapOvr>
-    <a:masterClrMapping/>
-  </p:clrMapOvr>
-  <p:timing>
-    <p:tnLst>
-      <p:par>
-        <p:cTn id="1" dur="indefinite" restart="never" nodeType="tmRoot"/>
-      </p:par>
-    </p:tnLst>
-  </p:timing>
-</p:sld>
-</file>
-
-<file path=ppt/slides/slide23.xml><?xml version="1.0" encoding="utf-8"?>
+<file path=ppt/slides/slide4.xml><?xml version="1.0" encoding="utf-8"?>
 <p:sld xmlns:a="http://schemas.openxmlformats.org/drawingml/2006/main" xmlns:r="http://schemas.openxmlformats.org/officeDocument/2006/relationships" xmlns:p="http://schemas.openxmlformats.org/presentationml/2006/main">
   <p:cSld>
     <p:spTree>
@@ -14335,1152 +16291,6 @@
           <a:lstStyle/>
           <a:p>
             <a:r>
-              <a:rPr lang="en-US" sz="3600" dirty="0" err="1" smtClean="0"/>
-              <a:t>Tổ</a:t>
-            </a:r>
-            <a:r>
-              <a:rPr lang="en-US" sz="3600" dirty="0" smtClean="0"/>
-              <a:t> </a:t>
-            </a:r>
-            <a:r>
-              <a:rPr lang="en-US" sz="3600" dirty="0" err="1" smtClean="0"/>
-              <a:t>chức</a:t>
-            </a:r>
-            <a:r>
-              <a:rPr lang="en-US" sz="3600" dirty="0" smtClean="0"/>
-              <a:t> </a:t>
-            </a:r>
-            <a:r>
-              <a:rPr lang="en-US" sz="3600" dirty="0" err="1" smtClean="0"/>
-              <a:t>và</a:t>
-            </a:r>
-            <a:r>
-              <a:rPr lang="en-US" sz="3600" dirty="0" smtClean="0"/>
-              <a:t> </a:t>
-            </a:r>
-            <a:r>
-              <a:rPr lang="en-US" sz="3600" dirty="0" err="1" smtClean="0"/>
-              <a:t>lưu</a:t>
-            </a:r>
-            <a:r>
-              <a:rPr lang="en-US" sz="3600" dirty="0" smtClean="0"/>
-              <a:t> </a:t>
-            </a:r>
-            <a:r>
-              <a:rPr lang="en-US" sz="3600" dirty="0" err="1" smtClean="0"/>
-              <a:t>trữ</a:t>
-            </a:r>
-            <a:r>
-              <a:rPr lang="en-US" sz="3600" dirty="0" smtClean="0"/>
-              <a:t> </a:t>
-            </a:r>
-            <a:r>
-              <a:rPr lang="en-US" sz="3600" dirty="0" err="1" smtClean="0"/>
-              <a:t>thông</a:t>
-            </a:r>
-            <a:r>
-              <a:rPr lang="en-US" sz="3600" dirty="0" smtClean="0"/>
-              <a:t> tin</a:t>
-            </a:r>
-            <a:endParaRPr lang="vi-VN" sz="3600" dirty="0"/>
-          </a:p>
-        </p:txBody>
-      </p:sp>
-      <p:sp>
-        <p:nvSpPr>
-          <p:cNvPr id="3" name="Slide Number Placeholder 2"/>
-          <p:cNvSpPr>
-            <a:spLocks noGrp="1"/>
-          </p:cNvSpPr>
-          <p:nvPr>
-            <p:ph type="sldNum" sz="quarter" idx="12"/>
-          </p:nvPr>
-        </p:nvSpPr>
-        <p:spPr/>
-        <p:txBody>
-          <a:bodyPr>
-            <a:normAutofit fontScale="85000" lnSpcReduction="20000"/>
-          </a:bodyPr>
-          <a:lstStyle/>
-          <a:p>
-            <a:fld id="{1AD93096-5B34-4342-9326-69289CEAE4C2}" type="slidenum">
-              <a:rPr lang="en-US" smtClean="0"/>
-              <a:pPr/>
-              <a:t>23</a:t>
-            </a:fld>
-            <a:endParaRPr lang="en-US" dirty="0">
-              <a:solidFill>
-                <a:srgbClr val="FFFFFF"/>
-              </a:solidFill>
-            </a:endParaRPr>
-          </a:p>
-        </p:txBody>
-      </p:sp>
-      <p:pic>
-        <p:nvPicPr>
-          <p:cNvPr id="4098" name="Picture 2"/>
-          <p:cNvPicPr>
-            <a:picLocks noGrp="1" noChangeAspect="1" noChangeArrowheads="1"/>
-          </p:cNvPicPr>
-          <p:nvPr>
-            <p:ph sz="quarter" idx="1"/>
-          </p:nvPr>
-        </p:nvPicPr>
-        <p:blipFill>
-          <a:blip r:embed="rId2">
-            <a:extLst>
-              <a:ext uri="{28A0092B-C50C-407E-A947-70E740481C1C}">
-                <a14:useLocalDpi xmlns:a14="http://schemas.microsoft.com/office/drawing/2010/main" val="0"/>
-              </a:ext>
-            </a:extLst>
-          </a:blip>
-          <a:srcRect/>
-          <a:stretch>
-            <a:fillRect/>
-          </a:stretch>
-        </p:blipFill>
-        <p:spPr bwMode="auto">
-          <a:xfrm>
-            <a:off x="611560" y="1578130"/>
-            <a:ext cx="8136904" cy="5279871"/>
-          </a:xfrm>
-          <a:prstGeom prst="rect">
-            <a:avLst/>
-          </a:prstGeom>
-          <a:noFill/>
-          <a:ln>
-            <a:noFill/>
-          </a:ln>
-          <a:effectLst/>
-          <a:extLst>
-            <a:ext uri="{909E8E84-426E-40DD-AFC4-6F175D3DCCD1}">
-              <a14:hiddenFill xmlns:a14="http://schemas.microsoft.com/office/drawing/2010/main">
-                <a:solidFill>
-                  <a:schemeClr val="accent1"/>
-                </a:solidFill>
-              </a14:hiddenFill>
-            </a:ext>
-            <a:ext uri="{91240B29-F687-4F45-9708-019B960494DF}">
-              <a14:hiddenLine xmlns:a14="http://schemas.microsoft.com/office/drawing/2010/main" w="9525">
-                <a:solidFill>
-                  <a:schemeClr val="tx1"/>
-                </a:solidFill>
-                <a:miter lim="800000"/>
-                <a:headEnd/>
-                <a:tailEnd/>
-              </a14:hiddenLine>
-            </a:ext>
-            <a:ext uri="{AF507438-7753-43E0-B8FC-AC1667EBCBE1}">
-              <a14:hiddenEffects xmlns:a14="http://schemas.microsoft.com/office/drawing/2010/main">
-                <a:effectLst>
-                  <a:outerShdw dist="35921" dir="2700000" algn="ctr" rotWithShape="0">
-                    <a:schemeClr val="bg2"/>
-                  </a:outerShdw>
-                </a:effectLst>
-              </a14:hiddenEffects>
-            </a:ext>
-          </a:extLst>
-        </p:spPr>
-      </p:pic>
-      <p:pic>
-        <p:nvPicPr>
-          <p:cNvPr id="6" name="Picture 5"/>
-          <p:cNvPicPr>
-            <a:picLocks noChangeAspect="1"/>
-          </p:cNvPicPr>
-          <p:nvPr/>
-        </p:nvPicPr>
-        <p:blipFill>
-          <a:blip r:embed="rId3" cstate="print">
-            <a:extLst>
-              <a:ext uri="{28A0092B-C50C-407E-A947-70E740481C1C}">
-                <a14:useLocalDpi xmlns:a14="http://schemas.microsoft.com/office/drawing/2010/main" val="0"/>
-              </a:ext>
-            </a:extLst>
-          </a:blip>
-          <a:stretch>
-            <a:fillRect/>
-          </a:stretch>
-        </p:blipFill>
-        <p:spPr>
-          <a:xfrm>
-            <a:off x="1618548" y="4997539"/>
-            <a:ext cx="721204" cy="721204"/>
-          </a:xfrm>
-          <a:prstGeom prst="rect">
-            <a:avLst/>
-          </a:prstGeom>
-        </p:spPr>
-      </p:pic>
-    </p:spTree>
-    <p:extLst>
-      <p:ext uri="{BB962C8B-B14F-4D97-AF65-F5344CB8AC3E}">
-        <p14:creationId xmlns:p14="http://schemas.microsoft.com/office/powerpoint/2010/main" val="3149494895"/>
-      </p:ext>
-    </p:extLst>
-  </p:cSld>
-  <p:clrMapOvr>
-    <a:masterClrMapping/>
-  </p:clrMapOvr>
-  <p:timing>
-    <p:tnLst>
-      <p:par>
-        <p:cTn id="1" dur="indefinite" restart="never" nodeType="tmRoot"/>
-      </p:par>
-    </p:tnLst>
-  </p:timing>
-</p:sld>
-</file>
-
-<file path=ppt/slides/slide24.xml><?xml version="1.0" encoding="utf-8"?>
-<p:sld xmlns:a="http://schemas.openxmlformats.org/drawingml/2006/main" xmlns:r="http://schemas.openxmlformats.org/officeDocument/2006/relationships" xmlns:p="http://schemas.openxmlformats.org/presentationml/2006/main">
-  <p:cSld>
-    <p:spTree>
-      <p:nvGrpSpPr>
-        <p:cNvPr id="1" name=""/>
-        <p:cNvGrpSpPr/>
-        <p:nvPr/>
-      </p:nvGrpSpPr>
-      <p:grpSpPr>
-        <a:xfrm>
-          <a:off x="0" y="0"/>
-          <a:ext cx="0" cy="0"/>
-          <a:chOff x="0" y="0"/>
-          <a:chExt cx="0" cy="0"/>
-        </a:xfrm>
-      </p:grpSpPr>
-      <p:sp>
-        <p:nvSpPr>
-          <p:cNvPr id="2" name="Title 1"/>
-          <p:cNvSpPr>
-            <a:spLocks noGrp="1"/>
-          </p:cNvSpPr>
-          <p:nvPr>
-            <p:ph type="title"/>
-          </p:nvPr>
-        </p:nvSpPr>
-        <p:spPr/>
-        <p:txBody>
-          <a:bodyPr>
-            <a:noAutofit/>
-          </a:bodyPr>
-          <a:lstStyle/>
-          <a:p>
-            <a:r>
-              <a:rPr lang="en-US" sz="2800" dirty="0" err="1" smtClean="0"/>
-              <a:t>Hệ</a:t>
-            </a:r>
-            <a:r>
-              <a:rPr lang="en-US" sz="2800" dirty="0" smtClean="0"/>
-              <a:t> </a:t>
-            </a:r>
-            <a:r>
-              <a:rPr lang="en-US" sz="2800" dirty="0" err="1" smtClean="0"/>
-              <a:t>thống</a:t>
-            </a:r>
-            <a:r>
-              <a:rPr lang="en-US" sz="2800" dirty="0" smtClean="0"/>
-              <a:t> so </a:t>
-            </a:r>
-            <a:r>
-              <a:rPr lang="en-US" sz="2800" dirty="0" err="1" smtClean="0"/>
-              <a:t>khớp</a:t>
-            </a:r>
-            <a:r>
-              <a:rPr lang="en-US" sz="2800" dirty="0" smtClean="0"/>
-              <a:t> – matching tool</a:t>
-            </a:r>
-            <a:endParaRPr lang="vi-VN" sz="2800" dirty="0"/>
-          </a:p>
-        </p:txBody>
-      </p:sp>
-      <p:sp>
-        <p:nvSpPr>
-          <p:cNvPr id="3" name="Slide Number Placeholder 2"/>
-          <p:cNvSpPr>
-            <a:spLocks noGrp="1"/>
-          </p:cNvSpPr>
-          <p:nvPr>
-            <p:ph type="sldNum" sz="quarter" idx="12"/>
-          </p:nvPr>
-        </p:nvSpPr>
-        <p:spPr/>
-        <p:txBody>
-          <a:bodyPr>
-            <a:normAutofit fontScale="85000" lnSpcReduction="20000"/>
-          </a:bodyPr>
-          <a:lstStyle/>
-          <a:p>
-            <a:fld id="{1AD93096-5B34-4342-9326-69289CEAE4C2}" type="slidenum">
-              <a:rPr lang="en-US" smtClean="0"/>
-              <a:pPr/>
-              <a:t>24</a:t>
-            </a:fld>
-            <a:endParaRPr lang="en-US" dirty="0">
-              <a:solidFill>
-                <a:srgbClr val="FFFFFF"/>
-              </a:solidFill>
-            </a:endParaRPr>
-          </a:p>
-        </p:txBody>
-      </p:sp>
-      <p:sp>
-        <p:nvSpPr>
-          <p:cNvPr id="5" name="Rectangle 2"/>
-          <p:cNvSpPr>
-            <a:spLocks noChangeArrowheads="1"/>
-          </p:cNvSpPr>
-          <p:nvPr/>
-        </p:nvSpPr>
-        <p:spPr bwMode="auto">
-          <a:xfrm>
-            <a:off x="1" y="-184667"/>
-            <a:ext cx="184731" cy="369332"/>
-          </a:xfrm>
-          <a:prstGeom prst="rect">
-            <a:avLst/>
-          </a:prstGeom>
-          <a:noFill/>
-          <a:ln>
-            <a:noFill/>
-          </a:ln>
-          <a:effectLst/>
-          <a:extLst>
-            <a:ext uri="{909E8E84-426E-40DD-AFC4-6F175D3DCCD1}">
-              <a14:hiddenFill xmlns:a14="http://schemas.microsoft.com/office/drawing/2010/main">
-                <a:solidFill>
-                  <a:schemeClr val="accent1"/>
-                </a:solidFill>
-              </a14:hiddenFill>
-            </a:ext>
-            <a:ext uri="{91240B29-F687-4F45-9708-019B960494DF}">
-              <a14:hiddenLine xmlns:a14="http://schemas.microsoft.com/office/drawing/2010/main" w="9525">
-                <a:solidFill>
-                  <a:schemeClr val="tx1"/>
-                </a:solidFill>
-                <a:miter lim="800000"/>
-                <a:headEnd/>
-                <a:tailEnd/>
-              </a14:hiddenLine>
-            </a:ext>
-            <a:ext uri="{AF507438-7753-43E0-B8FC-AC1667EBCBE1}">
-              <a14:hiddenEffects xmlns:a14="http://schemas.microsoft.com/office/drawing/2010/main">
-                <a:effectLst>
-                  <a:outerShdw dist="35921" dir="2700000" algn="ctr" rotWithShape="0">
-                    <a:schemeClr val="bg2"/>
-                  </a:outerShdw>
-                </a:effectLst>
-              </a14:hiddenEffects>
-            </a:ext>
-          </a:extLst>
-        </p:spPr>
-        <p:txBody>
-          <a:bodyPr vert="horz" wrap="none" lIns="91440" tIns="45720" rIns="91440" bIns="45720" numCol="1" anchor="ctr" anchorCtr="0" compatLnSpc="1">
-            <a:prstTxWarp prst="textNoShape">
-              <a:avLst/>
-            </a:prstTxWarp>
-            <a:spAutoFit/>
-          </a:bodyPr>
-          <a:lstStyle/>
-          <a:p>
-            <a:endParaRPr lang="vi-VN"/>
-          </a:p>
-        </p:txBody>
-      </p:sp>
-      <p:graphicFrame>
-        <p:nvGraphicFramePr>
-          <p:cNvPr id="6" name="Object 5"/>
-          <p:cNvGraphicFramePr>
-            <a:graphicFrameLocks noChangeAspect="1"/>
-          </p:cNvGraphicFramePr>
-          <p:nvPr>
-            <p:extLst>
-              <p:ext uri="{D42A27DB-BD31-4B8C-83A1-F6EECF244321}">
-                <p14:modId xmlns:p14="http://schemas.microsoft.com/office/powerpoint/2010/main" val="76506455"/>
-              </p:ext>
-            </p:extLst>
-          </p:nvPr>
-        </p:nvGraphicFramePr>
-        <p:xfrm>
-          <a:off x="2276475" y="1657349"/>
-          <a:ext cx="4591050" cy="5200651"/>
-        </p:xfrm>
-        <a:graphic>
-          <a:graphicData uri="http://schemas.openxmlformats.org/presentationml/2006/ole">
-            <mc:AlternateContent xmlns:mc="http://schemas.openxmlformats.org/markup-compatibility/2006">
-              <mc:Choice xmlns:v="urn:schemas-microsoft-com:vml" Requires="v">
-                <p:oleObj spid="_x0000_s2067" name="Visio" r:id="rId3" imgW="5596684" imgH="6352347" progId="Visio.Drawing.11">
-                  <p:embed/>
-                </p:oleObj>
-              </mc:Choice>
-              <mc:Fallback>
-                <p:oleObj name="Visio" r:id="rId3" imgW="5596684" imgH="6352347" progId="Visio.Drawing.11">
-                  <p:embed/>
-                  <p:pic>
-                    <p:nvPicPr>
-                      <p:cNvPr id="0" name="Object 1"/>
-                      <p:cNvPicPr>
-                        <a:picLocks noChangeAspect="1" noChangeArrowheads="1"/>
-                      </p:cNvPicPr>
-                      <p:nvPr/>
-                    </p:nvPicPr>
-                    <p:blipFill>
-                      <a:blip r:embed="rId4">
-                        <a:extLst>
-                          <a:ext uri="{28A0092B-C50C-407E-A947-70E740481C1C}">
-                            <a14:useLocalDpi xmlns:a14="http://schemas.microsoft.com/office/drawing/2010/main" val="0"/>
-                          </a:ext>
-                        </a:extLst>
-                      </a:blip>
-                      <a:srcRect/>
-                      <a:stretch>
-                        <a:fillRect/>
-                      </a:stretch>
-                    </p:blipFill>
-                    <p:spPr bwMode="auto">
-                      <a:xfrm>
-                        <a:off x="2276475" y="1657349"/>
-                        <a:ext cx="4591050" cy="5200651"/>
-                      </a:xfrm>
-                      <a:prstGeom prst="rect">
-                        <a:avLst/>
-                      </a:prstGeom>
-                      <a:noFill/>
-                      <a:extLst>
-                        <a:ext uri="{909E8E84-426E-40DD-AFC4-6F175D3DCCD1}">
-                          <a14:hiddenFill xmlns:a14="http://schemas.microsoft.com/office/drawing/2010/main">
-                            <a:solidFill>
-                              <a:srgbClr val="FFFFFF"/>
-                            </a:solidFill>
-                          </a14:hiddenFill>
-                        </a:ext>
-                      </a:extLst>
-                    </p:spPr>
-                  </p:pic>
-                </p:oleObj>
-              </mc:Fallback>
-            </mc:AlternateContent>
-          </a:graphicData>
-        </a:graphic>
-      </p:graphicFrame>
-    </p:spTree>
-    <p:extLst>
-      <p:ext uri="{BB962C8B-B14F-4D97-AF65-F5344CB8AC3E}">
-        <p14:creationId xmlns:p14="http://schemas.microsoft.com/office/powerpoint/2010/main" val="3939877510"/>
-      </p:ext>
-    </p:extLst>
-  </p:cSld>
-  <p:clrMapOvr>
-    <a:masterClrMapping/>
-  </p:clrMapOvr>
-  <p:timing>
-    <p:tnLst>
-      <p:par>
-        <p:cTn id="1" dur="indefinite" restart="never" nodeType="tmRoot"/>
-      </p:par>
-    </p:tnLst>
-  </p:timing>
-</p:sld>
-</file>
-
-<file path=ppt/slides/slide25.xml><?xml version="1.0" encoding="utf-8"?>
-<p:sld xmlns:a="http://schemas.openxmlformats.org/drawingml/2006/main" xmlns:r="http://schemas.openxmlformats.org/officeDocument/2006/relationships" xmlns:p="http://schemas.openxmlformats.org/presentationml/2006/main">
-  <p:cSld>
-    <p:spTree>
-      <p:nvGrpSpPr>
-        <p:cNvPr id="1" name=""/>
-        <p:cNvGrpSpPr/>
-        <p:nvPr/>
-      </p:nvGrpSpPr>
-      <p:grpSpPr>
-        <a:xfrm>
-          <a:off x="0" y="0"/>
-          <a:ext cx="0" cy="0"/>
-          <a:chOff x="0" y="0"/>
-          <a:chExt cx="0" cy="0"/>
-        </a:xfrm>
-      </p:grpSpPr>
-      <p:sp>
-        <p:nvSpPr>
-          <p:cNvPr id="2" name="Title 1"/>
-          <p:cNvSpPr>
-            <a:spLocks noGrp="1"/>
-          </p:cNvSpPr>
-          <p:nvPr>
-            <p:ph type="title"/>
-          </p:nvPr>
-        </p:nvSpPr>
-        <p:spPr/>
-        <p:txBody>
-          <a:bodyPr>
-            <a:normAutofit/>
-          </a:bodyPr>
-          <a:lstStyle/>
-          <a:p>
-            <a:r>
-              <a:rPr lang="en-US" sz="4000" dirty="0" smtClean="0"/>
-              <a:t>Data mining engine</a:t>
-            </a:r>
-            <a:endParaRPr lang="vi-VN" sz="4000" dirty="0"/>
-          </a:p>
-        </p:txBody>
-      </p:sp>
-      <p:sp>
-        <p:nvSpPr>
-          <p:cNvPr id="3" name="Slide Number Placeholder 2"/>
-          <p:cNvSpPr>
-            <a:spLocks noGrp="1"/>
-          </p:cNvSpPr>
-          <p:nvPr>
-            <p:ph type="sldNum" sz="quarter" idx="12"/>
-          </p:nvPr>
-        </p:nvSpPr>
-        <p:spPr/>
-        <p:txBody>
-          <a:bodyPr>
-            <a:normAutofit fontScale="85000" lnSpcReduction="20000"/>
-          </a:bodyPr>
-          <a:lstStyle/>
-          <a:p>
-            <a:fld id="{1AD93096-5B34-4342-9326-69289CEAE4C2}" type="slidenum">
-              <a:rPr lang="en-US" smtClean="0"/>
-              <a:pPr/>
-              <a:t>25</a:t>
-            </a:fld>
-            <a:endParaRPr lang="en-US" dirty="0">
-              <a:solidFill>
-                <a:srgbClr val="FFFFFF"/>
-              </a:solidFill>
-            </a:endParaRPr>
-          </a:p>
-        </p:txBody>
-      </p:sp>
-      <p:pic>
-        <p:nvPicPr>
-          <p:cNvPr id="5122" name="Picture 2"/>
-          <p:cNvPicPr>
-            <a:picLocks noGrp="1" noChangeAspect="1" noChangeArrowheads="1"/>
-          </p:cNvPicPr>
-          <p:nvPr>
-            <p:ph sz="quarter" idx="1"/>
-          </p:nvPr>
-        </p:nvPicPr>
-        <p:blipFill>
-          <a:blip r:embed="rId2">
-            <a:extLst>
-              <a:ext uri="{28A0092B-C50C-407E-A947-70E740481C1C}">
-                <a14:useLocalDpi xmlns:a14="http://schemas.microsoft.com/office/drawing/2010/main" val="0"/>
-              </a:ext>
-            </a:extLst>
-          </a:blip>
-          <a:srcRect/>
-          <a:stretch>
-            <a:fillRect/>
-          </a:stretch>
-        </p:blipFill>
-        <p:spPr bwMode="auto">
-          <a:xfrm>
-            <a:off x="1763688" y="1628800"/>
-            <a:ext cx="5184576" cy="4985168"/>
-          </a:xfrm>
-          <a:prstGeom prst="rect">
-            <a:avLst/>
-          </a:prstGeom>
-          <a:noFill/>
-          <a:ln>
-            <a:noFill/>
-          </a:ln>
-          <a:effectLst/>
-          <a:extLst>
-            <a:ext uri="{909E8E84-426E-40DD-AFC4-6F175D3DCCD1}">
-              <a14:hiddenFill xmlns:a14="http://schemas.microsoft.com/office/drawing/2010/main">
-                <a:solidFill>
-                  <a:schemeClr val="accent1"/>
-                </a:solidFill>
-              </a14:hiddenFill>
-            </a:ext>
-            <a:ext uri="{91240B29-F687-4F45-9708-019B960494DF}">
-              <a14:hiddenLine xmlns:a14="http://schemas.microsoft.com/office/drawing/2010/main" w="9525">
-                <a:solidFill>
-                  <a:schemeClr val="tx1"/>
-                </a:solidFill>
-                <a:miter lim="800000"/>
-                <a:headEnd/>
-                <a:tailEnd/>
-              </a14:hiddenLine>
-            </a:ext>
-            <a:ext uri="{AF507438-7753-43E0-B8FC-AC1667EBCBE1}">
-              <a14:hiddenEffects xmlns:a14="http://schemas.microsoft.com/office/drawing/2010/main">
-                <a:effectLst>
-                  <a:outerShdw dist="35921" dir="2700000" algn="ctr" rotWithShape="0">
-                    <a:schemeClr val="bg2"/>
-                  </a:outerShdw>
-                </a:effectLst>
-              </a14:hiddenEffects>
-            </a:ext>
-          </a:extLst>
-        </p:spPr>
-      </p:pic>
-    </p:spTree>
-    <p:extLst>
-      <p:ext uri="{BB962C8B-B14F-4D97-AF65-F5344CB8AC3E}">
-        <p14:creationId xmlns:p14="http://schemas.microsoft.com/office/powerpoint/2010/main" val="2360626904"/>
-      </p:ext>
-    </p:extLst>
-  </p:cSld>
-  <p:clrMapOvr>
-    <a:masterClrMapping/>
-  </p:clrMapOvr>
-  <p:timing>
-    <p:tnLst>
-      <p:par>
-        <p:cTn id="1" dur="indefinite" restart="never" nodeType="tmRoot"/>
-      </p:par>
-    </p:tnLst>
-  </p:timing>
-</p:sld>
-</file>
-
-<file path=ppt/slides/slide26.xml><?xml version="1.0" encoding="utf-8"?>
-<p:sld xmlns:a="http://schemas.openxmlformats.org/drawingml/2006/main" xmlns:r="http://schemas.openxmlformats.org/officeDocument/2006/relationships" xmlns:p="http://schemas.openxmlformats.org/presentationml/2006/main">
-  <p:cSld>
-    <p:spTree>
-      <p:nvGrpSpPr>
-        <p:cNvPr id="1" name=""/>
-        <p:cNvGrpSpPr/>
-        <p:nvPr/>
-      </p:nvGrpSpPr>
-      <p:grpSpPr>
-        <a:xfrm>
-          <a:off x="0" y="0"/>
-          <a:ext cx="0" cy="0"/>
-          <a:chOff x="0" y="0"/>
-          <a:chExt cx="0" cy="0"/>
-        </a:xfrm>
-      </p:grpSpPr>
-      <p:sp>
-        <p:nvSpPr>
-          <p:cNvPr id="5" name="Text Placeholder 4"/>
-          <p:cNvSpPr>
-            <a:spLocks noGrp="1"/>
-          </p:cNvSpPr>
-          <p:nvPr>
-            <p:ph type="body" idx="1"/>
-          </p:nvPr>
-        </p:nvSpPr>
-        <p:spPr/>
-        <p:txBody>
-          <a:bodyPr/>
-          <a:lstStyle/>
-          <a:p>
-            <a:endParaRPr lang="vi-VN" dirty="0"/>
-          </a:p>
-        </p:txBody>
-      </p:sp>
-      <p:sp>
-        <p:nvSpPr>
-          <p:cNvPr id="4" name="Title 3"/>
-          <p:cNvSpPr>
-            <a:spLocks noGrp="1"/>
-          </p:cNvSpPr>
-          <p:nvPr>
-            <p:ph type="title"/>
-          </p:nvPr>
-        </p:nvSpPr>
-        <p:spPr/>
-        <p:txBody>
-          <a:bodyPr>
-            <a:normAutofit/>
-          </a:bodyPr>
-          <a:lstStyle/>
-          <a:p>
-            <a:r>
-              <a:rPr lang="en-US" dirty="0" err="1" smtClean="0"/>
-              <a:t>Kết</a:t>
-            </a:r>
-            <a:r>
-              <a:rPr lang="en-US" dirty="0" smtClean="0"/>
-              <a:t> </a:t>
-            </a:r>
-            <a:r>
-              <a:rPr lang="en-US" dirty="0" err="1" smtClean="0"/>
-              <a:t>luận</a:t>
-            </a:r>
-            <a:endParaRPr lang="vi-VN" dirty="0"/>
-          </a:p>
-        </p:txBody>
-      </p:sp>
-      <p:sp>
-        <p:nvSpPr>
-          <p:cNvPr id="3" name="Slide Number Placeholder 2"/>
-          <p:cNvSpPr>
-            <a:spLocks noGrp="1"/>
-          </p:cNvSpPr>
-          <p:nvPr>
-            <p:ph type="sldNum" sz="quarter" idx="11"/>
-          </p:nvPr>
-        </p:nvSpPr>
-        <p:spPr/>
-        <p:txBody>
-          <a:bodyPr>
-            <a:normAutofit/>
-          </a:bodyPr>
-          <a:lstStyle/>
-          <a:p>
-            <a:fld id="{1AD93096-5B34-4342-9326-69289CEAE4C2}" type="slidenum">
-              <a:rPr lang="en-US" smtClean="0"/>
-              <a:pPr/>
-              <a:t>26</a:t>
-            </a:fld>
-            <a:endParaRPr lang="en-US" dirty="0">
-              <a:solidFill>
-                <a:srgbClr val="FFFFFF"/>
-              </a:solidFill>
-            </a:endParaRPr>
-          </a:p>
-        </p:txBody>
-      </p:sp>
-      <p:pic>
-        <p:nvPicPr>
-          <p:cNvPr id="7" name="Picture 4" descr="http://www.google.com.vn/url?source=imglanding&amp;ct=img&amp;q=http://blog.cachinko.com/blog/wp-content/uploads/2011/01/21-networking-300x300.jpg&amp;sa=X&amp;ei=ynX9TqGeKYfUmAWc-Zi6Ag&amp;ved=0CAsQ8wc4Kw&amp;usg=AFQjCNGJnaVVfiNiB9JXRymc0aBCRk8K6A"/>
-          <p:cNvPicPr>
-            <a:picLocks noChangeAspect="1" noChangeArrowheads="1"/>
-          </p:cNvPicPr>
-          <p:nvPr/>
-        </p:nvPicPr>
-        <p:blipFill>
-          <a:blip r:embed="rId2">
-            <a:extLst>
-              <a:ext uri="{28A0092B-C50C-407E-A947-70E740481C1C}">
-                <a14:useLocalDpi xmlns:a14="http://schemas.microsoft.com/office/drawing/2010/main" val="0"/>
-              </a:ext>
-            </a:extLst>
-          </a:blip>
-          <a:srcRect/>
-          <a:stretch>
-            <a:fillRect/>
-          </a:stretch>
-        </p:blipFill>
-        <p:spPr bwMode="auto">
-          <a:xfrm>
-            <a:off x="4716018" y="2609293"/>
-            <a:ext cx="4132075" cy="4132075"/>
-          </a:xfrm>
-          <a:prstGeom prst="rect">
-            <a:avLst/>
-          </a:prstGeom>
-          <a:noFill/>
-          <a:extLst>
-            <a:ext uri="{909E8E84-426E-40DD-AFC4-6F175D3DCCD1}">
-              <a14:hiddenFill xmlns:a14="http://schemas.microsoft.com/office/drawing/2010/main">
-                <a:solidFill>
-                  <a:srgbClr val="FFFFFF"/>
-                </a:solidFill>
-              </a14:hiddenFill>
-            </a:ext>
-          </a:extLst>
-        </p:spPr>
-      </p:pic>
-    </p:spTree>
-    <p:extLst>
-      <p:ext uri="{BB962C8B-B14F-4D97-AF65-F5344CB8AC3E}">
-        <p14:creationId xmlns:p14="http://schemas.microsoft.com/office/powerpoint/2010/main" val="1500730890"/>
-      </p:ext>
-    </p:extLst>
-  </p:cSld>
-  <p:clrMapOvr>
-    <a:masterClrMapping/>
-  </p:clrMapOvr>
-  <p:timing>
-    <p:tnLst>
-      <p:par>
-        <p:cTn id="1" dur="indefinite" restart="never" nodeType="tmRoot"/>
-      </p:par>
-    </p:tnLst>
-  </p:timing>
-</p:sld>
-</file>
-
-<file path=ppt/slides/slide27.xml><?xml version="1.0" encoding="utf-8"?>
-<p:sld xmlns:a="http://schemas.openxmlformats.org/drawingml/2006/main" xmlns:r="http://schemas.openxmlformats.org/officeDocument/2006/relationships" xmlns:p="http://schemas.openxmlformats.org/presentationml/2006/main">
-  <p:cSld>
-    <p:spTree>
-      <p:nvGrpSpPr>
-        <p:cNvPr id="1" name=""/>
-        <p:cNvGrpSpPr/>
-        <p:nvPr/>
-      </p:nvGrpSpPr>
-      <p:grpSpPr>
-        <a:xfrm>
-          <a:off x="0" y="0"/>
-          <a:ext cx="0" cy="0"/>
-          <a:chOff x="0" y="0"/>
-          <a:chExt cx="0" cy="0"/>
-        </a:xfrm>
-      </p:grpSpPr>
-      <p:sp>
-        <p:nvSpPr>
-          <p:cNvPr id="2" name="Title 1"/>
-          <p:cNvSpPr>
-            <a:spLocks noGrp="1"/>
-          </p:cNvSpPr>
-          <p:nvPr>
-            <p:ph type="title"/>
-          </p:nvPr>
-        </p:nvSpPr>
-        <p:spPr/>
-        <p:txBody>
-          <a:bodyPr>
-            <a:normAutofit/>
-          </a:bodyPr>
-          <a:lstStyle/>
-          <a:p>
-            <a:r>
-              <a:rPr lang="en-US" dirty="0" smtClean="0"/>
-              <a:t>KẾT QUẢ ĐẠT ĐƯỢC</a:t>
-            </a:r>
-            <a:endParaRPr lang="vi-VN" dirty="0"/>
-          </a:p>
-        </p:txBody>
-      </p:sp>
-      <p:sp>
-        <p:nvSpPr>
-          <p:cNvPr id="3" name="Slide Number Placeholder 2"/>
-          <p:cNvSpPr>
-            <a:spLocks noGrp="1"/>
-          </p:cNvSpPr>
-          <p:nvPr>
-            <p:ph type="sldNum" sz="quarter" idx="12"/>
-          </p:nvPr>
-        </p:nvSpPr>
-        <p:spPr/>
-        <p:txBody>
-          <a:bodyPr>
-            <a:normAutofit fontScale="85000" lnSpcReduction="20000"/>
-          </a:bodyPr>
-          <a:lstStyle/>
-          <a:p>
-            <a:fld id="{1AD93096-5B34-4342-9326-69289CEAE4C2}" type="slidenum">
-              <a:rPr lang="en-US" smtClean="0"/>
-              <a:pPr/>
-              <a:t>27</a:t>
-            </a:fld>
-            <a:endParaRPr lang="en-US" dirty="0">
-              <a:solidFill>
-                <a:srgbClr val="FFFFFF"/>
-              </a:solidFill>
-            </a:endParaRPr>
-          </a:p>
-        </p:txBody>
-      </p:sp>
-      <p:sp>
-        <p:nvSpPr>
-          <p:cNvPr id="4" name="Content Placeholder 3"/>
-          <p:cNvSpPr>
-            <a:spLocks noGrp="1"/>
-          </p:cNvSpPr>
-          <p:nvPr>
-            <p:ph sz="quarter" idx="1"/>
-          </p:nvPr>
-        </p:nvSpPr>
-        <p:spPr/>
-        <p:txBody>
-          <a:bodyPr/>
-          <a:lstStyle/>
-          <a:p>
-            <a:endParaRPr lang="vi-VN"/>
-          </a:p>
-        </p:txBody>
-      </p:sp>
-    </p:spTree>
-    <p:extLst>
-      <p:ext uri="{BB962C8B-B14F-4D97-AF65-F5344CB8AC3E}">
-        <p14:creationId xmlns:p14="http://schemas.microsoft.com/office/powerpoint/2010/main" val="3067536780"/>
-      </p:ext>
-    </p:extLst>
-  </p:cSld>
-  <p:clrMapOvr>
-    <a:masterClrMapping/>
-  </p:clrMapOvr>
-  <p:timing>
-    <p:tnLst>
-      <p:par>
-        <p:cTn id="1" dur="indefinite" restart="never" nodeType="tmRoot"/>
-      </p:par>
-    </p:tnLst>
-  </p:timing>
-</p:sld>
-</file>
-
-<file path=ppt/slides/slide28.xml><?xml version="1.0" encoding="utf-8"?>
-<p:sld xmlns:a="http://schemas.openxmlformats.org/drawingml/2006/main" xmlns:r="http://schemas.openxmlformats.org/officeDocument/2006/relationships" xmlns:p="http://schemas.openxmlformats.org/presentationml/2006/main">
-  <p:cSld>
-    <p:spTree>
-      <p:nvGrpSpPr>
-        <p:cNvPr id="1" name=""/>
-        <p:cNvGrpSpPr/>
-        <p:nvPr/>
-      </p:nvGrpSpPr>
-      <p:grpSpPr>
-        <a:xfrm>
-          <a:off x="0" y="0"/>
-          <a:ext cx="0" cy="0"/>
-          <a:chOff x="0" y="0"/>
-          <a:chExt cx="0" cy="0"/>
-        </a:xfrm>
-      </p:grpSpPr>
-      <p:sp>
-        <p:nvSpPr>
-          <p:cNvPr id="2" name="Title 1"/>
-          <p:cNvSpPr>
-            <a:spLocks noGrp="1"/>
-          </p:cNvSpPr>
-          <p:nvPr>
-            <p:ph type="title"/>
-          </p:nvPr>
-        </p:nvSpPr>
-        <p:spPr/>
-        <p:txBody>
-          <a:bodyPr>
-            <a:normAutofit/>
-          </a:bodyPr>
-          <a:lstStyle/>
-          <a:p>
-            <a:r>
-              <a:rPr lang="en-US" smtClean="0"/>
-              <a:t>Đánh giá</a:t>
-            </a:r>
-            <a:endParaRPr lang="vi-VN" dirty="0"/>
-          </a:p>
-        </p:txBody>
-      </p:sp>
-      <p:sp>
-        <p:nvSpPr>
-          <p:cNvPr id="3" name="Slide Number Placeholder 2"/>
-          <p:cNvSpPr>
-            <a:spLocks noGrp="1"/>
-          </p:cNvSpPr>
-          <p:nvPr>
-            <p:ph type="sldNum" sz="quarter" idx="12"/>
-          </p:nvPr>
-        </p:nvSpPr>
-        <p:spPr/>
-        <p:txBody>
-          <a:bodyPr>
-            <a:normAutofit fontScale="85000" lnSpcReduction="20000"/>
-          </a:bodyPr>
-          <a:lstStyle/>
-          <a:p>
-            <a:fld id="{1AD93096-5B34-4342-9326-69289CEAE4C2}" type="slidenum">
-              <a:rPr lang="en-US" smtClean="0"/>
-              <a:pPr/>
-              <a:t>28</a:t>
-            </a:fld>
-            <a:endParaRPr lang="en-US" dirty="0"/>
-          </a:p>
-        </p:txBody>
-      </p:sp>
-      <p:sp>
-        <p:nvSpPr>
-          <p:cNvPr id="6" name="Content Placeholder 5"/>
-          <p:cNvSpPr>
-            <a:spLocks noGrp="1"/>
-          </p:cNvSpPr>
-          <p:nvPr>
-            <p:ph sz="quarter" idx="1"/>
-          </p:nvPr>
-        </p:nvSpPr>
-        <p:spPr/>
-        <p:txBody>
-          <a:bodyPr/>
-          <a:lstStyle/>
-          <a:p>
-            <a:endParaRPr lang="vi-VN"/>
-          </a:p>
-        </p:txBody>
-      </p:sp>
-    </p:spTree>
-    <p:extLst>
-      <p:ext uri="{BB962C8B-B14F-4D97-AF65-F5344CB8AC3E}">
-        <p14:creationId xmlns:p14="http://schemas.microsoft.com/office/powerpoint/2010/main" val="2449681135"/>
-      </p:ext>
-    </p:extLst>
-  </p:cSld>
-  <p:clrMapOvr>
-    <a:masterClrMapping/>
-  </p:clrMapOvr>
-  <p:timing>
-    <p:tnLst>
-      <p:par>
-        <p:cTn id="1" dur="indefinite" restart="never" nodeType="tmRoot"/>
-      </p:par>
-    </p:tnLst>
-  </p:timing>
-</p:sld>
-</file>
-
-<file path=ppt/slides/slide29.xml><?xml version="1.0" encoding="utf-8"?>
-<p:sld xmlns:a="http://schemas.openxmlformats.org/drawingml/2006/main" xmlns:r="http://schemas.openxmlformats.org/officeDocument/2006/relationships" xmlns:p="http://schemas.openxmlformats.org/presentationml/2006/main">
-  <p:cSld>
-    <p:spTree>
-      <p:nvGrpSpPr>
-        <p:cNvPr id="1" name=""/>
-        <p:cNvGrpSpPr/>
-        <p:nvPr/>
-      </p:nvGrpSpPr>
-      <p:grpSpPr>
-        <a:xfrm>
-          <a:off x="0" y="0"/>
-          <a:ext cx="0" cy="0"/>
-          <a:chOff x="0" y="0"/>
-          <a:chExt cx="0" cy="0"/>
-        </a:xfrm>
-      </p:grpSpPr>
-      <p:sp>
-        <p:nvSpPr>
-          <p:cNvPr id="2" name="Title 1"/>
-          <p:cNvSpPr>
-            <a:spLocks noGrp="1"/>
-          </p:cNvSpPr>
-          <p:nvPr>
-            <p:ph type="title"/>
-          </p:nvPr>
-        </p:nvSpPr>
-        <p:spPr/>
-        <p:txBody>
-          <a:bodyPr>
-            <a:normAutofit/>
-          </a:bodyPr>
-          <a:lstStyle/>
-          <a:p>
-            <a:r>
-              <a:rPr lang="en-US" dirty="0" err="1" smtClean="0"/>
-              <a:t>Những</a:t>
-            </a:r>
-            <a:r>
-              <a:rPr lang="en-US" dirty="0" smtClean="0"/>
-              <a:t> </a:t>
-            </a:r>
-            <a:r>
-              <a:rPr lang="en-US" dirty="0" err="1" smtClean="0"/>
-              <a:t>hạn</a:t>
-            </a:r>
-            <a:r>
-              <a:rPr lang="en-US" dirty="0" smtClean="0"/>
-              <a:t> </a:t>
-            </a:r>
-            <a:r>
-              <a:rPr lang="en-US" dirty="0" err="1" smtClean="0"/>
-              <a:t>chế</a:t>
-            </a:r>
-            <a:endParaRPr lang="vi-VN" dirty="0"/>
-          </a:p>
-        </p:txBody>
-      </p:sp>
-      <p:sp>
-        <p:nvSpPr>
-          <p:cNvPr id="3" name="Slide Number Placeholder 2"/>
-          <p:cNvSpPr>
-            <a:spLocks noGrp="1"/>
-          </p:cNvSpPr>
-          <p:nvPr>
-            <p:ph type="sldNum" sz="quarter" idx="12"/>
-          </p:nvPr>
-        </p:nvSpPr>
-        <p:spPr/>
-        <p:txBody>
-          <a:bodyPr>
-            <a:normAutofit fontScale="85000" lnSpcReduction="20000"/>
-          </a:bodyPr>
-          <a:lstStyle/>
-          <a:p>
-            <a:fld id="{1AD93096-5B34-4342-9326-69289CEAE4C2}" type="slidenum">
-              <a:rPr lang="en-US" smtClean="0"/>
-              <a:pPr/>
-              <a:t>29</a:t>
-            </a:fld>
-            <a:endParaRPr lang="en-US" dirty="0">
-              <a:solidFill>
-                <a:srgbClr val="FFFFFF"/>
-              </a:solidFill>
-            </a:endParaRPr>
-          </a:p>
-        </p:txBody>
-      </p:sp>
-      <p:sp>
-        <p:nvSpPr>
-          <p:cNvPr id="4" name="Content Placeholder 3"/>
-          <p:cNvSpPr>
-            <a:spLocks noGrp="1"/>
-          </p:cNvSpPr>
-          <p:nvPr>
-            <p:ph sz="quarter" idx="1"/>
-          </p:nvPr>
-        </p:nvSpPr>
-        <p:spPr/>
-        <p:txBody>
-          <a:bodyPr/>
-          <a:lstStyle/>
-          <a:p>
-            <a:endParaRPr lang="vi-VN"/>
-          </a:p>
-        </p:txBody>
-      </p:sp>
-    </p:spTree>
-    <p:extLst>
-      <p:ext uri="{BB962C8B-B14F-4D97-AF65-F5344CB8AC3E}">
-        <p14:creationId xmlns:p14="http://schemas.microsoft.com/office/powerpoint/2010/main" val="1913792255"/>
-      </p:ext>
-    </p:extLst>
-  </p:cSld>
-  <p:clrMapOvr>
-    <a:masterClrMapping/>
-  </p:clrMapOvr>
-  <p:timing>
-    <p:tnLst>
-      <p:par>
-        <p:cTn id="1" dur="indefinite" restart="never" nodeType="tmRoot"/>
-      </p:par>
-    </p:tnLst>
-  </p:timing>
-</p:sld>
-</file>
-
-<file path=ppt/slides/slide3.xml><?xml version="1.0" encoding="utf-8"?>
-<p:sld xmlns:a="http://schemas.openxmlformats.org/drawingml/2006/main" xmlns:r="http://schemas.openxmlformats.org/officeDocument/2006/relationships" xmlns:p="http://schemas.openxmlformats.org/presentationml/2006/main">
-  <p:cSld>
-    <p:spTree>
-      <p:nvGrpSpPr>
-        <p:cNvPr id="1" name=""/>
-        <p:cNvGrpSpPr/>
-        <p:nvPr/>
-      </p:nvGrpSpPr>
-      <p:grpSpPr>
-        <a:xfrm>
-          <a:off x="0" y="0"/>
-          <a:ext cx="0" cy="0"/>
-          <a:chOff x="0" y="0"/>
-          <a:chExt cx="0" cy="0"/>
-        </a:xfrm>
-      </p:grpSpPr>
-      <p:sp>
-        <p:nvSpPr>
-          <p:cNvPr id="2" name="Title 1"/>
-          <p:cNvSpPr>
-            <a:spLocks noGrp="1"/>
-          </p:cNvSpPr>
-          <p:nvPr>
-            <p:ph type="title"/>
-          </p:nvPr>
-        </p:nvSpPr>
-        <p:spPr/>
-        <p:txBody>
-          <a:bodyPr>
-            <a:normAutofit/>
-          </a:bodyPr>
-          <a:lstStyle/>
-          <a:p>
-            <a:r>
               <a:rPr lang="en-US" dirty="0" err="1" smtClean="0"/>
               <a:t>Bài</a:t>
             </a:r>
@@ -15532,7 +16342,7 @@
             <a:fld id="{1AD93096-5B34-4342-9326-69289CEAE4C2}" type="slidenum">
               <a:rPr lang="en-US" smtClean="0"/>
               <a:pPr/>
-              <a:t>3</a:t>
+              <a:t>4</a:t>
             </a:fld>
             <a:endParaRPr lang="en-US" dirty="0">
               <a:solidFill>
@@ -15667,411 +16477,7 @@
 </p:sld>
 </file>
 
-<file path=ppt/slides/slide30.xml><?xml version="1.0" encoding="utf-8"?>
-<p:sld xmlns:a="http://schemas.openxmlformats.org/drawingml/2006/main" xmlns:r="http://schemas.openxmlformats.org/officeDocument/2006/relationships" xmlns:p="http://schemas.openxmlformats.org/presentationml/2006/main">
-  <p:cSld>
-    <p:spTree>
-      <p:nvGrpSpPr>
-        <p:cNvPr id="1" name=""/>
-        <p:cNvGrpSpPr/>
-        <p:nvPr/>
-      </p:nvGrpSpPr>
-      <p:grpSpPr>
-        <a:xfrm>
-          <a:off x="0" y="0"/>
-          <a:ext cx="0" cy="0"/>
-          <a:chOff x="0" y="0"/>
-          <a:chExt cx="0" cy="0"/>
-        </a:xfrm>
-      </p:grpSpPr>
-      <p:sp>
-        <p:nvSpPr>
-          <p:cNvPr id="5" name="Text Placeholder 4"/>
-          <p:cNvSpPr>
-            <a:spLocks noGrp="1"/>
-          </p:cNvSpPr>
-          <p:nvPr>
-            <p:ph type="body" idx="1"/>
-          </p:nvPr>
-        </p:nvSpPr>
-        <p:spPr/>
-        <p:txBody>
-          <a:bodyPr/>
-          <a:lstStyle/>
-          <a:p>
-            <a:endParaRPr lang="vi-VN"/>
-          </a:p>
-        </p:txBody>
-      </p:sp>
-      <p:sp>
-        <p:nvSpPr>
-          <p:cNvPr id="4" name="Title 3"/>
-          <p:cNvSpPr>
-            <a:spLocks noGrp="1"/>
-          </p:cNvSpPr>
-          <p:nvPr>
-            <p:ph type="title"/>
-          </p:nvPr>
-        </p:nvSpPr>
-        <p:spPr/>
-        <p:txBody>
-          <a:bodyPr>
-            <a:normAutofit/>
-          </a:bodyPr>
-          <a:lstStyle/>
-          <a:p>
-            <a:r>
-              <a:rPr lang="en-US" dirty="0" smtClean="0"/>
-              <a:t>DEMONSTRATION</a:t>
-            </a:r>
-            <a:endParaRPr lang="vi-VN" dirty="0"/>
-          </a:p>
-        </p:txBody>
-      </p:sp>
-      <p:sp>
-        <p:nvSpPr>
-          <p:cNvPr id="3" name="Slide Number Placeholder 2"/>
-          <p:cNvSpPr>
-            <a:spLocks noGrp="1"/>
-          </p:cNvSpPr>
-          <p:nvPr>
-            <p:ph type="sldNum" sz="quarter" idx="11"/>
-          </p:nvPr>
-        </p:nvSpPr>
-        <p:spPr/>
-        <p:txBody>
-          <a:bodyPr>
-            <a:normAutofit/>
-          </a:bodyPr>
-          <a:lstStyle/>
-          <a:p>
-            <a:fld id="{1AD93096-5B34-4342-9326-69289CEAE4C2}" type="slidenum">
-              <a:rPr lang="en-US" smtClean="0"/>
-              <a:pPr/>
-              <a:t>30</a:t>
-            </a:fld>
-            <a:endParaRPr lang="en-US" dirty="0">
-              <a:solidFill>
-                <a:srgbClr val="FFFFFF"/>
-              </a:solidFill>
-            </a:endParaRPr>
-          </a:p>
-        </p:txBody>
-      </p:sp>
-    </p:spTree>
-    <p:extLst>
-      <p:ext uri="{BB962C8B-B14F-4D97-AF65-F5344CB8AC3E}">
-        <p14:creationId xmlns:p14="http://schemas.microsoft.com/office/powerpoint/2010/main" val="1870866790"/>
-      </p:ext>
-    </p:extLst>
-  </p:cSld>
-  <p:clrMapOvr>
-    <a:masterClrMapping/>
-  </p:clrMapOvr>
-  <p:timing>
-    <p:tnLst>
-      <p:par>
-        <p:cTn id="1" dur="indefinite" restart="never" nodeType="tmRoot"/>
-      </p:par>
-    </p:tnLst>
-  </p:timing>
-</p:sld>
-</file>
-
-<file path=ppt/slides/slide31.xml><?xml version="1.0" encoding="utf-8"?>
-<p:sld xmlns:a="http://schemas.openxmlformats.org/drawingml/2006/main" xmlns:r="http://schemas.openxmlformats.org/officeDocument/2006/relationships" xmlns:p="http://schemas.openxmlformats.org/presentationml/2006/main">
-  <p:cSld>
-    <p:spTree>
-      <p:nvGrpSpPr>
-        <p:cNvPr id="1" name=""/>
-        <p:cNvGrpSpPr/>
-        <p:nvPr/>
-      </p:nvGrpSpPr>
-      <p:grpSpPr>
-        <a:xfrm>
-          <a:off x="0" y="0"/>
-          <a:ext cx="0" cy="0"/>
-          <a:chOff x="0" y="0"/>
-          <a:chExt cx="0" cy="0"/>
-        </a:xfrm>
-      </p:grpSpPr>
-      <p:sp>
-        <p:nvSpPr>
-          <p:cNvPr id="5" name="Text Placeholder 4"/>
-          <p:cNvSpPr>
-            <a:spLocks noGrp="1"/>
-          </p:cNvSpPr>
-          <p:nvPr>
-            <p:ph type="body" idx="1"/>
-          </p:nvPr>
-        </p:nvSpPr>
-        <p:spPr/>
-        <p:txBody>
-          <a:bodyPr/>
-          <a:lstStyle/>
-          <a:p>
-            <a:endParaRPr lang="vi-VN"/>
-          </a:p>
-        </p:txBody>
-      </p:sp>
-      <p:sp>
-        <p:nvSpPr>
-          <p:cNvPr id="4" name="Title 3"/>
-          <p:cNvSpPr>
-            <a:spLocks noGrp="1"/>
-          </p:cNvSpPr>
-          <p:nvPr>
-            <p:ph type="title"/>
-          </p:nvPr>
-        </p:nvSpPr>
-        <p:spPr/>
-        <p:txBody>
-          <a:bodyPr>
-            <a:normAutofit/>
-          </a:bodyPr>
-          <a:lstStyle/>
-          <a:p>
-            <a:r>
-              <a:rPr lang="en-US" dirty="0" smtClean="0"/>
-              <a:t>Q &amp; A</a:t>
-            </a:r>
-            <a:endParaRPr lang="vi-VN" dirty="0"/>
-          </a:p>
-        </p:txBody>
-      </p:sp>
-      <p:sp>
-        <p:nvSpPr>
-          <p:cNvPr id="3" name="Slide Number Placeholder 2"/>
-          <p:cNvSpPr>
-            <a:spLocks noGrp="1"/>
-          </p:cNvSpPr>
-          <p:nvPr>
-            <p:ph type="sldNum" sz="quarter" idx="11"/>
-          </p:nvPr>
-        </p:nvSpPr>
-        <p:spPr/>
-        <p:txBody>
-          <a:bodyPr>
-            <a:normAutofit/>
-          </a:bodyPr>
-          <a:lstStyle/>
-          <a:p>
-            <a:fld id="{1AD93096-5B34-4342-9326-69289CEAE4C2}" type="slidenum">
-              <a:rPr lang="en-US" smtClean="0"/>
-              <a:pPr/>
-              <a:t>31</a:t>
-            </a:fld>
-            <a:endParaRPr lang="en-US" dirty="0">
-              <a:solidFill>
-                <a:srgbClr val="FFFFFF"/>
-              </a:solidFill>
-            </a:endParaRPr>
-          </a:p>
-        </p:txBody>
-      </p:sp>
-    </p:spTree>
-    <p:extLst>
-      <p:ext uri="{BB962C8B-B14F-4D97-AF65-F5344CB8AC3E}">
-        <p14:creationId xmlns:p14="http://schemas.microsoft.com/office/powerpoint/2010/main" val="2443692379"/>
-      </p:ext>
-    </p:extLst>
-  </p:cSld>
-  <p:clrMapOvr>
-    <a:masterClrMapping/>
-  </p:clrMapOvr>
-  <p:timing>
-    <p:tnLst>
-      <p:par>
-        <p:cTn id="1" dur="indefinite" restart="never" nodeType="tmRoot"/>
-      </p:par>
-    </p:tnLst>
-  </p:timing>
-</p:sld>
-</file>
-
-<file path=ppt/slides/slide32.xml><?xml version="1.0" encoding="utf-8"?>
-<p:sld xmlns:a="http://schemas.openxmlformats.org/drawingml/2006/main" xmlns:r="http://schemas.openxmlformats.org/officeDocument/2006/relationships" xmlns:p="http://schemas.openxmlformats.org/presentationml/2006/main">
-  <p:cSld>
-    <p:spTree>
-      <p:nvGrpSpPr>
-        <p:cNvPr id="1" name=""/>
-        <p:cNvGrpSpPr/>
-        <p:nvPr/>
-      </p:nvGrpSpPr>
-      <p:grpSpPr>
-        <a:xfrm>
-          <a:off x="0" y="0"/>
-          <a:ext cx="0" cy="0"/>
-          <a:chOff x="0" y="0"/>
-          <a:chExt cx="0" cy="0"/>
-        </a:xfrm>
-      </p:grpSpPr>
-      <p:sp>
-        <p:nvSpPr>
-          <p:cNvPr id="8" name="Text Placeholder 7"/>
-          <p:cNvSpPr>
-            <a:spLocks noGrp="1"/>
-          </p:cNvSpPr>
-          <p:nvPr>
-            <p:ph type="body" sz="half" idx="2"/>
-          </p:nvPr>
-        </p:nvSpPr>
-        <p:spPr/>
-        <p:txBody>
-          <a:bodyPr/>
-          <a:lstStyle/>
-          <a:p>
-            <a:endParaRPr lang="vi-VN" dirty="0"/>
-          </a:p>
-        </p:txBody>
-      </p:sp>
-      <p:sp>
-        <p:nvSpPr>
-          <p:cNvPr id="6" name="Title 5"/>
-          <p:cNvSpPr>
-            <a:spLocks noGrp="1"/>
-          </p:cNvSpPr>
-          <p:nvPr>
-            <p:ph type="title"/>
-          </p:nvPr>
-        </p:nvSpPr>
-        <p:spPr>
-          <a:xfrm>
-            <a:off x="1600200" y="4648200"/>
-            <a:ext cx="7543800" cy="685800"/>
-          </a:xfrm>
-        </p:spPr>
-        <p:txBody>
-          <a:bodyPr>
-            <a:normAutofit/>
-          </a:bodyPr>
-          <a:lstStyle/>
-          <a:p>
-            <a:r>
-              <a:rPr lang="en-US" dirty="0" smtClean="0"/>
-              <a:t>THANKS FOR YOUR ATTENTION!</a:t>
-            </a:r>
-            <a:endParaRPr lang="vi-VN" dirty="0"/>
-          </a:p>
-        </p:txBody>
-      </p:sp>
-      <p:sp>
-        <p:nvSpPr>
-          <p:cNvPr id="3" name="Slide Number Placeholder 2"/>
-          <p:cNvSpPr>
-            <a:spLocks noGrp="1"/>
-          </p:cNvSpPr>
-          <p:nvPr>
-            <p:ph type="sldNum" sz="quarter" idx="11"/>
-          </p:nvPr>
-        </p:nvSpPr>
-        <p:spPr/>
-        <p:txBody>
-          <a:bodyPr>
-            <a:normAutofit/>
-          </a:bodyPr>
-          <a:lstStyle/>
-          <a:p>
-            <a:fld id="{1AD93096-5B34-4342-9326-69289CEAE4C2}" type="slidenum">
-              <a:rPr lang="en-US" smtClean="0"/>
-              <a:pPr/>
-              <a:t>32</a:t>
-            </a:fld>
-            <a:endParaRPr lang="en-US" dirty="0">
-              <a:solidFill>
-                <a:srgbClr val="FFFFFF"/>
-              </a:solidFill>
-            </a:endParaRPr>
-          </a:p>
-        </p:txBody>
-      </p:sp>
-      <p:pic>
-        <p:nvPicPr>
-          <p:cNvPr id="10" name="Picture 2"/>
-          <p:cNvPicPr>
-            <a:picLocks noGrp="1" noChangeAspect="1" noChangeArrowheads="1"/>
-          </p:cNvPicPr>
-          <p:nvPr>
-            <p:ph type="pic" idx="1"/>
-          </p:nvPr>
-        </p:nvPicPr>
-        <p:blipFill>
-          <a:blip r:embed="rId2">
-            <a:extLst>
-              <a:ext uri="{28A0092B-C50C-407E-A947-70E740481C1C}">
-                <a14:useLocalDpi xmlns:a14="http://schemas.microsoft.com/office/drawing/2010/main" val="0"/>
-              </a:ext>
-            </a:extLst>
-          </a:blip>
-          <a:srcRect t="5040" b="5040"/>
-          <a:stretch>
-            <a:fillRect/>
-          </a:stretch>
-        </p:blipFill>
-        <p:spPr bwMode="auto">
-          <a:xfrm>
-            <a:off x="1560576" y="84184"/>
-            <a:ext cx="7583424" cy="4568952"/>
-          </a:xfrm>
-          <a:prstGeom prst="rect">
-            <a:avLst/>
-          </a:prstGeom>
-          <a:noFill/>
-          <a:ln>
-            <a:noFill/>
-          </a:ln>
-          <a:effectLst/>
-          <a:extLst>
-            <a:ext uri="{909E8E84-426E-40DD-AFC4-6F175D3DCCD1}">
-              <a14:hiddenFill xmlns:a14="http://schemas.microsoft.com/office/drawing/2010/main">
-                <a:solidFill>
-                  <a:schemeClr val="accent1"/>
-                </a:solidFill>
-              </a14:hiddenFill>
-            </a:ext>
-            <a:ext uri="{91240B29-F687-4F45-9708-019B960494DF}">
-              <a14:hiddenLine xmlns:a14="http://schemas.microsoft.com/office/drawing/2010/main" w="9525">
-                <a:solidFill>
-                  <a:schemeClr val="tx1"/>
-                </a:solidFill>
-                <a:miter lim="800000"/>
-                <a:headEnd/>
-                <a:tailEnd/>
-              </a14:hiddenLine>
-            </a:ext>
-            <a:ext uri="{AF507438-7753-43E0-B8FC-AC1667EBCBE1}">
-              <a14:hiddenEffects xmlns:a14="http://schemas.microsoft.com/office/drawing/2010/main">
-                <a:effectLst>
-                  <a:outerShdw dist="35921" dir="2700000" algn="ctr" rotWithShape="0">
-                    <a:schemeClr val="bg2"/>
-                  </a:outerShdw>
-                </a:effectLst>
-              </a14:hiddenEffects>
-            </a:ext>
-          </a:extLst>
-        </p:spPr>
-      </p:pic>
-    </p:spTree>
-    <p:extLst>
-      <p:ext uri="{BB962C8B-B14F-4D97-AF65-F5344CB8AC3E}">
-        <p14:creationId xmlns:p14="http://schemas.microsoft.com/office/powerpoint/2010/main" val="4160154454"/>
-      </p:ext>
-    </p:extLst>
-  </p:cSld>
-  <p:clrMapOvr>
-    <a:masterClrMapping/>
-  </p:clrMapOvr>
-  <p:timing>
-    <p:tnLst>
-      <p:par>
-        <p:cTn id="1" dur="indefinite" restart="never" nodeType="tmRoot"/>
-      </p:par>
-    </p:tnLst>
-  </p:timing>
-</p:sld>
-</file>
-
-<file path=ppt/slides/slide4.xml><?xml version="1.0" encoding="utf-8"?>
+<file path=ppt/slides/slide5.xml><?xml version="1.0" encoding="utf-8"?>
 <p:sld xmlns:a="http://schemas.openxmlformats.org/drawingml/2006/main" xmlns:r="http://schemas.openxmlformats.org/officeDocument/2006/relationships" xmlns:p="http://schemas.openxmlformats.org/presentationml/2006/main">
   <p:cSld>
     <p:spTree>
@@ -16162,7 +16568,7 @@
             <a:fld id="{1AD93096-5B34-4342-9326-69289CEAE4C2}" type="slidenum">
               <a:rPr lang="en-US" smtClean="0"/>
               <a:pPr algn="ctr"/>
-              <a:t>4</a:t>
+              <a:t>5</a:t>
             </a:fld>
             <a:endParaRPr lang="en-US" sz="2400" dirty="0">
               <a:solidFill>
@@ -16461,73 +16867,6 @@
     <p:extLst>
       <p:ext uri="{BB962C8B-B14F-4D97-AF65-F5344CB8AC3E}">
         <p14:creationId xmlns:p14="http://schemas.microsoft.com/office/powerpoint/2010/main" val="219710380"/>
-      </p:ext>
-    </p:extLst>
-  </p:cSld>
-  <p:clrMapOvr>
-    <a:masterClrMapping/>
-  </p:clrMapOvr>
-  <p:timing>
-    <p:tnLst>
-      <p:par>
-        <p:cTn id="1" dur="indefinite" restart="never" nodeType="tmRoot"/>
-      </p:par>
-    </p:tnLst>
-  </p:timing>
-</p:sld>
-</file>
-
-<file path=ppt/slides/slide5.xml><?xml version="1.0" encoding="utf-8"?>
-<p:sld xmlns:a="http://schemas.openxmlformats.org/drawingml/2006/main" xmlns:r="http://schemas.openxmlformats.org/officeDocument/2006/relationships" xmlns:p="http://schemas.openxmlformats.org/presentationml/2006/main">
-  <p:cSld>
-    <p:spTree>
-      <p:nvGrpSpPr>
-        <p:cNvPr id="1" name=""/>
-        <p:cNvGrpSpPr/>
-        <p:nvPr/>
-      </p:nvGrpSpPr>
-      <p:grpSpPr>
-        <a:xfrm>
-          <a:off x="0" y="0"/>
-          <a:ext cx="0" cy="0"/>
-          <a:chOff x="0" y="0"/>
-          <a:chExt cx="0" cy="0"/>
-        </a:xfrm>
-      </p:grpSpPr>
-      <p:sp>
-        <p:nvSpPr>
-          <p:cNvPr id="3" name="Slide Number Placeholder 2"/>
-          <p:cNvSpPr>
-            <a:spLocks noGrp="1"/>
-          </p:cNvSpPr>
-          <p:nvPr>
-            <p:ph type="sldNum" sz="quarter" idx="12"/>
-          </p:nvPr>
-        </p:nvSpPr>
-        <p:spPr/>
-        <p:txBody>
-          <a:bodyPr>
-            <a:normAutofit/>
-          </a:bodyPr>
-          <a:lstStyle/>
-          <a:p>
-            <a:fld id="{1AD93096-5B34-4342-9326-69289CEAE4C2}" type="slidenum">
-              <a:rPr lang="en-US" smtClean="0"/>
-              <a:pPr/>
-              <a:t>5</a:t>
-            </a:fld>
-            <a:endParaRPr lang="en-US" dirty="0">
-              <a:solidFill>
-                <a:srgbClr val="FFFFFF"/>
-              </a:solidFill>
-            </a:endParaRPr>
-          </a:p>
-        </p:txBody>
-      </p:sp>
-    </p:spTree>
-    <p:extLst>
-      <p:ext uri="{BB962C8B-B14F-4D97-AF65-F5344CB8AC3E}">
-        <p14:creationId xmlns:p14="http://schemas.microsoft.com/office/powerpoint/2010/main" val="1041764533"/>
       </p:ext>
     </p:extLst>
   </p:cSld>
@@ -16594,7 +16933,7 @@
     </p:spTree>
     <p:extLst>
       <p:ext uri="{BB962C8B-B14F-4D97-AF65-F5344CB8AC3E}">
-        <p14:creationId xmlns:p14="http://schemas.microsoft.com/office/powerpoint/2010/main" val="3438816456"/>
+        <p14:creationId xmlns:p14="http://schemas.microsoft.com/office/powerpoint/2010/main" val="1041764533"/>
       </p:ext>
     </p:extLst>
   </p:cSld>
@@ -16630,59 +16969,6 @@
       </p:grpSpPr>
       <p:sp>
         <p:nvSpPr>
-          <p:cNvPr id="2" name="Title 1"/>
-          <p:cNvSpPr>
-            <a:spLocks noGrp="1"/>
-          </p:cNvSpPr>
-          <p:nvPr>
-            <p:ph type="title"/>
-          </p:nvPr>
-        </p:nvSpPr>
-        <p:spPr/>
-        <p:txBody>
-          <a:bodyPr>
-            <a:normAutofit/>
-          </a:bodyPr>
-          <a:lstStyle/>
-          <a:p>
-            <a:r>
-              <a:rPr lang="en-US" dirty="0" err="1" smtClean="0"/>
-              <a:t>Bài</a:t>
-            </a:r>
-            <a:r>
-              <a:rPr lang="en-US" dirty="0" smtClean="0"/>
-              <a:t> </a:t>
-            </a:r>
-            <a:r>
-              <a:rPr lang="en-US" dirty="0" err="1" smtClean="0"/>
-              <a:t>toán</a:t>
-            </a:r>
-            <a:r>
-              <a:rPr lang="en-US" dirty="0" smtClean="0"/>
-              <a:t> </a:t>
-            </a:r>
-            <a:r>
-              <a:rPr lang="en-US" dirty="0" err="1" smtClean="0"/>
-              <a:t>kiến</a:t>
-            </a:r>
-            <a:r>
-              <a:rPr lang="en-US" dirty="0" smtClean="0"/>
-              <a:t> </a:t>
-            </a:r>
-            <a:r>
-              <a:rPr lang="en-US" dirty="0" err="1" smtClean="0"/>
-              <a:t>trúc</a:t>
-            </a:r>
-            <a:r>
-              <a:rPr lang="en-US" dirty="0" smtClean="0"/>
-              <a:t> #2</a:t>
-            </a:r>
-            <a:endParaRPr lang="vi-VN" dirty="0"/>
-          </a:p>
-        </p:txBody>
-      </p:sp>
-      <p:sp>
-        <p:nvSpPr>
           <p:cNvPr id="3" name="Slide Number Placeholder 2"/>
           <p:cNvSpPr>
             <a:spLocks noGrp="1"/>
@@ -16694,7 +16980,7 @@
         <p:spPr/>
         <p:txBody>
           <a:bodyPr>
-            <a:normAutofit fontScale="85000" lnSpcReduction="20000"/>
+            <a:normAutofit/>
           </a:bodyPr>
           <a:lstStyle/>
           <a:p>
@@ -16711,113 +16997,10 @@
           </a:p>
         </p:txBody>
       </p:sp>
-      <p:sp>
-        <p:nvSpPr>
-          <p:cNvPr id="4" name="Content Placeholder 3"/>
-          <p:cNvSpPr>
-            <a:spLocks noGrp="1"/>
-          </p:cNvSpPr>
-          <p:nvPr>
-            <p:ph sz="quarter" idx="1"/>
-          </p:nvPr>
-        </p:nvSpPr>
-        <p:spPr/>
-        <p:txBody>
-          <a:bodyPr/>
-          <a:lstStyle/>
-          <a:p>
-            <a:r>
-              <a:rPr lang="en-US" dirty="0" smtClean="0"/>
-              <a:t>So </a:t>
-            </a:r>
-            <a:r>
-              <a:rPr lang="en-US" dirty="0" err="1" smtClean="0"/>
-              <a:t>sánh</a:t>
-            </a:r>
-            <a:r>
-              <a:rPr lang="en-US" dirty="0" smtClean="0"/>
-              <a:t> </a:t>
-            </a:r>
-            <a:r>
-              <a:rPr lang="en-US" dirty="0" err="1" smtClean="0"/>
-              <a:t>mức</a:t>
-            </a:r>
-            <a:r>
-              <a:rPr lang="en-US" dirty="0" smtClean="0"/>
-              <a:t> </a:t>
-            </a:r>
-            <a:r>
-              <a:rPr lang="en-US" dirty="0" err="1" smtClean="0"/>
-              <a:t>độ</a:t>
-            </a:r>
-            <a:r>
-              <a:rPr lang="en-US" dirty="0" smtClean="0"/>
-              <a:t> </a:t>
-            </a:r>
-            <a:r>
-              <a:rPr lang="en-US" dirty="0" err="1" smtClean="0"/>
-              <a:t>tương</a:t>
-            </a:r>
-            <a:r>
-              <a:rPr lang="en-US" dirty="0" smtClean="0"/>
-              <a:t> </a:t>
-            </a:r>
-            <a:r>
-              <a:rPr lang="en-US" dirty="0" err="1" smtClean="0"/>
-              <a:t>quan</a:t>
-            </a:r>
-            <a:r>
-              <a:rPr lang="en-US" dirty="0" smtClean="0"/>
-              <a:t> </a:t>
-            </a:r>
-            <a:r>
-              <a:rPr lang="en-US" dirty="0" err="1" smtClean="0"/>
-              <a:t>giữa</a:t>
-            </a:r>
-            <a:r>
-              <a:rPr lang="en-US" dirty="0" smtClean="0"/>
-              <a:t> </a:t>
-            </a:r>
-            <a:r>
-              <a:rPr lang="en-US" dirty="0" err="1" smtClean="0"/>
-              <a:t>các</a:t>
-            </a:r>
-            <a:r>
-              <a:rPr lang="en-US" dirty="0" smtClean="0"/>
-              <a:t> </a:t>
-            </a:r>
-            <a:r>
-              <a:rPr lang="en-US" dirty="0" err="1" smtClean="0"/>
-              <a:t>thông</a:t>
-            </a:r>
-            <a:r>
-              <a:rPr lang="en-US" dirty="0" smtClean="0"/>
-              <a:t> tin </a:t>
-            </a:r>
-            <a:r>
-              <a:rPr lang="en-US" dirty="0" err="1" smtClean="0"/>
-              <a:t>với</a:t>
-            </a:r>
-            <a:r>
-              <a:rPr lang="en-US" dirty="0" smtClean="0"/>
-              <a:t> </a:t>
-            </a:r>
-            <a:r>
-              <a:rPr lang="en-US" dirty="0" err="1" smtClean="0"/>
-              <a:t>nhau</a:t>
-            </a:r>
-            <a:r>
-              <a:rPr lang="en-US" dirty="0" smtClean="0"/>
-              <a:t>.</a:t>
-            </a:r>
-            <a:endParaRPr lang="vi-VN" dirty="0"/>
-          </a:p>
-        </p:txBody>
-      </p:sp>
     </p:spTree>
     <p:extLst>
       <p:ext uri="{BB962C8B-B14F-4D97-AF65-F5344CB8AC3E}">
-        <p14:creationId xmlns:p14="http://schemas.microsoft.com/office/powerpoint/2010/main" val="4107862945"/>
+        <p14:creationId xmlns:p14="http://schemas.microsoft.com/office/powerpoint/2010/main" val="3438816456"/>
       </p:ext>
     </p:extLst>
   </p:cSld>
@@ -16863,22 +17046,44 @@
         </p:nvSpPr>
         <p:spPr/>
         <p:txBody>
-          <a:bodyPr/>
+          <a:bodyPr>
+            <a:normAutofit/>
+          </a:bodyPr>
           <a:lstStyle/>
           <a:p>
             <a:r>
-              <a:rPr lang="en-US"/>
-              <a:t>Bài toán kiến </a:t>
-            </a:r>
-            <a:r>
-              <a:rPr lang="en-US"/>
-              <a:t>trúc </a:t>
-            </a:r>
-            <a:r>
-              <a:rPr lang="en-US" smtClean="0"/>
-              <a:t>#3</a:t>
-            </a:r>
-            <a:endParaRPr lang="en-US"/>
+              <a:rPr lang="en-US" dirty="0" err="1" smtClean="0"/>
+              <a:t>Bài</a:t>
+            </a:r>
+            <a:r>
+              <a:rPr lang="en-US" dirty="0" smtClean="0"/>
+              <a:t> </a:t>
+            </a:r>
+            <a:r>
+              <a:rPr lang="en-US" dirty="0" err="1" smtClean="0"/>
+              <a:t>toán</a:t>
+            </a:r>
+            <a:r>
+              <a:rPr lang="en-US" dirty="0" smtClean="0"/>
+              <a:t> </a:t>
+            </a:r>
+            <a:r>
+              <a:rPr lang="en-US" dirty="0" err="1" smtClean="0"/>
+              <a:t>kiến</a:t>
+            </a:r>
+            <a:r>
+              <a:rPr lang="en-US" dirty="0" smtClean="0"/>
+              <a:t> </a:t>
+            </a:r>
+            <a:r>
+              <a:rPr lang="en-US" dirty="0" err="1" smtClean="0"/>
+              <a:t>trúc</a:t>
+            </a:r>
+            <a:r>
+              <a:rPr lang="en-US" dirty="0" smtClean="0"/>
+              <a:t> #2</a:t>
+            </a:r>
+            <a:endParaRPr lang="vi-VN" dirty="0"/>
           </a:p>
         </p:txBody>
       </p:sp>
@@ -16928,26 +17133,97 @@
           <a:lstStyle/>
           <a:p>
             <a:r>
-              <a:rPr lang="en-US" smtClean="0"/>
-              <a:t>Khai thác dữ liệu (data mining) giúp đưa ra thông tin hữu ích, thông tin mang tính quyết định.</a:t>
-            </a:r>
-          </a:p>
-          <a:p>
-            <a:pPr>
-              <a:buFont typeface="Symbol"/>
-              <a:buChar char="Þ"/>
-            </a:pPr>
-            <a:r>
-              <a:rPr lang="en-US" smtClean="0"/>
-              <a:t>Sử dụng kiến trúc tổ chức thông tin linh hoạt trên, làm thế nào cung cấp giải pháp hỗ trợ khai thác dữ liệu?</a:t>
-            </a:r>
+              <a:rPr lang="en-US" dirty="0" smtClean="0"/>
+              <a:t>So </a:t>
+            </a:r>
+            <a:r>
+              <a:rPr lang="en-US" dirty="0" err="1" smtClean="0"/>
+              <a:t>sánh</a:t>
+            </a:r>
+            <a:r>
+              <a:rPr lang="en-US" dirty="0" smtClean="0"/>
+              <a:t> </a:t>
+            </a:r>
+            <a:r>
+              <a:rPr lang="en-US" dirty="0" err="1" smtClean="0"/>
+              <a:t>mức</a:t>
+            </a:r>
+            <a:r>
+              <a:rPr lang="en-US" dirty="0" smtClean="0"/>
+              <a:t> </a:t>
+            </a:r>
+            <a:r>
+              <a:rPr lang="en-US" dirty="0" err="1" smtClean="0"/>
+              <a:t>độ</a:t>
+            </a:r>
+            <a:r>
+              <a:rPr lang="en-US" dirty="0" smtClean="0"/>
+              <a:t> </a:t>
+            </a:r>
+            <a:r>
+              <a:rPr lang="en-US" dirty="0" err="1" smtClean="0"/>
+              <a:t>tương</a:t>
+            </a:r>
+            <a:r>
+              <a:rPr lang="en-US" dirty="0" smtClean="0"/>
+              <a:t> </a:t>
+            </a:r>
+            <a:r>
+              <a:rPr lang="en-US" dirty="0" err="1" smtClean="0"/>
+              <a:t>quan</a:t>
+            </a:r>
+            <a:r>
+              <a:rPr lang="en-US" dirty="0" smtClean="0"/>
+              <a:t> </a:t>
+            </a:r>
+            <a:r>
+              <a:rPr lang="en-US" dirty="0" err="1" smtClean="0"/>
+              <a:t>giữa</a:t>
+            </a:r>
+            <a:r>
+              <a:rPr lang="en-US" dirty="0" smtClean="0"/>
+              <a:t> </a:t>
+            </a:r>
+            <a:r>
+              <a:rPr lang="en-US" dirty="0" err="1" smtClean="0"/>
+              <a:t>các</a:t>
+            </a:r>
+            <a:r>
+              <a:rPr lang="en-US" dirty="0" smtClean="0"/>
+              <a:t> </a:t>
+            </a:r>
+            <a:r>
+              <a:rPr lang="en-US" dirty="0" err="1" smtClean="0"/>
+              <a:t>thông</a:t>
+            </a:r>
+            <a:r>
+              <a:rPr lang="en-US" dirty="0" smtClean="0"/>
+              <a:t> tin </a:t>
+            </a:r>
+            <a:r>
+              <a:rPr lang="en-US" dirty="0" err="1" smtClean="0"/>
+              <a:t>với</a:t>
+            </a:r>
+            <a:r>
+              <a:rPr lang="en-US" dirty="0" smtClean="0"/>
+              <a:t> </a:t>
+            </a:r>
+            <a:r>
+              <a:rPr lang="en-US" dirty="0" err="1" smtClean="0"/>
+              <a:t>nhau</a:t>
+            </a:r>
+            <a:r>
+              <a:rPr lang="en-US" dirty="0" smtClean="0"/>
+              <a:t>.</a:t>
+            </a:r>
+            <a:endParaRPr lang="vi-VN" dirty="0"/>
           </a:p>
         </p:txBody>
       </p:sp>
     </p:spTree>
     <p:extLst>
       <p:ext uri="{BB962C8B-B14F-4D97-AF65-F5344CB8AC3E}">
-        <p14:creationId xmlns:p14="http://schemas.microsoft.com/office/powerpoint/2010/main" val="889496809"/>
+        <p14:creationId xmlns:p14="http://schemas.microsoft.com/office/powerpoint/2010/main" val="4107862945"/>
       </p:ext>
     </p:extLst>
   </p:cSld>
@@ -16965,7 +17241,7 @@
 </file>
 
 <file path=ppt/slides/slide9.xml><?xml version="1.0" encoding="utf-8"?>
-<p:sld xmlns:a="http://schemas.openxmlformats.org/drawingml/2006/main" xmlns:r="http://schemas.openxmlformats.org/officeDocument/2006/relationships" xmlns:p="http://schemas.openxmlformats.org/presentationml/2006/main" show="0">
+<p:sld xmlns:a="http://schemas.openxmlformats.org/drawingml/2006/main" xmlns:r="http://schemas.openxmlformats.org/officeDocument/2006/relationships" xmlns:p="http://schemas.openxmlformats.org/presentationml/2006/main">
   <p:cSld>
     <p:spTree>
       <p:nvGrpSpPr>
@@ -16997,8 +17273,16 @@
           <a:lstStyle/>
           <a:p>
             <a:r>
+              <a:rPr lang="en-US"/>
+              <a:t>Bài toán kiến </a:t>
+            </a:r>
+            <a:r>
+              <a:rPr lang="en-US"/>
+              <a:t>trúc </a:t>
+            </a:r>
+            <a:r>
               <a:rPr lang="en-US" smtClean="0"/>
-              <a:t>Note: </a:t>
+              <a:t>#3</a:t>
             </a:r>
             <a:endParaRPr lang="en-US"/>
           </a:p>
@@ -17046,75 +17330,36 @@
         </p:nvSpPr>
         <p:spPr/>
         <p:txBody>
-          <a:bodyPr>
-            <a:normAutofit fontScale="85000" lnSpcReduction="10000"/>
-          </a:bodyPr>
+          <a:bodyPr/>
           <a:lstStyle/>
           <a:p>
             <a:r>
-              <a:rPr lang="en-US"/>
-              <a:t>definitions of data, information, data files and database</a:t>
-            </a:r>
-          </a:p>
-          <a:p>
-            <a:r>
-              <a:rPr lang="en-US"/>
-              <a:t>the concept and components of information domain</a:t>
-            </a:r>
-          </a:p>
-          <a:p>
-            <a:r>
-              <a:rPr lang="en-US"/>
-              <a:t>the data-oriented approach to information system development</a:t>
-            </a:r>
-          </a:p>
-          <a:p>
-            <a:r>
-              <a:rPr lang="en-US"/>
-              <a:t>the principles and methods of information organization</a:t>
-            </a:r>
-          </a:p>
-          <a:p>
-            <a:r>
-              <a:rPr lang="en-US"/>
-              <a:t>the principles and methods of data structure</a:t>
-            </a:r>
-          </a:p>
-          <a:p>
-            <a:r>
-              <a:rPr lang="en-US"/>
-              <a:t>design and specification of data structure by data modeling</a:t>
-            </a:r>
-          </a:p>
-          <a:p>
-            <a:r>
-              <a:rPr lang="en-US"/>
-              <a:t>design and specification of data structure by process modeling</a:t>
-            </a:r>
-          </a:p>
-          <a:p>
-            <a:endParaRPr lang="en-US"/>
+              <a:rPr lang="en-US" smtClean="0"/>
+              <a:t>Khai thác dữ liệu (data mining) giúp đưa ra thông tin hữu ích, thông tin mang tính quyết định.</a:t>
+            </a:r>
+          </a:p>
+          <a:p>
+            <a:pPr>
+              <a:buFont typeface="Symbol"/>
+              <a:buChar char="Þ"/>
+            </a:pPr>
+            <a:r>
+              <a:rPr lang="en-US" smtClean="0"/>
+              <a:t>Sử dụng kiến trúc tổ chức thông tin linh hoạt trên, làm thế nào cung cấp giải pháp hỗ trợ khai thác dữ liệu?</a:t>
+            </a:r>
           </a:p>
         </p:txBody>
       </p:sp>
     </p:spTree>
     <p:extLst>
       <p:ext uri="{BB962C8B-B14F-4D97-AF65-F5344CB8AC3E}">
-        <p14:creationId xmlns:p14="http://schemas.microsoft.com/office/powerpoint/2010/main" val="438750338"/>
+        <p14:creationId xmlns:p14="http://schemas.microsoft.com/office/powerpoint/2010/main" val="889496809"/>
       </p:ext>
     </p:extLst>
   </p:cSld>
   <p:clrMapOvr>
     <a:masterClrMapping/>
   </p:clrMapOvr>
-  <mc:AlternateContent xmlns:mc="http://schemas.openxmlformats.org/markup-compatibility/2006">
-    <mc:Choice xmlns:p14="http://schemas.microsoft.com/office/powerpoint/2010/main" Requires="p14">
-      <p:transition spd="slow" p14:dur="2000"/>
-    </mc:Choice>
-    <mc:Fallback>
-      <p:transition spd="slow"/>
-    </mc:Fallback>
-  </mc:AlternateContent>
   <p:timing>
     <p:tnLst>
       <p:par>
